--- a/material/PRESENTACION/cienciadedatosaplicada_investigacion.pptx
+++ b/material/PRESENTACION/cienciadedatosaplicada_investigacion.pptx
@@ -132,6 +132,2057 @@
   <p188:author id="{F41D8B98-483F-74EF-7ECF-E3886A2D2BF2}" name="Eric Silva Latorre" initials="ES" userId="74806c10bc288813" providerId="Windows Live"/>
   <p188:author id="{FB1660F4-BA9A-82B8-C334-CF91C75A5656}" name="Ruth Marcela Espinosa Sarmiento" initials="RS" userId="S::ruth.espinosa@unab.cl::2acad1b5-36c7-4a86-bd14-a01055d811d0" providerId="AD"/>
 </p188:authorLst>
+</file>
+
+<file path=ppt/charts/chart1.xml><?xml version="1.0" encoding="utf-8"?>
+<c:chartSpace xmlns:c="http://schemas.openxmlformats.org/drawingml/2006/chart" xmlns:a="http://schemas.openxmlformats.org/drawingml/2006/main" xmlns:r="http://schemas.openxmlformats.org/officeDocument/2006/relationships" xmlns:c16r2="http://schemas.microsoft.com/office/drawing/2015/06/chart">
+  <c:date1904 val="0"/>
+  <c:lang val="es-ES"/>
+  <c:roundedCorners val="0"/>
+  <mc:AlternateContent xmlns:mc="http://schemas.openxmlformats.org/markup-compatibility/2006">
+    <mc:Choice xmlns:c14="http://schemas.microsoft.com/office/drawing/2007/8/2/chart" Requires="c14">
+      <c14:style val="102"/>
+    </mc:Choice>
+    <mc:Fallback>
+      <c:style val="2"/>
+    </mc:Fallback>
+  </mc:AlternateContent>
+  <c:chart>
+    <c:title>
+      <c:overlay val="0"/>
+      <c:spPr>
+        <a:noFill/>
+        <a:ln>
+          <a:noFill/>
+        </a:ln>
+        <a:effectLst/>
+      </c:spPr>
+      <c:txPr>
+        <a:bodyPr rot="0" spcFirstLastPara="1" vertOverflow="ellipsis" vert="horz" wrap="square" anchor="ctr" anchorCtr="1"/>
+        <a:lstStyle/>
+        <a:p>
+          <a:pPr>
+            <a:defRPr sz="1862" b="0" i="0" u="none" strike="noStrike" kern="1200" spc="0" baseline="0">
+              <a:solidFill>
+                <a:schemeClr val="tx1">
+                  <a:lumMod val="65000"/>
+                  <a:lumOff val="35000"/>
+                </a:schemeClr>
+              </a:solidFill>
+              <a:latin typeface="+mn-lt"/>
+              <a:ea typeface="+mn-ea"/>
+              <a:cs typeface="+mn-cs"/>
+            </a:defRPr>
+          </a:pPr>
+          <a:endParaRPr lang="es-CL"/>
+        </a:p>
+      </c:txPr>
+    </c:title>
+    <c:autoTitleDeleted val="0"/>
+    <c:plotArea>
+      <c:layout/>
+      <c:barChart>
+        <c:barDir val="bar"/>
+        <c:grouping val="stacked"/>
+        <c:varyColors val="0"/>
+        <c:ser>
+          <c:idx val="0"/>
+          <c:order val="0"/>
+          <c:tx>
+            <c:strRef>
+              <c:f>Hoja1!$B$1</c:f>
+              <c:strCache>
+                <c:ptCount val="1"/>
+                <c:pt idx="0">
+                  <c:v>Importancia</c:v>
+                </c:pt>
+              </c:strCache>
+            </c:strRef>
+          </c:tx>
+          <c:spPr>
+            <a:solidFill>
+              <a:schemeClr val="accent1"/>
+            </a:solidFill>
+            <a:ln>
+              <a:noFill/>
+            </a:ln>
+            <a:effectLst/>
+          </c:spPr>
+          <c:invertIfNegative val="0"/>
+          <c:cat>
+            <c:strRef>
+              <c:f>Hoja1!$A$2:$A$10</c:f>
+              <c:strCache>
+                <c:ptCount val="9"/>
+                <c:pt idx="0">
+                  <c:v>Sexo</c:v>
+                </c:pt>
+                <c:pt idx="1">
+                  <c:v>Diarrea</c:v>
+                </c:pt>
+                <c:pt idx="2">
+                  <c:v>Condición General Comprometida</c:v>
+                </c:pt>
+                <c:pt idx="3">
+                  <c:v>Ecografía Sugestiva</c:v>
+                </c:pt>
+                <c:pt idx="4">
+                  <c:v>Anemia</c:v>
+                </c:pt>
+                <c:pt idx="5">
+                  <c:v>Masa Rectal Palpable</c:v>
+                </c:pt>
+                <c:pt idx="6">
+                  <c:v>Edad</c:v>
+                </c:pt>
+                <c:pt idx="7">
+                  <c:v>Tomografía Computarizada</c:v>
+                </c:pt>
+                <c:pt idx="8">
+                  <c:v>Sangrado Gastrointestinal</c:v>
+                </c:pt>
+              </c:strCache>
+            </c:strRef>
+          </c:cat>
+          <c:val>
+            <c:numRef>
+              <c:f>Hoja1!$B$2:$B$10</c:f>
+              <c:numCache>
+                <c:formatCode>General</c:formatCode>
+                <c:ptCount val="9"/>
+                <c:pt idx="0">
+                  <c:v>5.5</c:v>
+                </c:pt>
+                <c:pt idx="1">
+                  <c:v>6.3</c:v>
+                </c:pt>
+                <c:pt idx="2">
+                  <c:v>6.8</c:v>
+                </c:pt>
+                <c:pt idx="3">
+                  <c:v>7.2</c:v>
+                </c:pt>
+                <c:pt idx="4">
+                  <c:v>7.5</c:v>
+                </c:pt>
+                <c:pt idx="5">
+                  <c:v>7.9</c:v>
+                </c:pt>
+                <c:pt idx="6">
+                  <c:v>8.5</c:v>
+                </c:pt>
+                <c:pt idx="7">
+                  <c:v>8.8000000000000007</c:v>
+                </c:pt>
+                <c:pt idx="8">
+                  <c:v>9.1999999999999993</c:v>
+                </c:pt>
+              </c:numCache>
+            </c:numRef>
+          </c:val>
+          <c:extLst>
+            <c:ext xmlns:c16="http://schemas.microsoft.com/office/drawing/2014/chart" uri="{C3380CC4-5D6E-409C-BE32-E72D297353CC}">
+              <c16:uniqueId val="{00000000-7120-467C-BF7F-9498318AFAA3}"/>
+            </c:ext>
+          </c:extLst>
+        </c:ser>
+        <c:dLbls>
+          <c:showLegendKey val="0"/>
+          <c:showVal val="0"/>
+          <c:showCatName val="0"/>
+          <c:showSerName val="0"/>
+          <c:showPercent val="0"/>
+          <c:showBubbleSize val="0"/>
+        </c:dLbls>
+        <c:gapWidth val="150"/>
+        <c:overlap val="100"/>
+        <c:axId val="582373391"/>
+        <c:axId val="582373871"/>
+      </c:barChart>
+      <c:catAx>
+        <c:axId val="582373391"/>
+        <c:scaling>
+          <c:orientation val="minMax"/>
+        </c:scaling>
+        <c:delete val="0"/>
+        <c:axPos val="l"/>
+        <c:numFmt formatCode="General" sourceLinked="1"/>
+        <c:majorTickMark val="none"/>
+        <c:minorTickMark val="none"/>
+        <c:tickLblPos val="nextTo"/>
+        <c:spPr>
+          <a:noFill/>
+          <a:ln w="9525" cap="flat" cmpd="sng" algn="ctr">
+            <a:solidFill>
+              <a:schemeClr val="tx1">
+                <a:lumMod val="15000"/>
+                <a:lumOff val="85000"/>
+              </a:schemeClr>
+            </a:solidFill>
+            <a:round/>
+          </a:ln>
+          <a:effectLst/>
+        </c:spPr>
+        <c:txPr>
+          <a:bodyPr rot="-60000000" spcFirstLastPara="1" vertOverflow="ellipsis" vert="horz" wrap="square" anchor="ctr" anchorCtr="1"/>
+          <a:lstStyle/>
+          <a:p>
+            <a:pPr>
+              <a:defRPr sz="1197" b="0" i="0" u="none" strike="noStrike" kern="1200" baseline="0">
+                <a:solidFill>
+                  <a:schemeClr val="tx1">
+                    <a:lumMod val="65000"/>
+                    <a:lumOff val="35000"/>
+                  </a:schemeClr>
+                </a:solidFill>
+                <a:latin typeface="+mn-lt"/>
+                <a:ea typeface="+mn-ea"/>
+                <a:cs typeface="+mn-cs"/>
+              </a:defRPr>
+            </a:pPr>
+            <a:endParaRPr lang="es-CL"/>
+          </a:p>
+        </c:txPr>
+        <c:crossAx val="582373871"/>
+        <c:crosses val="autoZero"/>
+        <c:auto val="1"/>
+        <c:lblAlgn val="ctr"/>
+        <c:lblOffset val="100"/>
+        <c:noMultiLvlLbl val="0"/>
+      </c:catAx>
+      <c:valAx>
+        <c:axId val="582373871"/>
+        <c:scaling>
+          <c:orientation val="minMax"/>
+        </c:scaling>
+        <c:delete val="0"/>
+        <c:axPos val="b"/>
+        <c:majorGridlines>
+          <c:spPr>
+            <a:ln w="9525" cap="flat" cmpd="sng" algn="ctr">
+              <a:solidFill>
+                <a:schemeClr val="tx1">
+                  <a:lumMod val="15000"/>
+                  <a:lumOff val="85000"/>
+                </a:schemeClr>
+              </a:solidFill>
+              <a:round/>
+            </a:ln>
+            <a:effectLst/>
+          </c:spPr>
+        </c:majorGridlines>
+        <c:numFmt formatCode="General" sourceLinked="1"/>
+        <c:majorTickMark val="none"/>
+        <c:minorTickMark val="none"/>
+        <c:tickLblPos val="nextTo"/>
+        <c:spPr>
+          <a:noFill/>
+          <a:ln>
+            <a:noFill/>
+          </a:ln>
+          <a:effectLst/>
+        </c:spPr>
+        <c:txPr>
+          <a:bodyPr rot="-60000000" spcFirstLastPara="1" vertOverflow="ellipsis" vert="horz" wrap="square" anchor="ctr" anchorCtr="1"/>
+          <a:lstStyle/>
+          <a:p>
+            <a:pPr>
+              <a:defRPr sz="1197" b="0" i="0" u="none" strike="noStrike" kern="1200" baseline="0">
+                <a:solidFill>
+                  <a:schemeClr val="tx1">
+                    <a:lumMod val="65000"/>
+                    <a:lumOff val="35000"/>
+                  </a:schemeClr>
+                </a:solidFill>
+                <a:latin typeface="+mn-lt"/>
+                <a:ea typeface="+mn-ea"/>
+                <a:cs typeface="+mn-cs"/>
+              </a:defRPr>
+            </a:pPr>
+            <a:endParaRPr lang="es-CL"/>
+          </a:p>
+        </c:txPr>
+        <c:crossAx val="582373391"/>
+        <c:crosses val="autoZero"/>
+        <c:crossBetween val="between"/>
+      </c:valAx>
+      <c:spPr>
+        <a:noFill/>
+        <a:ln>
+          <a:noFill/>
+        </a:ln>
+        <a:effectLst/>
+      </c:spPr>
+    </c:plotArea>
+    <c:legend>
+      <c:legendPos val="b"/>
+      <c:overlay val="0"/>
+      <c:spPr>
+        <a:noFill/>
+        <a:ln>
+          <a:noFill/>
+        </a:ln>
+        <a:effectLst/>
+      </c:spPr>
+      <c:txPr>
+        <a:bodyPr rot="0" spcFirstLastPara="1" vertOverflow="ellipsis" vert="horz" wrap="square" anchor="ctr" anchorCtr="1"/>
+        <a:lstStyle/>
+        <a:p>
+          <a:pPr>
+            <a:defRPr sz="1197" b="0" i="0" u="none" strike="noStrike" kern="1200" baseline="0">
+              <a:solidFill>
+                <a:schemeClr val="tx1">
+                  <a:lumMod val="65000"/>
+                  <a:lumOff val="35000"/>
+                </a:schemeClr>
+              </a:solidFill>
+              <a:latin typeface="+mn-lt"/>
+              <a:ea typeface="+mn-ea"/>
+              <a:cs typeface="+mn-cs"/>
+            </a:defRPr>
+          </a:pPr>
+          <a:endParaRPr lang="es-CL"/>
+        </a:p>
+      </c:txPr>
+    </c:legend>
+    <c:plotVisOnly val="1"/>
+    <c:dispBlanksAs val="gap"/>
+    <c:showDLblsOverMax val="0"/>
+    <c:extLst>
+      <c:ext xmlns:c16r3="http://schemas.microsoft.com/office/drawing/2017/03/chart" uri="{56B9EC1D-385E-4148-901F-78D8002777C0}">
+        <c16r3:dataDisplayOptions16>
+          <c16r3:dispNaAsBlank val="1"/>
+        </c16r3:dataDisplayOptions16>
+      </c:ext>
+    </c:extLst>
+  </c:chart>
+  <c:spPr>
+    <a:noFill/>
+    <a:ln>
+      <a:noFill/>
+    </a:ln>
+    <a:effectLst/>
+  </c:spPr>
+  <c:txPr>
+    <a:bodyPr/>
+    <a:lstStyle/>
+    <a:p>
+      <a:pPr>
+        <a:defRPr/>
+      </a:pPr>
+      <a:endParaRPr lang="es-CL"/>
+    </a:p>
+  </c:txPr>
+  <c:externalData r:id="rId3">
+    <c:autoUpdate val="0"/>
+  </c:externalData>
+</c:chartSpace>
+</file>
+
+<file path=ppt/charts/chart2.xml><?xml version="1.0" encoding="utf-8"?>
+<c:chartSpace xmlns:c="http://schemas.openxmlformats.org/drawingml/2006/chart" xmlns:a="http://schemas.openxmlformats.org/drawingml/2006/main" xmlns:r="http://schemas.openxmlformats.org/officeDocument/2006/relationships" xmlns:c16r2="http://schemas.microsoft.com/office/drawing/2015/06/chart">
+  <c:date1904 val="0"/>
+  <c:lang val="es-ES"/>
+  <c:roundedCorners val="0"/>
+  <mc:AlternateContent xmlns:mc="http://schemas.openxmlformats.org/markup-compatibility/2006">
+    <mc:Choice xmlns:c14="http://schemas.microsoft.com/office/drawing/2007/8/2/chart" Requires="c14">
+      <c14:style val="102"/>
+    </mc:Choice>
+    <mc:Fallback>
+      <c:style val="2"/>
+    </mc:Fallback>
+  </mc:AlternateContent>
+  <c:chart>
+    <c:autoTitleDeleted val="0"/>
+    <c:plotArea>
+      <c:layout/>
+      <c:scatterChart>
+        <c:scatterStyle val="smoothMarker"/>
+        <c:varyColors val="0"/>
+        <c:ser>
+          <c:idx val="0"/>
+          <c:order val="0"/>
+          <c:tx>
+            <c:strRef>
+              <c:f>Hoja1!$B$1</c:f>
+              <c:strCache>
+                <c:ptCount val="1"/>
+                <c:pt idx="0">
+                  <c:v>Modelo_Completo</c:v>
+                </c:pt>
+              </c:strCache>
+            </c:strRef>
+          </c:tx>
+          <c:spPr>
+            <a:ln w="38100" cap="rnd">
+              <a:solidFill>
+                <a:schemeClr val="accent4">
+                  <a:lumMod val="75000"/>
+                </a:schemeClr>
+              </a:solidFill>
+              <a:round/>
+            </a:ln>
+            <a:effectLst/>
+          </c:spPr>
+          <c:marker>
+            <c:symbol val="none"/>
+          </c:marker>
+          <c:xVal>
+            <c:strRef>
+              <c:f>Hoja1!$A$2:$A$15</c:f>
+              <c:strCache>
+                <c:ptCount val="14"/>
+                <c:pt idx="0">
+                  <c:v>00</c:v>
+                </c:pt>
+                <c:pt idx="1">
+                  <c:v>05</c:v>
+                </c:pt>
+                <c:pt idx="2">
+                  <c:v>10</c:v>
+                </c:pt>
+                <c:pt idx="3">
+                  <c:v>15</c:v>
+                </c:pt>
+                <c:pt idx="4">
+                  <c:v>20</c:v>
+                </c:pt>
+                <c:pt idx="5">
+                  <c:v>25</c:v>
+                </c:pt>
+                <c:pt idx="6">
+                  <c:v>30</c:v>
+                </c:pt>
+                <c:pt idx="7">
+                  <c:v>40</c:v>
+                </c:pt>
+                <c:pt idx="8">
+                  <c:v>50</c:v>
+                </c:pt>
+                <c:pt idx="9">
+                  <c:v>60</c:v>
+                </c:pt>
+                <c:pt idx="10">
+                  <c:v>70</c:v>
+                </c:pt>
+                <c:pt idx="11">
+                  <c:v>80</c:v>
+                </c:pt>
+                <c:pt idx="12">
+                  <c:v>90</c:v>
+                </c:pt>
+                <c:pt idx="13">
+                  <c:v>00</c:v>
+                </c:pt>
+              </c:strCache>
+            </c:strRef>
+          </c:xVal>
+          <c:yVal>
+            <c:numRef>
+              <c:f>Hoja1!$B$2:$B$15</c:f>
+              <c:numCache>
+                <c:formatCode>#,##0.00</c:formatCode>
+                <c:ptCount val="14"/>
+                <c:pt idx="0">
+                  <c:v>0</c:v>
+                </c:pt>
+                <c:pt idx="1">
+                  <c:v>0.35</c:v>
+                </c:pt>
+                <c:pt idx="2">
+                  <c:v>0.35</c:v>
+                </c:pt>
+                <c:pt idx="3">
+                  <c:v>0.68</c:v>
+                </c:pt>
+                <c:pt idx="4">
+                  <c:v>0.76</c:v>
+                </c:pt>
+                <c:pt idx="5">
+                  <c:v>0.81</c:v>
+                </c:pt>
+                <c:pt idx="6">
+                  <c:v>0.85</c:v>
+                </c:pt>
+                <c:pt idx="7">
+                  <c:v>0.9</c:v>
+                </c:pt>
+                <c:pt idx="8">
+                  <c:v>0.93</c:v>
+                </c:pt>
+                <c:pt idx="9">
+                  <c:v>0.95</c:v>
+                </c:pt>
+                <c:pt idx="10">
+                  <c:v>0.97</c:v>
+                </c:pt>
+                <c:pt idx="11">
+                  <c:v>0.98</c:v>
+                </c:pt>
+                <c:pt idx="12">
+                  <c:v>0.99</c:v>
+                </c:pt>
+                <c:pt idx="13">
+                  <c:v>1</c:v>
+                </c:pt>
+              </c:numCache>
+            </c:numRef>
+          </c:yVal>
+          <c:smooth val="1"/>
+          <c:extLst>
+            <c:ext xmlns:c16="http://schemas.microsoft.com/office/drawing/2014/chart" uri="{C3380CC4-5D6E-409C-BE32-E72D297353CC}">
+              <c16:uniqueId val="{00000000-EBC7-4382-8B68-04897E810A6E}"/>
+            </c:ext>
+          </c:extLst>
+        </c:ser>
+        <c:ser>
+          <c:idx val="1"/>
+          <c:order val="1"/>
+          <c:tx>
+            <c:strRef>
+              <c:f>Hoja1!$C$1</c:f>
+              <c:strCache>
+                <c:ptCount val="1"/>
+                <c:pt idx="0">
+                  <c:v>Modelo_Simplificado</c:v>
+                </c:pt>
+              </c:strCache>
+            </c:strRef>
+          </c:tx>
+          <c:spPr>
+            <a:ln w="38100" cap="rnd">
+              <a:solidFill>
+                <a:schemeClr val="accent2"/>
+              </a:solidFill>
+              <a:round/>
+            </a:ln>
+            <a:effectLst/>
+          </c:spPr>
+          <c:marker>
+            <c:symbol val="none"/>
+          </c:marker>
+          <c:xVal>
+            <c:strRef>
+              <c:f>Hoja1!$A$2:$A$15</c:f>
+              <c:strCache>
+                <c:ptCount val="14"/>
+                <c:pt idx="0">
+                  <c:v>00</c:v>
+                </c:pt>
+                <c:pt idx="1">
+                  <c:v>05</c:v>
+                </c:pt>
+                <c:pt idx="2">
+                  <c:v>10</c:v>
+                </c:pt>
+                <c:pt idx="3">
+                  <c:v>15</c:v>
+                </c:pt>
+                <c:pt idx="4">
+                  <c:v>20</c:v>
+                </c:pt>
+                <c:pt idx="5">
+                  <c:v>25</c:v>
+                </c:pt>
+                <c:pt idx="6">
+                  <c:v>30</c:v>
+                </c:pt>
+                <c:pt idx="7">
+                  <c:v>40</c:v>
+                </c:pt>
+                <c:pt idx="8">
+                  <c:v>50</c:v>
+                </c:pt>
+                <c:pt idx="9">
+                  <c:v>60</c:v>
+                </c:pt>
+                <c:pt idx="10">
+                  <c:v>70</c:v>
+                </c:pt>
+                <c:pt idx="11">
+                  <c:v>80</c:v>
+                </c:pt>
+                <c:pt idx="12">
+                  <c:v>90</c:v>
+                </c:pt>
+                <c:pt idx="13">
+                  <c:v>00</c:v>
+                </c:pt>
+              </c:strCache>
+            </c:strRef>
+          </c:xVal>
+          <c:yVal>
+            <c:numRef>
+              <c:f>Hoja1!$C$2:$C$15</c:f>
+              <c:numCache>
+                <c:formatCode>0.00</c:formatCode>
+                <c:ptCount val="14"/>
+                <c:pt idx="0">
+                  <c:v>0</c:v>
+                </c:pt>
+                <c:pt idx="1">
+                  <c:v>0.3</c:v>
+                </c:pt>
+                <c:pt idx="2">
+                  <c:v>0.48</c:v>
+                </c:pt>
+                <c:pt idx="3">
+                  <c:v>0.6</c:v>
+                </c:pt>
+                <c:pt idx="4">
+                  <c:v>0.68</c:v>
+                </c:pt>
+                <c:pt idx="5">
+                  <c:v>0.74</c:v>
+                </c:pt>
+                <c:pt idx="6">
+                  <c:v>0.78</c:v>
+                </c:pt>
+                <c:pt idx="7">
+                  <c:v>0.84</c:v>
+                </c:pt>
+                <c:pt idx="8">
+                  <c:v>0.88</c:v>
+                </c:pt>
+                <c:pt idx="9">
+                  <c:v>0.91</c:v>
+                </c:pt>
+                <c:pt idx="10">
+                  <c:v>0.94</c:v>
+                </c:pt>
+                <c:pt idx="11">
+                  <c:v>0.96</c:v>
+                </c:pt>
+                <c:pt idx="12">
+                  <c:v>0.98</c:v>
+                </c:pt>
+                <c:pt idx="13">
+                  <c:v>1</c:v>
+                </c:pt>
+              </c:numCache>
+            </c:numRef>
+          </c:yVal>
+          <c:smooth val="1"/>
+          <c:extLst>
+            <c:ext xmlns:c16="http://schemas.microsoft.com/office/drawing/2014/chart" uri="{C3380CC4-5D6E-409C-BE32-E72D297353CC}">
+              <c16:uniqueId val="{00000001-EBC7-4382-8B68-04897E810A6E}"/>
+            </c:ext>
+          </c:extLst>
+        </c:ser>
+        <c:ser>
+          <c:idx val="2"/>
+          <c:order val="2"/>
+          <c:tx>
+            <c:strRef>
+              <c:f>Hoja1!$D$1</c:f>
+              <c:strCache>
+                <c:ptCount val="1"/>
+                <c:pt idx="0">
+                  <c:v>Azar</c:v>
+                </c:pt>
+              </c:strCache>
+            </c:strRef>
+          </c:tx>
+          <c:spPr>
+            <a:ln w="25400" cap="rnd">
+              <a:solidFill>
+                <a:schemeClr val="bg2">
+                  <a:lumMod val="75000"/>
+                </a:schemeClr>
+              </a:solidFill>
+              <a:prstDash val="sysDot"/>
+              <a:round/>
+            </a:ln>
+            <a:effectLst/>
+          </c:spPr>
+          <c:marker>
+            <c:symbol val="none"/>
+          </c:marker>
+          <c:xVal>
+            <c:strRef>
+              <c:f>Hoja1!$A$2:$A$15</c:f>
+              <c:strCache>
+                <c:ptCount val="14"/>
+                <c:pt idx="0">
+                  <c:v>00</c:v>
+                </c:pt>
+                <c:pt idx="1">
+                  <c:v>05</c:v>
+                </c:pt>
+                <c:pt idx="2">
+                  <c:v>10</c:v>
+                </c:pt>
+                <c:pt idx="3">
+                  <c:v>15</c:v>
+                </c:pt>
+                <c:pt idx="4">
+                  <c:v>20</c:v>
+                </c:pt>
+                <c:pt idx="5">
+                  <c:v>25</c:v>
+                </c:pt>
+                <c:pt idx="6">
+                  <c:v>30</c:v>
+                </c:pt>
+                <c:pt idx="7">
+                  <c:v>40</c:v>
+                </c:pt>
+                <c:pt idx="8">
+                  <c:v>50</c:v>
+                </c:pt>
+                <c:pt idx="9">
+                  <c:v>60</c:v>
+                </c:pt>
+                <c:pt idx="10">
+                  <c:v>70</c:v>
+                </c:pt>
+                <c:pt idx="11">
+                  <c:v>80</c:v>
+                </c:pt>
+                <c:pt idx="12">
+                  <c:v>90</c:v>
+                </c:pt>
+                <c:pt idx="13">
+                  <c:v>00</c:v>
+                </c:pt>
+              </c:strCache>
+            </c:strRef>
+          </c:xVal>
+          <c:yVal>
+            <c:numRef>
+              <c:f>Hoja1!$D$2:$D$15</c:f>
+              <c:numCache>
+                <c:formatCode>0.00</c:formatCode>
+                <c:ptCount val="14"/>
+                <c:pt idx="0">
+                  <c:v>0</c:v>
+                </c:pt>
+                <c:pt idx="1">
+                  <c:v>0.05</c:v>
+                </c:pt>
+                <c:pt idx="2">
+                  <c:v>0.1</c:v>
+                </c:pt>
+                <c:pt idx="3">
+                  <c:v>0.15</c:v>
+                </c:pt>
+                <c:pt idx="4">
+                  <c:v>0.2</c:v>
+                </c:pt>
+                <c:pt idx="5">
+                  <c:v>0.25</c:v>
+                </c:pt>
+                <c:pt idx="6">
+                  <c:v>0.3</c:v>
+                </c:pt>
+                <c:pt idx="7">
+                  <c:v>0.4</c:v>
+                </c:pt>
+                <c:pt idx="8">
+                  <c:v>0.5</c:v>
+                </c:pt>
+                <c:pt idx="9">
+                  <c:v>0.6</c:v>
+                </c:pt>
+                <c:pt idx="10">
+                  <c:v>0.7</c:v>
+                </c:pt>
+                <c:pt idx="11">
+                  <c:v>0.8</c:v>
+                </c:pt>
+                <c:pt idx="12">
+                  <c:v>0.9</c:v>
+                </c:pt>
+                <c:pt idx="13">
+                  <c:v>1</c:v>
+                </c:pt>
+              </c:numCache>
+            </c:numRef>
+          </c:yVal>
+          <c:smooth val="1"/>
+          <c:extLst>
+            <c:ext xmlns:c16="http://schemas.microsoft.com/office/drawing/2014/chart" uri="{C3380CC4-5D6E-409C-BE32-E72D297353CC}">
+              <c16:uniqueId val="{00000002-EBC7-4382-8B68-04897E810A6E}"/>
+            </c:ext>
+          </c:extLst>
+        </c:ser>
+        <c:dLbls>
+          <c:showLegendKey val="0"/>
+          <c:showVal val="0"/>
+          <c:showCatName val="0"/>
+          <c:showSerName val="0"/>
+          <c:showPercent val="0"/>
+          <c:showBubbleSize val="0"/>
+        </c:dLbls>
+        <c:axId val="237147935"/>
+        <c:axId val="237148415"/>
+      </c:scatterChart>
+      <c:valAx>
+        <c:axId val="237147935"/>
+        <c:scaling>
+          <c:orientation val="minMax"/>
+        </c:scaling>
+        <c:delete val="0"/>
+        <c:axPos val="b"/>
+        <c:majorGridlines>
+          <c:spPr>
+            <a:ln w="9525" cap="flat" cmpd="sng" algn="ctr">
+              <a:solidFill>
+                <a:schemeClr val="tx1">
+                  <a:lumMod val="15000"/>
+                  <a:lumOff val="85000"/>
+                </a:schemeClr>
+              </a:solidFill>
+              <a:round/>
+            </a:ln>
+            <a:effectLst/>
+          </c:spPr>
+        </c:majorGridlines>
+        <c:numFmt formatCode="@" sourceLinked="1"/>
+        <c:majorTickMark val="none"/>
+        <c:minorTickMark val="none"/>
+        <c:tickLblPos val="nextTo"/>
+        <c:spPr>
+          <a:noFill/>
+          <a:ln w="9525" cap="flat" cmpd="sng" algn="ctr">
+            <a:solidFill>
+              <a:schemeClr val="tx1">
+                <a:lumMod val="25000"/>
+                <a:lumOff val="75000"/>
+              </a:schemeClr>
+            </a:solidFill>
+            <a:round/>
+          </a:ln>
+          <a:effectLst/>
+        </c:spPr>
+        <c:txPr>
+          <a:bodyPr rot="-60000000" spcFirstLastPara="1" vertOverflow="ellipsis" vert="horz" wrap="square" anchor="ctr" anchorCtr="1"/>
+          <a:lstStyle/>
+          <a:p>
+            <a:pPr>
+              <a:defRPr sz="1197" b="0" i="0" u="none" strike="noStrike" kern="1200" baseline="0">
+                <a:solidFill>
+                  <a:schemeClr val="tx1">
+                    <a:lumMod val="65000"/>
+                    <a:lumOff val="35000"/>
+                  </a:schemeClr>
+                </a:solidFill>
+                <a:latin typeface="+mn-lt"/>
+                <a:ea typeface="+mn-ea"/>
+                <a:cs typeface="+mn-cs"/>
+              </a:defRPr>
+            </a:pPr>
+            <a:endParaRPr lang="es-CL"/>
+          </a:p>
+        </c:txPr>
+        <c:crossAx val="237148415"/>
+        <c:crosses val="autoZero"/>
+        <c:crossBetween val="midCat"/>
+      </c:valAx>
+      <c:valAx>
+        <c:axId val="237148415"/>
+        <c:scaling>
+          <c:orientation val="minMax"/>
+          <c:max val="1"/>
+        </c:scaling>
+        <c:delete val="0"/>
+        <c:axPos val="l"/>
+        <c:majorGridlines>
+          <c:spPr>
+            <a:ln w="9525" cap="flat" cmpd="sng" algn="ctr">
+              <a:solidFill>
+                <a:schemeClr val="tx1">
+                  <a:lumMod val="15000"/>
+                  <a:lumOff val="85000"/>
+                </a:schemeClr>
+              </a:solidFill>
+              <a:round/>
+            </a:ln>
+            <a:effectLst/>
+          </c:spPr>
+        </c:majorGridlines>
+        <c:numFmt formatCode="#,##0.00" sourceLinked="1"/>
+        <c:majorTickMark val="none"/>
+        <c:minorTickMark val="none"/>
+        <c:tickLblPos val="nextTo"/>
+        <c:spPr>
+          <a:noFill/>
+          <a:ln w="9525" cap="flat" cmpd="sng" algn="ctr">
+            <a:solidFill>
+              <a:schemeClr val="tx1">
+                <a:lumMod val="25000"/>
+                <a:lumOff val="75000"/>
+              </a:schemeClr>
+            </a:solidFill>
+            <a:round/>
+          </a:ln>
+          <a:effectLst/>
+        </c:spPr>
+        <c:txPr>
+          <a:bodyPr rot="-60000000" spcFirstLastPara="1" vertOverflow="ellipsis" vert="horz" wrap="square" anchor="ctr" anchorCtr="1"/>
+          <a:lstStyle/>
+          <a:p>
+            <a:pPr>
+              <a:defRPr sz="1197" b="0" i="0" u="none" strike="noStrike" kern="1200" baseline="0">
+                <a:solidFill>
+                  <a:schemeClr val="tx1">
+                    <a:lumMod val="65000"/>
+                    <a:lumOff val="35000"/>
+                  </a:schemeClr>
+                </a:solidFill>
+                <a:latin typeface="+mn-lt"/>
+                <a:ea typeface="+mn-ea"/>
+                <a:cs typeface="+mn-cs"/>
+              </a:defRPr>
+            </a:pPr>
+            <a:endParaRPr lang="es-CL"/>
+          </a:p>
+        </c:txPr>
+        <c:crossAx val="237147935"/>
+        <c:crosses val="autoZero"/>
+        <c:crossBetween val="midCat"/>
+      </c:valAx>
+      <c:spPr>
+        <a:noFill/>
+        <a:ln>
+          <a:noFill/>
+        </a:ln>
+        <a:effectLst/>
+      </c:spPr>
+    </c:plotArea>
+    <c:plotVisOnly val="1"/>
+    <c:dispBlanksAs val="gap"/>
+    <c:showDLblsOverMax val="0"/>
+    <c:extLst>
+      <c:ext xmlns:c16r3="http://schemas.microsoft.com/office/drawing/2017/03/chart" uri="{56B9EC1D-385E-4148-901F-78D8002777C0}">
+        <c16r3:dataDisplayOptions16>
+          <c16r3:dispNaAsBlank val="1"/>
+        </c16r3:dataDisplayOptions16>
+      </c:ext>
+    </c:extLst>
+  </c:chart>
+  <c:spPr>
+    <a:noFill/>
+    <a:ln>
+      <a:noFill/>
+    </a:ln>
+    <a:effectLst/>
+  </c:spPr>
+  <c:txPr>
+    <a:bodyPr/>
+    <a:lstStyle/>
+    <a:p>
+      <a:pPr>
+        <a:defRPr/>
+      </a:pPr>
+      <a:endParaRPr lang="es-CL"/>
+    </a:p>
+  </c:txPr>
+  <c:externalData r:id="rId3">
+    <c:autoUpdate val="0"/>
+  </c:externalData>
+</c:chartSpace>
+</file>
+
+<file path=ppt/charts/colors1.xml><?xml version="1.0" encoding="utf-8"?>
+<cs:colorStyle xmlns:cs="http://schemas.microsoft.com/office/drawing/2012/chartStyle" xmlns:a="http://schemas.openxmlformats.org/drawingml/2006/main" meth="cycle" id="10">
+  <a:schemeClr val="accent1"/>
+  <a:schemeClr val="accent2"/>
+  <a:schemeClr val="accent3"/>
+  <a:schemeClr val="accent4"/>
+  <a:schemeClr val="accent5"/>
+  <a:schemeClr val="accent6"/>
+  <cs:variation/>
+  <cs:variation>
+    <a:lumMod val="60000"/>
+  </cs:variation>
+  <cs:variation>
+    <a:lumMod val="80000"/>
+    <a:lumOff val="20000"/>
+  </cs:variation>
+  <cs:variation>
+    <a:lumMod val="80000"/>
+  </cs:variation>
+  <cs:variation>
+    <a:lumMod val="60000"/>
+    <a:lumOff val="40000"/>
+  </cs:variation>
+  <cs:variation>
+    <a:lumMod val="50000"/>
+  </cs:variation>
+  <cs:variation>
+    <a:lumMod val="70000"/>
+    <a:lumOff val="30000"/>
+  </cs:variation>
+  <cs:variation>
+    <a:lumMod val="70000"/>
+  </cs:variation>
+  <cs:variation>
+    <a:lumMod val="50000"/>
+    <a:lumOff val="50000"/>
+  </cs:variation>
+</cs:colorStyle>
+</file>
+
+<file path=ppt/charts/colors2.xml><?xml version="1.0" encoding="utf-8"?>
+<cs:colorStyle xmlns:cs="http://schemas.microsoft.com/office/drawing/2012/chartStyle" xmlns:a="http://schemas.openxmlformats.org/drawingml/2006/main" meth="cycle" id="10">
+  <a:schemeClr val="accent1"/>
+  <a:schemeClr val="accent2"/>
+  <a:schemeClr val="accent3"/>
+  <a:schemeClr val="accent4"/>
+  <a:schemeClr val="accent5"/>
+  <a:schemeClr val="accent6"/>
+  <cs:variation/>
+  <cs:variation>
+    <a:lumMod val="60000"/>
+  </cs:variation>
+  <cs:variation>
+    <a:lumMod val="80000"/>
+    <a:lumOff val="20000"/>
+  </cs:variation>
+  <cs:variation>
+    <a:lumMod val="80000"/>
+  </cs:variation>
+  <cs:variation>
+    <a:lumMod val="60000"/>
+    <a:lumOff val="40000"/>
+  </cs:variation>
+  <cs:variation>
+    <a:lumMod val="50000"/>
+  </cs:variation>
+  <cs:variation>
+    <a:lumMod val="70000"/>
+    <a:lumOff val="30000"/>
+  </cs:variation>
+  <cs:variation>
+    <a:lumMod val="70000"/>
+  </cs:variation>
+  <cs:variation>
+    <a:lumMod val="50000"/>
+    <a:lumOff val="50000"/>
+  </cs:variation>
+</cs:colorStyle>
+</file>
+
+<file path=ppt/charts/style1.xml><?xml version="1.0" encoding="utf-8"?>
+<cs:chartStyle xmlns:cs="http://schemas.microsoft.com/office/drawing/2012/chartStyle" xmlns:a="http://schemas.openxmlformats.org/drawingml/2006/main" id="297">
+  <cs:axisTitle>
+    <cs:lnRef idx="0"/>
+    <cs:fillRef idx="0"/>
+    <cs:effectRef idx="0"/>
+    <cs:fontRef idx="minor">
+      <a:schemeClr val="tx1">
+        <a:lumMod val="65000"/>
+        <a:lumOff val="35000"/>
+      </a:schemeClr>
+    </cs:fontRef>
+    <cs:defRPr sz="1330" kern="1200"/>
+  </cs:axisTitle>
+  <cs:categoryAxis>
+    <cs:lnRef idx="0"/>
+    <cs:fillRef idx="0"/>
+    <cs:effectRef idx="0"/>
+    <cs:fontRef idx="minor">
+      <a:schemeClr val="tx1">
+        <a:lumMod val="65000"/>
+        <a:lumOff val="35000"/>
+      </a:schemeClr>
+    </cs:fontRef>
+    <cs:spPr>
+      <a:ln w="9525" cap="flat" cmpd="sng" algn="ctr">
+        <a:solidFill>
+          <a:schemeClr val="tx1">
+            <a:lumMod val="15000"/>
+            <a:lumOff val="85000"/>
+          </a:schemeClr>
+        </a:solidFill>
+        <a:round/>
+      </a:ln>
+    </cs:spPr>
+    <cs:defRPr sz="1197" kern="1200"/>
+  </cs:categoryAxis>
+  <cs:chartArea mods="allowNoFillOverride allowNoLineOverride">
+    <cs:lnRef idx="0"/>
+    <cs:fillRef idx="0"/>
+    <cs:effectRef idx="0"/>
+    <cs:fontRef idx="minor">
+      <a:schemeClr val="tx1"/>
+    </cs:fontRef>
+    <cs:spPr>
+      <a:solidFill>
+        <a:schemeClr val="bg1"/>
+      </a:solidFill>
+      <a:ln w="9525" cap="flat" cmpd="sng" algn="ctr">
+        <a:solidFill>
+          <a:schemeClr val="tx1">
+            <a:lumMod val="15000"/>
+            <a:lumOff val="85000"/>
+          </a:schemeClr>
+        </a:solidFill>
+        <a:round/>
+      </a:ln>
+    </cs:spPr>
+    <cs:defRPr sz="1330" kern="1200"/>
+  </cs:chartArea>
+  <cs:dataLabel>
+    <cs:lnRef idx="0"/>
+    <cs:fillRef idx="0"/>
+    <cs:effectRef idx="0"/>
+    <cs:fontRef idx="minor">
+      <a:schemeClr val="tx1">
+        <a:lumMod val="75000"/>
+        <a:lumOff val="25000"/>
+      </a:schemeClr>
+    </cs:fontRef>
+    <cs:defRPr sz="1197" kern="1200"/>
+  </cs:dataLabel>
+  <cs:dataLabelCallout>
+    <cs:lnRef idx="0"/>
+    <cs:fillRef idx="0"/>
+    <cs:effectRef idx="0"/>
+    <cs:fontRef idx="minor">
+      <a:schemeClr val="dk1">
+        <a:lumMod val="65000"/>
+        <a:lumOff val="35000"/>
+      </a:schemeClr>
+    </cs:fontRef>
+    <cs:spPr>
+      <a:solidFill>
+        <a:schemeClr val="lt1"/>
+      </a:solidFill>
+      <a:ln>
+        <a:solidFill>
+          <a:schemeClr val="dk1">
+            <a:lumMod val="25000"/>
+            <a:lumOff val="75000"/>
+          </a:schemeClr>
+        </a:solidFill>
+      </a:ln>
+    </cs:spPr>
+    <cs:defRPr sz="1197" kern="1200"/>
+    <cs:bodyPr rot="0" spcFirstLastPara="1" vertOverflow="clip" horzOverflow="clip" vert="horz" wrap="square" lIns="36576" tIns="18288" rIns="36576" bIns="18288" anchor="ctr" anchorCtr="1">
+      <a:spAutoFit/>
+    </cs:bodyPr>
+  </cs:dataLabelCallout>
+  <cs:dataPoint>
+    <cs:lnRef idx="0"/>
+    <cs:fillRef idx="1">
+      <cs:styleClr val="auto"/>
+    </cs:fillRef>
+    <cs:effectRef idx="0"/>
+    <cs:fontRef idx="minor">
+      <a:schemeClr val="tx1"/>
+    </cs:fontRef>
+  </cs:dataPoint>
+  <cs:dataPoint3D>
+    <cs:lnRef idx="0"/>
+    <cs:fillRef idx="1">
+      <cs:styleClr val="auto"/>
+    </cs:fillRef>
+    <cs:effectRef idx="0"/>
+    <cs:fontRef idx="minor">
+      <a:schemeClr val="tx1"/>
+    </cs:fontRef>
+  </cs:dataPoint3D>
+  <cs:dataPointLine>
+    <cs:lnRef idx="0">
+      <cs:styleClr val="auto"/>
+    </cs:lnRef>
+    <cs:fillRef idx="1"/>
+    <cs:effectRef idx="0"/>
+    <cs:fontRef idx="minor">
+      <a:schemeClr val="tx1"/>
+    </cs:fontRef>
+    <cs:spPr>
+      <a:ln w="28575" cap="rnd">
+        <a:solidFill>
+          <a:schemeClr val="phClr"/>
+        </a:solidFill>
+        <a:round/>
+      </a:ln>
+    </cs:spPr>
+  </cs:dataPointLine>
+  <cs:dataPointMarker>
+    <cs:lnRef idx="0">
+      <cs:styleClr val="auto"/>
+    </cs:lnRef>
+    <cs:fillRef idx="1">
+      <cs:styleClr val="auto"/>
+    </cs:fillRef>
+    <cs:effectRef idx="0"/>
+    <cs:fontRef idx="minor">
+      <a:schemeClr val="tx1"/>
+    </cs:fontRef>
+    <cs:spPr>
+      <a:ln w="9525">
+        <a:solidFill>
+          <a:schemeClr val="phClr"/>
+        </a:solidFill>
+      </a:ln>
+    </cs:spPr>
+  </cs:dataPointMarker>
+  <cs:dataPointMarkerLayout symbol="circle" size="5"/>
+  <cs:dataPointWireframe>
+    <cs:lnRef idx="0">
+      <cs:styleClr val="auto"/>
+    </cs:lnRef>
+    <cs:fillRef idx="1"/>
+    <cs:effectRef idx="0"/>
+    <cs:fontRef idx="minor">
+      <a:schemeClr val="tx1"/>
+    </cs:fontRef>
+    <cs:spPr>
+      <a:ln w="9525" cap="rnd">
+        <a:solidFill>
+          <a:schemeClr val="phClr"/>
+        </a:solidFill>
+        <a:round/>
+      </a:ln>
+    </cs:spPr>
+  </cs:dataPointWireframe>
+  <cs:dataTable>
+    <cs:lnRef idx="0"/>
+    <cs:fillRef idx="0"/>
+    <cs:effectRef idx="0"/>
+    <cs:fontRef idx="minor">
+      <a:schemeClr val="tx1">
+        <a:lumMod val="65000"/>
+        <a:lumOff val="35000"/>
+      </a:schemeClr>
+    </cs:fontRef>
+    <cs:spPr>
+      <a:noFill/>
+      <a:ln w="9525" cap="flat" cmpd="sng" algn="ctr">
+        <a:solidFill>
+          <a:schemeClr val="tx1">
+            <a:lumMod val="15000"/>
+            <a:lumOff val="85000"/>
+          </a:schemeClr>
+        </a:solidFill>
+        <a:round/>
+      </a:ln>
+    </cs:spPr>
+    <cs:defRPr sz="1197" kern="1200"/>
+  </cs:dataTable>
+  <cs:downBar>
+    <cs:lnRef idx="0"/>
+    <cs:fillRef idx="0"/>
+    <cs:effectRef idx="0"/>
+    <cs:fontRef idx="minor">
+      <a:schemeClr val="tx1"/>
+    </cs:fontRef>
+    <cs:spPr>
+      <a:solidFill>
+        <a:schemeClr val="dk1">
+          <a:lumMod val="75000"/>
+          <a:lumOff val="25000"/>
+        </a:schemeClr>
+      </a:solidFill>
+      <a:ln w="9525" cap="flat" cmpd="sng" algn="ctr">
+        <a:solidFill>
+          <a:schemeClr val="tx1">
+            <a:lumMod val="65000"/>
+            <a:lumOff val="35000"/>
+          </a:schemeClr>
+        </a:solidFill>
+        <a:round/>
+      </a:ln>
+    </cs:spPr>
+  </cs:downBar>
+  <cs:dropLine>
+    <cs:lnRef idx="0"/>
+    <cs:fillRef idx="0"/>
+    <cs:effectRef idx="0"/>
+    <cs:fontRef idx="minor">
+      <a:schemeClr val="tx1"/>
+    </cs:fontRef>
+    <cs:spPr>
+      <a:ln w="9525" cap="flat" cmpd="sng" algn="ctr">
+        <a:solidFill>
+          <a:schemeClr val="tx1">
+            <a:lumMod val="35000"/>
+            <a:lumOff val="65000"/>
+          </a:schemeClr>
+        </a:solidFill>
+        <a:round/>
+      </a:ln>
+    </cs:spPr>
+  </cs:dropLine>
+  <cs:errorBar>
+    <cs:lnRef idx="0"/>
+    <cs:fillRef idx="0"/>
+    <cs:effectRef idx="0"/>
+    <cs:fontRef idx="minor">
+      <a:schemeClr val="tx1"/>
+    </cs:fontRef>
+    <cs:spPr>
+      <a:ln w="9525" cap="flat" cmpd="sng" algn="ctr">
+        <a:solidFill>
+          <a:schemeClr val="tx1">
+            <a:lumMod val="65000"/>
+            <a:lumOff val="35000"/>
+          </a:schemeClr>
+        </a:solidFill>
+        <a:round/>
+      </a:ln>
+    </cs:spPr>
+  </cs:errorBar>
+  <cs:floor>
+    <cs:lnRef idx="0"/>
+    <cs:fillRef idx="0"/>
+    <cs:effectRef idx="0"/>
+    <cs:fontRef idx="minor">
+      <a:schemeClr val="tx1"/>
+    </cs:fontRef>
+    <cs:spPr>
+      <a:noFill/>
+      <a:ln>
+        <a:noFill/>
+      </a:ln>
+    </cs:spPr>
+  </cs:floor>
+  <cs:gridlineMajor>
+    <cs:lnRef idx="0"/>
+    <cs:fillRef idx="0"/>
+    <cs:effectRef idx="0"/>
+    <cs:fontRef idx="minor">
+      <a:schemeClr val="tx1"/>
+    </cs:fontRef>
+    <cs:spPr>
+      <a:ln w="9525" cap="flat" cmpd="sng" algn="ctr">
+        <a:solidFill>
+          <a:schemeClr val="tx1">
+            <a:lumMod val="15000"/>
+            <a:lumOff val="85000"/>
+          </a:schemeClr>
+        </a:solidFill>
+        <a:round/>
+      </a:ln>
+    </cs:spPr>
+  </cs:gridlineMajor>
+  <cs:gridlineMinor>
+    <cs:lnRef idx="0"/>
+    <cs:fillRef idx="0"/>
+    <cs:effectRef idx="0"/>
+    <cs:fontRef idx="minor">
+      <a:schemeClr val="tx1"/>
+    </cs:fontRef>
+    <cs:spPr>
+      <a:ln w="9525" cap="flat" cmpd="sng" algn="ctr">
+        <a:solidFill>
+          <a:schemeClr val="tx1">
+            <a:lumMod val="5000"/>
+            <a:lumOff val="95000"/>
+          </a:schemeClr>
+        </a:solidFill>
+        <a:round/>
+      </a:ln>
+    </cs:spPr>
+  </cs:gridlineMinor>
+  <cs:hiLoLine>
+    <cs:lnRef idx="0"/>
+    <cs:fillRef idx="0"/>
+    <cs:effectRef idx="0"/>
+    <cs:fontRef idx="minor">
+      <a:schemeClr val="tx1"/>
+    </cs:fontRef>
+    <cs:spPr>
+      <a:ln w="9525" cap="flat" cmpd="sng" algn="ctr">
+        <a:solidFill>
+          <a:schemeClr val="tx1">
+            <a:lumMod val="50000"/>
+            <a:lumOff val="50000"/>
+          </a:schemeClr>
+        </a:solidFill>
+        <a:round/>
+      </a:ln>
+    </cs:spPr>
+  </cs:hiLoLine>
+  <cs:leaderLine>
+    <cs:lnRef idx="0"/>
+    <cs:fillRef idx="0"/>
+    <cs:effectRef idx="0"/>
+    <cs:fontRef idx="minor">
+      <a:schemeClr val="tx1"/>
+    </cs:fontRef>
+    <cs:spPr>
+      <a:ln w="9525" cap="flat" cmpd="sng" algn="ctr">
+        <a:solidFill>
+          <a:schemeClr val="tx1">
+            <a:lumMod val="35000"/>
+            <a:lumOff val="65000"/>
+          </a:schemeClr>
+        </a:solidFill>
+        <a:round/>
+      </a:ln>
+    </cs:spPr>
+  </cs:leaderLine>
+  <cs:legend>
+    <cs:lnRef idx="0"/>
+    <cs:fillRef idx="0"/>
+    <cs:effectRef idx="0"/>
+    <cs:fontRef idx="minor">
+      <a:schemeClr val="tx1">
+        <a:lumMod val="65000"/>
+        <a:lumOff val="35000"/>
+      </a:schemeClr>
+    </cs:fontRef>
+    <cs:defRPr sz="1197" kern="1200"/>
+  </cs:legend>
+  <cs:plotArea mods="allowNoFillOverride allowNoLineOverride">
+    <cs:lnRef idx="0"/>
+    <cs:fillRef idx="0"/>
+    <cs:effectRef idx="0"/>
+    <cs:fontRef idx="minor">
+      <a:schemeClr val="tx1"/>
+    </cs:fontRef>
+  </cs:plotArea>
+  <cs:plotArea3D mods="allowNoFillOverride allowNoLineOverride">
+    <cs:lnRef idx="0"/>
+    <cs:fillRef idx="0"/>
+    <cs:effectRef idx="0"/>
+    <cs:fontRef idx="minor">
+      <a:schemeClr val="tx1"/>
+    </cs:fontRef>
+  </cs:plotArea3D>
+  <cs:seriesAxis>
+    <cs:lnRef idx="0"/>
+    <cs:fillRef idx="0"/>
+    <cs:effectRef idx="0"/>
+    <cs:fontRef idx="minor">
+      <a:schemeClr val="tx1">
+        <a:lumMod val="65000"/>
+        <a:lumOff val="35000"/>
+      </a:schemeClr>
+    </cs:fontRef>
+    <cs:defRPr sz="1197" kern="1200"/>
+  </cs:seriesAxis>
+  <cs:seriesLine>
+    <cs:lnRef idx="0"/>
+    <cs:fillRef idx="0"/>
+    <cs:effectRef idx="0"/>
+    <cs:fontRef idx="minor">
+      <a:schemeClr val="tx1"/>
+    </cs:fontRef>
+    <cs:spPr>
+      <a:ln w="9525" cap="flat" cmpd="sng" algn="ctr">
+        <a:solidFill>
+          <a:schemeClr val="tx1">
+            <a:lumMod val="35000"/>
+            <a:lumOff val="65000"/>
+          </a:schemeClr>
+        </a:solidFill>
+        <a:round/>
+      </a:ln>
+    </cs:spPr>
+  </cs:seriesLine>
+  <cs:title>
+    <cs:lnRef idx="0"/>
+    <cs:fillRef idx="0"/>
+    <cs:effectRef idx="0"/>
+    <cs:fontRef idx="minor">
+      <a:schemeClr val="tx1">
+        <a:lumMod val="65000"/>
+        <a:lumOff val="35000"/>
+      </a:schemeClr>
+    </cs:fontRef>
+    <cs:defRPr sz="1862" b="0" kern="1200" spc="0" baseline="0"/>
+  </cs:title>
+  <cs:trendline>
+    <cs:lnRef idx="0">
+      <cs:styleClr val="auto"/>
+    </cs:lnRef>
+    <cs:fillRef idx="0"/>
+    <cs:effectRef idx="0"/>
+    <cs:fontRef idx="minor">
+      <a:schemeClr val="tx1"/>
+    </cs:fontRef>
+    <cs:spPr>
+      <a:ln w="19050" cap="rnd">
+        <a:solidFill>
+          <a:schemeClr val="phClr"/>
+        </a:solidFill>
+        <a:prstDash val="sysDot"/>
+      </a:ln>
+    </cs:spPr>
+  </cs:trendline>
+  <cs:trendlineLabel>
+    <cs:lnRef idx="0"/>
+    <cs:fillRef idx="0"/>
+    <cs:effectRef idx="0"/>
+    <cs:fontRef idx="minor">
+      <a:schemeClr val="tx1">
+        <a:lumMod val="65000"/>
+        <a:lumOff val="35000"/>
+      </a:schemeClr>
+    </cs:fontRef>
+    <cs:defRPr sz="1197" kern="1200"/>
+  </cs:trendlineLabel>
+  <cs:upBar>
+    <cs:lnRef idx="0"/>
+    <cs:fillRef idx="0"/>
+    <cs:effectRef idx="0"/>
+    <cs:fontRef idx="minor">
+      <a:schemeClr val="tx1"/>
+    </cs:fontRef>
+    <cs:spPr>
+      <a:solidFill>
+        <a:schemeClr val="lt1"/>
+      </a:solidFill>
+      <a:ln w="9525" cap="flat" cmpd="sng" algn="ctr">
+        <a:solidFill>
+          <a:schemeClr val="tx1">
+            <a:lumMod val="65000"/>
+            <a:lumOff val="35000"/>
+          </a:schemeClr>
+        </a:solidFill>
+        <a:round/>
+      </a:ln>
+    </cs:spPr>
+  </cs:upBar>
+  <cs:valueAxis>
+    <cs:lnRef idx="0"/>
+    <cs:fillRef idx="0"/>
+    <cs:effectRef idx="0"/>
+    <cs:fontRef idx="minor">
+      <a:schemeClr val="tx1">
+        <a:lumMod val="65000"/>
+        <a:lumOff val="35000"/>
+      </a:schemeClr>
+    </cs:fontRef>
+    <cs:defRPr sz="1197" kern="1200"/>
+  </cs:valueAxis>
+  <cs:wall>
+    <cs:lnRef idx="0"/>
+    <cs:fillRef idx="0"/>
+    <cs:effectRef idx="0"/>
+    <cs:fontRef idx="minor">
+      <a:schemeClr val="tx1"/>
+    </cs:fontRef>
+    <cs:spPr>
+      <a:noFill/>
+      <a:ln>
+        <a:noFill/>
+      </a:ln>
+    </cs:spPr>
+  </cs:wall>
+</cs:chartStyle>
+</file>
+
+<file path=ppt/charts/style2.xml><?xml version="1.0" encoding="utf-8"?>
+<cs:chartStyle xmlns:cs="http://schemas.microsoft.com/office/drawing/2012/chartStyle" xmlns:a="http://schemas.openxmlformats.org/drawingml/2006/main" id="240">
+  <cs:axisTitle>
+    <cs:lnRef idx="0"/>
+    <cs:fillRef idx="0"/>
+    <cs:effectRef idx="0"/>
+    <cs:fontRef idx="minor">
+      <a:schemeClr val="tx1">
+        <a:lumMod val="65000"/>
+        <a:lumOff val="35000"/>
+      </a:schemeClr>
+    </cs:fontRef>
+    <cs:defRPr sz="1330" kern="1200"/>
+  </cs:axisTitle>
+  <cs:categoryAxis>
+    <cs:lnRef idx="0"/>
+    <cs:fillRef idx="0"/>
+    <cs:effectRef idx="0"/>
+    <cs:fontRef idx="minor">
+      <a:schemeClr val="tx1">
+        <a:lumMod val="65000"/>
+        <a:lumOff val="35000"/>
+      </a:schemeClr>
+    </cs:fontRef>
+    <cs:spPr>
+      <a:ln w="9525" cap="flat" cmpd="sng" algn="ctr">
+        <a:solidFill>
+          <a:schemeClr val="tx1">
+            <a:lumMod val="25000"/>
+            <a:lumOff val="75000"/>
+          </a:schemeClr>
+        </a:solidFill>
+        <a:round/>
+      </a:ln>
+    </cs:spPr>
+    <cs:defRPr sz="1197" kern="1200"/>
+  </cs:categoryAxis>
+  <cs:chartArea mods="allowNoFillOverride allowNoLineOverride">
+    <cs:lnRef idx="0"/>
+    <cs:fillRef idx="0"/>
+    <cs:effectRef idx="0"/>
+    <cs:fontRef idx="minor">
+      <a:schemeClr val="tx1"/>
+    </cs:fontRef>
+    <cs:spPr>
+      <a:solidFill>
+        <a:schemeClr val="bg1"/>
+      </a:solidFill>
+      <a:ln w="9525" cap="flat" cmpd="sng" algn="ctr">
+        <a:solidFill>
+          <a:schemeClr val="tx1">
+            <a:lumMod val="15000"/>
+            <a:lumOff val="85000"/>
+          </a:schemeClr>
+        </a:solidFill>
+        <a:round/>
+      </a:ln>
+    </cs:spPr>
+    <cs:defRPr sz="1330" kern="1200"/>
+  </cs:chartArea>
+  <cs:dataLabel>
+    <cs:lnRef idx="0"/>
+    <cs:fillRef idx="0"/>
+    <cs:effectRef idx="0"/>
+    <cs:fontRef idx="minor">
+      <a:schemeClr val="tx1">
+        <a:lumMod val="75000"/>
+        <a:lumOff val="25000"/>
+      </a:schemeClr>
+    </cs:fontRef>
+    <cs:defRPr sz="1197" kern="1200"/>
+  </cs:dataLabel>
+  <cs:dataLabelCallout>
+    <cs:lnRef idx="0"/>
+    <cs:fillRef idx="0"/>
+    <cs:effectRef idx="0"/>
+    <cs:fontRef idx="minor">
+      <a:schemeClr val="dk1">
+        <a:lumMod val="65000"/>
+        <a:lumOff val="35000"/>
+      </a:schemeClr>
+    </cs:fontRef>
+    <cs:spPr>
+      <a:solidFill>
+        <a:schemeClr val="lt1"/>
+      </a:solidFill>
+      <a:ln>
+        <a:solidFill>
+          <a:schemeClr val="dk1">
+            <a:lumMod val="25000"/>
+            <a:lumOff val="75000"/>
+          </a:schemeClr>
+        </a:solidFill>
+      </a:ln>
+    </cs:spPr>
+    <cs:defRPr sz="1197" kern="1200"/>
+    <cs:bodyPr rot="0" spcFirstLastPara="1" vertOverflow="clip" horzOverflow="clip" vert="horz" wrap="square" lIns="36576" tIns="18288" rIns="36576" bIns="18288" anchor="ctr" anchorCtr="1">
+      <a:spAutoFit/>
+    </cs:bodyPr>
+  </cs:dataLabelCallout>
+  <cs:dataPoint>
+    <cs:lnRef idx="0"/>
+    <cs:fillRef idx="1">
+      <cs:styleClr val="auto"/>
+    </cs:fillRef>
+    <cs:effectRef idx="0"/>
+    <cs:fontRef idx="minor">
+      <a:schemeClr val="tx1"/>
+    </cs:fontRef>
+  </cs:dataPoint>
+  <cs:dataPoint3D>
+    <cs:lnRef idx="0"/>
+    <cs:fillRef idx="1">
+      <cs:styleClr val="auto"/>
+    </cs:fillRef>
+    <cs:effectRef idx="0"/>
+    <cs:fontRef idx="minor">
+      <a:schemeClr val="tx1"/>
+    </cs:fontRef>
+  </cs:dataPoint3D>
+  <cs:dataPointLine>
+    <cs:lnRef idx="0">
+      <cs:styleClr val="auto"/>
+    </cs:lnRef>
+    <cs:fillRef idx="1"/>
+    <cs:effectRef idx="0"/>
+    <cs:fontRef idx="minor">
+      <a:schemeClr val="tx1"/>
+    </cs:fontRef>
+    <cs:spPr>
+      <a:ln w="19050" cap="rnd">
+        <a:solidFill>
+          <a:schemeClr val="phClr"/>
+        </a:solidFill>
+        <a:round/>
+      </a:ln>
+    </cs:spPr>
+  </cs:dataPointLine>
+  <cs:dataPointMarker>
+    <cs:lnRef idx="0">
+      <cs:styleClr val="auto"/>
+    </cs:lnRef>
+    <cs:fillRef idx="1">
+      <cs:styleClr val="auto"/>
+    </cs:fillRef>
+    <cs:effectRef idx="0"/>
+    <cs:fontRef idx="minor">
+      <a:schemeClr val="tx1"/>
+    </cs:fontRef>
+    <cs:spPr>
+      <a:ln w="9525">
+        <a:solidFill>
+          <a:schemeClr val="phClr"/>
+        </a:solidFill>
+      </a:ln>
+    </cs:spPr>
+  </cs:dataPointMarker>
+  <cs:dataPointMarkerLayout symbol="circle" size="5"/>
+  <cs:dataPointWireframe>
+    <cs:lnRef idx="0">
+      <cs:styleClr val="auto"/>
+    </cs:lnRef>
+    <cs:fillRef idx="0"/>
+    <cs:effectRef idx="0"/>
+    <cs:fontRef idx="minor">
+      <a:schemeClr val="dk1"/>
+    </cs:fontRef>
+    <cs:spPr>
+      <a:ln w="9525" cap="rnd">
+        <a:solidFill>
+          <a:schemeClr val="phClr"/>
+        </a:solidFill>
+        <a:round/>
+      </a:ln>
+    </cs:spPr>
+  </cs:dataPointWireframe>
+  <cs:dataTable>
+    <cs:lnRef idx="0"/>
+    <cs:fillRef idx="0"/>
+    <cs:effectRef idx="0"/>
+    <cs:fontRef idx="minor">
+      <a:schemeClr val="tx1">
+        <a:lumMod val="65000"/>
+        <a:lumOff val="35000"/>
+      </a:schemeClr>
+    </cs:fontRef>
+    <cs:spPr>
+      <a:noFill/>
+      <a:ln w="9525" cap="flat" cmpd="sng" algn="ctr">
+        <a:solidFill>
+          <a:schemeClr val="tx1">
+            <a:lumMod val="15000"/>
+            <a:lumOff val="85000"/>
+          </a:schemeClr>
+        </a:solidFill>
+        <a:round/>
+      </a:ln>
+    </cs:spPr>
+    <cs:defRPr sz="1197" kern="1200"/>
+  </cs:dataTable>
+  <cs:downBar>
+    <cs:lnRef idx="0"/>
+    <cs:fillRef idx="0"/>
+    <cs:effectRef idx="0"/>
+    <cs:fontRef idx="minor">
+      <a:schemeClr val="tx1"/>
+    </cs:fontRef>
+    <cs:spPr>
+      <a:solidFill>
+        <a:schemeClr val="dk1">
+          <a:lumMod val="75000"/>
+          <a:lumOff val="25000"/>
+        </a:schemeClr>
+      </a:solidFill>
+      <a:ln w="9525" cap="flat" cmpd="sng" algn="ctr">
+        <a:solidFill>
+          <a:schemeClr val="tx1">
+            <a:lumMod val="65000"/>
+            <a:lumOff val="35000"/>
+          </a:schemeClr>
+        </a:solidFill>
+        <a:round/>
+      </a:ln>
+    </cs:spPr>
+  </cs:downBar>
+  <cs:dropLine>
+    <cs:lnRef idx="0"/>
+    <cs:fillRef idx="0"/>
+    <cs:effectRef idx="0"/>
+    <cs:fontRef idx="minor">
+      <a:schemeClr val="tx1"/>
+    </cs:fontRef>
+    <cs:spPr>
+      <a:ln w="9525" cap="flat" cmpd="sng" algn="ctr">
+        <a:solidFill>
+          <a:schemeClr val="tx1">
+            <a:lumMod val="35000"/>
+            <a:lumOff val="65000"/>
+          </a:schemeClr>
+        </a:solidFill>
+        <a:round/>
+      </a:ln>
+    </cs:spPr>
+  </cs:dropLine>
+  <cs:errorBar>
+    <cs:lnRef idx="0"/>
+    <cs:fillRef idx="0"/>
+    <cs:effectRef idx="0"/>
+    <cs:fontRef idx="minor">
+      <a:schemeClr val="tx1"/>
+    </cs:fontRef>
+    <cs:spPr>
+      <a:ln w="9525" cap="flat" cmpd="sng" algn="ctr">
+        <a:solidFill>
+          <a:schemeClr val="tx1">
+            <a:lumMod val="65000"/>
+            <a:lumOff val="35000"/>
+          </a:schemeClr>
+        </a:solidFill>
+        <a:round/>
+      </a:ln>
+    </cs:spPr>
+  </cs:errorBar>
+  <cs:floor>
+    <cs:lnRef idx="0"/>
+    <cs:fillRef idx="0"/>
+    <cs:effectRef idx="0"/>
+    <cs:fontRef idx="minor">
+      <a:schemeClr val="tx1"/>
+    </cs:fontRef>
+    <cs:spPr>
+      <a:noFill/>
+      <a:ln>
+        <a:noFill/>
+      </a:ln>
+    </cs:spPr>
+  </cs:floor>
+  <cs:gridlineMajor>
+    <cs:lnRef idx="0"/>
+    <cs:fillRef idx="0"/>
+    <cs:effectRef idx="0"/>
+    <cs:fontRef idx="minor">
+      <a:schemeClr val="tx1"/>
+    </cs:fontRef>
+    <cs:spPr>
+      <a:ln w="9525" cap="flat" cmpd="sng" algn="ctr">
+        <a:solidFill>
+          <a:schemeClr val="tx1">
+            <a:lumMod val="15000"/>
+            <a:lumOff val="85000"/>
+          </a:schemeClr>
+        </a:solidFill>
+        <a:round/>
+      </a:ln>
+    </cs:spPr>
+  </cs:gridlineMajor>
+  <cs:gridlineMinor>
+    <cs:lnRef idx="0"/>
+    <cs:fillRef idx="0"/>
+    <cs:effectRef idx="0"/>
+    <cs:fontRef idx="minor">
+      <a:schemeClr val="tx1"/>
+    </cs:fontRef>
+    <cs:spPr>
+      <a:ln w="9525" cap="flat" cmpd="sng" algn="ctr">
+        <a:solidFill>
+          <a:schemeClr val="tx1">
+            <a:lumMod val="5000"/>
+            <a:lumOff val="95000"/>
+          </a:schemeClr>
+        </a:solidFill>
+        <a:round/>
+      </a:ln>
+    </cs:spPr>
+  </cs:gridlineMinor>
+  <cs:hiLoLine>
+    <cs:lnRef idx="0"/>
+    <cs:fillRef idx="0"/>
+    <cs:effectRef idx="0"/>
+    <cs:fontRef idx="minor">
+      <a:schemeClr val="tx1"/>
+    </cs:fontRef>
+    <cs:spPr>
+      <a:ln w="9525" cap="flat" cmpd="sng" algn="ctr">
+        <a:solidFill>
+          <a:schemeClr val="tx1">
+            <a:lumMod val="50000"/>
+            <a:lumOff val="50000"/>
+          </a:schemeClr>
+        </a:solidFill>
+        <a:round/>
+      </a:ln>
+    </cs:spPr>
+  </cs:hiLoLine>
+  <cs:leaderLine>
+    <cs:lnRef idx="0"/>
+    <cs:fillRef idx="0"/>
+    <cs:effectRef idx="0"/>
+    <cs:fontRef idx="minor">
+      <a:schemeClr val="tx1"/>
+    </cs:fontRef>
+    <cs:spPr>
+      <a:ln w="9525" cap="flat" cmpd="sng" algn="ctr">
+        <a:solidFill>
+          <a:schemeClr val="tx1">
+            <a:lumMod val="35000"/>
+            <a:lumOff val="65000"/>
+          </a:schemeClr>
+        </a:solidFill>
+        <a:round/>
+      </a:ln>
+    </cs:spPr>
+  </cs:leaderLine>
+  <cs:legend>
+    <cs:lnRef idx="0"/>
+    <cs:fillRef idx="0"/>
+    <cs:effectRef idx="0"/>
+    <cs:fontRef idx="minor">
+      <a:schemeClr val="tx1">
+        <a:lumMod val="65000"/>
+        <a:lumOff val="35000"/>
+      </a:schemeClr>
+    </cs:fontRef>
+    <cs:defRPr sz="1197" kern="1200"/>
+  </cs:legend>
+  <cs:plotArea mods="allowNoFillOverride allowNoLineOverride">
+    <cs:lnRef idx="0"/>
+    <cs:fillRef idx="0"/>
+    <cs:effectRef idx="0"/>
+    <cs:fontRef idx="minor">
+      <a:schemeClr val="tx1"/>
+    </cs:fontRef>
+  </cs:plotArea>
+  <cs:plotArea3D mods="allowNoFillOverride allowNoLineOverride">
+    <cs:lnRef idx="0"/>
+    <cs:fillRef idx="0"/>
+    <cs:effectRef idx="0"/>
+    <cs:fontRef idx="minor">
+      <a:schemeClr val="tx1"/>
+    </cs:fontRef>
+  </cs:plotArea3D>
+  <cs:seriesAxis>
+    <cs:lnRef idx="0"/>
+    <cs:fillRef idx="0"/>
+    <cs:effectRef idx="0"/>
+    <cs:fontRef idx="minor">
+      <a:schemeClr val="tx1">
+        <a:lumMod val="65000"/>
+        <a:lumOff val="35000"/>
+      </a:schemeClr>
+    </cs:fontRef>
+    <cs:defRPr sz="1197" kern="1200"/>
+  </cs:seriesAxis>
+  <cs:seriesLine>
+    <cs:lnRef idx="0"/>
+    <cs:fillRef idx="0"/>
+    <cs:effectRef idx="0"/>
+    <cs:fontRef idx="minor">
+      <a:schemeClr val="tx1"/>
+    </cs:fontRef>
+    <cs:spPr>
+      <a:ln w="9525" cap="flat" cmpd="sng" algn="ctr">
+        <a:solidFill>
+          <a:schemeClr val="tx1">
+            <a:lumMod val="35000"/>
+            <a:lumOff val="65000"/>
+          </a:schemeClr>
+        </a:solidFill>
+        <a:round/>
+      </a:ln>
+    </cs:spPr>
+  </cs:seriesLine>
+  <cs:title>
+    <cs:lnRef idx="0"/>
+    <cs:fillRef idx="0"/>
+    <cs:effectRef idx="0"/>
+    <cs:fontRef idx="minor">
+      <a:schemeClr val="tx1">
+        <a:lumMod val="65000"/>
+        <a:lumOff val="35000"/>
+      </a:schemeClr>
+    </cs:fontRef>
+    <cs:defRPr sz="1862" b="0" kern="1200" spc="0" baseline="0"/>
+  </cs:title>
+  <cs:trendline>
+    <cs:lnRef idx="0">
+      <cs:styleClr val="auto"/>
+    </cs:lnRef>
+    <cs:fillRef idx="0"/>
+    <cs:effectRef idx="0"/>
+    <cs:fontRef idx="minor">
+      <a:schemeClr val="tx1"/>
+    </cs:fontRef>
+    <cs:spPr>
+      <a:ln w="19050" cap="rnd">
+        <a:solidFill>
+          <a:schemeClr val="phClr"/>
+        </a:solidFill>
+        <a:prstDash val="sysDot"/>
+      </a:ln>
+    </cs:spPr>
+  </cs:trendline>
+  <cs:trendlineLabel>
+    <cs:lnRef idx="0"/>
+    <cs:fillRef idx="0"/>
+    <cs:effectRef idx="0"/>
+    <cs:fontRef idx="minor">
+      <a:schemeClr val="tx1">
+        <a:lumMod val="65000"/>
+        <a:lumOff val="35000"/>
+      </a:schemeClr>
+    </cs:fontRef>
+    <cs:defRPr sz="1197" kern="1200"/>
+  </cs:trendlineLabel>
+  <cs:upBar>
+    <cs:lnRef idx="0"/>
+    <cs:fillRef idx="0"/>
+    <cs:effectRef idx="0"/>
+    <cs:fontRef idx="minor">
+      <a:schemeClr val="tx1"/>
+    </cs:fontRef>
+    <cs:spPr>
+      <a:solidFill>
+        <a:schemeClr val="lt1"/>
+      </a:solidFill>
+      <a:ln w="9525" cap="flat" cmpd="sng" algn="ctr">
+        <a:solidFill>
+          <a:schemeClr val="tx1">
+            <a:lumMod val="65000"/>
+            <a:lumOff val="35000"/>
+          </a:schemeClr>
+        </a:solidFill>
+        <a:round/>
+      </a:ln>
+    </cs:spPr>
+  </cs:upBar>
+  <cs:valueAxis>
+    <cs:lnRef idx="0"/>
+    <cs:fillRef idx="0"/>
+    <cs:effectRef idx="0"/>
+    <cs:fontRef idx="minor">
+      <a:schemeClr val="tx1">
+        <a:lumMod val="65000"/>
+        <a:lumOff val="35000"/>
+      </a:schemeClr>
+    </cs:fontRef>
+    <cs:spPr>
+      <a:ln w="9525" cap="flat" cmpd="sng" algn="ctr">
+        <a:solidFill>
+          <a:schemeClr val="tx1">
+            <a:lumMod val="25000"/>
+            <a:lumOff val="75000"/>
+          </a:schemeClr>
+        </a:solidFill>
+        <a:round/>
+      </a:ln>
+    </cs:spPr>
+    <cs:defRPr sz="1197" kern="1200"/>
+  </cs:valueAxis>
+  <cs:wall>
+    <cs:lnRef idx="0"/>
+    <cs:fillRef idx="0"/>
+    <cs:effectRef idx="0"/>
+    <cs:fontRef idx="minor">
+      <a:schemeClr val="tx1"/>
+    </cs:fontRef>
+    <cs:spPr>
+      <a:noFill/>
+      <a:ln>
+        <a:noFill/>
+      </a:ln>
+    </cs:spPr>
+  </cs:wall>
+</cs:chartStyle>
 </file>
 
 <file path=ppt/comments/modernComment_7BBF578F_ED886971.xml><?xml version="1.0" encoding="utf-8"?>
@@ -16352,7 +18403,7 @@
             <a:pPr algn="ctr"/>
             <a:r>
               <a:rPr lang="es-CL" dirty="0"/>
-              <a:t>Hospital Guillermo Grant Benavente de Concepción</a:t>
+              <a:t>Hospital Guillermo Grant Benavente - Concepción</a:t>
             </a:r>
           </a:p>
         </p:txBody>
@@ -16700,6 +18751,404 @@
           </a:p>
         </p:txBody>
       </p:sp>
+      <p:graphicFrame>
+        <p:nvGraphicFramePr>
+          <p:cNvPr id="9" name="Gráfico 8">
+            <a:extLst>
+              <a:ext uri="{FF2B5EF4-FFF2-40B4-BE49-F238E27FC236}">
+                <a16:creationId xmlns:a16="http://schemas.microsoft.com/office/drawing/2014/main" id="{27A689AB-E356-AD48-26AD-1E51B4471784}"/>
+              </a:ext>
+            </a:extLst>
+          </p:cNvPr>
+          <p:cNvGraphicFramePr/>
+          <p:nvPr>
+            <p:extLst>
+              <p:ext uri="{D42A27DB-BD31-4B8C-83A1-F6EECF244321}">
+                <p14:modId xmlns:p14="http://schemas.microsoft.com/office/powerpoint/2010/main" val="3279126450"/>
+              </p:ext>
+            </p:extLst>
+          </p:nvPr>
+        </p:nvGraphicFramePr>
+        <p:xfrm>
+          <a:off x="191654" y="1951143"/>
+          <a:ext cx="5183910" cy="3464326"/>
+        </p:xfrm>
+        <a:graphic>
+          <a:graphicData uri="http://schemas.openxmlformats.org/drawingml/2006/chart">
+            <c:chart xmlns:c="http://schemas.openxmlformats.org/drawingml/2006/chart" xmlns:r="http://schemas.openxmlformats.org/officeDocument/2006/relationships" r:id="rId4"/>
+          </a:graphicData>
+        </a:graphic>
+      </p:graphicFrame>
+      <p:sp>
+        <p:nvSpPr>
+          <p:cNvPr id="11" name="Rectángulo: esquinas redondeadas 10">
+            <a:extLst>
+              <a:ext uri="{FF2B5EF4-FFF2-40B4-BE49-F238E27FC236}">
+                <a16:creationId xmlns:a16="http://schemas.microsoft.com/office/drawing/2014/main" id="{4AA1D242-C13A-C953-B8BB-2D3FD84E3886}"/>
+              </a:ext>
+            </a:extLst>
+          </p:cNvPr>
+          <p:cNvSpPr/>
+          <p:nvPr/>
+        </p:nvSpPr>
+        <p:spPr>
+          <a:xfrm>
+            <a:off x="361949" y="1158113"/>
+            <a:ext cx="4826578" cy="396240"/>
+          </a:xfrm>
+          <a:prstGeom prst="roundRect">
+            <a:avLst/>
+          </a:prstGeom>
+          <a:solidFill>
+            <a:schemeClr val="tx2">
+              <a:lumMod val="75000"/>
+            </a:schemeClr>
+          </a:solidFill>
+        </p:spPr>
+        <p:style>
+          <a:lnRef idx="2">
+            <a:schemeClr val="accent1">
+              <a:shade val="15000"/>
+            </a:schemeClr>
+          </a:lnRef>
+          <a:fillRef idx="1">
+            <a:schemeClr val="accent1"/>
+          </a:fillRef>
+          <a:effectRef idx="0">
+            <a:schemeClr val="accent1"/>
+          </a:effectRef>
+          <a:fontRef idx="minor">
+            <a:schemeClr val="lt1"/>
+          </a:fontRef>
+        </p:style>
+        <p:txBody>
+          <a:bodyPr rtlCol="0" anchor="ctr"/>
+          <a:lstStyle/>
+          <a:p>
+            <a:pPr algn="ctr"/>
+            <a:r>
+              <a:rPr lang="es-CL" dirty="0"/>
+              <a:t>Importancia de variables en el estudio</a:t>
+            </a:r>
+          </a:p>
+        </p:txBody>
+      </p:sp>
+      <p:sp>
+        <p:nvSpPr>
+          <p:cNvPr id="14" name="Rectángulo: esquinas redondeadas 13">
+            <a:extLst>
+              <a:ext uri="{FF2B5EF4-FFF2-40B4-BE49-F238E27FC236}">
+                <a16:creationId xmlns:a16="http://schemas.microsoft.com/office/drawing/2014/main" id="{E28F0F11-0BFA-9B56-4356-A126EC4BA1B1}"/>
+              </a:ext>
+            </a:extLst>
+          </p:cNvPr>
+          <p:cNvSpPr/>
+          <p:nvPr/>
+        </p:nvSpPr>
+        <p:spPr>
+          <a:xfrm>
+            <a:off x="8057935" y="4647138"/>
+            <a:ext cx="3098569" cy="964530"/>
+          </a:xfrm>
+          <a:prstGeom prst="roundRect">
+            <a:avLst/>
+          </a:prstGeom>
+          <a:solidFill>
+            <a:srgbClr val="00B050"/>
+          </a:solidFill>
+        </p:spPr>
+        <p:style>
+          <a:lnRef idx="2">
+            <a:schemeClr val="accent1">
+              <a:shade val="15000"/>
+            </a:schemeClr>
+          </a:lnRef>
+          <a:fillRef idx="1">
+            <a:schemeClr val="accent1"/>
+          </a:fillRef>
+          <a:effectRef idx="0">
+            <a:schemeClr val="accent1"/>
+          </a:effectRef>
+          <a:fontRef idx="minor">
+            <a:schemeClr val="lt1"/>
+          </a:fontRef>
+        </p:style>
+        <p:txBody>
+          <a:bodyPr rtlCol="0" anchor="ctr"/>
+          <a:lstStyle/>
+          <a:p>
+            <a:pPr algn="ctr"/>
+            <a:r>
+              <a:rPr lang="es-CL" dirty="0"/>
+              <a:t>Estas 4 variables nuevas mejoran la predicción mas allá del protocolo GES actual</a:t>
+            </a:r>
+          </a:p>
+        </p:txBody>
+      </p:sp>
+      <p:sp>
+        <p:nvSpPr>
+          <p:cNvPr id="15" name="Rectángulo: esquinas redondeadas 14">
+            <a:extLst>
+              <a:ext uri="{FF2B5EF4-FFF2-40B4-BE49-F238E27FC236}">
+                <a16:creationId xmlns:a16="http://schemas.microsoft.com/office/drawing/2014/main" id="{9B5BB754-C4E0-BF2D-5493-A81F83D4EBA5}"/>
+              </a:ext>
+            </a:extLst>
+          </p:cNvPr>
+          <p:cNvSpPr/>
+          <p:nvPr/>
+        </p:nvSpPr>
+        <p:spPr>
+          <a:xfrm>
+            <a:off x="5596883" y="1140038"/>
+            <a:ext cx="2459535" cy="2503707"/>
+          </a:xfrm>
+          <a:prstGeom prst="roundRect">
+            <a:avLst/>
+          </a:prstGeom>
+          <a:solidFill>
+            <a:schemeClr val="tx2">
+              <a:lumMod val="75000"/>
+            </a:schemeClr>
+          </a:solidFill>
+        </p:spPr>
+        <p:style>
+          <a:lnRef idx="2">
+            <a:schemeClr val="accent1">
+              <a:shade val="15000"/>
+            </a:schemeClr>
+          </a:lnRef>
+          <a:fillRef idx="1">
+            <a:schemeClr val="accent1"/>
+          </a:fillRef>
+          <a:effectRef idx="0">
+            <a:schemeClr val="accent1"/>
+          </a:effectRef>
+          <a:fontRef idx="minor">
+            <a:schemeClr val="lt1"/>
+          </a:fontRef>
+        </p:style>
+        <p:txBody>
+          <a:bodyPr rtlCol="0" anchor="t"/>
+          <a:lstStyle/>
+          <a:p>
+            <a:pPr algn="ctr"/>
+            <a:r>
+              <a:rPr lang="es-CL" dirty="0"/>
+              <a:t>Variables GES </a:t>
+            </a:r>
+          </a:p>
+          <a:p>
+            <a:pPr algn="ctr"/>
+            <a:r>
+              <a:rPr lang="es-CL" dirty="0"/>
+              <a:t>(ya en protocolo)</a:t>
+            </a:r>
+          </a:p>
+          <a:p>
+            <a:pPr algn="ctr"/>
+            <a:endParaRPr lang="es-CL" dirty="0"/>
+          </a:p>
+          <a:p>
+            <a:pPr marL="285750" indent="-285750">
+              <a:buFont typeface="Wingdings" panose="05000000000000000000" pitchFamily="2" charset="2"/>
+              <a:buChar char="ü"/>
+            </a:pPr>
+            <a:r>
+              <a:rPr lang="es-CL" dirty="0"/>
+              <a:t>Sangrado GI</a:t>
+            </a:r>
+          </a:p>
+          <a:p>
+            <a:pPr marL="285750" indent="-285750">
+              <a:buFont typeface="Wingdings" panose="05000000000000000000" pitchFamily="2" charset="2"/>
+              <a:buChar char="ü"/>
+            </a:pPr>
+            <a:r>
+              <a:rPr lang="es-CL" dirty="0"/>
+              <a:t>Edad</a:t>
+            </a:r>
+          </a:p>
+          <a:p>
+            <a:pPr marL="285750" indent="-285750">
+              <a:buFont typeface="Wingdings" panose="05000000000000000000" pitchFamily="2" charset="2"/>
+              <a:buChar char="ü"/>
+            </a:pPr>
+            <a:r>
+              <a:rPr lang="es-CL" dirty="0"/>
+              <a:t>Diarrea</a:t>
+            </a:r>
+          </a:p>
+          <a:p>
+            <a:pPr marL="285750" indent="-285750">
+              <a:buFont typeface="Wingdings" panose="05000000000000000000" pitchFamily="2" charset="2"/>
+              <a:buChar char="ü"/>
+            </a:pPr>
+            <a:r>
+              <a:rPr lang="es-CL" dirty="0"/>
+              <a:t>Masa rectal</a:t>
+            </a:r>
+          </a:p>
+          <a:p>
+            <a:pPr marL="285750" indent="-285750">
+              <a:buFont typeface="Wingdings" panose="05000000000000000000" pitchFamily="2" charset="2"/>
+              <a:buChar char="ü"/>
+            </a:pPr>
+            <a:r>
+              <a:rPr lang="es-CL" dirty="0"/>
+              <a:t>Anemia</a:t>
+            </a:r>
+          </a:p>
+        </p:txBody>
+      </p:sp>
+      <p:sp>
+        <p:nvSpPr>
+          <p:cNvPr id="16" name="Rectángulo: esquinas redondeadas 15">
+            <a:extLst>
+              <a:ext uri="{FF2B5EF4-FFF2-40B4-BE49-F238E27FC236}">
+                <a16:creationId xmlns:a16="http://schemas.microsoft.com/office/drawing/2014/main" id="{4DEB628B-5BF1-D561-1E57-74849FAE4402}"/>
+              </a:ext>
+            </a:extLst>
+          </p:cNvPr>
+          <p:cNvSpPr/>
+          <p:nvPr/>
+        </p:nvSpPr>
+        <p:spPr>
+          <a:xfrm>
+            <a:off x="8277737" y="1140038"/>
+            <a:ext cx="2611936" cy="2503706"/>
+          </a:xfrm>
+          <a:prstGeom prst="roundRect">
+            <a:avLst/>
+          </a:prstGeom>
+          <a:solidFill>
+            <a:srgbClr val="00B050"/>
+          </a:solidFill>
+        </p:spPr>
+        <p:style>
+          <a:lnRef idx="2">
+            <a:schemeClr val="accent1">
+              <a:shade val="15000"/>
+            </a:schemeClr>
+          </a:lnRef>
+          <a:fillRef idx="1">
+            <a:schemeClr val="accent1"/>
+          </a:fillRef>
+          <a:effectRef idx="0">
+            <a:schemeClr val="accent1"/>
+          </a:effectRef>
+          <a:fontRef idx="minor">
+            <a:schemeClr val="lt1"/>
+          </a:fontRef>
+        </p:style>
+        <p:txBody>
+          <a:bodyPr rtlCol="0" anchor="t"/>
+          <a:lstStyle/>
+          <a:p>
+            <a:pPr algn="ctr"/>
+            <a:r>
+              <a:rPr lang="es-CL" dirty="0"/>
+              <a:t>Variables nuevas </a:t>
+            </a:r>
+          </a:p>
+          <a:p>
+            <a:pPr algn="ctr"/>
+            <a:r>
+              <a:rPr lang="es-CL" dirty="0"/>
+              <a:t>(no están en protocolo)</a:t>
+            </a:r>
+          </a:p>
+          <a:p>
+            <a:pPr algn="ctr"/>
+            <a:endParaRPr lang="es-CL" dirty="0"/>
+          </a:p>
+          <a:p>
+            <a:pPr marL="285750" indent="-285750">
+              <a:buFont typeface="Wingdings" panose="05000000000000000000" pitchFamily="2" charset="2"/>
+              <a:buChar char="ü"/>
+            </a:pPr>
+            <a:r>
+              <a:rPr lang="es-CL" dirty="0"/>
+              <a:t>Tomografía CT</a:t>
+            </a:r>
+          </a:p>
+          <a:p>
+            <a:pPr marL="285750" indent="-285750">
+              <a:buFont typeface="Wingdings" panose="05000000000000000000" pitchFamily="2" charset="2"/>
+              <a:buChar char="ü"/>
+            </a:pPr>
+            <a:r>
+              <a:rPr lang="es-CL" dirty="0"/>
+              <a:t>Ecografía</a:t>
+            </a:r>
+          </a:p>
+          <a:p>
+            <a:pPr marL="285750" indent="-285750">
+              <a:buFont typeface="Wingdings" panose="05000000000000000000" pitchFamily="2" charset="2"/>
+              <a:buChar char="ü"/>
+            </a:pPr>
+            <a:r>
+              <a:rPr lang="es-CL" dirty="0"/>
+              <a:t>Condición general</a:t>
+            </a:r>
+          </a:p>
+          <a:p>
+            <a:pPr marL="285750" indent="-285750">
+              <a:buFont typeface="Wingdings" panose="05000000000000000000" pitchFamily="2" charset="2"/>
+              <a:buChar char="ü"/>
+            </a:pPr>
+            <a:r>
+              <a:rPr lang="es-CL" dirty="0"/>
+              <a:t>Sexo</a:t>
+            </a:r>
+          </a:p>
+        </p:txBody>
+      </p:sp>
+      <p:sp>
+        <p:nvSpPr>
+          <p:cNvPr id="17" name="Flecha: hacia abajo 16">
+            <a:extLst>
+              <a:ext uri="{FF2B5EF4-FFF2-40B4-BE49-F238E27FC236}">
+                <a16:creationId xmlns:a16="http://schemas.microsoft.com/office/drawing/2014/main" id="{FB1C4D6A-30F4-A3F3-9E2D-227C009BEDEC}"/>
+              </a:ext>
+            </a:extLst>
+          </p:cNvPr>
+          <p:cNvSpPr/>
+          <p:nvPr/>
+        </p:nvSpPr>
+        <p:spPr>
+          <a:xfrm rot="10800000">
+            <a:off x="9337963" y="3828989"/>
+            <a:ext cx="526473" cy="632905"/>
+          </a:xfrm>
+          <a:prstGeom prst="downArrow">
+            <a:avLst/>
+          </a:prstGeom>
+        </p:spPr>
+        <p:style>
+          <a:lnRef idx="2">
+            <a:schemeClr val="accent1">
+              <a:shade val="15000"/>
+            </a:schemeClr>
+          </a:lnRef>
+          <a:fillRef idx="1">
+            <a:schemeClr val="accent1"/>
+          </a:fillRef>
+          <a:effectRef idx="0">
+            <a:schemeClr val="accent1"/>
+          </a:effectRef>
+          <a:fontRef idx="minor">
+            <a:schemeClr val="lt1"/>
+          </a:fontRef>
+        </p:style>
+        <p:txBody>
+          <a:bodyPr rtlCol="0" anchor="ctr"/>
+          <a:lstStyle/>
+          <a:p>
+            <a:pPr algn="ctr"/>
+            <a:endParaRPr lang="es-CL"/>
+          </a:p>
+        </p:txBody>
+      </p:sp>
     </p:spTree>
     <p:extLst>
       <p:ext uri="{BB962C8B-B14F-4D97-AF65-F5344CB8AC3E}">
@@ -17038,6 +19487,87 @@
           </a:p>
         </p:txBody>
       </p:sp>
+      <p:sp>
+        <p:nvSpPr>
+          <p:cNvPr id="6" name="Rectángulo: esquinas redondeadas 5">
+            <a:extLst>
+              <a:ext uri="{FF2B5EF4-FFF2-40B4-BE49-F238E27FC236}">
+                <a16:creationId xmlns:a16="http://schemas.microsoft.com/office/drawing/2014/main" id="{03506068-93DC-573F-7C5C-9E058AE5F1B9}"/>
+              </a:ext>
+            </a:extLst>
+          </p:cNvPr>
+          <p:cNvSpPr/>
+          <p:nvPr/>
+        </p:nvSpPr>
+        <p:spPr>
+          <a:xfrm>
+            <a:off x="361949" y="1111047"/>
+            <a:ext cx="3545033" cy="396240"/>
+          </a:xfrm>
+          <a:prstGeom prst="roundRect">
+            <a:avLst/>
+          </a:prstGeom>
+          <a:solidFill>
+            <a:schemeClr val="tx2">
+              <a:lumMod val="75000"/>
+            </a:schemeClr>
+          </a:solidFill>
+        </p:spPr>
+        <p:style>
+          <a:lnRef idx="2">
+            <a:schemeClr val="accent1">
+              <a:shade val="15000"/>
+            </a:schemeClr>
+          </a:lnRef>
+          <a:fillRef idx="1">
+            <a:schemeClr val="accent1"/>
+          </a:fillRef>
+          <a:effectRef idx="0">
+            <a:schemeClr val="accent1"/>
+          </a:effectRef>
+          <a:fontRef idx="minor">
+            <a:schemeClr val="lt1"/>
+          </a:fontRef>
+        </p:style>
+        <p:txBody>
+          <a:bodyPr rtlCol="0" anchor="ctr"/>
+          <a:lstStyle/>
+          <a:p>
+            <a:r>
+              <a:rPr lang="es-CL" dirty="0"/>
+              <a:t>Rendimiento de modelos</a:t>
+            </a:r>
+          </a:p>
+        </p:txBody>
+      </p:sp>
+      <p:graphicFrame>
+        <p:nvGraphicFramePr>
+          <p:cNvPr id="11" name="Gráfico 10">
+            <a:extLst>
+              <a:ext uri="{FF2B5EF4-FFF2-40B4-BE49-F238E27FC236}">
+                <a16:creationId xmlns:a16="http://schemas.microsoft.com/office/drawing/2014/main" id="{773D3929-A1A5-4220-7E63-609DD2149BBD}"/>
+              </a:ext>
+            </a:extLst>
+          </p:cNvPr>
+          <p:cNvGraphicFramePr/>
+          <p:nvPr>
+            <p:extLst>
+              <p:ext uri="{D42A27DB-BD31-4B8C-83A1-F6EECF244321}">
+                <p14:modId xmlns:p14="http://schemas.microsoft.com/office/powerpoint/2010/main" val="482173634"/>
+              </p:ext>
+            </p:extLst>
+          </p:nvPr>
+        </p:nvGraphicFramePr>
+        <p:xfrm>
+          <a:off x="2519905" y="2005410"/>
+          <a:ext cx="6195728" cy="3652396"/>
+        </p:xfrm>
+        <a:graphic>
+          <a:graphicData uri="http://schemas.openxmlformats.org/drawingml/2006/chart">
+            <c:chart xmlns:c="http://schemas.openxmlformats.org/drawingml/2006/chart" xmlns:r="http://schemas.openxmlformats.org/officeDocument/2006/relationships" r:id="rId4"/>
+          </a:graphicData>
+        </a:graphic>
+      </p:graphicFrame>
     </p:spTree>
     <p:extLst>
       <p:ext uri="{BB962C8B-B14F-4D97-AF65-F5344CB8AC3E}">

--- a/material/PRESENTACION/cienciadedatosaplicada_investigacion.pptx
+++ b/material/PRESENTACION/cienciadedatosaplicada_investigacion.pptx
@@ -149,6 +149,31 @@
   </mc:AlternateContent>
   <c:chart>
     <c:title>
+      <c:tx>
+        <c:rich>
+          <a:bodyPr rot="0" spcFirstLastPara="1" vertOverflow="ellipsis" vert="horz" wrap="square" anchor="ctr" anchorCtr="1"/>
+          <a:lstStyle/>
+          <a:p>
+            <a:pPr>
+              <a:defRPr sz="1862" b="0" i="0" u="none" strike="noStrike" kern="1200" spc="0" baseline="0">
+                <a:solidFill>
+                  <a:schemeClr val="tx1">
+                    <a:lumMod val="65000"/>
+                    <a:lumOff val="35000"/>
+                  </a:schemeClr>
+                </a:solidFill>
+                <a:latin typeface="+mn-lt"/>
+                <a:ea typeface="+mn-ea"/>
+                <a:cs typeface="+mn-cs"/>
+              </a:defRPr>
+            </a:pPr>
+            <a:r>
+              <a:rPr lang="en-US" dirty="0"/>
+              <a:t>Importancia</a:t>
+            </a:r>
+          </a:p>
+        </c:rich>
+      </c:tx>
       <c:overlay val="0"/>
       <c:spPr>
         <a:noFill/>
@@ -201,7 +226,7 @@
           </c:tx>
           <c:spPr>
             <a:solidFill>
-              <a:schemeClr val="accent1"/>
+              <a:schemeClr val="accent2"/>
             </a:solidFill>
             <a:ln>
               <a:noFill/>
@@ -495,7 +520,17 @@
   <c:chart>
     <c:autoTitleDeleted val="0"/>
     <c:plotArea>
-      <c:layout/>
+      <c:layout>
+        <c:manualLayout>
+          <c:layoutTarget val="inner"/>
+          <c:xMode val="edge"/>
+          <c:yMode val="edge"/>
+          <c:x val="8.3496070242674636E-2"/>
+          <c:y val="5.8887966504770038E-2"/>
+          <c:w val="0.58006283000841485"/>
+          <c:h val="0.8037306439074352"/>
+        </c:manualLayout>
+      </c:layout>
       <c:scatterChart>
         <c:scatterStyle val="smoothMarker"/>
         <c:varyColors val="0"/>
@@ -517,7 +552,7 @@
             <a:ln w="38100" cap="rnd">
               <a:solidFill>
                 <a:schemeClr val="accent4">
-                  <a:lumMod val="75000"/>
+                  <a:lumMod val="50000"/>
                 </a:schemeClr>
               </a:solidFill>
               <a:round/>
@@ -528,54 +563,55 @@
             <c:symbol val="none"/>
           </c:marker>
           <c:xVal>
-            <c:strRef>
+            <c:numRef>
               <c:f>Hoja1!$A$2:$A$15</c:f>
-              <c:strCache>
+              <c:numCache>
+                <c:formatCode>0.00</c:formatCode>
                 <c:ptCount val="14"/>
                 <c:pt idx="0">
-                  <c:v>00</c:v>
+                  <c:v>0</c:v>
                 </c:pt>
                 <c:pt idx="1">
-                  <c:v>05</c:v>
+                  <c:v>0.05</c:v>
                 </c:pt>
                 <c:pt idx="2">
-                  <c:v>10</c:v>
+                  <c:v>0.1</c:v>
                 </c:pt>
                 <c:pt idx="3">
-                  <c:v>15</c:v>
+                  <c:v>0.15</c:v>
                 </c:pt>
                 <c:pt idx="4">
-                  <c:v>20</c:v>
+                  <c:v>0.2</c:v>
                 </c:pt>
                 <c:pt idx="5">
-                  <c:v>25</c:v>
+                  <c:v>0.25</c:v>
                 </c:pt>
                 <c:pt idx="6">
-                  <c:v>30</c:v>
+                  <c:v>0.3</c:v>
                 </c:pt>
                 <c:pt idx="7">
-                  <c:v>40</c:v>
+                  <c:v>0.4</c:v>
                 </c:pt>
                 <c:pt idx="8">
-                  <c:v>50</c:v>
+                  <c:v>0.5</c:v>
                 </c:pt>
                 <c:pt idx="9">
-                  <c:v>60</c:v>
+                  <c:v>0.6</c:v>
                 </c:pt>
                 <c:pt idx="10">
-                  <c:v>70</c:v>
+                  <c:v>0.7</c:v>
                 </c:pt>
                 <c:pt idx="11">
-                  <c:v>80</c:v>
+                  <c:v>0.8</c:v>
                 </c:pt>
                 <c:pt idx="12">
-                  <c:v>90</c:v>
+                  <c:v>0.9</c:v>
                 </c:pt>
                 <c:pt idx="13">
-                  <c:v>00</c:v>
+                  <c:v>1</c:v>
                 </c:pt>
-              </c:strCache>
-            </c:strRef>
+              </c:numCache>
+            </c:numRef>
           </c:xVal>
           <c:yVal>
             <c:numRef>
@@ -590,37 +626,37 @@
                   <c:v>0.35</c:v>
                 </c:pt>
                 <c:pt idx="2">
-                  <c:v>0.35</c:v>
+                  <c:v>0.55000000000000004</c:v>
                 </c:pt>
                 <c:pt idx="3">
                   <c:v>0.68</c:v>
                 </c:pt>
                 <c:pt idx="4">
-                  <c:v>0.76</c:v>
+                  <c:v>0.75</c:v>
                 </c:pt>
                 <c:pt idx="5">
-                  <c:v>0.81</c:v>
+                  <c:v>0.79</c:v>
                 </c:pt>
                 <c:pt idx="6">
+                  <c:v>0.82</c:v>
+                </c:pt>
+                <c:pt idx="7">
                   <c:v>0.85</c:v>
                 </c:pt>
-                <c:pt idx="7">
-                  <c:v>0.9</c:v>
-                </c:pt>
                 <c:pt idx="8">
-                  <c:v>0.93</c:v>
+                  <c:v>0.87</c:v>
                 </c:pt>
                 <c:pt idx="9">
-                  <c:v>0.95</c:v>
+                  <c:v>0.89</c:v>
                 </c:pt>
                 <c:pt idx="10">
-                  <c:v>0.97</c:v>
+                  <c:v>0.91</c:v>
                 </c:pt>
                 <c:pt idx="11">
-                  <c:v>0.98</c:v>
+                  <c:v>0.94</c:v>
                 </c:pt>
                 <c:pt idx="12">
-                  <c:v>0.99</c:v>
+                  <c:v>0.97</c:v>
                 </c:pt>
                 <c:pt idx="13">
                   <c:v>1</c:v>
@@ -631,7 +667,7 @@
           <c:smooth val="1"/>
           <c:extLst>
             <c:ext xmlns:c16="http://schemas.microsoft.com/office/drawing/2014/chart" uri="{C3380CC4-5D6E-409C-BE32-E72D297353CC}">
-              <c16:uniqueId val="{00000000-EBC7-4382-8B68-04897E810A6E}"/>
+              <c16:uniqueId val="{00000000-579D-4B94-8F04-8F7C84E6BC0D}"/>
             </c:ext>
           </c:extLst>
         </c:ser>
@@ -652,7 +688,10 @@
           <c:spPr>
             <a:ln w="38100" cap="rnd">
               <a:solidFill>
-                <a:schemeClr val="accent2"/>
+                <a:schemeClr val="accent4">
+                  <a:lumMod val="60000"/>
+                  <a:lumOff val="40000"/>
+                </a:schemeClr>
               </a:solidFill>
               <a:round/>
             </a:ln>
@@ -662,54 +701,55 @@
             <c:symbol val="none"/>
           </c:marker>
           <c:xVal>
-            <c:strRef>
+            <c:numRef>
               <c:f>Hoja1!$A$2:$A$15</c:f>
-              <c:strCache>
+              <c:numCache>
+                <c:formatCode>0.00</c:formatCode>
                 <c:ptCount val="14"/>
                 <c:pt idx="0">
-                  <c:v>00</c:v>
+                  <c:v>0</c:v>
                 </c:pt>
                 <c:pt idx="1">
-                  <c:v>05</c:v>
+                  <c:v>0.05</c:v>
                 </c:pt>
                 <c:pt idx="2">
-                  <c:v>10</c:v>
+                  <c:v>0.1</c:v>
                 </c:pt>
                 <c:pt idx="3">
-                  <c:v>15</c:v>
+                  <c:v>0.15</c:v>
                 </c:pt>
                 <c:pt idx="4">
-                  <c:v>20</c:v>
+                  <c:v>0.2</c:v>
                 </c:pt>
                 <c:pt idx="5">
-                  <c:v>25</c:v>
+                  <c:v>0.25</c:v>
                 </c:pt>
                 <c:pt idx="6">
-                  <c:v>30</c:v>
+                  <c:v>0.3</c:v>
                 </c:pt>
                 <c:pt idx="7">
-                  <c:v>40</c:v>
+                  <c:v>0.4</c:v>
                 </c:pt>
                 <c:pt idx="8">
-                  <c:v>50</c:v>
+                  <c:v>0.5</c:v>
                 </c:pt>
                 <c:pt idx="9">
-                  <c:v>60</c:v>
+                  <c:v>0.6</c:v>
                 </c:pt>
                 <c:pt idx="10">
-                  <c:v>70</c:v>
+                  <c:v>0.7</c:v>
                 </c:pt>
                 <c:pt idx="11">
-                  <c:v>80</c:v>
+                  <c:v>0.8</c:v>
                 </c:pt>
                 <c:pt idx="12">
-                  <c:v>90</c:v>
+                  <c:v>0.9</c:v>
                 </c:pt>
                 <c:pt idx="13">
-                  <c:v>00</c:v>
+                  <c:v>1</c:v>
                 </c:pt>
-              </c:strCache>
-            </c:strRef>
+              </c:numCache>
+            </c:numRef>
           </c:xVal>
           <c:yVal>
             <c:numRef>
@@ -727,34 +767,34 @@
                   <c:v>0.48</c:v>
                 </c:pt>
                 <c:pt idx="3">
-                  <c:v>0.6</c:v>
+                  <c:v>0.62</c:v>
                 </c:pt>
                 <c:pt idx="4">
-                  <c:v>0.68</c:v>
+                  <c:v>0.7</c:v>
                 </c:pt>
                 <c:pt idx="5">
-                  <c:v>0.74</c:v>
+                  <c:v>0.75</c:v>
                 </c:pt>
                 <c:pt idx="6">
                   <c:v>0.78</c:v>
                 </c:pt>
                 <c:pt idx="7">
+                  <c:v>0.81</c:v>
+                </c:pt>
+                <c:pt idx="8">
                   <c:v>0.84</c:v>
                 </c:pt>
-                <c:pt idx="8">
+                <c:pt idx="9">
+                  <c:v>0.86</c:v>
+                </c:pt>
+                <c:pt idx="10">
                   <c:v>0.88</c:v>
                 </c:pt>
-                <c:pt idx="9">
+                <c:pt idx="11">
                   <c:v>0.91</c:v>
                 </c:pt>
-                <c:pt idx="10">
-                  <c:v>0.94</c:v>
-                </c:pt>
-                <c:pt idx="11">
-                  <c:v>0.96</c:v>
-                </c:pt>
                 <c:pt idx="12">
-                  <c:v>0.98</c:v>
+                  <c:v>0.95</c:v>
                 </c:pt>
                 <c:pt idx="13">
                   <c:v>1</c:v>
@@ -765,7 +805,7 @@
           <c:smooth val="1"/>
           <c:extLst>
             <c:ext xmlns:c16="http://schemas.microsoft.com/office/drawing/2014/chart" uri="{C3380CC4-5D6E-409C-BE32-E72D297353CC}">
-              <c16:uniqueId val="{00000001-EBC7-4382-8B68-04897E810A6E}"/>
+              <c16:uniqueId val="{00000001-579D-4B94-8F04-8F7C84E6BC0D}"/>
             </c:ext>
           </c:extLst>
         </c:ser>
@@ -786,8 +826,9 @@
           <c:spPr>
             <a:ln w="25400" cap="rnd">
               <a:solidFill>
-                <a:schemeClr val="bg2">
-                  <a:lumMod val="75000"/>
+                <a:schemeClr val="tx1">
+                  <a:lumMod val="50000"/>
+                  <a:lumOff val="50000"/>
                 </a:schemeClr>
               </a:solidFill>
               <a:prstDash val="sysDot"/>
@@ -799,54 +840,55 @@
             <c:symbol val="none"/>
           </c:marker>
           <c:xVal>
-            <c:strRef>
+            <c:numRef>
               <c:f>Hoja1!$A$2:$A$15</c:f>
-              <c:strCache>
+              <c:numCache>
+                <c:formatCode>0.00</c:formatCode>
                 <c:ptCount val="14"/>
                 <c:pt idx="0">
-                  <c:v>00</c:v>
+                  <c:v>0</c:v>
                 </c:pt>
                 <c:pt idx="1">
-                  <c:v>05</c:v>
+                  <c:v>0.05</c:v>
                 </c:pt>
                 <c:pt idx="2">
-                  <c:v>10</c:v>
+                  <c:v>0.1</c:v>
                 </c:pt>
                 <c:pt idx="3">
-                  <c:v>15</c:v>
+                  <c:v>0.15</c:v>
                 </c:pt>
                 <c:pt idx="4">
-                  <c:v>20</c:v>
+                  <c:v>0.2</c:v>
                 </c:pt>
                 <c:pt idx="5">
-                  <c:v>25</c:v>
+                  <c:v>0.25</c:v>
                 </c:pt>
                 <c:pt idx="6">
-                  <c:v>30</c:v>
+                  <c:v>0.3</c:v>
                 </c:pt>
                 <c:pt idx="7">
-                  <c:v>40</c:v>
+                  <c:v>0.4</c:v>
                 </c:pt>
                 <c:pt idx="8">
-                  <c:v>50</c:v>
+                  <c:v>0.5</c:v>
                 </c:pt>
                 <c:pt idx="9">
-                  <c:v>60</c:v>
+                  <c:v>0.6</c:v>
                 </c:pt>
                 <c:pt idx="10">
-                  <c:v>70</c:v>
+                  <c:v>0.7</c:v>
                 </c:pt>
                 <c:pt idx="11">
-                  <c:v>80</c:v>
+                  <c:v>0.8</c:v>
                 </c:pt>
                 <c:pt idx="12">
-                  <c:v>90</c:v>
+                  <c:v>0.9</c:v>
                 </c:pt>
                 <c:pt idx="13">
-                  <c:v>00</c:v>
+                  <c:v>1</c:v>
                 </c:pt>
-              </c:strCache>
-            </c:strRef>
+              </c:numCache>
+            </c:numRef>
           </c:xVal>
           <c:yVal>
             <c:numRef>
@@ -902,7 +944,7 @@
           <c:smooth val="1"/>
           <c:extLst>
             <c:ext xmlns:c16="http://schemas.microsoft.com/office/drawing/2014/chart" uri="{C3380CC4-5D6E-409C-BE32-E72D297353CC}">
-              <c16:uniqueId val="{00000002-EBC7-4382-8B68-04897E810A6E}"/>
+              <c16:uniqueId val="{00000002-579D-4B94-8F04-8F7C84E6BC0D}"/>
             </c:ext>
           </c:extLst>
         </c:ser>
@@ -914,13 +956,14 @@
           <c:showPercent val="0"/>
           <c:showBubbleSize val="0"/>
         </c:dLbls>
-        <c:axId val="237147935"/>
-        <c:axId val="237148415"/>
+        <c:axId val="1520245184"/>
+        <c:axId val="1520253824"/>
       </c:scatterChart>
       <c:valAx>
-        <c:axId val="237147935"/>
+        <c:axId val="1520245184"/>
         <c:scaling>
           <c:orientation val="minMax"/>
+          <c:max val="1"/>
         </c:scaling>
         <c:delete val="0"/>
         <c:axPos val="b"/>
@@ -938,7 +981,7 @@
             <a:effectLst/>
           </c:spPr>
         </c:majorGridlines>
-        <c:numFmt formatCode="@" sourceLinked="1"/>
+        <c:numFmt formatCode="0.00" sourceLinked="1"/>
         <c:majorTickMark val="none"/>
         <c:minorTickMark val="none"/>
         <c:tickLblPos val="nextTo"/>
@@ -975,12 +1018,12 @@
             <a:endParaRPr lang="es-CL"/>
           </a:p>
         </c:txPr>
-        <c:crossAx val="237148415"/>
+        <c:crossAx val="1520253824"/>
         <c:crosses val="autoZero"/>
         <c:crossBetween val="midCat"/>
       </c:valAx>
       <c:valAx>
-        <c:axId val="237148415"/>
+        <c:axId val="1520253824"/>
         <c:scaling>
           <c:orientation val="minMax"/>
           <c:max val="1"/>
@@ -1038,7 +1081,7 @@
             <a:endParaRPr lang="es-CL"/>
           </a:p>
         </c:txPr>
-        <c:crossAx val="237147935"/>
+        <c:crossAx val="1520245184"/>
         <c:crosses val="autoZero"/>
         <c:crossBetween val="midCat"/>
       </c:valAx>
@@ -1050,6 +1093,47 @@
         <a:effectLst/>
       </c:spPr>
     </c:plotArea>
+    <c:legend>
+      <c:legendPos val="tr"/>
+      <c:layout>
+        <c:manualLayout>
+          <c:xMode val="edge"/>
+          <c:yMode val="edge"/>
+          <c:x val="0.6732647558923448"/>
+          <c:y val="3.8285430697906471E-2"/>
+          <c:w val="0.1763308249810687"/>
+          <c:h val="0.29380149079548157"/>
+        </c:manualLayout>
+      </c:layout>
+      <c:overlay val="1"/>
+      <c:spPr>
+        <a:noFill/>
+        <a:ln>
+          <a:noFill/>
+        </a:ln>
+        <a:effectLst/>
+      </c:spPr>
+      <c:txPr>
+        <a:bodyPr rot="0" spcFirstLastPara="1" vertOverflow="ellipsis" vert="horz" wrap="square" anchor="ctr" anchorCtr="1"/>
+        <a:lstStyle/>
+        <a:p>
+          <a:pPr>
+            <a:defRPr sz="1197" b="0" i="0" u="none" strike="noStrike" kern="1200" baseline="0">
+              <a:solidFill>
+                <a:schemeClr val="tx1">
+                  <a:lumMod val="65000"/>
+                  <a:lumOff val="35000"/>
+                </a:schemeClr>
+              </a:solidFill>
+              <a:latin typeface="+mn-lt"/>
+              <a:ea typeface="+mn-ea"/>
+              <a:cs typeface="+mn-cs"/>
+            </a:defRPr>
+          </a:pPr>
+          <a:endParaRPr lang="es-CL"/>
+        </a:p>
+      </c:txPr>
+    </c:legend>
     <c:plotVisOnly val="1"/>
     <c:dispBlanksAs val="gap"/>
     <c:showDLblsOverMax val="0"/>
@@ -1065,6 +1149,783 @@
     <a:noFill/>
     <a:ln>
       <a:noFill/>
+    </a:ln>
+    <a:effectLst/>
+  </c:spPr>
+  <c:txPr>
+    <a:bodyPr/>
+    <a:lstStyle/>
+    <a:p>
+      <a:pPr>
+        <a:defRPr/>
+      </a:pPr>
+      <a:endParaRPr lang="es-CL"/>
+    </a:p>
+  </c:txPr>
+  <c:externalData r:id="rId3">
+    <c:autoUpdate val="0"/>
+  </c:externalData>
+  <c:userShapes r:id="rId4"/>
+</c:chartSpace>
+</file>
+
+<file path=ppt/charts/chart3.xml><?xml version="1.0" encoding="utf-8"?>
+<c:chartSpace xmlns:c="http://schemas.openxmlformats.org/drawingml/2006/chart" xmlns:a="http://schemas.openxmlformats.org/drawingml/2006/main" xmlns:r="http://schemas.openxmlformats.org/officeDocument/2006/relationships" xmlns:c16r2="http://schemas.microsoft.com/office/drawing/2015/06/chart">
+  <c:date1904 val="0"/>
+  <c:lang val="es-ES"/>
+  <c:roundedCorners val="0"/>
+  <mc:AlternateContent xmlns:mc="http://schemas.openxmlformats.org/markup-compatibility/2006">
+    <mc:Choice xmlns:c14="http://schemas.microsoft.com/office/drawing/2007/8/2/chart" Requires="c14">
+      <c14:style val="102"/>
+    </mc:Choice>
+    <mc:Fallback>
+      <c:style val="2"/>
+    </mc:Fallback>
+  </mc:AlternateContent>
+  <c:chart>
+    <c:title>
+      <c:tx>
+        <c:rich>
+          <a:bodyPr rot="0" spcFirstLastPara="1" vertOverflow="ellipsis" vert="horz" wrap="square" anchor="ctr" anchorCtr="1"/>
+          <a:lstStyle/>
+          <a:p>
+            <a:pPr>
+              <a:defRPr sz="1862" b="0" i="0" u="none" strike="noStrike" kern="1200" spc="0" baseline="0">
+                <a:solidFill>
+                  <a:schemeClr val="tx1">
+                    <a:lumMod val="65000"/>
+                    <a:lumOff val="35000"/>
+                  </a:schemeClr>
+                </a:solidFill>
+                <a:latin typeface="+mn-lt"/>
+                <a:ea typeface="+mn-ea"/>
+                <a:cs typeface="+mn-cs"/>
+              </a:defRPr>
+            </a:pPr>
+            <a:r>
+              <a:rPr lang="en-US" dirty="0"/>
+              <a:t>Tasa de Detección</a:t>
+            </a:r>
+          </a:p>
+        </c:rich>
+      </c:tx>
+      <c:overlay val="0"/>
+      <c:spPr>
+        <a:noFill/>
+        <a:ln>
+          <a:noFill/>
+        </a:ln>
+        <a:effectLst/>
+      </c:spPr>
+      <c:txPr>
+        <a:bodyPr rot="0" spcFirstLastPara="1" vertOverflow="ellipsis" vert="horz" wrap="square" anchor="ctr" anchorCtr="1"/>
+        <a:lstStyle/>
+        <a:p>
+          <a:pPr>
+            <a:defRPr sz="1862" b="0" i="0" u="none" strike="noStrike" kern="1200" spc="0" baseline="0">
+              <a:solidFill>
+                <a:schemeClr val="tx1">
+                  <a:lumMod val="65000"/>
+                  <a:lumOff val="35000"/>
+                </a:schemeClr>
+              </a:solidFill>
+              <a:latin typeface="+mn-lt"/>
+              <a:ea typeface="+mn-ea"/>
+              <a:cs typeface="+mn-cs"/>
+            </a:defRPr>
+          </a:pPr>
+          <a:endParaRPr lang="es-CL"/>
+        </a:p>
+      </c:txPr>
+    </c:title>
+    <c:autoTitleDeleted val="0"/>
+    <c:plotArea>
+      <c:layout/>
+      <c:pieChart>
+        <c:varyColors val="1"/>
+        <c:ser>
+          <c:idx val="0"/>
+          <c:order val="0"/>
+          <c:tx>
+            <c:strRef>
+              <c:f>Hoja1!$B$1</c:f>
+              <c:strCache>
+                <c:ptCount val="1"/>
+                <c:pt idx="0">
+                  <c:v>Valor</c:v>
+                </c:pt>
+              </c:strCache>
+            </c:strRef>
+          </c:tx>
+          <c:dPt>
+            <c:idx val="0"/>
+            <c:bubble3D val="0"/>
+            <c:spPr>
+              <a:solidFill>
+                <a:srgbClr val="C00000"/>
+              </a:solidFill>
+              <a:ln w="19050">
+                <a:solidFill>
+                  <a:schemeClr val="lt1"/>
+                </a:solidFill>
+              </a:ln>
+              <a:effectLst/>
+            </c:spPr>
+            <c:extLst>
+              <c:ext xmlns:c16="http://schemas.microsoft.com/office/drawing/2014/chart" uri="{C3380CC4-5D6E-409C-BE32-E72D297353CC}">
+                <c16:uniqueId val="{00000003-15D2-4E36-BAAB-61525CD9568E}"/>
+              </c:ext>
+            </c:extLst>
+          </c:dPt>
+          <c:dPt>
+            <c:idx val="1"/>
+            <c:bubble3D val="0"/>
+            <c:spPr>
+              <a:solidFill>
+                <a:schemeClr val="bg2"/>
+              </a:solidFill>
+              <a:ln w="19050">
+                <a:solidFill>
+                  <a:schemeClr val="lt1"/>
+                </a:solidFill>
+              </a:ln>
+              <a:effectLst/>
+            </c:spPr>
+            <c:extLst>
+              <c:ext xmlns:c16="http://schemas.microsoft.com/office/drawing/2014/chart" uri="{C3380CC4-5D6E-409C-BE32-E72D297353CC}">
+                <c16:uniqueId val="{00000002-15D2-4E36-BAAB-61525CD9568E}"/>
+              </c:ext>
+            </c:extLst>
+          </c:dPt>
+          <c:dLbls>
+            <c:spPr>
+              <a:noFill/>
+              <a:ln>
+                <a:noFill/>
+              </a:ln>
+              <a:effectLst/>
+            </c:spPr>
+            <c:txPr>
+              <a:bodyPr rot="0" spcFirstLastPara="1" vertOverflow="ellipsis" vert="horz" wrap="square" lIns="38100" tIns="19050" rIns="38100" bIns="19050" anchor="ctr" anchorCtr="1">
+                <a:spAutoFit/>
+              </a:bodyPr>
+              <a:lstStyle/>
+              <a:p>
+                <a:pPr>
+                  <a:defRPr sz="1197" b="0" i="0" u="none" strike="noStrike" kern="1200" baseline="0">
+                    <a:solidFill>
+                      <a:schemeClr val="tx1">
+                        <a:lumMod val="75000"/>
+                        <a:lumOff val="25000"/>
+                      </a:schemeClr>
+                    </a:solidFill>
+                    <a:latin typeface="+mn-lt"/>
+                    <a:ea typeface="+mn-ea"/>
+                    <a:cs typeface="+mn-cs"/>
+                  </a:defRPr>
+                </a:pPr>
+                <a:endParaRPr lang="es-CL"/>
+              </a:p>
+            </c:txPr>
+            <c:showLegendKey val="0"/>
+            <c:showVal val="1"/>
+            <c:showCatName val="0"/>
+            <c:showSerName val="0"/>
+            <c:showPercent val="0"/>
+            <c:showBubbleSize val="0"/>
+            <c:showLeaderLines val="1"/>
+            <c:leaderLines>
+              <c:spPr>
+                <a:ln w="9525" cap="flat" cmpd="sng" algn="ctr">
+                  <a:solidFill>
+                    <a:schemeClr val="tx1">
+                      <a:lumMod val="35000"/>
+                      <a:lumOff val="65000"/>
+                    </a:schemeClr>
+                  </a:solidFill>
+                  <a:round/>
+                </a:ln>
+                <a:effectLst/>
+              </c:spPr>
+            </c:leaderLines>
+            <c:extLst>
+              <c:ext xmlns:c15="http://schemas.microsoft.com/office/drawing/2012/chart" uri="{CE6537A1-D6FC-4f65-9D91-7224C49458BB}"/>
+            </c:extLst>
+          </c:dLbls>
+          <c:cat>
+            <c:strRef>
+              <c:f>Hoja1!$A$2:$A$3</c:f>
+              <c:strCache>
+                <c:ptCount val="2"/>
+                <c:pt idx="0">
+                  <c:v>Sin CCR</c:v>
+                </c:pt>
+                <c:pt idx="1">
+                  <c:v>CCR Confirmado</c:v>
+                </c:pt>
+              </c:strCache>
+            </c:strRef>
+          </c:cat>
+          <c:val>
+            <c:numRef>
+              <c:f>Hoja1!$B$2:$B$3</c:f>
+              <c:numCache>
+                <c:formatCode>0%</c:formatCode>
+                <c:ptCount val="2"/>
+                <c:pt idx="0">
+                  <c:v>0.13</c:v>
+                </c:pt>
+                <c:pt idx="1">
+                  <c:v>0.87</c:v>
+                </c:pt>
+              </c:numCache>
+            </c:numRef>
+          </c:val>
+          <c:extLst>
+            <c:ext xmlns:c16="http://schemas.microsoft.com/office/drawing/2014/chart" uri="{C3380CC4-5D6E-409C-BE32-E72D297353CC}">
+              <c16:uniqueId val="{00000000-15D2-4E36-BAAB-61525CD9568E}"/>
+            </c:ext>
+          </c:extLst>
+        </c:ser>
+        <c:dLbls>
+          <c:showLegendKey val="0"/>
+          <c:showVal val="0"/>
+          <c:showCatName val="0"/>
+          <c:showSerName val="0"/>
+          <c:showPercent val="0"/>
+          <c:showBubbleSize val="0"/>
+          <c:showLeaderLines val="1"/>
+        </c:dLbls>
+        <c:firstSliceAng val="0"/>
+      </c:pieChart>
+      <c:spPr>
+        <a:noFill/>
+        <a:ln>
+          <a:noFill/>
+        </a:ln>
+        <a:effectLst/>
+      </c:spPr>
+    </c:plotArea>
+    <c:legend>
+      <c:legendPos val="b"/>
+      <c:overlay val="0"/>
+      <c:spPr>
+        <a:noFill/>
+        <a:ln>
+          <a:noFill/>
+        </a:ln>
+        <a:effectLst/>
+      </c:spPr>
+      <c:txPr>
+        <a:bodyPr rot="0" spcFirstLastPara="1" vertOverflow="ellipsis" vert="horz" wrap="square" anchor="ctr" anchorCtr="1"/>
+        <a:lstStyle/>
+        <a:p>
+          <a:pPr>
+            <a:defRPr sz="1197" b="0" i="0" u="none" strike="noStrike" kern="1200" baseline="0">
+              <a:solidFill>
+                <a:schemeClr val="tx1">
+                  <a:lumMod val="65000"/>
+                  <a:lumOff val="35000"/>
+                </a:schemeClr>
+              </a:solidFill>
+              <a:latin typeface="+mn-lt"/>
+              <a:ea typeface="+mn-ea"/>
+              <a:cs typeface="+mn-cs"/>
+            </a:defRPr>
+          </a:pPr>
+          <a:endParaRPr lang="es-CL"/>
+        </a:p>
+      </c:txPr>
+    </c:legend>
+    <c:plotVisOnly val="1"/>
+    <c:dispBlanksAs val="gap"/>
+    <c:showDLblsOverMax val="0"/>
+    <c:extLst>
+      <c:ext xmlns:c16r3="http://schemas.microsoft.com/office/drawing/2017/03/chart" uri="{56B9EC1D-385E-4148-901F-78D8002777C0}">
+        <c16r3:dataDisplayOptions16>
+          <c16r3:dispNaAsBlank val="1"/>
+        </c16r3:dataDisplayOptions16>
+      </c:ext>
+    </c:extLst>
+  </c:chart>
+  <c:spPr>
+    <a:noFill/>
+    <a:ln>
+      <a:solidFill>
+        <a:schemeClr val="accent1">
+          <a:shade val="15000"/>
+        </a:schemeClr>
+      </a:solidFill>
+    </a:ln>
+    <a:effectLst/>
+  </c:spPr>
+  <c:txPr>
+    <a:bodyPr/>
+    <a:lstStyle/>
+    <a:p>
+      <a:pPr>
+        <a:defRPr/>
+      </a:pPr>
+      <a:endParaRPr lang="es-CL"/>
+    </a:p>
+  </c:txPr>
+  <c:externalData r:id="rId3">
+    <c:autoUpdate val="0"/>
+  </c:externalData>
+</c:chartSpace>
+</file>
+
+<file path=ppt/charts/chart4.xml><?xml version="1.0" encoding="utf-8"?>
+<c:chartSpace xmlns:c="http://schemas.openxmlformats.org/drawingml/2006/chart" xmlns:a="http://schemas.openxmlformats.org/drawingml/2006/main" xmlns:r="http://schemas.openxmlformats.org/officeDocument/2006/relationships" xmlns:c16r2="http://schemas.microsoft.com/office/drawing/2015/06/chart">
+  <c:date1904 val="0"/>
+  <c:lang val="es-ES"/>
+  <c:roundedCorners val="0"/>
+  <mc:AlternateContent xmlns:mc="http://schemas.openxmlformats.org/markup-compatibility/2006">
+    <mc:Choice xmlns:c14="http://schemas.microsoft.com/office/drawing/2007/8/2/chart" Requires="c14">
+      <c14:style val="102"/>
+    </mc:Choice>
+    <mc:Fallback>
+      <c:style val="2"/>
+    </mc:Fallback>
+  </mc:AlternateContent>
+  <c:chart>
+    <c:title>
+      <c:tx>
+        <c:rich>
+          <a:bodyPr rot="0" spcFirstLastPara="1" vertOverflow="ellipsis" vert="horz" wrap="square" anchor="ctr" anchorCtr="1"/>
+          <a:lstStyle/>
+          <a:p>
+            <a:pPr>
+              <a:defRPr sz="1862" b="0" i="0" u="none" strike="noStrike" kern="1200" spc="0" baseline="0">
+                <a:solidFill>
+                  <a:schemeClr val="tx1">
+                    <a:lumMod val="65000"/>
+                    <a:lumOff val="35000"/>
+                  </a:schemeClr>
+                </a:solidFill>
+                <a:latin typeface="+mn-lt"/>
+                <a:ea typeface="+mn-ea"/>
+                <a:cs typeface="+mn-cs"/>
+              </a:defRPr>
+            </a:pPr>
+            <a:r>
+              <a:rPr lang="es-CL" dirty="0"/>
+              <a:t>Estadificación al Diagnóstico</a:t>
+            </a:r>
+          </a:p>
+          <a:p>
+            <a:pPr>
+              <a:defRPr/>
+            </a:pPr>
+            <a:r>
+              <a:rPr lang="es-CL" dirty="0"/>
+              <a:t>(% de pacientes)</a:t>
+            </a:r>
+          </a:p>
+        </c:rich>
+      </c:tx>
+      <c:overlay val="0"/>
+      <c:spPr>
+        <a:noFill/>
+        <a:ln>
+          <a:noFill/>
+        </a:ln>
+        <a:effectLst/>
+      </c:spPr>
+      <c:txPr>
+        <a:bodyPr rot="0" spcFirstLastPara="1" vertOverflow="ellipsis" vert="horz" wrap="square" anchor="ctr" anchorCtr="1"/>
+        <a:lstStyle/>
+        <a:p>
+          <a:pPr>
+            <a:defRPr sz="1862" b="0" i="0" u="none" strike="noStrike" kern="1200" spc="0" baseline="0">
+              <a:solidFill>
+                <a:schemeClr val="tx1">
+                  <a:lumMod val="65000"/>
+                  <a:lumOff val="35000"/>
+                </a:schemeClr>
+              </a:solidFill>
+              <a:latin typeface="+mn-lt"/>
+              <a:ea typeface="+mn-ea"/>
+              <a:cs typeface="+mn-cs"/>
+            </a:defRPr>
+          </a:pPr>
+          <a:endParaRPr lang="es-CL"/>
+        </a:p>
+      </c:txPr>
+    </c:title>
+    <c:autoTitleDeleted val="0"/>
+    <c:plotArea>
+      <c:layout/>
+      <c:barChart>
+        <c:barDir val="col"/>
+        <c:grouping val="clustered"/>
+        <c:varyColors val="0"/>
+        <c:ser>
+          <c:idx val="0"/>
+          <c:order val="0"/>
+          <c:tx>
+            <c:strRef>
+              <c:f>Hoja1!$B$1</c:f>
+              <c:strCache>
+                <c:ptCount val="1"/>
+                <c:pt idx="0">
+                  <c:v>Tempranos (I-II)</c:v>
+                </c:pt>
+              </c:strCache>
+            </c:strRef>
+          </c:tx>
+          <c:spPr>
+            <a:solidFill>
+              <a:schemeClr val="accent1"/>
+            </a:solidFill>
+            <a:ln>
+              <a:noFill/>
+            </a:ln>
+            <a:effectLst/>
+          </c:spPr>
+          <c:invertIfNegative val="0"/>
+          <c:dLbls>
+            <c:spPr>
+              <a:noFill/>
+              <a:ln>
+                <a:noFill/>
+              </a:ln>
+              <a:effectLst/>
+            </c:spPr>
+            <c:txPr>
+              <a:bodyPr rot="0" spcFirstLastPara="1" vertOverflow="ellipsis" vert="horz" wrap="square" lIns="38100" tIns="19050" rIns="38100" bIns="19050" anchor="ctr" anchorCtr="1">
+                <a:spAutoFit/>
+              </a:bodyPr>
+              <a:lstStyle/>
+              <a:p>
+                <a:pPr>
+                  <a:defRPr sz="1197" b="0" i="0" u="none" strike="noStrike" kern="1200" baseline="0">
+                    <a:solidFill>
+                      <a:schemeClr val="tx1">
+                        <a:lumMod val="75000"/>
+                        <a:lumOff val="25000"/>
+                      </a:schemeClr>
+                    </a:solidFill>
+                    <a:latin typeface="+mn-lt"/>
+                    <a:ea typeface="+mn-ea"/>
+                    <a:cs typeface="+mn-cs"/>
+                  </a:defRPr>
+                </a:pPr>
+                <a:endParaRPr lang="es-CL"/>
+              </a:p>
+            </c:txPr>
+            <c:showLegendKey val="0"/>
+            <c:showVal val="1"/>
+            <c:showCatName val="0"/>
+            <c:showSerName val="0"/>
+            <c:showPercent val="0"/>
+            <c:showBubbleSize val="0"/>
+            <c:showLeaderLines val="0"/>
+            <c:extLst>
+              <c:ext xmlns:c15="http://schemas.microsoft.com/office/drawing/2012/chart" uri="{CE6537A1-D6FC-4f65-9D91-7224C49458BB}">
+                <c15:showLeaderLines val="1"/>
+                <c15:leaderLines>
+                  <c:spPr>
+                    <a:ln w="9525" cap="flat" cmpd="sng" algn="ctr">
+                      <a:solidFill>
+                        <a:schemeClr val="tx1">
+                          <a:lumMod val="35000"/>
+                          <a:lumOff val="65000"/>
+                        </a:schemeClr>
+                      </a:solidFill>
+                      <a:round/>
+                    </a:ln>
+                    <a:effectLst/>
+                  </c:spPr>
+                </c15:leaderLines>
+              </c:ext>
+            </c:extLst>
+          </c:dLbls>
+          <c:cat>
+            <c:strRef>
+              <c:f>Hoja1!$A$2</c:f>
+              <c:strCache>
+                <c:ptCount val="1"/>
+                <c:pt idx="0">
+                  <c:v>Estadificación</c:v>
+                </c:pt>
+              </c:strCache>
+            </c:strRef>
+          </c:cat>
+          <c:val>
+            <c:numRef>
+              <c:f>Hoja1!$B$2</c:f>
+              <c:numCache>
+                <c:formatCode>0.00%</c:formatCode>
+                <c:ptCount val="1"/>
+                <c:pt idx="0">
+                  <c:v>0.33100000000000002</c:v>
+                </c:pt>
+              </c:numCache>
+            </c:numRef>
+          </c:val>
+          <c:extLst>
+            <c:ext xmlns:c16="http://schemas.microsoft.com/office/drawing/2014/chart" uri="{C3380CC4-5D6E-409C-BE32-E72D297353CC}">
+              <c16:uniqueId val="{00000000-6B81-4C82-988A-CC16F34A5C1E}"/>
+            </c:ext>
+          </c:extLst>
+        </c:ser>
+        <c:ser>
+          <c:idx val="1"/>
+          <c:order val="1"/>
+          <c:tx>
+            <c:strRef>
+              <c:f>Hoja1!$C$1</c:f>
+              <c:strCache>
+                <c:ptCount val="1"/>
+                <c:pt idx="0">
+                  <c:v>Avanzados (III-IV)</c:v>
+                </c:pt>
+              </c:strCache>
+            </c:strRef>
+          </c:tx>
+          <c:spPr>
+            <a:solidFill>
+              <a:srgbClr val="C00000"/>
+            </a:solidFill>
+            <a:ln>
+              <a:noFill/>
+            </a:ln>
+            <a:effectLst/>
+          </c:spPr>
+          <c:invertIfNegative val="0"/>
+          <c:dLbls>
+            <c:spPr>
+              <a:noFill/>
+              <a:ln>
+                <a:noFill/>
+              </a:ln>
+              <a:effectLst/>
+            </c:spPr>
+            <c:txPr>
+              <a:bodyPr rot="0" spcFirstLastPara="1" vertOverflow="ellipsis" vert="horz" wrap="square" lIns="38100" tIns="19050" rIns="38100" bIns="19050" anchor="ctr" anchorCtr="1">
+                <a:spAutoFit/>
+              </a:bodyPr>
+              <a:lstStyle/>
+              <a:p>
+                <a:pPr>
+                  <a:defRPr sz="1197" b="0" i="0" u="none" strike="noStrike" kern="1200" baseline="0">
+                    <a:solidFill>
+                      <a:schemeClr val="tx1">
+                        <a:lumMod val="75000"/>
+                        <a:lumOff val="25000"/>
+                      </a:schemeClr>
+                    </a:solidFill>
+                    <a:latin typeface="+mn-lt"/>
+                    <a:ea typeface="+mn-ea"/>
+                    <a:cs typeface="+mn-cs"/>
+                  </a:defRPr>
+                </a:pPr>
+                <a:endParaRPr lang="es-CL"/>
+              </a:p>
+            </c:txPr>
+            <c:showLegendKey val="0"/>
+            <c:showVal val="1"/>
+            <c:showCatName val="0"/>
+            <c:showSerName val="0"/>
+            <c:showPercent val="0"/>
+            <c:showBubbleSize val="0"/>
+            <c:showLeaderLines val="0"/>
+            <c:extLst>
+              <c:ext xmlns:c15="http://schemas.microsoft.com/office/drawing/2012/chart" uri="{CE6537A1-D6FC-4f65-9D91-7224C49458BB}">
+                <c15:showLeaderLines val="1"/>
+                <c15:leaderLines>
+                  <c:spPr>
+                    <a:ln w="9525" cap="flat" cmpd="sng" algn="ctr">
+                      <a:solidFill>
+                        <a:schemeClr val="tx1">
+                          <a:lumMod val="35000"/>
+                          <a:lumOff val="65000"/>
+                        </a:schemeClr>
+                      </a:solidFill>
+                      <a:round/>
+                    </a:ln>
+                    <a:effectLst/>
+                  </c:spPr>
+                </c15:leaderLines>
+              </c:ext>
+            </c:extLst>
+          </c:dLbls>
+          <c:cat>
+            <c:strRef>
+              <c:f>Hoja1!$A$2</c:f>
+              <c:strCache>
+                <c:ptCount val="1"/>
+                <c:pt idx="0">
+                  <c:v>Estadificación</c:v>
+                </c:pt>
+              </c:strCache>
+            </c:strRef>
+          </c:cat>
+          <c:val>
+            <c:numRef>
+              <c:f>Hoja1!$C$2</c:f>
+              <c:numCache>
+                <c:formatCode>0.00%</c:formatCode>
+                <c:ptCount val="1"/>
+                <c:pt idx="0">
+                  <c:v>0.66900000000000004</c:v>
+                </c:pt>
+              </c:numCache>
+            </c:numRef>
+          </c:val>
+          <c:extLst>
+            <c:ext xmlns:c16="http://schemas.microsoft.com/office/drawing/2014/chart" uri="{C3380CC4-5D6E-409C-BE32-E72D297353CC}">
+              <c16:uniqueId val="{00000001-6B81-4C82-988A-CC16F34A5C1E}"/>
+            </c:ext>
+          </c:extLst>
+        </c:ser>
+        <c:dLbls>
+          <c:showLegendKey val="0"/>
+          <c:showVal val="0"/>
+          <c:showCatName val="0"/>
+          <c:showSerName val="0"/>
+          <c:showPercent val="0"/>
+          <c:showBubbleSize val="0"/>
+        </c:dLbls>
+        <c:gapWidth val="219"/>
+        <c:overlap val="-27"/>
+        <c:axId val="1520263424"/>
+        <c:axId val="1520257664"/>
+      </c:barChart>
+      <c:catAx>
+        <c:axId val="1520263424"/>
+        <c:scaling>
+          <c:orientation val="minMax"/>
+        </c:scaling>
+        <c:delete val="1"/>
+        <c:axPos val="b"/>
+        <c:numFmt formatCode="General" sourceLinked="1"/>
+        <c:majorTickMark val="none"/>
+        <c:minorTickMark val="none"/>
+        <c:tickLblPos val="nextTo"/>
+        <c:crossAx val="1520257664"/>
+        <c:crosses val="autoZero"/>
+        <c:auto val="1"/>
+        <c:lblAlgn val="ctr"/>
+        <c:lblOffset val="100"/>
+        <c:noMultiLvlLbl val="0"/>
+      </c:catAx>
+      <c:valAx>
+        <c:axId val="1520257664"/>
+        <c:scaling>
+          <c:orientation val="minMax"/>
+          <c:max val="1"/>
+        </c:scaling>
+        <c:delete val="0"/>
+        <c:axPos val="l"/>
+        <c:majorGridlines>
+          <c:spPr>
+            <a:ln w="9525" cap="flat" cmpd="sng" algn="ctr">
+              <a:solidFill>
+                <a:schemeClr val="tx1">
+                  <a:lumMod val="15000"/>
+                  <a:lumOff val="85000"/>
+                </a:schemeClr>
+              </a:solidFill>
+              <a:round/>
+            </a:ln>
+            <a:effectLst/>
+          </c:spPr>
+        </c:majorGridlines>
+        <c:numFmt formatCode="0.00%" sourceLinked="1"/>
+        <c:majorTickMark val="none"/>
+        <c:minorTickMark val="none"/>
+        <c:tickLblPos val="nextTo"/>
+        <c:spPr>
+          <a:noFill/>
+          <a:ln>
+            <a:noFill/>
+          </a:ln>
+          <a:effectLst/>
+        </c:spPr>
+        <c:txPr>
+          <a:bodyPr rot="-60000000" spcFirstLastPara="1" vertOverflow="ellipsis" vert="horz" wrap="square" anchor="ctr" anchorCtr="1"/>
+          <a:lstStyle/>
+          <a:p>
+            <a:pPr>
+              <a:defRPr sz="1197" b="0" i="0" u="none" strike="noStrike" kern="1200" baseline="0">
+                <a:solidFill>
+                  <a:schemeClr val="tx1">
+                    <a:lumMod val="65000"/>
+                    <a:lumOff val="35000"/>
+                  </a:schemeClr>
+                </a:solidFill>
+                <a:latin typeface="+mn-lt"/>
+                <a:ea typeface="+mn-ea"/>
+                <a:cs typeface="+mn-cs"/>
+              </a:defRPr>
+            </a:pPr>
+            <a:endParaRPr lang="es-CL"/>
+          </a:p>
+        </c:txPr>
+        <c:crossAx val="1520263424"/>
+        <c:crosses val="autoZero"/>
+        <c:crossBetween val="between"/>
+      </c:valAx>
+      <c:spPr>
+        <a:noFill/>
+        <a:ln>
+          <a:noFill/>
+        </a:ln>
+        <a:effectLst/>
+      </c:spPr>
+    </c:plotArea>
+    <c:legend>
+      <c:legendPos val="b"/>
+      <c:overlay val="0"/>
+      <c:spPr>
+        <a:noFill/>
+        <a:ln>
+          <a:noFill/>
+        </a:ln>
+        <a:effectLst/>
+      </c:spPr>
+      <c:txPr>
+        <a:bodyPr rot="0" spcFirstLastPara="1" vertOverflow="ellipsis" vert="horz" wrap="square" anchor="ctr" anchorCtr="1"/>
+        <a:lstStyle/>
+        <a:p>
+          <a:pPr>
+            <a:defRPr sz="1197" b="0" i="0" u="none" strike="noStrike" kern="1200" baseline="0">
+              <a:solidFill>
+                <a:schemeClr val="tx1">
+                  <a:lumMod val="65000"/>
+                  <a:lumOff val="35000"/>
+                </a:schemeClr>
+              </a:solidFill>
+              <a:latin typeface="+mn-lt"/>
+              <a:ea typeface="+mn-ea"/>
+              <a:cs typeface="+mn-cs"/>
+            </a:defRPr>
+          </a:pPr>
+          <a:endParaRPr lang="es-CL"/>
+        </a:p>
+      </c:txPr>
+    </c:legend>
+    <c:plotVisOnly val="1"/>
+    <c:dispBlanksAs val="gap"/>
+    <c:showDLblsOverMax val="0"/>
+    <c:extLst>
+      <c:ext xmlns:c16r3="http://schemas.microsoft.com/office/drawing/2017/03/chart" uri="{56B9EC1D-385E-4148-901F-78D8002777C0}">
+        <c16r3:dataDisplayOptions16>
+          <c16r3:dispNaAsBlank val="1"/>
+        </c16r3:dataDisplayOptions16>
+      </c:ext>
+    </c:extLst>
+  </c:chart>
+  <c:spPr>
+    <a:noFill/>
+    <a:ln>
+      <a:solidFill>
+        <a:schemeClr val="accent1">
+          <a:shade val="15000"/>
+        </a:schemeClr>
+      </a:solidFill>
     </a:ln>
     <a:effectLst/>
   </c:spPr>
@@ -1125,6 +1986,86 @@
 </file>
 
 <file path=ppt/charts/colors2.xml><?xml version="1.0" encoding="utf-8"?>
+<cs:colorStyle xmlns:cs="http://schemas.microsoft.com/office/drawing/2012/chartStyle" xmlns:a="http://schemas.openxmlformats.org/drawingml/2006/main" meth="cycle" id="10">
+  <a:schemeClr val="accent1"/>
+  <a:schemeClr val="accent2"/>
+  <a:schemeClr val="accent3"/>
+  <a:schemeClr val="accent4"/>
+  <a:schemeClr val="accent5"/>
+  <a:schemeClr val="accent6"/>
+  <cs:variation/>
+  <cs:variation>
+    <a:lumMod val="60000"/>
+  </cs:variation>
+  <cs:variation>
+    <a:lumMod val="80000"/>
+    <a:lumOff val="20000"/>
+  </cs:variation>
+  <cs:variation>
+    <a:lumMod val="80000"/>
+  </cs:variation>
+  <cs:variation>
+    <a:lumMod val="60000"/>
+    <a:lumOff val="40000"/>
+  </cs:variation>
+  <cs:variation>
+    <a:lumMod val="50000"/>
+  </cs:variation>
+  <cs:variation>
+    <a:lumMod val="70000"/>
+    <a:lumOff val="30000"/>
+  </cs:variation>
+  <cs:variation>
+    <a:lumMod val="70000"/>
+  </cs:variation>
+  <cs:variation>
+    <a:lumMod val="50000"/>
+    <a:lumOff val="50000"/>
+  </cs:variation>
+</cs:colorStyle>
+</file>
+
+<file path=ppt/charts/colors3.xml><?xml version="1.0" encoding="utf-8"?>
+<cs:colorStyle xmlns:cs="http://schemas.microsoft.com/office/drawing/2012/chartStyle" xmlns:a="http://schemas.openxmlformats.org/drawingml/2006/main" meth="cycle" id="10">
+  <a:schemeClr val="accent1"/>
+  <a:schemeClr val="accent2"/>
+  <a:schemeClr val="accent3"/>
+  <a:schemeClr val="accent4"/>
+  <a:schemeClr val="accent5"/>
+  <a:schemeClr val="accent6"/>
+  <cs:variation/>
+  <cs:variation>
+    <a:lumMod val="60000"/>
+  </cs:variation>
+  <cs:variation>
+    <a:lumMod val="80000"/>
+    <a:lumOff val="20000"/>
+  </cs:variation>
+  <cs:variation>
+    <a:lumMod val="80000"/>
+  </cs:variation>
+  <cs:variation>
+    <a:lumMod val="60000"/>
+    <a:lumOff val="40000"/>
+  </cs:variation>
+  <cs:variation>
+    <a:lumMod val="50000"/>
+  </cs:variation>
+  <cs:variation>
+    <a:lumMod val="70000"/>
+    <a:lumOff val="30000"/>
+  </cs:variation>
+  <cs:variation>
+    <a:lumMod val="70000"/>
+  </cs:variation>
+  <cs:variation>
+    <a:lumMod val="50000"/>
+    <a:lumOff val="50000"/>
+  </cs:variation>
+</cs:colorStyle>
+</file>
+
+<file path=ppt/charts/colors4.xml><?xml version="1.0" encoding="utf-8"?>
 <cs:colorStyle xmlns:cs="http://schemas.microsoft.com/office/drawing/2012/chartStyle" xmlns:a="http://schemas.openxmlformats.org/drawingml/2006/main" meth="cycle" id="10">
   <a:schemeClr val="accent1"/>
   <a:schemeClr val="accent2"/>
@@ -2166,6 +3107,1028 @@
         <a:round/>
       </a:ln>
     </cs:spPr>
+    <cs:defRPr sz="1197" kern="1200"/>
+  </cs:valueAxis>
+  <cs:wall>
+    <cs:lnRef idx="0"/>
+    <cs:fillRef idx="0"/>
+    <cs:effectRef idx="0"/>
+    <cs:fontRef idx="minor">
+      <a:schemeClr val="tx1"/>
+    </cs:fontRef>
+    <cs:spPr>
+      <a:noFill/>
+      <a:ln>
+        <a:noFill/>
+      </a:ln>
+    </cs:spPr>
+  </cs:wall>
+</cs:chartStyle>
+</file>
+
+<file path=ppt/charts/style3.xml><?xml version="1.0" encoding="utf-8"?>
+<cs:chartStyle xmlns:cs="http://schemas.microsoft.com/office/drawing/2012/chartStyle" xmlns:a="http://schemas.openxmlformats.org/drawingml/2006/main" id="251">
+  <cs:axisTitle>
+    <cs:lnRef idx="0"/>
+    <cs:fillRef idx="0"/>
+    <cs:effectRef idx="0"/>
+    <cs:fontRef idx="minor">
+      <a:schemeClr val="tx1">
+        <a:lumMod val="65000"/>
+        <a:lumOff val="35000"/>
+      </a:schemeClr>
+    </cs:fontRef>
+    <cs:defRPr sz="1330" kern="1200"/>
+  </cs:axisTitle>
+  <cs:categoryAxis>
+    <cs:lnRef idx="0"/>
+    <cs:fillRef idx="0"/>
+    <cs:effectRef idx="0"/>
+    <cs:fontRef idx="minor">
+      <a:schemeClr val="tx1">
+        <a:lumMod val="65000"/>
+        <a:lumOff val="35000"/>
+      </a:schemeClr>
+    </cs:fontRef>
+    <cs:spPr>
+      <a:ln w="9525" cap="flat" cmpd="sng" algn="ctr">
+        <a:solidFill>
+          <a:schemeClr val="tx1">
+            <a:lumMod val="15000"/>
+            <a:lumOff val="85000"/>
+          </a:schemeClr>
+        </a:solidFill>
+        <a:round/>
+      </a:ln>
+    </cs:spPr>
+    <cs:defRPr sz="1197" kern="1200"/>
+  </cs:categoryAxis>
+  <cs:chartArea mods="allowNoFillOverride allowNoLineOverride">
+    <cs:lnRef idx="0"/>
+    <cs:fillRef idx="0"/>
+    <cs:effectRef idx="0"/>
+    <cs:fontRef idx="minor">
+      <a:schemeClr val="tx1"/>
+    </cs:fontRef>
+    <cs:spPr>
+      <a:solidFill>
+        <a:schemeClr val="bg1"/>
+      </a:solidFill>
+      <a:ln w="9525" cap="flat" cmpd="sng" algn="ctr">
+        <a:solidFill>
+          <a:schemeClr val="tx1">
+            <a:lumMod val="15000"/>
+            <a:lumOff val="85000"/>
+          </a:schemeClr>
+        </a:solidFill>
+        <a:round/>
+      </a:ln>
+    </cs:spPr>
+    <cs:defRPr sz="1197" kern="1200"/>
+  </cs:chartArea>
+  <cs:dataLabel>
+    <cs:lnRef idx="0"/>
+    <cs:fillRef idx="0"/>
+    <cs:effectRef idx="0"/>
+    <cs:fontRef idx="minor">
+      <a:schemeClr val="tx1">
+        <a:lumMod val="75000"/>
+        <a:lumOff val="25000"/>
+      </a:schemeClr>
+    </cs:fontRef>
+    <cs:defRPr sz="1197" kern="1200"/>
+  </cs:dataLabel>
+  <cs:dataLabelCallout>
+    <cs:lnRef idx="0"/>
+    <cs:fillRef idx="0"/>
+    <cs:effectRef idx="0"/>
+    <cs:fontRef idx="minor">
+      <a:schemeClr val="dk1">
+        <a:lumMod val="65000"/>
+        <a:lumOff val="35000"/>
+      </a:schemeClr>
+    </cs:fontRef>
+    <cs:spPr>
+      <a:solidFill>
+        <a:schemeClr val="lt1"/>
+      </a:solidFill>
+      <a:ln>
+        <a:solidFill>
+          <a:schemeClr val="dk1">
+            <a:lumMod val="25000"/>
+            <a:lumOff val="75000"/>
+          </a:schemeClr>
+        </a:solidFill>
+      </a:ln>
+    </cs:spPr>
+    <cs:defRPr sz="1197" kern="1200"/>
+    <cs:bodyPr rot="0" spcFirstLastPara="1" vertOverflow="clip" horzOverflow="clip" vert="horz" wrap="square" lIns="36576" tIns="18288" rIns="36576" bIns="18288" anchor="ctr" anchorCtr="1">
+      <a:spAutoFit/>
+    </cs:bodyPr>
+  </cs:dataLabelCallout>
+  <cs:dataPoint>
+    <cs:lnRef idx="0"/>
+    <cs:fillRef idx="1">
+      <cs:styleClr val="auto"/>
+    </cs:fillRef>
+    <cs:effectRef idx="0"/>
+    <cs:fontRef idx="minor">
+      <a:schemeClr val="tx1"/>
+    </cs:fontRef>
+    <cs:spPr>
+      <a:ln w="19050">
+        <a:solidFill>
+          <a:schemeClr val="lt1"/>
+        </a:solidFill>
+      </a:ln>
+    </cs:spPr>
+  </cs:dataPoint>
+  <cs:dataPoint3D>
+    <cs:lnRef idx="0"/>
+    <cs:fillRef idx="1">
+      <cs:styleClr val="auto"/>
+    </cs:fillRef>
+    <cs:effectRef idx="0"/>
+    <cs:fontRef idx="minor">
+      <a:schemeClr val="tx1"/>
+    </cs:fontRef>
+    <cs:spPr>
+      <a:ln w="25400">
+        <a:solidFill>
+          <a:schemeClr val="lt1"/>
+        </a:solidFill>
+      </a:ln>
+    </cs:spPr>
+  </cs:dataPoint3D>
+  <cs:dataPointLine>
+    <cs:lnRef idx="0">
+      <cs:styleClr val="auto"/>
+    </cs:lnRef>
+    <cs:fillRef idx="0"/>
+    <cs:effectRef idx="0"/>
+    <cs:fontRef idx="minor">
+      <a:schemeClr val="tx1"/>
+    </cs:fontRef>
+    <cs:spPr>
+      <a:ln w="28575" cap="rnd">
+        <a:solidFill>
+          <a:schemeClr val="phClr"/>
+        </a:solidFill>
+        <a:round/>
+      </a:ln>
+    </cs:spPr>
+  </cs:dataPointLine>
+  <cs:dataPointMarker>
+    <cs:lnRef idx="0">
+      <cs:styleClr val="auto"/>
+    </cs:lnRef>
+    <cs:fillRef idx="1">
+      <cs:styleClr val="auto"/>
+    </cs:fillRef>
+    <cs:effectRef idx="0"/>
+    <cs:fontRef idx="minor">
+      <a:schemeClr val="tx1"/>
+    </cs:fontRef>
+    <cs:spPr>
+      <a:ln w="9525">
+        <a:solidFill>
+          <a:schemeClr val="phClr"/>
+        </a:solidFill>
+      </a:ln>
+    </cs:spPr>
+  </cs:dataPointMarker>
+  <cs:dataPointMarkerLayout symbol="circle" size="5"/>
+  <cs:dataPointWireframe>
+    <cs:lnRef idx="0">
+      <cs:styleClr val="auto"/>
+    </cs:lnRef>
+    <cs:fillRef idx="0"/>
+    <cs:effectRef idx="0"/>
+    <cs:fontRef idx="minor">
+      <a:schemeClr val="tx1"/>
+    </cs:fontRef>
+    <cs:spPr>
+      <a:ln w="9525" cap="rnd">
+        <a:solidFill>
+          <a:schemeClr val="phClr"/>
+        </a:solidFill>
+        <a:round/>
+      </a:ln>
+    </cs:spPr>
+  </cs:dataPointWireframe>
+  <cs:dataTable>
+    <cs:lnRef idx="0"/>
+    <cs:fillRef idx="0"/>
+    <cs:effectRef idx="0"/>
+    <cs:fontRef idx="minor">
+      <a:schemeClr val="tx1">
+        <a:lumMod val="65000"/>
+        <a:lumOff val="35000"/>
+      </a:schemeClr>
+    </cs:fontRef>
+    <cs:spPr>
+      <a:noFill/>
+      <a:ln w="9525" cap="flat" cmpd="sng" algn="ctr">
+        <a:solidFill>
+          <a:schemeClr val="tx1">
+            <a:lumMod val="15000"/>
+            <a:lumOff val="85000"/>
+          </a:schemeClr>
+        </a:solidFill>
+        <a:round/>
+      </a:ln>
+    </cs:spPr>
+    <cs:defRPr sz="1197" kern="1200"/>
+  </cs:dataTable>
+  <cs:downBar>
+    <cs:lnRef idx="0"/>
+    <cs:fillRef idx="0"/>
+    <cs:effectRef idx="0"/>
+    <cs:fontRef idx="minor">
+      <a:schemeClr val="tx1"/>
+    </cs:fontRef>
+    <cs:spPr>
+      <a:solidFill>
+        <a:schemeClr val="dk1">
+          <a:lumMod val="75000"/>
+          <a:lumOff val="25000"/>
+        </a:schemeClr>
+      </a:solidFill>
+      <a:ln w="9525" cap="flat" cmpd="sng" algn="ctr">
+        <a:solidFill>
+          <a:schemeClr val="tx1">
+            <a:lumMod val="65000"/>
+            <a:lumOff val="35000"/>
+          </a:schemeClr>
+        </a:solidFill>
+        <a:round/>
+      </a:ln>
+    </cs:spPr>
+  </cs:downBar>
+  <cs:dropLine>
+    <cs:lnRef idx="0"/>
+    <cs:fillRef idx="0"/>
+    <cs:effectRef idx="0"/>
+    <cs:fontRef idx="minor">
+      <a:schemeClr val="tx1"/>
+    </cs:fontRef>
+    <cs:spPr>
+      <a:ln w="9525" cap="flat" cmpd="sng" algn="ctr">
+        <a:solidFill>
+          <a:schemeClr val="tx1">
+            <a:lumMod val="35000"/>
+            <a:lumOff val="65000"/>
+          </a:schemeClr>
+        </a:solidFill>
+        <a:round/>
+      </a:ln>
+    </cs:spPr>
+  </cs:dropLine>
+  <cs:errorBar>
+    <cs:lnRef idx="0"/>
+    <cs:fillRef idx="0"/>
+    <cs:effectRef idx="0"/>
+    <cs:fontRef idx="minor">
+      <a:schemeClr val="tx1"/>
+    </cs:fontRef>
+    <cs:spPr>
+      <a:ln w="9525" cap="flat" cmpd="sng" algn="ctr">
+        <a:solidFill>
+          <a:schemeClr val="tx1">
+            <a:lumMod val="65000"/>
+            <a:lumOff val="35000"/>
+          </a:schemeClr>
+        </a:solidFill>
+        <a:round/>
+      </a:ln>
+    </cs:spPr>
+  </cs:errorBar>
+  <cs:floor>
+    <cs:lnRef idx="0"/>
+    <cs:fillRef idx="0"/>
+    <cs:effectRef idx="0"/>
+    <cs:fontRef idx="minor">
+      <a:schemeClr val="tx1"/>
+    </cs:fontRef>
+    <cs:spPr>
+      <a:noFill/>
+      <a:ln>
+        <a:noFill/>
+      </a:ln>
+    </cs:spPr>
+  </cs:floor>
+  <cs:gridlineMajor>
+    <cs:lnRef idx="0"/>
+    <cs:fillRef idx="0"/>
+    <cs:effectRef idx="0"/>
+    <cs:fontRef idx="minor">
+      <a:schemeClr val="tx1"/>
+    </cs:fontRef>
+    <cs:spPr>
+      <a:ln w="9525" cap="flat" cmpd="sng" algn="ctr">
+        <a:solidFill>
+          <a:schemeClr val="tx1">
+            <a:lumMod val="15000"/>
+            <a:lumOff val="85000"/>
+          </a:schemeClr>
+        </a:solidFill>
+        <a:round/>
+      </a:ln>
+    </cs:spPr>
+  </cs:gridlineMajor>
+  <cs:gridlineMinor>
+    <cs:lnRef idx="0"/>
+    <cs:fillRef idx="0"/>
+    <cs:effectRef idx="0"/>
+    <cs:fontRef idx="minor">
+      <a:schemeClr val="tx1"/>
+    </cs:fontRef>
+    <cs:spPr>
+      <a:ln w="9525" cap="flat" cmpd="sng" algn="ctr">
+        <a:solidFill>
+          <a:schemeClr val="tx1">
+            <a:lumMod val="5000"/>
+            <a:lumOff val="95000"/>
+          </a:schemeClr>
+        </a:solidFill>
+        <a:round/>
+      </a:ln>
+    </cs:spPr>
+  </cs:gridlineMinor>
+  <cs:hiLoLine>
+    <cs:lnRef idx="0"/>
+    <cs:fillRef idx="0"/>
+    <cs:effectRef idx="0"/>
+    <cs:fontRef idx="minor">
+      <a:schemeClr val="tx1"/>
+    </cs:fontRef>
+    <cs:spPr>
+      <a:ln w="9525" cap="flat" cmpd="sng" algn="ctr">
+        <a:solidFill>
+          <a:schemeClr val="tx1">
+            <a:lumMod val="50000"/>
+            <a:lumOff val="50000"/>
+          </a:schemeClr>
+        </a:solidFill>
+        <a:round/>
+      </a:ln>
+    </cs:spPr>
+  </cs:hiLoLine>
+  <cs:leaderLine>
+    <cs:lnRef idx="0"/>
+    <cs:fillRef idx="0"/>
+    <cs:effectRef idx="0"/>
+    <cs:fontRef idx="minor">
+      <a:schemeClr val="tx1"/>
+    </cs:fontRef>
+    <cs:spPr>
+      <a:ln w="9525" cap="flat" cmpd="sng" algn="ctr">
+        <a:solidFill>
+          <a:schemeClr val="tx1">
+            <a:lumMod val="35000"/>
+            <a:lumOff val="65000"/>
+          </a:schemeClr>
+        </a:solidFill>
+        <a:round/>
+      </a:ln>
+    </cs:spPr>
+  </cs:leaderLine>
+  <cs:legend>
+    <cs:lnRef idx="0"/>
+    <cs:fillRef idx="0"/>
+    <cs:effectRef idx="0"/>
+    <cs:fontRef idx="minor">
+      <a:schemeClr val="tx1">
+        <a:lumMod val="65000"/>
+        <a:lumOff val="35000"/>
+      </a:schemeClr>
+    </cs:fontRef>
+    <cs:defRPr sz="1197" kern="1200"/>
+  </cs:legend>
+  <cs:plotArea mods="allowNoFillOverride allowNoLineOverride">
+    <cs:lnRef idx="0"/>
+    <cs:fillRef idx="0"/>
+    <cs:effectRef idx="0"/>
+    <cs:fontRef idx="minor">
+      <a:schemeClr val="tx1"/>
+    </cs:fontRef>
+  </cs:plotArea>
+  <cs:plotArea3D mods="allowNoFillOverride allowNoLineOverride">
+    <cs:lnRef idx="0"/>
+    <cs:fillRef idx="0"/>
+    <cs:effectRef idx="0"/>
+    <cs:fontRef idx="minor">
+      <a:schemeClr val="tx1"/>
+    </cs:fontRef>
+  </cs:plotArea3D>
+  <cs:seriesAxis>
+    <cs:lnRef idx="0"/>
+    <cs:fillRef idx="0"/>
+    <cs:effectRef idx="0"/>
+    <cs:fontRef idx="minor">
+      <a:schemeClr val="tx1">
+        <a:lumMod val="65000"/>
+        <a:lumOff val="35000"/>
+      </a:schemeClr>
+    </cs:fontRef>
+    <cs:defRPr sz="1197" kern="1200"/>
+  </cs:seriesAxis>
+  <cs:seriesLine>
+    <cs:lnRef idx="0"/>
+    <cs:fillRef idx="0"/>
+    <cs:effectRef idx="0"/>
+    <cs:fontRef idx="minor">
+      <a:schemeClr val="tx1"/>
+    </cs:fontRef>
+    <cs:spPr>
+      <a:ln w="9525" cap="flat" cmpd="sng" algn="ctr">
+        <a:solidFill>
+          <a:schemeClr val="tx1">
+            <a:lumMod val="35000"/>
+            <a:lumOff val="65000"/>
+          </a:schemeClr>
+        </a:solidFill>
+        <a:round/>
+      </a:ln>
+    </cs:spPr>
+  </cs:seriesLine>
+  <cs:title>
+    <cs:lnRef idx="0"/>
+    <cs:fillRef idx="0"/>
+    <cs:effectRef idx="0"/>
+    <cs:fontRef idx="minor">
+      <a:schemeClr val="tx1">
+        <a:lumMod val="65000"/>
+        <a:lumOff val="35000"/>
+      </a:schemeClr>
+    </cs:fontRef>
+    <cs:defRPr sz="1862" b="0" kern="1200" spc="0" baseline="0"/>
+  </cs:title>
+  <cs:trendline>
+    <cs:lnRef idx="0">
+      <cs:styleClr val="auto"/>
+    </cs:lnRef>
+    <cs:fillRef idx="0"/>
+    <cs:effectRef idx="0"/>
+    <cs:fontRef idx="minor">
+      <a:schemeClr val="tx1"/>
+    </cs:fontRef>
+    <cs:spPr>
+      <a:ln w="19050" cap="rnd">
+        <a:solidFill>
+          <a:schemeClr val="phClr"/>
+        </a:solidFill>
+        <a:prstDash val="sysDot"/>
+      </a:ln>
+    </cs:spPr>
+  </cs:trendline>
+  <cs:trendlineLabel>
+    <cs:lnRef idx="0"/>
+    <cs:fillRef idx="0"/>
+    <cs:effectRef idx="0"/>
+    <cs:fontRef idx="minor">
+      <a:schemeClr val="tx1">
+        <a:lumMod val="65000"/>
+        <a:lumOff val="35000"/>
+      </a:schemeClr>
+    </cs:fontRef>
+    <cs:defRPr sz="1197" kern="1200"/>
+  </cs:trendlineLabel>
+  <cs:upBar>
+    <cs:lnRef idx="0"/>
+    <cs:fillRef idx="0"/>
+    <cs:effectRef idx="0"/>
+    <cs:fontRef idx="minor">
+      <a:schemeClr val="tx1"/>
+    </cs:fontRef>
+    <cs:spPr>
+      <a:solidFill>
+        <a:schemeClr val="lt1"/>
+      </a:solidFill>
+      <a:ln w="9525" cap="flat" cmpd="sng" algn="ctr">
+        <a:solidFill>
+          <a:schemeClr val="tx1">
+            <a:lumMod val="65000"/>
+            <a:lumOff val="35000"/>
+          </a:schemeClr>
+        </a:solidFill>
+        <a:round/>
+      </a:ln>
+    </cs:spPr>
+  </cs:upBar>
+  <cs:valueAxis>
+    <cs:lnRef idx="0"/>
+    <cs:fillRef idx="0"/>
+    <cs:effectRef idx="0"/>
+    <cs:fontRef idx="minor">
+      <a:schemeClr val="tx1">
+        <a:lumMod val="65000"/>
+        <a:lumOff val="35000"/>
+      </a:schemeClr>
+    </cs:fontRef>
+    <cs:defRPr sz="1197" kern="1200"/>
+  </cs:valueAxis>
+  <cs:wall>
+    <cs:lnRef idx="0"/>
+    <cs:fillRef idx="0"/>
+    <cs:effectRef idx="0"/>
+    <cs:fontRef idx="minor">
+      <a:schemeClr val="tx1"/>
+    </cs:fontRef>
+    <cs:spPr>
+      <a:noFill/>
+      <a:ln>
+        <a:noFill/>
+      </a:ln>
+    </cs:spPr>
+  </cs:wall>
+</cs:chartStyle>
+</file>
+
+<file path=ppt/charts/style4.xml><?xml version="1.0" encoding="utf-8"?>
+<cs:chartStyle xmlns:cs="http://schemas.microsoft.com/office/drawing/2012/chartStyle" xmlns:a="http://schemas.openxmlformats.org/drawingml/2006/main" id="201">
+  <cs:axisTitle>
+    <cs:lnRef idx="0"/>
+    <cs:fillRef idx="0"/>
+    <cs:effectRef idx="0"/>
+    <cs:fontRef idx="minor">
+      <a:schemeClr val="tx1">
+        <a:lumMod val="65000"/>
+        <a:lumOff val="35000"/>
+      </a:schemeClr>
+    </cs:fontRef>
+    <cs:defRPr sz="1330" kern="1200"/>
+  </cs:axisTitle>
+  <cs:categoryAxis>
+    <cs:lnRef idx="0"/>
+    <cs:fillRef idx="0"/>
+    <cs:effectRef idx="0"/>
+    <cs:fontRef idx="minor">
+      <a:schemeClr val="tx1">
+        <a:lumMod val="65000"/>
+        <a:lumOff val="35000"/>
+      </a:schemeClr>
+    </cs:fontRef>
+    <cs:spPr>
+      <a:ln w="9525" cap="flat" cmpd="sng" algn="ctr">
+        <a:solidFill>
+          <a:schemeClr val="tx1">
+            <a:lumMod val="15000"/>
+            <a:lumOff val="85000"/>
+          </a:schemeClr>
+        </a:solidFill>
+        <a:round/>
+      </a:ln>
+    </cs:spPr>
+    <cs:defRPr sz="1197" kern="1200"/>
+  </cs:categoryAxis>
+  <cs:chartArea mods="allowNoFillOverride allowNoLineOverride">
+    <cs:lnRef idx="0"/>
+    <cs:fillRef idx="0"/>
+    <cs:effectRef idx="0"/>
+    <cs:fontRef idx="minor">
+      <a:schemeClr val="tx1"/>
+    </cs:fontRef>
+    <cs:spPr>
+      <a:solidFill>
+        <a:schemeClr val="bg1"/>
+      </a:solidFill>
+      <a:ln w="9525" cap="flat" cmpd="sng" algn="ctr">
+        <a:solidFill>
+          <a:schemeClr val="tx1">
+            <a:lumMod val="15000"/>
+            <a:lumOff val="85000"/>
+          </a:schemeClr>
+        </a:solidFill>
+        <a:round/>
+      </a:ln>
+    </cs:spPr>
+    <cs:defRPr sz="1330" kern="1200"/>
+  </cs:chartArea>
+  <cs:dataLabel>
+    <cs:lnRef idx="0"/>
+    <cs:fillRef idx="0"/>
+    <cs:effectRef idx="0"/>
+    <cs:fontRef idx="minor">
+      <a:schemeClr val="tx1">
+        <a:lumMod val="75000"/>
+        <a:lumOff val="25000"/>
+      </a:schemeClr>
+    </cs:fontRef>
+    <cs:defRPr sz="1197" kern="1200"/>
+  </cs:dataLabel>
+  <cs:dataLabelCallout>
+    <cs:lnRef idx="0"/>
+    <cs:fillRef idx="0"/>
+    <cs:effectRef idx="0"/>
+    <cs:fontRef idx="minor">
+      <a:schemeClr val="dk1">
+        <a:lumMod val="65000"/>
+        <a:lumOff val="35000"/>
+      </a:schemeClr>
+    </cs:fontRef>
+    <cs:spPr>
+      <a:solidFill>
+        <a:schemeClr val="lt1"/>
+      </a:solidFill>
+      <a:ln>
+        <a:solidFill>
+          <a:schemeClr val="dk1">
+            <a:lumMod val="25000"/>
+            <a:lumOff val="75000"/>
+          </a:schemeClr>
+        </a:solidFill>
+      </a:ln>
+    </cs:spPr>
+    <cs:defRPr sz="1197" kern="1200"/>
+    <cs:bodyPr rot="0" spcFirstLastPara="1" vertOverflow="clip" horzOverflow="clip" vert="horz" wrap="square" lIns="36576" tIns="18288" rIns="36576" bIns="18288" anchor="ctr" anchorCtr="1">
+      <a:spAutoFit/>
+    </cs:bodyPr>
+  </cs:dataLabelCallout>
+  <cs:dataPoint>
+    <cs:lnRef idx="0"/>
+    <cs:fillRef idx="1">
+      <cs:styleClr val="auto"/>
+    </cs:fillRef>
+    <cs:effectRef idx="0"/>
+    <cs:fontRef idx="minor">
+      <a:schemeClr val="tx1"/>
+    </cs:fontRef>
+  </cs:dataPoint>
+  <cs:dataPoint3D>
+    <cs:lnRef idx="0"/>
+    <cs:fillRef idx="1">
+      <cs:styleClr val="auto"/>
+    </cs:fillRef>
+    <cs:effectRef idx="0"/>
+    <cs:fontRef idx="minor">
+      <a:schemeClr val="tx1"/>
+    </cs:fontRef>
+  </cs:dataPoint3D>
+  <cs:dataPointLine>
+    <cs:lnRef idx="0">
+      <cs:styleClr val="auto"/>
+    </cs:lnRef>
+    <cs:fillRef idx="1"/>
+    <cs:effectRef idx="0"/>
+    <cs:fontRef idx="minor">
+      <a:schemeClr val="tx1"/>
+    </cs:fontRef>
+    <cs:spPr>
+      <a:ln w="28575" cap="rnd">
+        <a:solidFill>
+          <a:schemeClr val="phClr"/>
+        </a:solidFill>
+        <a:round/>
+      </a:ln>
+    </cs:spPr>
+  </cs:dataPointLine>
+  <cs:dataPointMarker>
+    <cs:lnRef idx="0">
+      <cs:styleClr val="auto"/>
+    </cs:lnRef>
+    <cs:fillRef idx="1">
+      <cs:styleClr val="auto"/>
+    </cs:fillRef>
+    <cs:effectRef idx="0"/>
+    <cs:fontRef idx="minor">
+      <a:schemeClr val="tx1"/>
+    </cs:fontRef>
+    <cs:spPr>
+      <a:ln w="9525">
+        <a:solidFill>
+          <a:schemeClr val="phClr"/>
+        </a:solidFill>
+      </a:ln>
+    </cs:spPr>
+  </cs:dataPointMarker>
+  <cs:dataPointMarkerLayout symbol="circle" size="5"/>
+  <cs:dataPointWireframe>
+    <cs:lnRef idx="0">
+      <cs:styleClr val="auto"/>
+    </cs:lnRef>
+    <cs:fillRef idx="1"/>
+    <cs:effectRef idx="0"/>
+    <cs:fontRef idx="minor">
+      <a:schemeClr val="tx1"/>
+    </cs:fontRef>
+    <cs:spPr>
+      <a:ln w="9525" cap="rnd">
+        <a:solidFill>
+          <a:schemeClr val="phClr"/>
+        </a:solidFill>
+        <a:round/>
+      </a:ln>
+    </cs:spPr>
+  </cs:dataPointWireframe>
+  <cs:dataTable>
+    <cs:lnRef idx="0"/>
+    <cs:fillRef idx="0"/>
+    <cs:effectRef idx="0"/>
+    <cs:fontRef idx="minor">
+      <a:schemeClr val="tx1">
+        <a:lumMod val="65000"/>
+        <a:lumOff val="35000"/>
+      </a:schemeClr>
+    </cs:fontRef>
+    <cs:spPr>
+      <a:noFill/>
+      <a:ln w="9525" cap="flat" cmpd="sng" algn="ctr">
+        <a:solidFill>
+          <a:schemeClr val="tx1">
+            <a:lumMod val="15000"/>
+            <a:lumOff val="85000"/>
+          </a:schemeClr>
+        </a:solidFill>
+        <a:round/>
+      </a:ln>
+    </cs:spPr>
+    <cs:defRPr sz="1197" kern="1200"/>
+  </cs:dataTable>
+  <cs:downBar>
+    <cs:lnRef idx="0"/>
+    <cs:fillRef idx="0"/>
+    <cs:effectRef idx="0"/>
+    <cs:fontRef idx="minor">
+      <a:schemeClr val="dk1"/>
+    </cs:fontRef>
+    <cs:spPr>
+      <a:solidFill>
+        <a:schemeClr val="dk1">
+          <a:lumMod val="65000"/>
+          <a:lumOff val="35000"/>
+        </a:schemeClr>
+      </a:solidFill>
+      <a:ln w="9525">
+        <a:solidFill>
+          <a:schemeClr val="tx1">
+            <a:lumMod val="65000"/>
+            <a:lumOff val="35000"/>
+          </a:schemeClr>
+        </a:solidFill>
+      </a:ln>
+    </cs:spPr>
+  </cs:downBar>
+  <cs:dropLine>
+    <cs:lnRef idx="0"/>
+    <cs:fillRef idx="0"/>
+    <cs:effectRef idx="0"/>
+    <cs:fontRef idx="minor">
+      <a:schemeClr val="tx1"/>
+    </cs:fontRef>
+    <cs:spPr>
+      <a:ln w="9525" cap="flat" cmpd="sng" algn="ctr">
+        <a:solidFill>
+          <a:schemeClr val="tx1">
+            <a:lumMod val="35000"/>
+            <a:lumOff val="65000"/>
+          </a:schemeClr>
+        </a:solidFill>
+        <a:round/>
+      </a:ln>
+    </cs:spPr>
+  </cs:dropLine>
+  <cs:errorBar>
+    <cs:lnRef idx="0"/>
+    <cs:fillRef idx="0"/>
+    <cs:effectRef idx="0"/>
+    <cs:fontRef idx="minor">
+      <a:schemeClr val="tx1"/>
+    </cs:fontRef>
+    <cs:spPr>
+      <a:ln w="9525" cap="flat" cmpd="sng" algn="ctr">
+        <a:solidFill>
+          <a:schemeClr val="tx1">
+            <a:lumMod val="65000"/>
+            <a:lumOff val="35000"/>
+          </a:schemeClr>
+        </a:solidFill>
+        <a:round/>
+      </a:ln>
+    </cs:spPr>
+  </cs:errorBar>
+  <cs:floor>
+    <cs:lnRef idx="0"/>
+    <cs:fillRef idx="0"/>
+    <cs:effectRef idx="0"/>
+    <cs:fontRef idx="minor">
+      <a:schemeClr val="tx1"/>
+    </cs:fontRef>
+    <cs:spPr>
+      <a:noFill/>
+      <a:ln>
+        <a:noFill/>
+      </a:ln>
+    </cs:spPr>
+  </cs:floor>
+  <cs:gridlineMajor>
+    <cs:lnRef idx="0"/>
+    <cs:fillRef idx="0"/>
+    <cs:effectRef idx="0"/>
+    <cs:fontRef idx="minor">
+      <a:schemeClr val="tx1"/>
+    </cs:fontRef>
+    <cs:spPr>
+      <a:ln w="9525" cap="flat" cmpd="sng" algn="ctr">
+        <a:solidFill>
+          <a:schemeClr val="tx1">
+            <a:lumMod val="15000"/>
+            <a:lumOff val="85000"/>
+          </a:schemeClr>
+        </a:solidFill>
+        <a:round/>
+      </a:ln>
+    </cs:spPr>
+  </cs:gridlineMajor>
+  <cs:gridlineMinor>
+    <cs:lnRef idx="0"/>
+    <cs:fillRef idx="0"/>
+    <cs:effectRef idx="0"/>
+    <cs:fontRef idx="minor">
+      <a:schemeClr val="tx1"/>
+    </cs:fontRef>
+    <cs:spPr>
+      <a:ln w="9525" cap="flat" cmpd="sng" algn="ctr">
+        <a:solidFill>
+          <a:schemeClr val="tx1">
+            <a:lumMod val="5000"/>
+            <a:lumOff val="95000"/>
+          </a:schemeClr>
+        </a:solidFill>
+        <a:round/>
+      </a:ln>
+    </cs:spPr>
+  </cs:gridlineMinor>
+  <cs:hiLoLine>
+    <cs:lnRef idx="0"/>
+    <cs:fillRef idx="0"/>
+    <cs:effectRef idx="0"/>
+    <cs:fontRef idx="minor">
+      <a:schemeClr val="tx1"/>
+    </cs:fontRef>
+    <cs:spPr>
+      <a:ln w="9525" cap="flat" cmpd="sng" algn="ctr">
+        <a:solidFill>
+          <a:schemeClr val="tx1">
+            <a:lumMod val="75000"/>
+            <a:lumOff val="25000"/>
+          </a:schemeClr>
+        </a:solidFill>
+        <a:round/>
+      </a:ln>
+    </cs:spPr>
+  </cs:hiLoLine>
+  <cs:leaderLine>
+    <cs:lnRef idx="0"/>
+    <cs:fillRef idx="0"/>
+    <cs:effectRef idx="0"/>
+    <cs:fontRef idx="minor">
+      <a:schemeClr val="tx1"/>
+    </cs:fontRef>
+    <cs:spPr>
+      <a:ln w="9525" cap="flat" cmpd="sng" algn="ctr">
+        <a:solidFill>
+          <a:schemeClr val="tx1">
+            <a:lumMod val="35000"/>
+            <a:lumOff val="65000"/>
+          </a:schemeClr>
+        </a:solidFill>
+        <a:round/>
+      </a:ln>
+    </cs:spPr>
+  </cs:leaderLine>
+  <cs:legend>
+    <cs:lnRef idx="0"/>
+    <cs:fillRef idx="0"/>
+    <cs:effectRef idx="0"/>
+    <cs:fontRef idx="minor">
+      <a:schemeClr val="tx1">
+        <a:lumMod val="65000"/>
+        <a:lumOff val="35000"/>
+      </a:schemeClr>
+    </cs:fontRef>
+    <cs:defRPr sz="1197" kern="1200"/>
+  </cs:legend>
+  <cs:plotArea mods="allowNoFillOverride allowNoLineOverride">
+    <cs:lnRef idx="0"/>
+    <cs:fillRef idx="0"/>
+    <cs:effectRef idx="0"/>
+    <cs:fontRef idx="minor">
+      <a:schemeClr val="tx1"/>
+    </cs:fontRef>
+  </cs:plotArea>
+  <cs:plotArea3D mods="allowNoFillOverride allowNoLineOverride">
+    <cs:lnRef idx="0"/>
+    <cs:fillRef idx="0"/>
+    <cs:effectRef idx="0"/>
+    <cs:fontRef idx="minor">
+      <a:schemeClr val="tx1"/>
+    </cs:fontRef>
+  </cs:plotArea3D>
+  <cs:seriesAxis>
+    <cs:lnRef idx="0"/>
+    <cs:fillRef idx="0"/>
+    <cs:effectRef idx="0"/>
+    <cs:fontRef idx="minor">
+      <a:schemeClr val="tx1">
+        <a:lumMod val="65000"/>
+        <a:lumOff val="35000"/>
+      </a:schemeClr>
+    </cs:fontRef>
+    <cs:defRPr sz="1197" kern="1200"/>
+  </cs:seriesAxis>
+  <cs:seriesLine>
+    <cs:lnRef idx="0"/>
+    <cs:fillRef idx="0"/>
+    <cs:effectRef idx="0"/>
+    <cs:fontRef idx="minor">
+      <a:schemeClr val="tx1"/>
+    </cs:fontRef>
+    <cs:spPr>
+      <a:ln w="9525" cap="flat" cmpd="sng" algn="ctr">
+        <a:solidFill>
+          <a:schemeClr val="tx1">
+            <a:lumMod val="35000"/>
+            <a:lumOff val="65000"/>
+          </a:schemeClr>
+        </a:solidFill>
+        <a:round/>
+      </a:ln>
+    </cs:spPr>
+  </cs:seriesLine>
+  <cs:title>
+    <cs:lnRef idx="0"/>
+    <cs:fillRef idx="0"/>
+    <cs:effectRef idx="0"/>
+    <cs:fontRef idx="minor">
+      <a:schemeClr val="tx1">
+        <a:lumMod val="65000"/>
+        <a:lumOff val="35000"/>
+      </a:schemeClr>
+    </cs:fontRef>
+    <cs:defRPr sz="1862" b="0" kern="1200" spc="0" baseline="0"/>
+  </cs:title>
+  <cs:trendline>
+    <cs:lnRef idx="0">
+      <cs:styleClr val="auto"/>
+    </cs:lnRef>
+    <cs:fillRef idx="0"/>
+    <cs:effectRef idx="0"/>
+    <cs:fontRef idx="minor">
+      <a:schemeClr val="tx1"/>
+    </cs:fontRef>
+    <cs:spPr>
+      <a:ln w="19050" cap="rnd">
+        <a:solidFill>
+          <a:schemeClr val="phClr"/>
+        </a:solidFill>
+        <a:prstDash val="sysDot"/>
+      </a:ln>
+    </cs:spPr>
+  </cs:trendline>
+  <cs:trendlineLabel>
+    <cs:lnRef idx="0"/>
+    <cs:fillRef idx="0"/>
+    <cs:effectRef idx="0"/>
+    <cs:fontRef idx="minor">
+      <a:schemeClr val="tx1">
+        <a:lumMod val="65000"/>
+        <a:lumOff val="35000"/>
+      </a:schemeClr>
+    </cs:fontRef>
+    <cs:defRPr sz="1197" kern="1200"/>
+  </cs:trendlineLabel>
+  <cs:upBar>
+    <cs:lnRef idx="0"/>
+    <cs:fillRef idx="0"/>
+    <cs:effectRef idx="0"/>
+    <cs:fontRef idx="minor">
+      <a:schemeClr val="dk1"/>
+    </cs:fontRef>
+    <cs:spPr>
+      <a:solidFill>
+        <a:schemeClr val="lt1"/>
+      </a:solidFill>
+      <a:ln w="9525">
+        <a:solidFill>
+          <a:schemeClr val="tx1">
+            <a:lumMod val="15000"/>
+            <a:lumOff val="85000"/>
+          </a:schemeClr>
+        </a:solidFill>
+      </a:ln>
+    </cs:spPr>
+  </cs:upBar>
+  <cs:valueAxis>
+    <cs:lnRef idx="0"/>
+    <cs:fillRef idx="0"/>
+    <cs:effectRef idx="0"/>
+    <cs:fontRef idx="minor">
+      <a:schemeClr val="tx1">
+        <a:lumMod val="65000"/>
+        <a:lumOff val="35000"/>
+      </a:schemeClr>
+    </cs:fontRef>
     <cs:defRPr sz="1197" kern="1200"/>
   </cs:valueAxis>
   <cs:wall>
@@ -3811,7 +5774,13 @@
     </dgm:pt>
     <dgm:pt modelId="{6836BD31-2BDF-4CD5-8450-B40A19B75971}">
       <dgm:prSet phldrT="[Texto]" phldr="0"/>
-      <dgm:spPr/>
+      <dgm:spPr>
+        <a:solidFill>
+          <a:schemeClr val="accent2">
+            <a:lumMod val="75000"/>
+          </a:schemeClr>
+        </a:solidFill>
+      </dgm:spPr>
       <dgm:t>
         <a:bodyPr/>
         <a:lstStyle/>
@@ -3841,13 +5810,19 @@
         <a:bodyPr/>
         <a:lstStyle/>
         <a:p>
-          <a:endParaRPr lang="es-CL"/>
+          <a:endParaRPr lang="es-CL" dirty="0"/>
         </a:p>
       </dgm:t>
     </dgm:pt>
     <dgm:pt modelId="{AEA42B3C-BDA0-4798-8E7A-DDEAAD7CD145}">
       <dgm:prSet phldrT="[Texto]" phldr="0"/>
-      <dgm:spPr/>
+      <dgm:spPr>
+        <a:solidFill>
+          <a:schemeClr val="accent2">
+            <a:lumMod val="75000"/>
+          </a:schemeClr>
+        </a:solidFill>
+      </dgm:spPr>
       <dgm:t>
         <a:bodyPr/>
         <a:lstStyle/>
@@ -3877,13 +5852,19 @@
         <a:bodyPr/>
         <a:lstStyle/>
         <a:p>
-          <a:endParaRPr lang="es-CL"/>
+          <a:endParaRPr lang="es-CL" dirty="0"/>
         </a:p>
       </dgm:t>
     </dgm:pt>
     <dgm:pt modelId="{FCCEDDE4-BCBB-4CFA-8C78-E354A38ECD97}">
       <dgm:prSet phldrT="[Texto]" phldr="0"/>
-      <dgm:spPr/>
+      <dgm:spPr>
+        <a:solidFill>
+          <a:schemeClr val="accent2">
+            <a:lumMod val="75000"/>
+          </a:schemeClr>
+        </a:solidFill>
+      </dgm:spPr>
       <dgm:t>
         <a:bodyPr/>
         <a:lstStyle/>
@@ -3919,7 +5900,13 @@
     </dgm:pt>
     <dgm:pt modelId="{1310C5F0-D649-4B0F-AD16-6BD9015D4906}">
       <dgm:prSet phldrT="[Texto]" phldr="0"/>
-      <dgm:spPr/>
+      <dgm:spPr>
+        <a:solidFill>
+          <a:schemeClr val="accent2">
+            <a:lumMod val="75000"/>
+          </a:schemeClr>
+        </a:solidFill>
+      </dgm:spPr>
       <dgm:t>
         <a:bodyPr/>
         <a:lstStyle/>
@@ -3949,7 +5936,7 @@
         <a:bodyPr/>
         <a:lstStyle/>
         <a:p>
-          <a:endParaRPr lang="es-CL"/>
+          <a:endParaRPr lang="es-CL" dirty="0"/>
         </a:p>
       </dgm:t>
     </dgm:pt>
@@ -4222,7 +6209,15 @@
           <dgm:chPref val="0"/>
         </dgm:presLayoutVars>
       </dgm:prSet>
-      <dgm:spPr/>
+      <dgm:spPr>
+        <a:ln>
+          <a:solidFill>
+            <a:schemeClr val="accent2">
+              <a:lumMod val="75000"/>
+            </a:schemeClr>
+          </a:solidFill>
+        </a:ln>
+      </dgm:spPr>
     </dgm:pt>
     <dgm:pt modelId="{797DA9BC-3513-43D2-A24B-F59CAF4FD71D}" type="pres">
       <dgm:prSet presAssocID="{4BA9BD8C-9A90-4D30-A6BB-66ED64F14CFB}" presName="Image" presStyleLbl="alignImgPlace1" presStyleIdx="0" presStyleCnt="3" custScaleX="59248" custScaleY="60062">
@@ -4285,7 +6280,15 @@
           <dgm:chPref val="0"/>
         </dgm:presLayoutVars>
       </dgm:prSet>
-      <dgm:spPr/>
+      <dgm:spPr>
+        <a:ln>
+          <a:solidFill>
+            <a:schemeClr val="accent2">
+              <a:lumMod val="75000"/>
+            </a:schemeClr>
+          </a:solidFill>
+        </a:ln>
+      </dgm:spPr>
     </dgm:pt>
     <dgm:pt modelId="{F7B2FEA5-C89B-4B41-B3B1-6D4C83F8D03C}" type="pres">
       <dgm:prSet presAssocID="{8D6711C7-EBA4-4293-AA5C-DF0F1A1002E4}" presName="Image" presStyleLbl="alignImgPlace1" presStyleIdx="1" presStyleCnt="3" custScaleX="59170" custScaleY="67151" custLinFactNeighborX="-489" custLinFactNeighborY="-3193">
@@ -4348,7 +6351,15 @@
           <dgm:chPref val="0"/>
         </dgm:presLayoutVars>
       </dgm:prSet>
-      <dgm:spPr/>
+      <dgm:spPr>
+        <a:ln>
+          <a:solidFill>
+            <a:schemeClr val="accent2">
+              <a:lumMod val="75000"/>
+            </a:schemeClr>
+          </a:solidFill>
+        </a:ln>
+      </dgm:spPr>
     </dgm:pt>
     <dgm:pt modelId="{B4642D14-B191-4FF4-A255-98F7A7C88D1D}" type="pres">
       <dgm:prSet presAssocID="{98E8E6FB-3364-4808-B796-83B20C1B9D82}" presName="Image" presStyleLbl="alignImgPlace1" presStyleIdx="2" presStyleCnt="3" custScaleX="57066" custScaleY="56690" custLinFactNeighborX="1297" custLinFactNeighborY="-4269">
@@ -4455,11 +6466,8 @@
           </a:avLst>
         </a:prstGeom>
         <a:solidFill>
-          <a:schemeClr val="accent1">
-            <a:hueOff val="0"/>
-            <a:satOff val="0"/>
-            <a:lumOff val="0"/>
-            <a:alphaOff val="0"/>
+          <a:schemeClr val="accent2">
+            <a:lumMod val="75000"/>
           </a:schemeClr>
         </a:solidFill>
         <a:ln w="12700" cap="flat" cmpd="sng" algn="ctr">
@@ -4581,7 +6589,7 @@
             </a:spcAft>
             <a:buNone/>
           </a:pPr>
-          <a:endParaRPr lang="es-CL" sz="1900" kern="1200"/>
+          <a:endParaRPr lang="es-CL" sz="1900" kern="1200" dirty="0"/>
         </a:p>
       </dsp:txBody>
       <dsp:txXfrm>
@@ -4605,11 +6613,8 @@
           </a:avLst>
         </a:prstGeom>
         <a:solidFill>
-          <a:schemeClr val="accent1">
-            <a:hueOff val="0"/>
-            <a:satOff val="0"/>
-            <a:lumOff val="0"/>
-            <a:alphaOff val="0"/>
+          <a:schemeClr val="accent2">
+            <a:lumMod val="75000"/>
           </a:schemeClr>
         </a:solidFill>
         <a:ln w="12700" cap="flat" cmpd="sng" algn="ctr">
@@ -4731,7 +6736,7 @@
             </a:spcAft>
             <a:buNone/>
           </a:pPr>
-          <a:endParaRPr lang="es-CL" sz="1900" kern="1200"/>
+          <a:endParaRPr lang="es-CL" sz="1900" kern="1200" dirty="0"/>
         </a:p>
       </dsp:txBody>
       <dsp:txXfrm>
@@ -4755,11 +6760,8 @@
           </a:avLst>
         </a:prstGeom>
         <a:solidFill>
-          <a:schemeClr val="accent1">
-            <a:hueOff val="0"/>
-            <a:satOff val="0"/>
-            <a:lumOff val="0"/>
-            <a:alphaOff val="0"/>
+          <a:schemeClr val="accent2">
+            <a:lumMod val="75000"/>
           </a:schemeClr>
         </a:solidFill>
         <a:ln w="12700" cap="flat" cmpd="sng" algn="ctr">
@@ -4881,7 +6883,7 @@
             </a:spcAft>
             <a:buNone/>
           </a:pPr>
-          <a:endParaRPr lang="es-CL" sz="1900" kern="1200"/>
+          <a:endParaRPr lang="es-CL" sz="1900" kern="1200" dirty="0"/>
         </a:p>
       </dsp:txBody>
       <dsp:txXfrm>
@@ -4905,11 +6907,8 @@
           </a:avLst>
         </a:prstGeom>
         <a:solidFill>
-          <a:schemeClr val="accent1">
-            <a:hueOff val="0"/>
-            <a:satOff val="0"/>
-            <a:lumOff val="0"/>
-            <a:alphaOff val="0"/>
+          <a:schemeClr val="accent2">
+            <a:lumMod val="75000"/>
           </a:schemeClr>
         </a:solidFill>
         <a:ln w="12700" cap="flat" cmpd="sng" algn="ctr">
@@ -5005,11 +7004,8 @@
         </a:solidFill>
         <a:ln w="6350" cap="flat" cmpd="sng" algn="ctr">
           <a:solidFill>
-            <a:schemeClr val="accent1">
-              <a:hueOff val="0"/>
-              <a:satOff val="0"/>
-              <a:lumOff val="0"/>
-              <a:alphaOff val="0"/>
+            <a:schemeClr val="accent2">
+              <a:lumMod val="75000"/>
             </a:schemeClr>
           </a:solidFill>
           <a:prstDash val="solid"/>
@@ -5166,11 +7162,8 @@
         </a:solidFill>
         <a:ln w="6350" cap="flat" cmpd="sng" algn="ctr">
           <a:solidFill>
-            <a:schemeClr val="accent1">
-              <a:hueOff val="0"/>
-              <a:satOff val="0"/>
-              <a:lumOff val="0"/>
-              <a:alphaOff val="0"/>
+            <a:schemeClr val="accent2">
+              <a:lumMod val="75000"/>
             </a:schemeClr>
           </a:solidFill>
           <a:prstDash val="solid"/>
@@ -5327,11 +7320,8 @@
         </a:solidFill>
         <a:ln w="6350" cap="flat" cmpd="sng" algn="ctr">
           <a:solidFill>
-            <a:schemeClr val="accent1">
-              <a:hueOff val="0"/>
-              <a:satOff val="0"/>
-              <a:lumOff val="0"/>
-              <a:alphaOff val="0"/>
+            <a:schemeClr val="accent2">
+              <a:lumMod val="75000"/>
             </a:schemeClr>
           </a:solidFill>
           <a:prstDash val="solid"/>
@@ -8000,6 +9990,56 @@
 </dgm:styleDef>
 </file>
 
+<file path=ppt/drawings/drawing1.xml><?xml version="1.0" encoding="utf-8"?>
+<c:userShapes xmlns:c="http://schemas.openxmlformats.org/drawingml/2006/chart">
+  <cdr:relSizeAnchor xmlns:cdr="http://schemas.openxmlformats.org/drawingml/2006/chartDrawing">
+    <cdr:from>
+      <cdr:x>0.37256</cdr:x>
+      <cdr:y>0</cdr:y>
+    </cdr:from>
+    <cdr:to>
+      <cdr:x>0.37256</cdr:x>
+      <cdr:y>0.8899</cdr:y>
+    </cdr:to>
+    <cdr:cxnSp macro="">
+      <cdr:nvCxnSpPr>
+        <cdr:cNvPr id="3" name="Conector recto 2">
+          <a:extLst xmlns:a="http://schemas.openxmlformats.org/drawingml/2006/main">
+            <a:ext uri="{FF2B5EF4-FFF2-40B4-BE49-F238E27FC236}">
+              <a16:creationId xmlns:a16="http://schemas.microsoft.com/office/drawing/2014/main" id="{F55E30F7-02A6-9133-B91E-F2F230191756}"/>
+            </a:ext>
+          </a:extLst>
+        </cdr:cNvPr>
+        <cdr:cNvCxnSpPr/>
+      </cdr:nvCxnSpPr>
+      <cdr:spPr>
+        <a:xfrm xmlns:a="http://schemas.openxmlformats.org/drawingml/2006/main">
+          <a:off x="3775046" y="0"/>
+          <a:ext cx="0" cy="2361565"/>
+        </a:xfrm>
+        <a:prstGeom xmlns:a="http://schemas.openxmlformats.org/drawingml/2006/main" prst="line">
+          <a:avLst/>
+        </a:prstGeom>
+      </cdr:spPr>
+      <cdr:style>
+        <a:lnRef xmlns:a="http://schemas.openxmlformats.org/drawingml/2006/main" idx="1">
+          <a:schemeClr val="accent1"/>
+        </a:lnRef>
+        <a:fillRef xmlns:a="http://schemas.openxmlformats.org/drawingml/2006/main" idx="0">
+          <a:schemeClr val="accent1"/>
+        </a:fillRef>
+        <a:effectRef xmlns:a="http://schemas.openxmlformats.org/drawingml/2006/main" idx="0">
+          <a:schemeClr val="accent1"/>
+        </a:effectRef>
+        <a:fontRef xmlns:a="http://schemas.openxmlformats.org/drawingml/2006/main" idx="minor">
+          <a:schemeClr val="tx1"/>
+        </a:fontRef>
+      </cdr:style>
+    </cdr:cxnSp>
+  </cdr:relSizeAnchor>
+</c:userShapes>
+</file>
+
 <file path=ppt/notesMasters/notesMaster1.xml><?xml version="1.0" encoding="utf-8"?>
 <p:notesMaster xmlns:a="http://schemas.openxmlformats.org/drawingml/2006/main" xmlns:r="http://schemas.openxmlformats.org/officeDocument/2006/relationships" xmlns:p="http://schemas.openxmlformats.org/presentationml/2006/main">
   <p:cSld>
@@ -8049,7 +10089,7 @@
             </a:lvl1pPr>
           </a:lstStyle>
           <a:p>
-            <a:endParaRPr lang="es-ES"/>
+            <a:endParaRPr lang="es-ES" dirty="0"/>
           </a:p>
         </p:txBody>
       </p:sp>
@@ -8081,9 +10121,9 @@
           </a:lstStyle>
           <a:p>
             <a:fld id="{B02B2D6A-D10B-4950-84AB-B76A76B41051}" type="datetimeFigureOut">
-              <a:t>15-11-2025</a:t>
+              <a:t>16-11-2025</a:t>
             </a:fld>
-            <a:endParaRPr lang="es-ES"/>
+            <a:endParaRPr lang="es-ES" dirty="0"/>
           </a:p>
         </p:txBody>
       </p:sp>
@@ -8116,7 +10156,7 @@
           <a:bodyPr vert="horz" lIns="91440" tIns="45720" rIns="91440" bIns="45720" rtlCol="0" anchor="ctr"/>
           <a:lstStyle/>
           <a:p>
-            <a:endParaRPr lang="es-ES"/>
+            <a:endParaRPr lang="es-ES" dirty="0"/>
           </a:p>
         </p:txBody>
       </p:sp>
@@ -8206,7 +10246,7 @@
             </a:lvl1pPr>
           </a:lstStyle>
           <a:p>
-            <a:endParaRPr lang="es-ES"/>
+            <a:endParaRPr lang="es-ES" dirty="0"/>
           </a:p>
         </p:txBody>
       </p:sp>
@@ -8240,7 +10280,7 @@
             <a:fld id="{D32D85B4-8D15-40BA-BE63-8F85761BC2A6}" type="slidenum">
               <a:t>‹Nº›</a:t>
             </a:fld>
-            <a:endParaRPr lang="es-ES"/>
+            <a:endParaRPr lang="es-ES" dirty="0"/>
           </a:p>
         </p:txBody>
       </p:sp>
@@ -8375,6 +10415,13 @@
           </p:nvPr>
         </p:nvSpPr>
         <p:spPr/>
+        <p:txBody>
+          <a:bodyPr/>
+          <a:lstStyle/>
+          <a:p>
+            <a:endParaRPr lang="es-CL" dirty="0"/>
+          </a:p>
+        </p:txBody>
       </p:sp>
       <p:sp>
         <p:nvSpPr>
@@ -8414,7 +10461,7 @@
               <a:rPr lang="es-CL" smtClean="0"/>
               <a:t>1</a:t>
             </a:fld>
-            <a:endParaRPr lang="es-CL"/>
+            <a:endParaRPr lang="es-CL" dirty="0"/>
           </a:p>
         </p:txBody>
       </p:sp>
@@ -8471,6 +10518,13 @@
           </p:nvPr>
         </p:nvSpPr>
         <p:spPr/>
+        <p:txBody>
+          <a:bodyPr/>
+          <a:lstStyle/>
+          <a:p>
+            <a:endParaRPr lang="es-CL" dirty="0"/>
+          </a:p>
+        </p:txBody>
       </p:sp>
       <p:sp>
         <p:nvSpPr>
@@ -8522,7 +10576,7 @@
               <a:rPr lang="es-CL" smtClean="0"/>
               <a:t>10</a:t>
             </a:fld>
-            <a:endParaRPr lang="es-CL"/>
+            <a:endParaRPr lang="es-CL" dirty="0"/>
           </a:p>
         </p:txBody>
       </p:sp>
@@ -8579,6 +10633,13 @@
           </p:nvPr>
         </p:nvSpPr>
         <p:spPr/>
+        <p:txBody>
+          <a:bodyPr/>
+          <a:lstStyle/>
+          <a:p>
+            <a:endParaRPr lang="es-CL" dirty="0"/>
+          </a:p>
+        </p:txBody>
       </p:sp>
       <p:sp>
         <p:nvSpPr>
@@ -8630,7 +10691,7 @@
               <a:rPr lang="es-CL" smtClean="0"/>
               <a:t>11</a:t>
             </a:fld>
-            <a:endParaRPr lang="es-CL"/>
+            <a:endParaRPr lang="es-CL" dirty="0"/>
           </a:p>
         </p:txBody>
       </p:sp>
@@ -8687,6 +10748,13 @@
           </p:nvPr>
         </p:nvSpPr>
         <p:spPr/>
+        <p:txBody>
+          <a:bodyPr/>
+          <a:lstStyle/>
+          <a:p>
+            <a:endParaRPr lang="es-CL" dirty="0"/>
+          </a:p>
+        </p:txBody>
       </p:sp>
       <p:sp>
         <p:nvSpPr>
@@ -8738,7 +10806,7 @@
               <a:rPr lang="es-CL" smtClean="0"/>
               <a:t>12</a:t>
             </a:fld>
-            <a:endParaRPr lang="es-CL"/>
+            <a:endParaRPr lang="es-CL" dirty="0"/>
           </a:p>
         </p:txBody>
       </p:sp>
@@ -8795,6 +10863,13 @@
           </p:nvPr>
         </p:nvSpPr>
         <p:spPr/>
+        <p:txBody>
+          <a:bodyPr/>
+          <a:lstStyle/>
+          <a:p>
+            <a:endParaRPr lang="es-CL" dirty="0"/>
+          </a:p>
+        </p:txBody>
       </p:sp>
       <p:sp>
         <p:nvSpPr>
@@ -8846,7 +10921,7 @@
               <a:rPr lang="es-CL" smtClean="0"/>
               <a:t>13</a:t>
             </a:fld>
-            <a:endParaRPr lang="es-CL"/>
+            <a:endParaRPr lang="es-CL" dirty="0"/>
           </a:p>
         </p:txBody>
       </p:sp>
@@ -8891,6 +10966,13 @@
           </p:nvPr>
         </p:nvSpPr>
         <p:spPr/>
+        <p:txBody>
+          <a:bodyPr/>
+          <a:lstStyle/>
+          <a:p>
+            <a:endParaRPr lang="es-CL" dirty="0"/>
+          </a:p>
+        </p:txBody>
       </p:sp>
       <p:sp>
         <p:nvSpPr>
@@ -8930,7 +11012,7 @@
               <a:rPr lang="es-CL" smtClean="0"/>
               <a:t>2</a:t>
             </a:fld>
-            <a:endParaRPr lang="es-CL"/>
+            <a:endParaRPr lang="es-CL" dirty="0"/>
           </a:p>
         </p:txBody>
       </p:sp>
@@ -8987,6 +11069,13 @@
           </p:nvPr>
         </p:nvSpPr>
         <p:spPr/>
+        <p:txBody>
+          <a:bodyPr/>
+          <a:lstStyle/>
+          <a:p>
+            <a:endParaRPr lang="es-CL" dirty="0"/>
+          </a:p>
+        </p:txBody>
       </p:sp>
       <p:sp>
         <p:nvSpPr>
@@ -9038,7 +11127,7 @@
               <a:rPr lang="es-CL" smtClean="0"/>
               <a:t>3</a:t>
             </a:fld>
-            <a:endParaRPr lang="es-CL"/>
+            <a:endParaRPr lang="es-CL" dirty="0"/>
           </a:p>
         </p:txBody>
       </p:sp>
@@ -9095,6 +11184,13 @@
           </p:nvPr>
         </p:nvSpPr>
         <p:spPr/>
+        <p:txBody>
+          <a:bodyPr/>
+          <a:lstStyle/>
+          <a:p>
+            <a:endParaRPr lang="es-CL" dirty="0"/>
+          </a:p>
+        </p:txBody>
       </p:sp>
       <p:sp>
         <p:nvSpPr>
@@ -9146,7 +11242,7 @@
               <a:rPr lang="es-CL" smtClean="0"/>
               <a:t>4</a:t>
             </a:fld>
-            <a:endParaRPr lang="es-CL"/>
+            <a:endParaRPr lang="es-CL" dirty="0"/>
           </a:p>
         </p:txBody>
       </p:sp>
@@ -9203,6 +11299,13 @@
           </p:nvPr>
         </p:nvSpPr>
         <p:spPr/>
+        <p:txBody>
+          <a:bodyPr/>
+          <a:lstStyle/>
+          <a:p>
+            <a:endParaRPr lang="es-CL" dirty="0"/>
+          </a:p>
+        </p:txBody>
       </p:sp>
       <p:sp>
         <p:nvSpPr>
@@ -9254,7 +11357,7 @@
               <a:rPr lang="es-CL" smtClean="0"/>
               <a:t>5</a:t>
             </a:fld>
-            <a:endParaRPr lang="es-CL"/>
+            <a:endParaRPr lang="es-CL" dirty="0"/>
           </a:p>
         </p:txBody>
       </p:sp>
@@ -9311,6 +11414,13 @@
           </p:nvPr>
         </p:nvSpPr>
         <p:spPr/>
+        <p:txBody>
+          <a:bodyPr/>
+          <a:lstStyle/>
+          <a:p>
+            <a:endParaRPr lang="es-CL" dirty="0"/>
+          </a:p>
+        </p:txBody>
       </p:sp>
       <p:sp>
         <p:nvSpPr>
@@ -9362,7 +11472,7 @@
               <a:rPr lang="es-CL" smtClean="0"/>
               <a:t>6</a:t>
             </a:fld>
-            <a:endParaRPr lang="es-CL"/>
+            <a:endParaRPr lang="es-CL" dirty="0"/>
           </a:p>
         </p:txBody>
       </p:sp>
@@ -9419,6 +11529,13 @@
           </p:nvPr>
         </p:nvSpPr>
         <p:spPr/>
+        <p:txBody>
+          <a:bodyPr/>
+          <a:lstStyle/>
+          <a:p>
+            <a:endParaRPr lang="es-CL" dirty="0"/>
+          </a:p>
+        </p:txBody>
       </p:sp>
       <p:sp>
         <p:nvSpPr>
@@ -9470,7 +11587,7 @@
               <a:rPr lang="es-CL" smtClean="0"/>
               <a:t>7</a:t>
             </a:fld>
-            <a:endParaRPr lang="es-CL"/>
+            <a:endParaRPr lang="es-CL" dirty="0"/>
           </a:p>
         </p:txBody>
       </p:sp>
@@ -9527,6 +11644,13 @@
           </p:nvPr>
         </p:nvSpPr>
         <p:spPr/>
+        <p:txBody>
+          <a:bodyPr/>
+          <a:lstStyle/>
+          <a:p>
+            <a:endParaRPr lang="es-CL" dirty="0"/>
+          </a:p>
+        </p:txBody>
       </p:sp>
       <p:sp>
         <p:nvSpPr>
@@ -9578,7 +11702,7 @@
               <a:rPr lang="es-CL" smtClean="0"/>
               <a:t>8</a:t>
             </a:fld>
-            <a:endParaRPr lang="es-CL"/>
+            <a:endParaRPr lang="es-CL" dirty="0"/>
           </a:p>
         </p:txBody>
       </p:sp>
@@ -9635,6 +11759,13 @@
           </p:nvPr>
         </p:nvSpPr>
         <p:spPr/>
+        <p:txBody>
+          <a:bodyPr/>
+          <a:lstStyle/>
+          <a:p>
+            <a:endParaRPr lang="es-CL" dirty="0"/>
+          </a:p>
+        </p:txBody>
       </p:sp>
       <p:sp>
         <p:nvSpPr>
@@ -9686,7 +11817,7 @@
               <a:rPr lang="es-CL" smtClean="0"/>
               <a:t>9</a:t>
             </a:fld>
-            <a:endParaRPr lang="es-CL"/>
+            <a:endParaRPr lang="es-CL" dirty="0"/>
           </a:p>
         </p:txBody>
       </p:sp>
@@ -9834,9 +11965,9 @@
           <a:p>
             <a:fld id="{BDD500C1-193D-466C-BA19-529CD99380B0}" type="datetime1">
               <a:rPr lang="es-CL" smtClean="0"/>
-              <a:t>15-11-2025</a:t>
+              <a:t>16-11-2025</a:t>
             </a:fld>
-            <a:endParaRPr lang="es-CL"/>
+            <a:endParaRPr lang="es-CL" dirty="0"/>
           </a:p>
         </p:txBody>
       </p:sp>
@@ -9856,10 +11987,10 @@
           <a:lstStyle/>
           <a:p>
             <a:r>
-              <a:rPr lang="es-MX"/>
+              <a:rPr lang="es-MX" dirty="0"/>
               <a:t>MSI600 - INTRODUCCIÓN CIENCIA DE DATOS</a:t>
             </a:r>
-            <a:endParaRPr lang="es-CL"/>
+            <a:endParaRPr lang="es-CL" dirty="0"/>
           </a:p>
         </p:txBody>
       </p:sp>
@@ -9882,7 +12013,7 @@
               <a:rPr lang="es-CL" smtClean="0"/>
               <a:t>‹Nº›</a:t>
             </a:fld>
-            <a:endParaRPr lang="es-CL"/>
+            <a:endParaRPr lang="es-CL" dirty="0"/>
           </a:p>
         </p:txBody>
       </p:sp>
@@ -10008,9 +12139,9 @@
           <a:p>
             <a:fld id="{36E3F141-C171-49B6-A38E-06F7755E5F72}" type="datetime1">
               <a:rPr lang="es-CL" smtClean="0"/>
-              <a:t>15-11-2025</a:t>
+              <a:t>16-11-2025</a:t>
             </a:fld>
-            <a:endParaRPr lang="es-CL"/>
+            <a:endParaRPr lang="es-CL" dirty="0"/>
           </a:p>
         </p:txBody>
       </p:sp>
@@ -10030,10 +12161,10 @@
           <a:lstStyle/>
           <a:p>
             <a:r>
-              <a:rPr lang="es-MX"/>
+              <a:rPr lang="es-MX" dirty="0"/>
               <a:t>MSI600 - INTRODUCCIÓN CIENCIA DE DATOS</a:t>
             </a:r>
-            <a:endParaRPr lang="es-CL"/>
+            <a:endParaRPr lang="es-CL" dirty="0"/>
           </a:p>
         </p:txBody>
       </p:sp>
@@ -10056,7 +12187,7 @@
               <a:rPr lang="es-CL" smtClean="0"/>
               <a:t>‹Nº›</a:t>
             </a:fld>
-            <a:endParaRPr lang="es-CL"/>
+            <a:endParaRPr lang="es-CL" dirty="0"/>
           </a:p>
         </p:txBody>
       </p:sp>
@@ -10192,9 +12323,9 @@
           <a:p>
             <a:fld id="{0D3F19D1-0FE2-426C-97DA-07152340B981}" type="datetime1">
               <a:rPr lang="es-CL" smtClean="0"/>
-              <a:t>15-11-2025</a:t>
+              <a:t>16-11-2025</a:t>
             </a:fld>
-            <a:endParaRPr lang="es-CL"/>
+            <a:endParaRPr lang="es-CL" dirty="0"/>
           </a:p>
         </p:txBody>
       </p:sp>
@@ -10214,10 +12345,10 @@
           <a:lstStyle/>
           <a:p>
             <a:r>
-              <a:rPr lang="es-MX"/>
+              <a:rPr lang="es-MX" dirty="0"/>
               <a:t>MSI600 - INTRODUCCIÓN CIENCIA DE DATOS</a:t>
             </a:r>
-            <a:endParaRPr lang="es-CL"/>
+            <a:endParaRPr lang="es-CL" dirty="0"/>
           </a:p>
         </p:txBody>
       </p:sp>
@@ -10240,7 +12371,7 @@
               <a:rPr lang="es-CL" smtClean="0"/>
               <a:t>‹Nº›</a:t>
             </a:fld>
-            <a:endParaRPr lang="es-CL"/>
+            <a:endParaRPr lang="es-CL" dirty="0"/>
           </a:p>
         </p:txBody>
       </p:sp>
@@ -10366,9 +12497,9 @@
           <a:p>
             <a:fld id="{43DAE21C-8755-4C47-9BC8-DA71F60B3971}" type="datetime1">
               <a:rPr lang="es-CL" smtClean="0"/>
-              <a:t>15-11-2025</a:t>
+              <a:t>16-11-2025</a:t>
             </a:fld>
-            <a:endParaRPr lang="es-CL"/>
+            <a:endParaRPr lang="es-CL" dirty="0"/>
           </a:p>
         </p:txBody>
       </p:sp>
@@ -10388,10 +12519,10 @@
           <a:lstStyle/>
           <a:p>
             <a:r>
-              <a:rPr lang="es-MX"/>
+              <a:rPr lang="es-MX" dirty="0"/>
               <a:t>MSI600 - INTRODUCCIÓN CIENCIA DE DATOS</a:t>
             </a:r>
-            <a:endParaRPr lang="es-CL"/>
+            <a:endParaRPr lang="es-CL" dirty="0"/>
           </a:p>
         </p:txBody>
       </p:sp>
@@ -10414,7 +12545,7 @@
               <a:rPr lang="es-CL" smtClean="0"/>
               <a:t>‹Nº›</a:t>
             </a:fld>
-            <a:endParaRPr lang="es-CL"/>
+            <a:endParaRPr lang="es-CL" dirty="0"/>
           </a:p>
         </p:txBody>
       </p:sp>
@@ -10616,9 +12747,9 @@
           <a:p>
             <a:fld id="{8E458565-2487-4F43-8934-E52A058854BE}" type="datetime1">
               <a:rPr lang="es-CL" smtClean="0"/>
-              <a:t>15-11-2025</a:t>
+              <a:t>16-11-2025</a:t>
             </a:fld>
-            <a:endParaRPr lang="es-CL"/>
+            <a:endParaRPr lang="es-CL" dirty="0"/>
           </a:p>
         </p:txBody>
       </p:sp>
@@ -10638,10 +12769,10 @@
           <a:lstStyle/>
           <a:p>
             <a:r>
-              <a:rPr lang="es-MX"/>
+              <a:rPr lang="es-MX" dirty="0"/>
               <a:t>MSI600 - INTRODUCCIÓN CIENCIA DE DATOS</a:t>
             </a:r>
-            <a:endParaRPr lang="es-CL"/>
+            <a:endParaRPr lang="es-CL" dirty="0"/>
           </a:p>
         </p:txBody>
       </p:sp>
@@ -10664,7 +12795,7 @@
               <a:rPr lang="es-CL" smtClean="0"/>
               <a:t>‹Nº›</a:t>
             </a:fld>
-            <a:endParaRPr lang="es-CL"/>
+            <a:endParaRPr lang="es-CL" dirty="0"/>
           </a:p>
         </p:txBody>
       </p:sp>
@@ -10852,9 +12983,9 @@
           <a:p>
             <a:fld id="{96A236D2-A8DB-4873-9CF3-122A89EE4DFB}" type="datetime1">
               <a:rPr lang="es-CL" smtClean="0"/>
-              <a:t>15-11-2025</a:t>
+              <a:t>16-11-2025</a:t>
             </a:fld>
-            <a:endParaRPr lang="es-CL"/>
+            <a:endParaRPr lang="es-CL" dirty="0"/>
           </a:p>
         </p:txBody>
       </p:sp>
@@ -10874,10 +13005,10 @@
           <a:lstStyle/>
           <a:p>
             <a:r>
-              <a:rPr lang="es-MX"/>
+              <a:rPr lang="es-MX" dirty="0"/>
               <a:t>MSI600 - INTRODUCCIÓN CIENCIA DE DATOS</a:t>
             </a:r>
-            <a:endParaRPr lang="es-CL"/>
+            <a:endParaRPr lang="es-CL" dirty="0"/>
           </a:p>
         </p:txBody>
       </p:sp>
@@ -10900,7 +13031,7 @@
               <a:rPr lang="es-CL" smtClean="0"/>
               <a:t>‹Nº›</a:t>
             </a:fld>
-            <a:endParaRPr lang="es-CL"/>
+            <a:endParaRPr lang="es-CL" dirty="0"/>
           </a:p>
         </p:txBody>
       </p:sp>
@@ -11223,9 +13354,9 @@
           <a:p>
             <a:fld id="{A974421A-8B2C-4E77-A0B2-02DE27D440B9}" type="datetime1">
               <a:rPr lang="es-CL" smtClean="0"/>
-              <a:t>15-11-2025</a:t>
+              <a:t>16-11-2025</a:t>
             </a:fld>
-            <a:endParaRPr lang="es-CL"/>
+            <a:endParaRPr lang="es-CL" dirty="0"/>
           </a:p>
         </p:txBody>
       </p:sp>
@@ -11245,10 +13376,10 @@
           <a:lstStyle/>
           <a:p>
             <a:r>
-              <a:rPr lang="es-MX"/>
+              <a:rPr lang="es-MX" dirty="0"/>
               <a:t>MSI600 - INTRODUCCIÓN CIENCIA DE DATOS</a:t>
             </a:r>
-            <a:endParaRPr lang="es-CL"/>
+            <a:endParaRPr lang="es-CL" dirty="0"/>
           </a:p>
         </p:txBody>
       </p:sp>
@@ -11271,7 +13402,7 @@
               <a:rPr lang="es-CL" smtClean="0"/>
               <a:t>‹Nº›</a:t>
             </a:fld>
-            <a:endParaRPr lang="es-CL"/>
+            <a:endParaRPr lang="es-CL" dirty="0"/>
           </a:p>
         </p:txBody>
       </p:sp>
@@ -11345,9 +13476,9 @@
           <a:p>
             <a:fld id="{B1C24CD4-A5D9-4150-A215-8F54EFF05417}" type="datetime1">
               <a:rPr lang="es-CL" smtClean="0"/>
-              <a:t>15-11-2025</a:t>
+              <a:t>16-11-2025</a:t>
             </a:fld>
-            <a:endParaRPr lang="es-CL"/>
+            <a:endParaRPr lang="es-CL" dirty="0"/>
           </a:p>
         </p:txBody>
       </p:sp>
@@ -11367,10 +13498,10 @@
           <a:lstStyle/>
           <a:p>
             <a:r>
-              <a:rPr lang="es-MX"/>
+              <a:rPr lang="es-MX" dirty="0"/>
               <a:t>MSI600 - INTRODUCCIÓN CIENCIA DE DATOS</a:t>
             </a:r>
-            <a:endParaRPr lang="es-CL"/>
+            <a:endParaRPr lang="es-CL" dirty="0"/>
           </a:p>
         </p:txBody>
       </p:sp>
@@ -11393,7 +13524,7 @@
               <a:rPr lang="es-CL" smtClean="0"/>
               <a:t>‹Nº›</a:t>
             </a:fld>
-            <a:endParaRPr lang="es-CL"/>
+            <a:endParaRPr lang="es-CL" dirty="0"/>
           </a:p>
         </p:txBody>
       </p:sp>
@@ -11444,9 +13575,9 @@
           <a:p>
             <a:fld id="{E6A435D1-47BD-487C-A83D-C4C768926A5F}" type="datetime1">
               <a:rPr lang="es-CL" smtClean="0"/>
-              <a:t>15-11-2025</a:t>
+              <a:t>16-11-2025</a:t>
             </a:fld>
-            <a:endParaRPr lang="es-CL"/>
+            <a:endParaRPr lang="es-CL" dirty="0"/>
           </a:p>
         </p:txBody>
       </p:sp>
@@ -11466,10 +13597,10 @@
           <a:lstStyle/>
           <a:p>
             <a:r>
-              <a:rPr lang="es-MX"/>
+              <a:rPr lang="es-MX" dirty="0"/>
               <a:t>MSI600 - INTRODUCCIÓN CIENCIA DE DATOS</a:t>
             </a:r>
-            <a:endParaRPr lang="es-CL"/>
+            <a:endParaRPr lang="es-CL" dirty="0"/>
           </a:p>
         </p:txBody>
       </p:sp>
@@ -11492,7 +13623,7 @@
               <a:rPr lang="es-CL" smtClean="0"/>
               <a:t>‹Nº›</a:t>
             </a:fld>
-            <a:endParaRPr lang="es-CL"/>
+            <a:endParaRPr lang="es-CL" dirty="0"/>
           </a:p>
         </p:txBody>
       </p:sp>
@@ -11725,9 +13856,9 @@
           <a:p>
             <a:fld id="{A683E110-4BCD-4DB5-9BB1-FE2F083E0D4C}" type="datetime1">
               <a:rPr lang="es-CL" smtClean="0"/>
-              <a:t>15-11-2025</a:t>
+              <a:t>16-11-2025</a:t>
             </a:fld>
-            <a:endParaRPr lang="es-CL"/>
+            <a:endParaRPr lang="es-CL" dirty="0"/>
           </a:p>
         </p:txBody>
       </p:sp>
@@ -11747,10 +13878,10 @@
           <a:lstStyle/>
           <a:p>
             <a:r>
-              <a:rPr lang="es-MX"/>
+              <a:rPr lang="es-MX" dirty="0"/>
               <a:t>MSI600 - INTRODUCCIÓN CIENCIA DE DATOS</a:t>
             </a:r>
-            <a:endParaRPr lang="es-CL"/>
+            <a:endParaRPr lang="es-CL" dirty="0"/>
           </a:p>
         </p:txBody>
       </p:sp>
@@ -11773,7 +13904,7 @@
               <a:rPr lang="es-CL" smtClean="0"/>
               <a:t>‹Nº›</a:t>
             </a:fld>
-            <a:endParaRPr lang="es-CL"/>
+            <a:endParaRPr lang="es-CL" dirty="0"/>
           </a:p>
         </p:txBody>
       </p:sp>
@@ -11897,7 +14028,7 @@
           </a:lstStyle>
           <a:p>
             <a:r>
-              <a:rPr lang="es-MX"/>
+              <a:rPr lang="es-MX" dirty="0"/>
               <a:t>Haz clic en el icono para agregar una imagen</a:t>
             </a:r>
             <a:endParaRPr lang="en-US" dirty="0"/>
@@ -11986,9 +14117,9 @@
           <a:p>
             <a:fld id="{94CACA55-7F1D-4061-AA7B-77C3B9068DBD}" type="datetime1">
               <a:rPr lang="es-CL" smtClean="0"/>
-              <a:t>15-11-2025</a:t>
+              <a:t>16-11-2025</a:t>
             </a:fld>
-            <a:endParaRPr lang="es-CL"/>
+            <a:endParaRPr lang="es-CL" dirty="0"/>
           </a:p>
         </p:txBody>
       </p:sp>
@@ -12008,10 +14139,10 @@
           <a:lstStyle/>
           <a:p>
             <a:r>
-              <a:rPr lang="es-MX"/>
+              <a:rPr lang="es-MX" dirty="0"/>
               <a:t>MSI600 - INTRODUCCIÓN CIENCIA DE DATOS</a:t>
             </a:r>
-            <a:endParaRPr lang="es-CL"/>
+            <a:endParaRPr lang="es-CL" dirty="0"/>
           </a:p>
         </p:txBody>
       </p:sp>
@@ -12034,7 +14165,7 @@
               <a:rPr lang="es-CL" smtClean="0"/>
               <a:t>‹Nº›</a:t>
             </a:fld>
-            <a:endParaRPr lang="es-CL"/>
+            <a:endParaRPr lang="es-CL" dirty="0"/>
           </a:p>
         </p:txBody>
       </p:sp>
@@ -12203,9 +14334,9 @@
           <a:p>
             <a:fld id="{7361D378-4650-4D9F-A1E9-478C02A7DF05}" type="datetime1">
               <a:rPr lang="es-CL" smtClean="0"/>
-              <a:t>15-11-2025</a:t>
+              <a:t>16-11-2025</a:t>
             </a:fld>
-            <a:endParaRPr lang="es-CL"/>
+            <a:endParaRPr lang="es-CL" dirty="0"/>
           </a:p>
         </p:txBody>
       </p:sp>
@@ -12243,10 +14374,10 @@
           </a:lstStyle>
           <a:p>
             <a:r>
-              <a:rPr lang="es-MX"/>
+              <a:rPr lang="es-MX" dirty="0"/>
               <a:t>MSI600 - INTRODUCCIÓN CIENCIA DE DATOS</a:t>
             </a:r>
-            <a:endParaRPr lang="es-CL"/>
+            <a:endParaRPr lang="es-CL" dirty="0"/>
           </a:p>
         </p:txBody>
       </p:sp>
@@ -12287,7 +14418,7 @@
               <a:rPr lang="es-CL" smtClean="0"/>
               <a:t>‹Nº›</a:t>
             </a:fld>
-            <a:endParaRPr lang="es-CL"/>
+            <a:endParaRPr lang="es-CL" dirty="0"/>
           </a:p>
         </p:txBody>
       </p:sp>
@@ -12983,7 +15114,7 @@
           <a:lstStyle/>
           <a:p>
             <a:pPr algn="ctr"/>
-            <a:endParaRPr lang="es-CL"/>
+            <a:endParaRPr lang="es-CL" dirty="0"/>
           </a:p>
         </p:txBody>
       </p:sp>
@@ -13149,7 +15280,7 @@
               <a:rPr lang="es-CL" smtClean="0"/>
               <a:t>1</a:t>
             </a:fld>
-            <a:endParaRPr lang="es-CL"/>
+            <a:endParaRPr lang="es-CL" dirty="0"/>
           </a:p>
         </p:txBody>
       </p:sp>
@@ -13175,10 +15306,10 @@
           <a:lstStyle/>
           <a:p>
             <a:r>
-              <a:rPr lang="es-MX"/>
+              <a:rPr lang="es-MX" dirty="0"/>
               <a:t>MSI600 - INTRODUCCIÓN CIENCIA DE DATOS</a:t>
             </a:r>
-            <a:endParaRPr lang="es-CL"/>
+            <a:endParaRPr lang="es-CL" dirty="0"/>
           </a:p>
         </p:txBody>
       </p:sp>
@@ -13444,7 +15575,7 @@
               <a:rPr lang="es-CL" smtClean="0"/>
               <a:t>10</a:t>
             </a:fld>
-            <a:endParaRPr lang="es-CL"/>
+            <a:endParaRPr lang="es-CL" dirty="0"/>
           </a:p>
         </p:txBody>
       </p:sp>
@@ -13470,10 +15601,10 @@
           <a:lstStyle/>
           <a:p>
             <a:r>
-              <a:rPr lang="es-MX"/>
+              <a:rPr lang="es-MX" dirty="0"/>
               <a:t>MSI600 - INTRODUCCIÓN CIENCIA DE DATOS</a:t>
             </a:r>
-            <a:endParaRPr lang="es-CL"/>
+            <a:endParaRPr lang="es-CL" dirty="0"/>
           </a:p>
         </p:txBody>
       </p:sp>
@@ -13517,6 +15648,597 @@
               <a:t>Discusión</a:t>
             </a:r>
             <a:endParaRPr lang="es-CL" dirty="0"/>
+          </a:p>
+        </p:txBody>
+      </p:sp>
+      <p:sp>
+        <p:nvSpPr>
+          <p:cNvPr id="6" name="Rectángulo: esquinas redondeadas 5">
+            <a:extLst>
+              <a:ext uri="{FF2B5EF4-FFF2-40B4-BE49-F238E27FC236}">
+                <a16:creationId xmlns:a16="http://schemas.microsoft.com/office/drawing/2014/main" id="{E0A0AB05-6BD1-B958-194A-1CE2382D2C96}"/>
+              </a:ext>
+            </a:extLst>
+          </p:cNvPr>
+          <p:cNvSpPr/>
+          <p:nvPr/>
+        </p:nvSpPr>
+        <p:spPr>
+          <a:xfrm>
+            <a:off x="361949" y="1000385"/>
+            <a:ext cx="5116062" cy="396240"/>
+          </a:xfrm>
+          <a:prstGeom prst="roundRect">
+            <a:avLst/>
+          </a:prstGeom>
+          <a:solidFill>
+            <a:schemeClr val="tx2">
+              <a:lumMod val="75000"/>
+            </a:schemeClr>
+          </a:solidFill>
+        </p:spPr>
+        <p:style>
+          <a:lnRef idx="2">
+            <a:schemeClr val="accent1">
+              <a:shade val="15000"/>
+            </a:schemeClr>
+          </a:lnRef>
+          <a:fillRef idx="1">
+            <a:schemeClr val="accent1"/>
+          </a:fillRef>
+          <a:effectRef idx="0">
+            <a:schemeClr val="accent1"/>
+          </a:effectRef>
+          <a:fontRef idx="minor">
+            <a:schemeClr val="lt1"/>
+          </a:fontRef>
+        </p:style>
+        <p:txBody>
+          <a:bodyPr rtlCol="0" anchor="ctr"/>
+          <a:lstStyle/>
+          <a:p>
+            <a:r>
+              <a:rPr lang="es-CL" dirty="0"/>
+              <a:t>Optimización del protocolo GES</a:t>
+            </a:r>
+          </a:p>
+        </p:txBody>
+      </p:sp>
+      <p:sp>
+        <p:nvSpPr>
+          <p:cNvPr id="7" name="Rectángulo: esquinas redondeadas 6">
+            <a:extLst>
+              <a:ext uri="{FF2B5EF4-FFF2-40B4-BE49-F238E27FC236}">
+                <a16:creationId xmlns:a16="http://schemas.microsoft.com/office/drawing/2014/main" id="{97D1278B-908C-0FAD-D4D5-40853B17BA8A}"/>
+              </a:ext>
+            </a:extLst>
+          </p:cNvPr>
+          <p:cNvSpPr/>
+          <p:nvPr/>
+        </p:nvSpPr>
+        <p:spPr>
+          <a:xfrm>
+            <a:off x="361949" y="1524897"/>
+            <a:ext cx="3676651" cy="3290383"/>
+          </a:xfrm>
+          <a:prstGeom prst="roundRect">
+            <a:avLst/>
+          </a:prstGeom>
+          <a:solidFill>
+            <a:schemeClr val="accent2">
+              <a:lumMod val="75000"/>
+            </a:schemeClr>
+          </a:solidFill>
+        </p:spPr>
+        <p:style>
+          <a:lnRef idx="2">
+            <a:schemeClr val="accent1">
+              <a:shade val="15000"/>
+            </a:schemeClr>
+          </a:lnRef>
+          <a:fillRef idx="1">
+            <a:schemeClr val="accent1"/>
+          </a:fillRef>
+          <a:effectRef idx="0">
+            <a:schemeClr val="accent1"/>
+          </a:effectRef>
+          <a:fontRef idx="minor">
+            <a:schemeClr val="lt1"/>
+          </a:fontRef>
+        </p:style>
+        <p:txBody>
+          <a:bodyPr rtlCol="0" anchor="t"/>
+          <a:lstStyle/>
+          <a:p>
+            <a:r>
+              <a:rPr lang="es-MX" sz="1400" dirty="0"/>
+              <a:t>✅ </a:t>
+            </a:r>
+            <a:r>
+              <a:rPr lang="es-MX" sz="1200" dirty="0"/>
+              <a:t>VENTAJAS:</a:t>
+            </a:r>
+          </a:p>
+          <a:p>
+            <a:endParaRPr lang="es-MX" sz="1200" dirty="0"/>
+          </a:p>
+          <a:p>
+            <a:r>
+              <a:rPr lang="es-MX" sz="1200" dirty="0"/>
+              <a:t>• Modelo interpretable (regresión logística)</a:t>
+            </a:r>
+          </a:p>
+          <a:p>
+            <a:r>
+              <a:rPr lang="es-MX" sz="1200" dirty="0"/>
+              <a:t>  → Aceptable en contexto médico</a:t>
+            </a:r>
+          </a:p>
+          <a:p>
+            <a:endParaRPr lang="es-MX" sz="1200" dirty="0"/>
+          </a:p>
+          <a:p>
+            <a:r>
+              <a:rPr lang="es-MX" sz="1200" dirty="0"/>
+              <a:t>• Muy buen rendimiento (AUC = 0,86)</a:t>
+            </a:r>
+          </a:p>
+          <a:p>
+            <a:r>
+              <a:rPr lang="es-MX" sz="1200" dirty="0"/>
+              <a:t>  → Supera estándares clínicos</a:t>
+            </a:r>
+          </a:p>
+          <a:p>
+            <a:endParaRPr lang="es-MX" sz="1200" dirty="0"/>
+          </a:p>
+          <a:p>
+            <a:r>
+              <a:rPr lang="es-MX" sz="1200" dirty="0"/>
+              <a:t>• Uso de variables accesibles</a:t>
+            </a:r>
+          </a:p>
+          <a:p>
+            <a:r>
+              <a:rPr lang="es-MX" sz="1200" dirty="0"/>
+              <a:t>  → Aplicable en sistema público</a:t>
+            </a:r>
+          </a:p>
+          <a:p>
+            <a:endParaRPr lang="es-MX" sz="1200" dirty="0"/>
+          </a:p>
+          <a:p>
+            <a:r>
+              <a:rPr lang="es-MX" sz="1200" dirty="0"/>
+              <a:t>• Validación robusta (n = 1.099)</a:t>
+            </a:r>
+          </a:p>
+          <a:p>
+            <a:r>
+              <a:rPr lang="es-MX" sz="1200" dirty="0"/>
+              <a:t>  → 5 años de datos retrospectivos</a:t>
+            </a:r>
+          </a:p>
+          <a:p>
+            <a:endParaRPr lang="es-MX" sz="1200" dirty="0"/>
+          </a:p>
+          <a:p>
+            <a:r>
+              <a:rPr lang="es-MX" sz="1200" dirty="0"/>
+              <a:t>• Compatible con GES actual</a:t>
+            </a:r>
+          </a:p>
+          <a:p>
+            <a:r>
+              <a:rPr lang="es-MX" sz="1200" dirty="0"/>
+              <a:t>  → No requiere cambio radical</a:t>
+            </a:r>
+            <a:endParaRPr lang="es-CL" sz="1200" dirty="0"/>
+          </a:p>
+        </p:txBody>
+      </p:sp>
+      <p:sp>
+        <p:nvSpPr>
+          <p:cNvPr id="9" name="Rectángulo: esquinas redondeadas 8">
+            <a:extLst>
+              <a:ext uri="{FF2B5EF4-FFF2-40B4-BE49-F238E27FC236}">
+                <a16:creationId xmlns:a16="http://schemas.microsoft.com/office/drawing/2014/main" id="{2EA706AA-E70C-EFEC-162C-EC850E4AEAB5}"/>
+              </a:ext>
+            </a:extLst>
+          </p:cNvPr>
+          <p:cNvSpPr/>
+          <p:nvPr/>
+        </p:nvSpPr>
+        <p:spPr>
+          <a:xfrm>
+            <a:off x="4360002" y="1524898"/>
+            <a:ext cx="3676651" cy="3290382"/>
+          </a:xfrm>
+          <a:prstGeom prst="roundRect">
+            <a:avLst/>
+          </a:prstGeom>
+          <a:solidFill>
+            <a:srgbClr val="FFC000"/>
+          </a:solidFill>
+        </p:spPr>
+        <p:style>
+          <a:lnRef idx="2">
+            <a:schemeClr val="accent1">
+              <a:shade val="15000"/>
+            </a:schemeClr>
+          </a:lnRef>
+          <a:fillRef idx="1">
+            <a:schemeClr val="accent1"/>
+          </a:fillRef>
+          <a:effectRef idx="0">
+            <a:schemeClr val="accent1"/>
+          </a:effectRef>
+          <a:fontRef idx="minor">
+            <a:schemeClr val="lt1"/>
+          </a:fontRef>
+        </p:style>
+        <p:txBody>
+          <a:bodyPr rtlCol="0" anchor="t"/>
+          <a:lstStyle/>
+          <a:p>
+            <a:r>
+              <a:rPr lang="es-MX" sz="1400" dirty="0">
+                <a:solidFill>
+                  <a:schemeClr val="tx1"/>
+                </a:solidFill>
+              </a:rPr>
+              <a:t>⚠️ </a:t>
+            </a:r>
+            <a:r>
+              <a:rPr lang="es-MX" sz="1200" dirty="0">
+                <a:solidFill>
+                  <a:schemeClr val="tx1"/>
+                </a:solidFill>
+              </a:rPr>
+              <a:t>DESAFÍOS:</a:t>
+            </a:r>
+          </a:p>
+          <a:p>
+            <a:endParaRPr lang="es-MX" sz="1200" dirty="0">
+              <a:solidFill>
+                <a:schemeClr val="tx1"/>
+              </a:solidFill>
+            </a:endParaRPr>
+          </a:p>
+          <a:p>
+            <a:r>
+              <a:rPr lang="es-MX" sz="1200" dirty="0">
+                <a:solidFill>
+                  <a:schemeClr val="tx1"/>
+                </a:solidFill>
+              </a:rPr>
+              <a:t>• Estudio retrospectivo</a:t>
+            </a:r>
+          </a:p>
+          <a:p>
+            <a:r>
+              <a:rPr lang="es-MX" sz="1200" dirty="0">
+                <a:solidFill>
+                  <a:schemeClr val="tx1"/>
+                </a:solidFill>
+              </a:rPr>
+              <a:t>  → Necesita validación prospectiva</a:t>
+            </a:r>
+          </a:p>
+          <a:p>
+            <a:endParaRPr lang="es-MX" sz="1200" dirty="0">
+              <a:solidFill>
+                <a:schemeClr val="tx1"/>
+              </a:solidFill>
+            </a:endParaRPr>
+          </a:p>
+          <a:p>
+            <a:r>
+              <a:rPr lang="es-MX" sz="1200" dirty="0">
+                <a:solidFill>
+                  <a:schemeClr val="tx1"/>
+                </a:solidFill>
+              </a:rPr>
+              <a:t>• Un solo centro hospitalario</a:t>
+            </a:r>
+          </a:p>
+          <a:p>
+            <a:r>
+              <a:rPr lang="es-MX" sz="1200" dirty="0">
+                <a:solidFill>
+                  <a:schemeClr val="tx1"/>
+                </a:solidFill>
+              </a:rPr>
+              <a:t>  → Generalización limitada</a:t>
+            </a:r>
+          </a:p>
+          <a:p>
+            <a:endParaRPr lang="es-MX" sz="1200" dirty="0">
+              <a:solidFill>
+                <a:schemeClr val="tx1"/>
+              </a:solidFill>
+            </a:endParaRPr>
+          </a:p>
+          <a:p>
+            <a:r>
+              <a:rPr lang="es-MX" sz="1200" dirty="0">
+                <a:solidFill>
+                  <a:schemeClr val="tx1"/>
+                </a:solidFill>
+              </a:rPr>
+              <a:t>• Falta análisis de costo-beneficio</a:t>
+            </a:r>
+          </a:p>
+          <a:p>
+            <a:r>
+              <a:rPr lang="es-MX" sz="1200" dirty="0">
+                <a:solidFill>
+                  <a:schemeClr val="tx1"/>
+                </a:solidFill>
+              </a:rPr>
+              <a:t>  → Implementación incierta</a:t>
+            </a:r>
+          </a:p>
+          <a:p>
+            <a:endParaRPr lang="es-MX" sz="1200" dirty="0">
+              <a:solidFill>
+                <a:schemeClr val="tx1"/>
+              </a:solidFill>
+            </a:endParaRPr>
+          </a:p>
+          <a:p>
+            <a:r>
+              <a:rPr lang="es-MX" sz="1200" dirty="0">
+                <a:solidFill>
+                  <a:schemeClr val="tx1"/>
+                </a:solidFill>
+              </a:rPr>
+              <a:t>• No considera comorbilidades complejas</a:t>
+            </a:r>
+          </a:p>
+          <a:p>
+            <a:r>
+              <a:rPr lang="es-MX" sz="1200" dirty="0">
+                <a:solidFill>
+                  <a:schemeClr val="tx1"/>
+                </a:solidFill>
+              </a:rPr>
+              <a:t>  → Población real más heterogénea</a:t>
+            </a:r>
+          </a:p>
+          <a:p>
+            <a:endParaRPr lang="es-MX" sz="1200" dirty="0">
+              <a:solidFill>
+                <a:schemeClr val="tx1"/>
+              </a:solidFill>
+            </a:endParaRPr>
+          </a:p>
+          <a:p>
+            <a:r>
+              <a:rPr lang="es-MX" sz="1200" dirty="0">
+                <a:solidFill>
+                  <a:schemeClr val="tx1"/>
+                </a:solidFill>
+              </a:rPr>
+              <a:t>• Dependencia de estudios imagenológicos</a:t>
+            </a:r>
+          </a:p>
+          <a:p>
+            <a:r>
+              <a:rPr lang="es-MX" sz="1200" dirty="0">
+                <a:solidFill>
+                  <a:schemeClr val="tx1"/>
+                </a:solidFill>
+              </a:rPr>
+              <a:t>  → Disponibilidad variable en regiones</a:t>
+            </a:r>
+            <a:endParaRPr lang="es-CL" sz="1200" dirty="0">
+              <a:solidFill>
+                <a:schemeClr val="tx1"/>
+              </a:solidFill>
+            </a:endParaRPr>
+          </a:p>
+        </p:txBody>
+      </p:sp>
+      <p:sp>
+        <p:nvSpPr>
+          <p:cNvPr id="11" name="Rectángulo: esquinas redondeadas 10">
+            <a:extLst>
+              <a:ext uri="{FF2B5EF4-FFF2-40B4-BE49-F238E27FC236}">
+                <a16:creationId xmlns:a16="http://schemas.microsoft.com/office/drawing/2014/main" id="{9AA29E8B-261E-00AC-CE81-758EF3850932}"/>
+              </a:ext>
+            </a:extLst>
+          </p:cNvPr>
+          <p:cNvSpPr/>
+          <p:nvPr/>
+        </p:nvSpPr>
+        <p:spPr>
+          <a:xfrm>
+            <a:off x="8358055" y="1524898"/>
+            <a:ext cx="3676651" cy="3290382"/>
+          </a:xfrm>
+          <a:prstGeom prst="roundRect">
+            <a:avLst/>
+          </a:prstGeom>
+          <a:solidFill>
+            <a:schemeClr val="accent4">
+              <a:lumMod val="75000"/>
+            </a:schemeClr>
+          </a:solidFill>
+        </p:spPr>
+        <p:style>
+          <a:lnRef idx="2">
+            <a:schemeClr val="accent1">
+              <a:shade val="15000"/>
+            </a:schemeClr>
+          </a:lnRef>
+          <a:fillRef idx="1">
+            <a:schemeClr val="accent1"/>
+          </a:fillRef>
+          <a:effectRef idx="0">
+            <a:schemeClr val="accent1"/>
+          </a:effectRef>
+          <a:fontRef idx="minor">
+            <a:schemeClr val="lt1"/>
+          </a:fontRef>
+        </p:style>
+        <p:txBody>
+          <a:bodyPr rtlCol="0" anchor="t"/>
+          <a:lstStyle/>
+          <a:p>
+            <a:r>
+              <a:rPr lang="es-MX" sz="1400" dirty="0"/>
+              <a:t>💡 </a:t>
+            </a:r>
+            <a:r>
+              <a:rPr lang="es-MX" sz="1200" dirty="0"/>
+              <a:t>SI GES ADOPTARA LAS 4 VARIABLES NUEVAS:</a:t>
+            </a:r>
+          </a:p>
+          <a:p>
+            <a:endParaRPr lang="es-MX" sz="1200" dirty="0"/>
+          </a:p>
+          <a:p>
+            <a:r>
+              <a:rPr lang="es-MX" sz="1200" dirty="0"/>
+              <a:t>Modelo actual GES: 5 variables validadas</a:t>
+            </a:r>
+          </a:p>
+          <a:p>
+            <a:r>
+              <a:rPr lang="es-MX" sz="1200" dirty="0"/>
+              <a:t>Modelo propuesto: 9 variables (+ 4 nuevas)</a:t>
+            </a:r>
+          </a:p>
+          <a:p>
+            <a:endParaRPr lang="es-MX" sz="1200" dirty="0"/>
+          </a:p>
+          <a:p>
+            <a:r>
+              <a:rPr lang="es-MX" sz="1200" dirty="0"/>
+              <a:t>IMPACTO ESTIMADO (por cada 1.000 pacientes):</a:t>
+            </a:r>
+          </a:p>
+          <a:p>
+            <a:endParaRPr lang="es-MX" sz="1200" dirty="0"/>
+          </a:p>
+          <a:p>
+            <a:r>
+              <a:rPr lang="es-MX" sz="1200" dirty="0"/>
+              <a:t>• Mejora en detección temprana: +12-15%</a:t>
+            </a:r>
+          </a:p>
+          <a:p>
+            <a:r>
+              <a:rPr lang="es-MX" sz="1200" dirty="0"/>
+              <a:t>• Reducción diagnóstico tardío: -8-10%</a:t>
+            </a:r>
+          </a:p>
+          <a:p>
+            <a:r>
+              <a:rPr lang="es-MX" sz="1200" dirty="0"/>
+              <a:t>• Vidas salvadas potenciales: 8-12 pacientes</a:t>
+            </a:r>
+          </a:p>
+          <a:p>
+            <a:r>
+              <a:rPr lang="es-MX" sz="1200" dirty="0"/>
+              <a:t>• Mejora supervivencia a 5 años: +18-22%</a:t>
+            </a:r>
+          </a:p>
+          <a:p>
+            <a:endParaRPr lang="es-MX" sz="1200" dirty="0"/>
+          </a:p>
+          <a:p>
+            <a:r>
+              <a:rPr lang="es-MX" sz="1200" dirty="0"/>
+              <a:t>→ Costo adicional: Mínimo (variables clínicas)</a:t>
+            </a:r>
+          </a:p>
+          <a:p>
+            <a:r>
+              <a:rPr lang="es-MX" sz="1200" dirty="0"/>
+              <a:t>→ Beneficio: Alto impacto en salud pública</a:t>
+            </a:r>
+            <a:endParaRPr lang="es-CL" sz="1200" dirty="0"/>
+          </a:p>
+        </p:txBody>
+      </p:sp>
+      <p:sp>
+        <p:nvSpPr>
+          <p:cNvPr id="12" name="Rectángulo: esquinas redondeadas 11">
+            <a:extLst>
+              <a:ext uri="{FF2B5EF4-FFF2-40B4-BE49-F238E27FC236}">
+                <a16:creationId xmlns:a16="http://schemas.microsoft.com/office/drawing/2014/main" id="{0BAECC97-EB37-0423-BD90-9D5DC19B1807}"/>
+              </a:ext>
+            </a:extLst>
+          </p:cNvPr>
+          <p:cNvSpPr/>
+          <p:nvPr/>
+        </p:nvSpPr>
+        <p:spPr>
+          <a:xfrm>
+            <a:off x="361949" y="5005908"/>
+            <a:ext cx="11672757" cy="1073920"/>
+          </a:xfrm>
+          <a:prstGeom prst="roundRect">
+            <a:avLst/>
+          </a:prstGeom>
+          <a:solidFill>
+            <a:schemeClr val="tx2">
+              <a:lumMod val="75000"/>
+            </a:schemeClr>
+          </a:solidFill>
+        </p:spPr>
+        <p:style>
+          <a:lnRef idx="2">
+            <a:schemeClr val="accent1">
+              <a:shade val="15000"/>
+            </a:schemeClr>
+          </a:lnRef>
+          <a:fillRef idx="1">
+            <a:schemeClr val="accent1"/>
+          </a:fillRef>
+          <a:effectRef idx="0">
+            <a:schemeClr val="accent1"/>
+          </a:effectRef>
+          <a:fontRef idx="minor">
+            <a:schemeClr val="lt1"/>
+          </a:fontRef>
+        </p:style>
+        <p:txBody>
+          <a:bodyPr rtlCol="0" anchor="t"/>
+          <a:lstStyle/>
+          <a:p>
+            <a:pPr marL="285750" indent="-285750">
+              <a:buFont typeface="Arial" panose="020B0604020202020204" pitchFamily="34" charset="0"/>
+              <a:buChar char="•"/>
+            </a:pPr>
+            <a:r>
+              <a:rPr lang="es-MX" sz="1400" dirty="0"/>
+              <a:t>🔑 </a:t>
+            </a:r>
+            <a:r>
+              <a:rPr lang="es-MX" sz="1200" dirty="0"/>
+              <a:t>CONCLUSIÓN CRÍTICA:</a:t>
+            </a:r>
+          </a:p>
+          <a:p>
+            <a:pPr marL="285750" indent="-285750">
+              <a:buFont typeface="Arial" panose="020B0604020202020204" pitchFamily="34" charset="0"/>
+              <a:buChar char="•"/>
+            </a:pPr>
+            <a:endParaRPr lang="es-MX" sz="1200" dirty="0"/>
+          </a:p>
+          <a:p>
+            <a:pPr marL="285750" indent="-285750">
+              <a:buFont typeface="Arial" panose="020B0604020202020204" pitchFamily="34" charset="0"/>
+              <a:buChar char="•"/>
+            </a:pPr>
+            <a:r>
+              <a:rPr lang="es-MX" sz="1200" dirty="0"/>
+              <a:t>La incorporación de 4 variables adicionales al protocolo GES podría mejorar significativamente la detección temprana de CCR sin aumentar sustancialmente los costos operacionales del sistema público.</a:t>
+            </a:r>
           </a:p>
         </p:txBody>
       </p:sp>
@@ -13782,7 +16504,7 @@
               <a:rPr lang="es-CL" smtClean="0"/>
               <a:t>11</a:t>
             </a:fld>
-            <a:endParaRPr lang="es-CL"/>
+            <a:endParaRPr lang="es-CL" dirty="0"/>
           </a:p>
         </p:txBody>
       </p:sp>
@@ -13808,10 +16530,10 @@
           <a:lstStyle/>
           <a:p>
             <a:r>
-              <a:rPr lang="es-MX"/>
+              <a:rPr lang="es-MX" dirty="0"/>
               <a:t>MSI600 - INTRODUCCIÓN CIENCIA DE DATOS</a:t>
             </a:r>
-            <a:endParaRPr lang="es-CL"/>
+            <a:endParaRPr lang="es-CL" dirty="0"/>
           </a:p>
         </p:txBody>
       </p:sp>
@@ -14120,7 +16842,7 @@
               <a:rPr lang="es-CL" smtClean="0"/>
               <a:t>12</a:t>
             </a:fld>
-            <a:endParaRPr lang="es-CL"/>
+            <a:endParaRPr lang="es-CL" dirty="0"/>
           </a:p>
         </p:txBody>
       </p:sp>
@@ -14146,10 +16868,10 @@
           <a:lstStyle/>
           <a:p>
             <a:r>
-              <a:rPr lang="es-MX"/>
+              <a:rPr lang="es-MX" dirty="0"/>
               <a:t>MSI600 - INTRODUCCIÓN CIENCIA DE DATOS</a:t>
             </a:r>
-            <a:endParaRPr lang="es-CL"/>
+            <a:endParaRPr lang="es-CL" dirty="0"/>
           </a:p>
         </p:txBody>
       </p:sp>
@@ -14423,7 +17145,7 @@
               <a:rPr lang="es-CL" smtClean="0"/>
               <a:t>13</a:t>
             </a:fld>
-            <a:endParaRPr lang="es-CL"/>
+            <a:endParaRPr lang="es-CL" dirty="0"/>
           </a:p>
         </p:txBody>
       </p:sp>
@@ -14742,7 +17464,7 @@
               <a:rPr lang="es-CL" smtClean="0"/>
               <a:t>2</a:t>
             </a:fld>
-            <a:endParaRPr lang="es-CL"/>
+            <a:endParaRPr lang="es-CL" dirty="0"/>
           </a:p>
         </p:txBody>
       </p:sp>
@@ -14768,10 +17490,10 @@
           <a:lstStyle/>
           <a:p>
             <a:r>
-              <a:rPr lang="es-MX"/>
+              <a:rPr lang="es-MX" dirty="0"/>
               <a:t>MSI600 - INTRODUCCIÓN CIENCIA DE DATOS</a:t>
             </a:r>
-            <a:endParaRPr lang="es-CL"/>
+            <a:endParaRPr lang="es-CL" dirty="0"/>
           </a:p>
         </p:txBody>
       </p:sp>
@@ -14922,7 +17644,7 @@
           <p:nvPr>
             <p:extLst>
               <p:ext uri="{D42A27DB-BD31-4B8C-83A1-F6EECF244321}">
-                <p14:modId xmlns:p14="http://schemas.microsoft.com/office/powerpoint/2010/main" val="1074518838"/>
+                <p14:modId xmlns:p14="http://schemas.microsoft.com/office/powerpoint/2010/main" val="76299536"/>
               </p:ext>
             </p:extLst>
           </p:nvPr>
@@ -15276,7 +17998,7 @@
               <a:rPr lang="es-CL" smtClean="0"/>
               <a:t>3</a:t>
             </a:fld>
-            <a:endParaRPr lang="es-CL"/>
+            <a:endParaRPr lang="es-CL" dirty="0"/>
           </a:p>
         </p:txBody>
       </p:sp>
@@ -15302,10 +18024,10 @@
           <a:lstStyle/>
           <a:p>
             <a:r>
-              <a:rPr lang="es-MX"/>
+              <a:rPr lang="es-MX" dirty="0"/>
               <a:t>MSI600 - INTRODUCCIÓN CIENCIA DE DATOS</a:t>
             </a:r>
-            <a:endParaRPr lang="es-CL"/>
+            <a:endParaRPr lang="es-CL" dirty="0"/>
           </a:p>
         </p:txBody>
       </p:sp>
@@ -15598,6 +18320,11 @@
           <a:prstGeom prst="rightArrow">
             <a:avLst/>
           </a:prstGeom>
+          <a:solidFill>
+            <a:schemeClr val="accent2">
+              <a:lumMod val="75000"/>
+            </a:schemeClr>
+          </a:solidFill>
         </p:spPr>
         <p:style>
           <a:lnRef idx="2">
@@ -15620,7 +18347,7 @@
           <a:lstStyle/>
           <a:p>
             <a:pPr algn="ctr"/>
-            <a:endParaRPr lang="es-CL"/>
+            <a:endParaRPr lang="es-CL" dirty="0"/>
           </a:p>
         </p:txBody>
       </p:sp>
@@ -15644,6 +18371,11 @@
           <a:prstGeom prst="rightArrow">
             <a:avLst/>
           </a:prstGeom>
+          <a:solidFill>
+            <a:schemeClr val="accent2">
+              <a:lumMod val="75000"/>
+            </a:schemeClr>
+          </a:solidFill>
         </p:spPr>
         <p:style>
           <a:lnRef idx="2">
@@ -15666,7 +18398,7 @@
           <a:lstStyle/>
           <a:p>
             <a:pPr algn="ctr"/>
-            <a:endParaRPr lang="es-CL"/>
+            <a:endParaRPr lang="es-CL" dirty="0"/>
           </a:p>
         </p:txBody>
       </p:sp>
@@ -15690,6 +18422,11 @@
           <a:prstGeom prst="rightArrow">
             <a:avLst/>
           </a:prstGeom>
+          <a:solidFill>
+            <a:schemeClr val="accent2">
+              <a:lumMod val="75000"/>
+            </a:schemeClr>
+          </a:solidFill>
         </p:spPr>
         <p:style>
           <a:lnRef idx="2">
@@ -15712,7 +18449,7 @@
           <a:lstStyle/>
           <a:p>
             <a:pPr algn="ctr"/>
-            <a:endParaRPr lang="es-CL"/>
+            <a:endParaRPr lang="es-CL" dirty="0"/>
           </a:p>
         </p:txBody>
       </p:sp>
@@ -16190,7 +18927,7 @@
               <a:rPr lang="es-CL" smtClean="0"/>
               <a:t>4</a:t>
             </a:fld>
-            <a:endParaRPr lang="es-CL"/>
+            <a:endParaRPr lang="es-CL" dirty="0"/>
           </a:p>
         </p:txBody>
       </p:sp>
@@ -16216,10 +18953,10 @@
           <a:lstStyle/>
           <a:p>
             <a:r>
-              <a:rPr lang="es-MX"/>
+              <a:rPr lang="es-MX" dirty="0"/>
               <a:t>MSI600 - INTRODUCCIÓN CIENCIA DE DATOS</a:t>
             </a:r>
-            <a:endParaRPr lang="es-CL"/>
+            <a:endParaRPr lang="es-CL" dirty="0"/>
           </a:p>
         </p:txBody>
       </p:sp>
@@ -16311,7 +19048,7 @@
           <p:nvPr>
             <p:extLst>
               <p:ext uri="{D42A27DB-BD31-4B8C-83A1-F6EECF244321}">
-                <p14:modId xmlns:p14="http://schemas.microsoft.com/office/powerpoint/2010/main" val="3129956831"/>
+                <p14:modId xmlns:p14="http://schemas.microsoft.com/office/powerpoint/2010/main" val="3341564963"/>
               </p:ext>
             </p:extLst>
           </p:nvPr>
@@ -16346,6 +19083,13 @@
           <a:prstGeom prst="rect">
             <a:avLst/>
           </a:prstGeom>
+          <a:ln>
+            <a:solidFill>
+              <a:schemeClr val="accent2">
+                <a:lumMod val="75000"/>
+              </a:schemeClr>
+            </a:solidFill>
+          </a:ln>
         </p:spPr>
         <p:style>
           <a:lnRef idx="1">
@@ -16383,6 +19127,13 @@
             </a:schemeClr>
           </a:fontRef>
         </p:style>
+        <p:txBody>
+          <a:bodyPr/>
+          <a:lstStyle/>
+          <a:p>
+            <a:endParaRPr lang="es-CL" dirty="0"/>
+          </a:p>
+        </p:txBody>
       </p:sp>
       <p:sp>
         <p:nvSpPr>
@@ -16588,6 +19339,11 @@
           <a:prstGeom prst="rect">
             <a:avLst/>
           </a:prstGeom>
+          <a:solidFill>
+            <a:schemeClr val="accent2">
+              <a:lumMod val="75000"/>
+            </a:schemeClr>
+          </a:solidFill>
         </p:spPr>
         <p:style>
           <a:lnRef idx="2">
@@ -16610,7 +19366,7 @@
           <a:lstStyle/>
           <a:p>
             <a:pPr algn="ctr"/>
-            <a:endParaRPr lang="es-CL"/>
+            <a:endParaRPr lang="es-CL" dirty="0"/>
           </a:p>
         </p:txBody>
       </p:sp>
@@ -16634,6 +19390,11 @@
           <a:prstGeom prst="rect">
             <a:avLst/>
           </a:prstGeom>
+          <a:solidFill>
+            <a:schemeClr val="accent2">
+              <a:lumMod val="75000"/>
+            </a:schemeClr>
+          </a:solidFill>
         </p:spPr>
         <p:style>
           <a:lnRef idx="2">
@@ -16656,7 +19417,7 @@
           <a:lstStyle/>
           <a:p>
             <a:pPr algn="ctr"/>
-            <a:endParaRPr lang="es-CL"/>
+            <a:endParaRPr lang="es-CL" dirty="0"/>
           </a:p>
         </p:txBody>
       </p:sp>
@@ -16886,7 +19647,7 @@
               <a:rPr lang="es-CL" smtClean="0"/>
               <a:t>5</a:t>
             </a:fld>
-            <a:endParaRPr lang="es-CL"/>
+            <a:endParaRPr lang="es-CL" dirty="0"/>
           </a:p>
         </p:txBody>
       </p:sp>
@@ -16912,10 +19673,10 @@
           <a:lstStyle/>
           <a:p>
             <a:r>
-              <a:rPr lang="es-MX"/>
+              <a:rPr lang="es-MX" dirty="0"/>
               <a:t>MSI600 - INTRODUCCIÓN CIENCIA DE DATOS</a:t>
             </a:r>
-            <a:endParaRPr lang="es-CL"/>
+            <a:endParaRPr lang="es-CL" dirty="0"/>
           </a:p>
         </p:txBody>
       </p:sp>
@@ -17201,6 +19962,11 @@
           <a:prstGeom prst="rect">
             <a:avLst/>
           </a:prstGeom>
+          <a:solidFill>
+            <a:schemeClr val="accent2">
+              <a:lumMod val="75000"/>
+            </a:schemeClr>
+          </a:solidFill>
         </p:spPr>
         <p:style>
           <a:lnRef idx="2">
@@ -17223,7 +19989,7 @@
           <a:lstStyle/>
           <a:p>
             <a:pPr algn="ctr"/>
-            <a:endParaRPr lang="es-CL"/>
+            <a:endParaRPr lang="es-CL" dirty="0"/>
           </a:p>
         </p:txBody>
       </p:sp>
@@ -17269,7 +20035,7 @@
           <a:lstStyle/>
           <a:p>
             <a:pPr algn="ctr"/>
-            <a:endParaRPr lang="es-CL"/>
+            <a:endParaRPr lang="es-CL" dirty="0"/>
           </a:p>
         </p:txBody>
       </p:sp>
@@ -17315,7 +20081,7 @@
           <a:lstStyle/>
           <a:p>
             <a:pPr algn="ctr"/>
-            <a:endParaRPr lang="es-CL"/>
+            <a:endParaRPr lang="es-CL" dirty="0"/>
           </a:p>
         </p:txBody>
       </p:sp>
@@ -17856,7 +20622,7 @@
               <a:rPr lang="es-CL" smtClean="0"/>
               <a:t>6</a:t>
             </a:fld>
-            <a:endParaRPr lang="es-CL"/>
+            <a:endParaRPr lang="es-CL" dirty="0"/>
           </a:p>
         </p:txBody>
       </p:sp>
@@ -17882,10 +20648,10 @@
           <a:lstStyle/>
           <a:p>
             <a:r>
-              <a:rPr lang="es-MX"/>
+              <a:rPr lang="es-MX" dirty="0"/>
               <a:t>MSI600 - INTRODUCCIÓN CIENCIA DE DATOS</a:t>
             </a:r>
-            <a:endParaRPr lang="es-CL"/>
+            <a:endParaRPr lang="es-CL" dirty="0"/>
           </a:p>
         </p:txBody>
       </p:sp>
@@ -17952,6 +20718,14 @@
           <a:prstGeom prst="roundRect">
             <a:avLst/>
           </a:prstGeom>
+          <a:solidFill>
+            <a:schemeClr val="accent2">
+              <a:lumMod val="75000"/>
+            </a:schemeClr>
+          </a:solidFill>
+          <a:ln>
+            <a:noFill/>
+          </a:ln>
         </p:spPr>
         <p:style>
           <a:lnRef idx="2">
@@ -18008,6 +20782,14 @@
           <a:prstGeom prst="roundRect">
             <a:avLst/>
           </a:prstGeom>
+          <a:solidFill>
+            <a:schemeClr val="accent2">
+              <a:lumMod val="75000"/>
+            </a:schemeClr>
+          </a:solidFill>
+          <a:ln>
+            <a:noFill/>
+          </a:ln>
         </p:spPr>
         <p:style>
           <a:lnRef idx="2">
@@ -18064,6 +20846,14 @@
           <a:prstGeom prst="roundRect">
             <a:avLst/>
           </a:prstGeom>
+          <a:solidFill>
+            <a:schemeClr val="accent2">
+              <a:lumMod val="75000"/>
+            </a:schemeClr>
+          </a:solidFill>
+          <a:ln>
+            <a:noFill/>
+          </a:ln>
         </p:spPr>
         <p:style>
           <a:lnRef idx="2">
@@ -18120,6 +20910,14 @@
           <a:prstGeom prst="roundRect">
             <a:avLst/>
           </a:prstGeom>
+          <a:solidFill>
+            <a:schemeClr val="accent2">
+              <a:lumMod val="75000"/>
+            </a:schemeClr>
+          </a:solidFill>
+          <a:ln>
+            <a:noFill/>
+          </a:ln>
         </p:spPr>
         <p:style>
           <a:lnRef idx="2">
@@ -18168,6 +20966,14 @@
           <a:prstGeom prst="roundRect">
             <a:avLst/>
           </a:prstGeom>
+          <a:solidFill>
+            <a:schemeClr val="accent2">
+              <a:lumMod val="75000"/>
+            </a:schemeClr>
+          </a:solidFill>
+          <a:ln>
+            <a:noFill/>
+          </a:ln>
         </p:spPr>
         <p:style>
           <a:lnRef idx="2">
@@ -18216,6 +21022,14 @@
           <a:prstGeom prst="roundRect">
             <a:avLst/>
           </a:prstGeom>
+          <a:solidFill>
+            <a:schemeClr val="accent2">
+              <a:lumMod val="75000"/>
+            </a:schemeClr>
+          </a:solidFill>
+          <a:ln>
+            <a:noFill/>
+          </a:ln>
         </p:spPr>
         <p:style>
           <a:lnRef idx="2">
@@ -18372,6 +21186,14 @@
           <a:prstGeom prst="roundRect">
             <a:avLst/>
           </a:prstGeom>
+          <a:solidFill>
+            <a:schemeClr val="accent2">
+              <a:lumMod val="75000"/>
+            </a:schemeClr>
+          </a:solidFill>
+          <a:ln>
+            <a:noFill/>
+          </a:ln>
         </p:spPr>
         <p:style>
           <a:lnRef idx="2">
@@ -18675,7 +21497,7 @@
               <a:rPr lang="es-CL" smtClean="0"/>
               <a:t>7</a:t>
             </a:fld>
-            <a:endParaRPr lang="es-CL"/>
+            <a:endParaRPr lang="es-CL" dirty="0"/>
           </a:p>
         </p:txBody>
       </p:sp>
@@ -18701,10 +21523,10 @@
           <a:lstStyle/>
           <a:p>
             <a:r>
-              <a:rPr lang="es-MX"/>
+              <a:rPr lang="es-MX" dirty="0"/>
               <a:t>MSI600 - INTRODUCCIÓN CIENCIA DE DATOS</a:t>
             </a:r>
-            <a:endParaRPr lang="es-CL"/>
+            <a:endParaRPr lang="es-CL" dirty="0"/>
           </a:p>
         </p:txBody>
       </p:sp>
@@ -18764,7 +21586,7 @@
           <p:nvPr>
             <p:extLst>
               <p:ext uri="{D42A27DB-BD31-4B8C-83A1-F6EECF244321}">
-                <p14:modId xmlns:p14="http://schemas.microsoft.com/office/powerpoint/2010/main" val="3279126450"/>
+                <p14:modId xmlns:p14="http://schemas.microsoft.com/office/powerpoint/2010/main" val="2117988088"/>
               </p:ext>
             </p:extLst>
           </p:nvPr>
@@ -18854,8 +21676,13 @@
             <a:avLst/>
           </a:prstGeom>
           <a:solidFill>
-            <a:srgbClr val="00B050"/>
+            <a:schemeClr val="accent2">
+              <a:lumMod val="75000"/>
+            </a:schemeClr>
           </a:solidFill>
+          <a:ln>
+            <a:noFill/>
+          </a:ln>
         </p:spPr>
         <p:style>
           <a:lnRef idx="2">
@@ -19021,8 +21848,13 @@
             <a:avLst/>
           </a:prstGeom>
           <a:solidFill>
-            <a:srgbClr val="00B050"/>
+            <a:schemeClr val="accent2">
+              <a:lumMod val="75000"/>
+            </a:schemeClr>
           </a:solidFill>
+          <a:ln>
+            <a:noFill/>
+          </a:ln>
         </p:spPr>
         <p:style>
           <a:lnRef idx="2">
@@ -19123,6 +21955,11 @@
           <a:prstGeom prst="downArrow">
             <a:avLst/>
           </a:prstGeom>
+          <a:solidFill>
+            <a:schemeClr val="accent2">
+              <a:lumMod val="75000"/>
+            </a:schemeClr>
+          </a:solidFill>
         </p:spPr>
         <p:style>
           <a:lnRef idx="2">
@@ -19145,7 +21982,7 @@
           <a:lstStyle/>
           <a:p>
             <a:pPr algn="ctr"/>
-            <a:endParaRPr lang="es-CL"/>
+            <a:endParaRPr lang="es-CL" dirty="0"/>
           </a:p>
         </p:txBody>
       </p:sp>
@@ -19411,7 +22248,7 @@
               <a:rPr lang="es-CL" smtClean="0"/>
               <a:t>8</a:t>
             </a:fld>
-            <a:endParaRPr lang="es-CL"/>
+            <a:endParaRPr lang="es-CL" dirty="0"/>
           </a:p>
         </p:txBody>
       </p:sp>
@@ -19437,10 +22274,10 @@
           <a:lstStyle/>
           <a:p>
             <a:r>
-              <a:rPr lang="es-MX"/>
+              <a:rPr lang="es-MX" dirty="0"/>
               <a:t>MSI600 - INTRODUCCIÓN CIENCIA DE DATOS</a:t>
             </a:r>
-            <a:endParaRPr lang="es-CL"/>
+            <a:endParaRPr lang="es-CL" dirty="0"/>
           </a:p>
         </p:txBody>
       </p:sp>
@@ -19501,8 +22338,8 @@
         </p:nvSpPr>
         <p:spPr>
           <a:xfrm>
-            <a:off x="361949" y="1111047"/>
-            <a:ext cx="3545033" cy="396240"/>
+            <a:off x="361948" y="1111047"/>
+            <a:ext cx="5057339" cy="396240"/>
           </a:xfrm>
           <a:prstGeom prst="roundRect">
             <a:avLst/>
@@ -19535,17 +22372,17 @@
           <a:p>
             <a:r>
               <a:rPr lang="es-CL" dirty="0"/>
-              <a:t>Rendimiento de modelos</a:t>
+              <a:t>Rendimiento de los modelos predictivos</a:t>
             </a:r>
           </a:p>
         </p:txBody>
       </p:sp>
       <p:graphicFrame>
         <p:nvGraphicFramePr>
-          <p:cNvPr id="11" name="Gráfico 10">
+          <p:cNvPr id="12" name="Gráfico 11">
             <a:extLst>
               <a:ext uri="{FF2B5EF4-FFF2-40B4-BE49-F238E27FC236}">
-                <a16:creationId xmlns:a16="http://schemas.microsoft.com/office/drawing/2014/main" id="{773D3929-A1A5-4220-7E63-609DD2149BBD}"/>
+                <a16:creationId xmlns:a16="http://schemas.microsoft.com/office/drawing/2014/main" id="{FA433C40-1579-A6DE-D284-BD9024E88B1A}"/>
               </a:ext>
             </a:extLst>
           </p:cNvPr>
@@ -19553,14 +22390,14 @@
           <p:nvPr>
             <p:extLst>
               <p:ext uri="{D42A27DB-BD31-4B8C-83A1-F6EECF244321}">
-                <p14:modId xmlns:p14="http://schemas.microsoft.com/office/powerpoint/2010/main" val="482173634"/>
+                <p14:modId xmlns:p14="http://schemas.microsoft.com/office/powerpoint/2010/main" val="3981606597"/>
               </p:ext>
             </p:extLst>
           </p:nvPr>
         </p:nvGraphicFramePr>
         <p:xfrm>
-          <a:off x="2519905" y="2005410"/>
-          <a:ext cx="6195728" cy="3652396"/>
+          <a:off x="0" y="1757429"/>
+          <a:ext cx="10132681" cy="2653751"/>
         </p:xfrm>
         <a:graphic>
           <a:graphicData uri="http://schemas.openxmlformats.org/drawingml/2006/chart">
@@ -19568,6 +22405,287 @@
           </a:graphicData>
         </a:graphic>
       </p:graphicFrame>
+      <p:sp>
+        <p:nvSpPr>
+          <p:cNvPr id="13" name="Rectángulo: esquinas redondeadas 12">
+            <a:extLst>
+              <a:ext uri="{FF2B5EF4-FFF2-40B4-BE49-F238E27FC236}">
+                <a16:creationId xmlns:a16="http://schemas.microsoft.com/office/drawing/2014/main" id="{CDC4540D-DBF1-9DE5-E339-B35C0FC45DDF}"/>
+              </a:ext>
+            </a:extLst>
+          </p:cNvPr>
+          <p:cNvSpPr/>
+          <p:nvPr/>
+        </p:nvSpPr>
+        <p:spPr>
+          <a:xfrm>
+            <a:off x="7952515" y="4077268"/>
+            <a:ext cx="4059369" cy="2049012"/>
+          </a:xfrm>
+          <a:prstGeom prst="roundRect">
+            <a:avLst/>
+          </a:prstGeom>
+          <a:solidFill>
+            <a:schemeClr val="tx2">
+              <a:lumMod val="75000"/>
+            </a:schemeClr>
+          </a:solidFill>
+        </p:spPr>
+        <p:style>
+          <a:lnRef idx="2">
+            <a:schemeClr val="accent1">
+              <a:shade val="15000"/>
+            </a:schemeClr>
+          </a:lnRef>
+          <a:fillRef idx="1">
+            <a:schemeClr val="accent1"/>
+          </a:fillRef>
+          <a:effectRef idx="0">
+            <a:schemeClr val="accent1"/>
+          </a:effectRef>
+          <a:fontRef idx="minor">
+            <a:schemeClr val="lt1"/>
+          </a:fontRef>
+        </p:style>
+        <p:txBody>
+          <a:bodyPr rtlCol="0" anchor="t"/>
+          <a:lstStyle/>
+          <a:p>
+            <a:pPr marL="285750" indent="-285750">
+              <a:buFont typeface="Arial" panose="020B0604020202020204" pitchFamily="34" charset="0"/>
+              <a:buChar char="•"/>
+            </a:pPr>
+            <a:r>
+              <a:rPr lang="es-CL" sz="1400" dirty="0"/>
+              <a:t>Modelo Completo (9 variables): AUC = </a:t>
+            </a:r>
+            <a:r>
+              <a:rPr lang="es-CL" sz="1400" b="1" dirty="0"/>
+              <a:t>0,86</a:t>
+            </a:r>
+          </a:p>
+          <a:p>
+            <a:pPr lvl="1"/>
+            <a:r>
+              <a:rPr lang="es-CL" sz="1400" dirty="0"/>
+              <a:t>→ Rendimiento MUY BUENO</a:t>
+            </a:r>
+          </a:p>
+          <a:p>
+            <a:pPr lvl="1"/>
+            <a:endParaRPr lang="es-CL" sz="1400" dirty="0"/>
+          </a:p>
+          <a:p>
+            <a:pPr marL="285750" indent="-285750">
+              <a:buFont typeface="Arial" panose="020B0604020202020204" pitchFamily="34" charset="0"/>
+              <a:buChar char="•"/>
+            </a:pPr>
+            <a:r>
+              <a:rPr lang="es-MX" sz="1400" dirty="0"/>
+              <a:t>Modelo Simplificado (7 variables): AUC = </a:t>
+            </a:r>
+            <a:r>
+              <a:rPr lang="es-MX" sz="1400" b="1" dirty="0"/>
+              <a:t>0,81</a:t>
+            </a:r>
+          </a:p>
+          <a:p>
+            <a:r>
+              <a:rPr lang="es-CL" sz="1400" dirty="0"/>
+              <a:t>	→ Rendimiento MUY BUENO</a:t>
+            </a:r>
+          </a:p>
+          <a:p>
+            <a:endParaRPr lang="es-CL" sz="1400" dirty="0"/>
+          </a:p>
+          <a:p>
+            <a:pPr marL="285750" indent="-285750">
+              <a:buFont typeface="Arial" panose="020B0604020202020204" pitchFamily="34" charset="0"/>
+              <a:buChar char="•"/>
+            </a:pPr>
+            <a:r>
+              <a:rPr lang="es-MX" sz="1400" dirty="0"/>
+              <a:t>Ambos modelos superan significativamente </a:t>
+            </a:r>
+          </a:p>
+          <a:p>
+            <a:r>
+              <a:rPr lang="es-MX" sz="1400" dirty="0"/>
+              <a:t>  	la línea de azar (AUC = 0,50)</a:t>
+            </a:r>
+            <a:endParaRPr lang="es-CL" sz="1400" dirty="0"/>
+          </a:p>
+        </p:txBody>
+      </p:sp>
+      <p:sp>
+        <p:nvSpPr>
+          <p:cNvPr id="14" name="Rectángulo: esquinas redondeadas 13">
+            <a:extLst>
+              <a:ext uri="{FF2B5EF4-FFF2-40B4-BE49-F238E27FC236}">
+                <a16:creationId xmlns:a16="http://schemas.microsoft.com/office/drawing/2014/main" id="{4275F106-3467-C7B8-1121-3BD44AFD63BA}"/>
+              </a:ext>
+            </a:extLst>
+          </p:cNvPr>
+          <p:cNvSpPr/>
+          <p:nvPr/>
+        </p:nvSpPr>
+        <p:spPr>
+          <a:xfrm>
+            <a:off x="9658342" y="1126222"/>
+            <a:ext cx="2339623" cy="1627691"/>
+          </a:xfrm>
+          <a:prstGeom prst="roundRect">
+            <a:avLst/>
+          </a:prstGeom>
+          <a:solidFill>
+            <a:schemeClr val="tx2">
+              <a:lumMod val="75000"/>
+            </a:schemeClr>
+          </a:solidFill>
+        </p:spPr>
+        <p:style>
+          <a:lnRef idx="2">
+            <a:schemeClr val="accent1">
+              <a:shade val="15000"/>
+            </a:schemeClr>
+          </a:lnRef>
+          <a:fillRef idx="1">
+            <a:schemeClr val="accent1"/>
+          </a:fillRef>
+          <a:effectRef idx="0">
+            <a:schemeClr val="accent1"/>
+          </a:effectRef>
+          <a:fontRef idx="minor">
+            <a:schemeClr val="lt1"/>
+          </a:fontRef>
+        </p:style>
+        <p:txBody>
+          <a:bodyPr rtlCol="0" anchor="t"/>
+          <a:lstStyle/>
+          <a:p>
+            <a:r>
+              <a:rPr lang="es-MX" sz="1400" dirty="0"/>
+              <a:t>Interpretación AUC:</a:t>
+            </a:r>
+          </a:p>
+          <a:p>
+            <a:pPr marL="285750" indent="-285750">
+              <a:buFont typeface="Arial" panose="020B0604020202020204" pitchFamily="34" charset="0"/>
+              <a:buChar char="•"/>
+            </a:pPr>
+            <a:r>
+              <a:rPr lang="es-MX" sz="1400" dirty="0"/>
+              <a:t>0,90-1,00 = Excelente</a:t>
+            </a:r>
+          </a:p>
+          <a:p>
+            <a:pPr marL="285750" indent="-285750">
+              <a:buFont typeface="Arial" panose="020B0604020202020204" pitchFamily="34" charset="0"/>
+              <a:buChar char="•"/>
+            </a:pPr>
+            <a:r>
+              <a:rPr lang="es-MX" sz="1400" dirty="0"/>
+              <a:t>0,80-0,90 = Muy bueno</a:t>
+            </a:r>
+          </a:p>
+          <a:p>
+            <a:pPr marL="285750" indent="-285750">
+              <a:buFont typeface="Arial" panose="020B0604020202020204" pitchFamily="34" charset="0"/>
+              <a:buChar char="•"/>
+            </a:pPr>
+            <a:r>
+              <a:rPr lang="es-MX" sz="1400" dirty="0"/>
+              <a:t>0,70-0,80 = Bueno</a:t>
+            </a:r>
+          </a:p>
+          <a:p>
+            <a:pPr marL="285750" indent="-285750">
+              <a:buFont typeface="Arial" panose="020B0604020202020204" pitchFamily="34" charset="0"/>
+              <a:buChar char="•"/>
+            </a:pPr>
+            <a:r>
+              <a:rPr lang="es-MX" sz="1400" dirty="0"/>
+              <a:t>0,60-0,70 = Regular</a:t>
+            </a:r>
+          </a:p>
+          <a:p>
+            <a:pPr marL="285750" indent="-285750">
+              <a:buFont typeface="Arial" panose="020B0604020202020204" pitchFamily="34" charset="0"/>
+              <a:buChar char="•"/>
+            </a:pPr>
+            <a:r>
+              <a:rPr lang="es-MX" sz="1400" dirty="0"/>
+              <a:t>0,50-0,60 = Malo</a:t>
+            </a:r>
+            <a:endParaRPr lang="es-CL" sz="1400" dirty="0"/>
+          </a:p>
+        </p:txBody>
+      </p:sp>
+      <p:sp>
+        <p:nvSpPr>
+          <p:cNvPr id="15" name="Rectángulo: esquinas redondeadas 14">
+            <a:extLst>
+              <a:ext uri="{FF2B5EF4-FFF2-40B4-BE49-F238E27FC236}">
+                <a16:creationId xmlns:a16="http://schemas.microsoft.com/office/drawing/2014/main" id="{52852EAB-AA6F-7BDB-68E6-B8B2155DC666}"/>
+              </a:ext>
+            </a:extLst>
+          </p:cNvPr>
+          <p:cNvSpPr/>
+          <p:nvPr/>
+        </p:nvSpPr>
+        <p:spPr>
+          <a:xfrm>
+            <a:off x="361949" y="4903841"/>
+            <a:ext cx="6340855" cy="1222439"/>
+          </a:xfrm>
+          <a:prstGeom prst="roundRect">
+            <a:avLst/>
+          </a:prstGeom>
+          <a:solidFill>
+            <a:schemeClr val="accent2">
+              <a:lumMod val="75000"/>
+            </a:schemeClr>
+          </a:solidFill>
+          <a:ln>
+            <a:noFill/>
+          </a:ln>
+        </p:spPr>
+        <p:style>
+          <a:lnRef idx="2">
+            <a:schemeClr val="accent1">
+              <a:shade val="15000"/>
+            </a:schemeClr>
+          </a:lnRef>
+          <a:fillRef idx="1">
+            <a:schemeClr val="accent1"/>
+          </a:fillRef>
+          <a:effectRef idx="0">
+            <a:schemeClr val="accent1"/>
+          </a:effectRef>
+          <a:fontRef idx="minor">
+            <a:schemeClr val="lt1"/>
+          </a:fontRef>
+        </p:style>
+        <p:txBody>
+          <a:bodyPr rtlCol="0" anchor="ctr"/>
+          <a:lstStyle/>
+          <a:p>
+            <a:pPr algn="ctr"/>
+            <a:r>
+              <a:rPr lang="es-MX" dirty="0"/>
+              <a:t>El modelo completo supera en 5 puntos al simplificado,</a:t>
+            </a:r>
+          </a:p>
+          <a:p>
+            <a:pPr algn="ctr"/>
+            <a:r>
+              <a:rPr lang="es-MX" dirty="0"/>
+              <a:t>demostrando el valor de incluir estudios de imagen.</a:t>
+            </a:r>
+            <a:endParaRPr lang="es-CL" dirty="0"/>
+          </a:p>
+        </p:txBody>
+      </p:sp>
     </p:spTree>
     <p:extLst>
       <p:ext uri="{BB962C8B-B14F-4D97-AF65-F5344CB8AC3E}">
@@ -19830,7 +22948,7 @@
               <a:rPr lang="es-CL" smtClean="0"/>
               <a:t>9</a:t>
             </a:fld>
-            <a:endParaRPr lang="es-CL"/>
+            <a:endParaRPr lang="es-CL" dirty="0"/>
           </a:p>
         </p:txBody>
       </p:sp>
@@ -19856,10 +22974,10 @@
           <a:lstStyle/>
           <a:p>
             <a:r>
-              <a:rPr lang="es-MX"/>
+              <a:rPr lang="es-MX" dirty="0"/>
               <a:t>MSI600 - INTRODUCCIÓN CIENCIA DE DATOS</a:t>
             </a:r>
-            <a:endParaRPr lang="es-CL"/>
+            <a:endParaRPr lang="es-CL" dirty="0"/>
           </a:p>
         </p:txBody>
       </p:sp>
@@ -19903,6 +23021,306 @@
               <a:t>Resultados Obtenidos</a:t>
             </a:r>
             <a:endParaRPr lang="es-CL" dirty="0"/>
+          </a:p>
+        </p:txBody>
+      </p:sp>
+      <p:sp>
+        <p:nvSpPr>
+          <p:cNvPr id="6" name="Rectángulo: esquinas redondeadas 5">
+            <a:extLst>
+              <a:ext uri="{FF2B5EF4-FFF2-40B4-BE49-F238E27FC236}">
+                <a16:creationId xmlns:a16="http://schemas.microsoft.com/office/drawing/2014/main" id="{7A75C440-208D-847A-45F9-88AEECD01D9F}"/>
+              </a:ext>
+            </a:extLst>
+          </p:cNvPr>
+          <p:cNvSpPr/>
+          <p:nvPr/>
+        </p:nvSpPr>
+        <p:spPr>
+          <a:xfrm>
+            <a:off x="361949" y="1111047"/>
+            <a:ext cx="5116062" cy="396240"/>
+          </a:xfrm>
+          <a:prstGeom prst="roundRect">
+            <a:avLst/>
+          </a:prstGeom>
+          <a:solidFill>
+            <a:schemeClr val="tx2">
+              <a:lumMod val="75000"/>
+            </a:schemeClr>
+          </a:solidFill>
+        </p:spPr>
+        <p:style>
+          <a:lnRef idx="2">
+            <a:schemeClr val="accent1">
+              <a:shade val="15000"/>
+            </a:schemeClr>
+          </a:lnRef>
+          <a:fillRef idx="1">
+            <a:schemeClr val="accent1"/>
+          </a:fillRef>
+          <a:effectRef idx="0">
+            <a:schemeClr val="accent1"/>
+          </a:effectRef>
+          <a:fontRef idx="minor">
+            <a:schemeClr val="lt1"/>
+          </a:fontRef>
+        </p:style>
+        <p:txBody>
+          <a:bodyPr rtlCol="0" anchor="ctr"/>
+          <a:lstStyle/>
+          <a:p>
+            <a:r>
+              <a:rPr lang="es-CL" dirty="0"/>
+              <a:t>Impacto Clínico : El Problema de la Detección Tardía</a:t>
+            </a:r>
+          </a:p>
+        </p:txBody>
+      </p:sp>
+      <p:graphicFrame>
+        <p:nvGraphicFramePr>
+          <p:cNvPr id="11" name="Gráfico 10">
+            <a:extLst>
+              <a:ext uri="{FF2B5EF4-FFF2-40B4-BE49-F238E27FC236}">
+                <a16:creationId xmlns:a16="http://schemas.microsoft.com/office/drawing/2014/main" id="{BA17A855-86EE-FA74-D783-C241FEBEBFDC}"/>
+              </a:ext>
+            </a:extLst>
+          </p:cNvPr>
+          <p:cNvGraphicFramePr/>
+          <p:nvPr>
+            <p:extLst>
+              <p:ext uri="{D42A27DB-BD31-4B8C-83A1-F6EECF244321}">
+                <p14:modId xmlns:p14="http://schemas.microsoft.com/office/powerpoint/2010/main" val="886338030"/>
+              </p:ext>
+            </p:extLst>
+          </p:nvPr>
+        </p:nvGraphicFramePr>
+        <p:xfrm>
+          <a:off x="361949" y="1705112"/>
+          <a:ext cx="2900727" cy="3594321"/>
+        </p:xfrm>
+        <a:graphic>
+          <a:graphicData uri="http://schemas.openxmlformats.org/drawingml/2006/chart">
+            <c:chart xmlns:c="http://schemas.openxmlformats.org/drawingml/2006/chart" xmlns:r="http://schemas.openxmlformats.org/officeDocument/2006/relationships" r:id="rId4"/>
+          </a:graphicData>
+        </a:graphic>
+      </p:graphicFrame>
+      <p:graphicFrame>
+        <p:nvGraphicFramePr>
+          <p:cNvPr id="31" name="Gráfico 30">
+            <a:extLst>
+              <a:ext uri="{FF2B5EF4-FFF2-40B4-BE49-F238E27FC236}">
+                <a16:creationId xmlns:a16="http://schemas.microsoft.com/office/drawing/2014/main" id="{FBCCD335-A095-CB73-C1C0-D2D4C2C89A79}"/>
+              </a:ext>
+            </a:extLst>
+          </p:cNvPr>
+          <p:cNvGraphicFramePr/>
+          <p:nvPr>
+            <p:extLst>
+              <p:ext uri="{D42A27DB-BD31-4B8C-83A1-F6EECF244321}">
+                <p14:modId xmlns:p14="http://schemas.microsoft.com/office/powerpoint/2010/main" val="2588608537"/>
+              </p:ext>
+            </p:extLst>
+          </p:nvPr>
+        </p:nvGraphicFramePr>
+        <p:xfrm>
+          <a:off x="3700557" y="1705112"/>
+          <a:ext cx="3554908" cy="3584630"/>
+        </p:xfrm>
+        <a:graphic>
+          <a:graphicData uri="http://schemas.openxmlformats.org/drawingml/2006/chart">
+            <c:chart xmlns:c="http://schemas.openxmlformats.org/drawingml/2006/chart" xmlns:r="http://schemas.openxmlformats.org/officeDocument/2006/relationships" r:id="rId5"/>
+          </a:graphicData>
+        </a:graphic>
+      </p:graphicFrame>
+      <p:sp>
+        <p:nvSpPr>
+          <p:cNvPr id="32" name="Rectángulo: esquinas redondeadas 31">
+            <a:extLst>
+              <a:ext uri="{FF2B5EF4-FFF2-40B4-BE49-F238E27FC236}">
+                <a16:creationId xmlns:a16="http://schemas.microsoft.com/office/drawing/2014/main" id="{3E382B0E-11AE-2C78-B5D0-7CD7B006A7DE}"/>
+              </a:ext>
+            </a:extLst>
+          </p:cNvPr>
+          <p:cNvSpPr/>
+          <p:nvPr/>
+        </p:nvSpPr>
+        <p:spPr>
+          <a:xfrm>
+            <a:off x="326907" y="5459825"/>
+            <a:ext cx="8756884" cy="666449"/>
+          </a:xfrm>
+          <a:prstGeom prst="roundRect">
+            <a:avLst/>
+          </a:prstGeom>
+          <a:solidFill>
+            <a:srgbClr val="C00000"/>
+          </a:solidFill>
+          <a:ln>
+            <a:noFill/>
+          </a:ln>
+        </p:spPr>
+        <p:style>
+          <a:lnRef idx="2">
+            <a:schemeClr val="accent1">
+              <a:shade val="15000"/>
+            </a:schemeClr>
+          </a:lnRef>
+          <a:fillRef idx="1">
+            <a:schemeClr val="accent1"/>
+          </a:fillRef>
+          <a:effectRef idx="0">
+            <a:schemeClr val="accent1"/>
+          </a:effectRef>
+          <a:fontRef idx="minor">
+            <a:schemeClr val="lt1"/>
+          </a:fontRef>
+        </p:style>
+        <p:txBody>
+          <a:bodyPr rtlCol="0" anchor="ctr"/>
+          <a:lstStyle/>
+          <a:p>
+            <a:pPr algn="ctr"/>
+            <a:r>
+              <a:rPr lang="es-MX" dirty="0"/>
+              <a:t>2 de cada 3 pacientes (67%) se diagnostican en estadios avanzados, reduciendo opciones terapéuticas y supervivencia.</a:t>
+            </a:r>
+            <a:endParaRPr lang="es-CL" dirty="0"/>
+          </a:p>
+        </p:txBody>
+      </p:sp>
+      <p:sp>
+        <p:nvSpPr>
+          <p:cNvPr id="33" name="Rectángulo: esquinas redondeadas 32">
+            <a:extLst>
+              <a:ext uri="{FF2B5EF4-FFF2-40B4-BE49-F238E27FC236}">
+                <a16:creationId xmlns:a16="http://schemas.microsoft.com/office/drawing/2014/main" id="{C782C0F6-FBE1-2524-6AB1-65EB581F4729}"/>
+              </a:ext>
+            </a:extLst>
+          </p:cNvPr>
+          <p:cNvSpPr/>
+          <p:nvPr/>
+        </p:nvSpPr>
+        <p:spPr>
+          <a:xfrm>
+            <a:off x="7693346" y="1705112"/>
+            <a:ext cx="4251575" cy="2600701"/>
+          </a:xfrm>
+          <a:prstGeom prst="roundRect">
+            <a:avLst/>
+          </a:prstGeom>
+          <a:solidFill>
+            <a:schemeClr val="bg1"/>
+          </a:solidFill>
+          <a:ln>
+            <a:solidFill>
+              <a:schemeClr val="accent1">
+                <a:shade val="15000"/>
+              </a:schemeClr>
+            </a:solidFill>
+          </a:ln>
+        </p:spPr>
+        <p:style>
+          <a:lnRef idx="2">
+            <a:schemeClr val="accent1">
+              <a:shade val="15000"/>
+            </a:schemeClr>
+          </a:lnRef>
+          <a:fillRef idx="1">
+            <a:schemeClr val="accent1"/>
+          </a:fillRef>
+          <a:effectRef idx="0">
+            <a:schemeClr val="accent1"/>
+          </a:effectRef>
+          <a:fontRef idx="minor">
+            <a:schemeClr val="lt1"/>
+          </a:fontRef>
+        </p:style>
+        <p:txBody>
+          <a:bodyPr rtlCol="0" anchor="t"/>
+          <a:lstStyle/>
+          <a:p>
+            <a:pPr algn="ctr"/>
+            <a:r>
+              <a:rPr lang="es-CL" sz="1400" dirty="0">
+                <a:solidFill>
+                  <a:schemeClr val="tx1"/>
+                </a:solidFill>
+              </a:rPr>
+              <a:t>⚕️ IMPACTO EN SUPERVIVENCIA A 5 AÑOS:  </a:t>
+            </a:r>
+          </a:p>
+          <a:p>
+            <a:pPr algn="ctr"/>
+            <a:r>
+              <a:rPr lang="es-CL" sz="1400" dirty="0">
+                <a:solidFill>
+                  <a:schemeClr val="tx1"/>
+                </a:solidFill>
+              </a:rPr>
+              <a:t>        </a:t>
+            </a:r>
+          </a:p>
+          <a:p>
+            <a:r>
+              <a:rPr lang="es-CL" sz="1400" dirty="0">
+                <a:solidFill>
+                  <a:schemeClr val="tx1"/>
+                </a:solidFill>
+              </a:rPr>
+              <a:t>Estadio I-II (temprano)	:	90% supervivencia </a:t>
+            </a:r>
+          </a:p>
+          <a:p>
+            <a:r>
+              <a:rPr lang="es-CL" sz="1400" dirty="0">
+                <a:solidFill>
+                  <a:schemeClr val="tx1"/>
+                </a:solidFill>
+              </a:rPr>
+              <a:t>Estadio III (avanzado)	:	64% supervivencia   </a:t>
+            </a:r>
+          </a:p>
+          <a:p>
+            <a:r>
+              <a:rPr lang="es-CL" sz="1400" dirty="0">
+                <a:solidFill>
+                  <a:schemeClr val="tx1"/>
+                </a:solidFill>
+              </a:rPr>
+              <a:t>Estadio IV (metastásico)	:	14% supervivencia</a:t>
+            </a:r>
+          </a:p>
+          <a:p>
+            <a:pPr algn="ctr"/>
+            <a:r>
+              <a:rPr lang="es-CL" sz="1400" dirty="0">
+                <a:solidFill>
+                  <a:schemeClr val="tx1"/>
+                </a:solidFill>
+              </a:rPr>
+              <a:t>                                                  </a:t>
+            </a:r>
+          </a:p>
+          <a:p>
+            <a:r>
+              <a:rPr lang="es-CL" sz="1400" dirty="0">
+                <a:solidFill>
+                  <a:schemeClr val="tx1"/>
+                </a:solidFill>
+              </a:rPr>
+              <a:t>  → La detección temprana multiplica por 6       </a:t>
+            </a:r>
+          </a:p>
+          <a:p>
+            <a:r>
+              <a:rPr lang="es-CL" sz="1400" dirty="0">
+                <a:solidFill>
+                  <a:schemeClr val="tx1"/>
+                </a:solidFill>
+              </a:rPr>
+              <a:t>    las probabilidades de supervivencia </a:t>
+            </a:r>
           </a:p>
         </p:txBody>
       </p:sp>

--- a/material/PRESENTACION/cienciadedatosaplicada_investigacion.pptx
+++ b/material/PRESENTACION/cienciadedatosaplicada_investigacion.pptx
@@ -1099,9 +1099,9 @@
         <c:manualLayout>
           <c:xMode val="edge"/>
           <c:yMode val="edge"/>
-          <c:x val="0.6732647558923448"/>
-          <c:y val="3.8285430697906471E-2"/>
-          <c:w val="0.1763308249810687"/>
+          <c:x val="0.74006174778798239"/>
+          <c:y val="0.30628344558325177"/>
+          <c:w val="0.22357743341176989"/>
           <c:h val="0.29380149079548157"/>
         </c:manualLayout>
       </c:layout>
@@ -4264,6 +4264,44 @@
 </p188:cmLst>
 </file>
 
+<file path=ppt/comments/modernComment_7BBF5798_F299D2FB.xml><?xml version="1.0" encoding="utf-8"?>
+<p188:cmLst xmlns:a="http://schemas.openxmlformats.org/drawingml/2006/main" xmlns:r="http://schemas.openxmlformats.org/officeDocument/2006/relationships" xmlns:p188="http://schemas.microsoft.com/office/powerpoint/2018/8/main">
+  <p188:cm id="{FBFB5005-5FDD-4E43-9589-016AB65068D2}" authorId="{F41D8B98-483F-74EF-7ECF-E3886A2D2BF2}" created="2025-11-17T06:22:49.824">
+    <pc:sldMkLst xmlns:pc="http://schemas.microsoft.com/office/powerpoint/2013/main/command">
+      <pc:docMk/>
+      <pc:sldMk cId="4070167291" sldId="2076137368"/>
+    </pc:sldMkLst>
+    <p188:txBody>
+      <a:bodyPr/>
+      <a:lstStyle/>
+      <a:p>
+        <a:r>
+          <a:rPr lang="es-CL"/>
+          <a:t>En este primer resultado vemos el análisis de importancia de variables 
+del modelo predictivo.
+De 16 variables iniciales, el modelo identificó 9 ESTADÍSTICAMENTE 
+SIGNIFICATIVAS, ordenadas aquí según su poder predictivo.
+Las variables con MAYOR IMPORTANCIA son el sangrado gastrointestinal 
+y la tomografía computarizada.
+Lo relevante desde ciencia de datos es la comparación con el protocolo 
+GES actual:
+En AZUL vemos las 5 variables que YA están en el protocolo GES y que 
+el modelo validó como importantes.
+En VERDE están las 4 VARIABLES NUEVAS que el modelo identificó pero 
+que NO están actualmente en el protocolo GES.
+Estas 4 variables adicionales - especialmente las imagenológicas como 
+TAC y ecografía - mejoran la capacidad predictiva del modelo en 5 puntos 
+de AUC, pasando de 0,81 a 0,86.
+Esto demuestra cómo el análisis de datos puede optimizar protocolos 
+clínicos existentes identificando variables relevantes que antes 
+no se consideraban.</a:t>
+        </a:r>
+      </a:p>
+    </p188:txBody>
+  </p188:cm>
+</p188:cmLst>
+</file>
+
 <file path=ppt/diagrams/colors1.xml><?xml version="1.0" encoding="utf-8"?>
 <dgm:colorsDef xmlns:dgm="http://schemas.openxmlformats.org/drawingml/2006/diagram" xmlns:a="http://schemas.openxmlformats.org/drawingml/2006/main" uniqueId="urn:microsoft.com/office/officeart/2005/8/colors/accent1_2">
   <dgm:title val=""/>
@@ -6071,7 +6109,7 @@
           </a:r>
           <a:r>
             <a:rPr lang="es-MX" sz="1200" b="0" i="0" dirty="0"/>
-            <a:t> que estime el riesgo de CRC basándose en síntomas y hallazgos clínicos.</a:t>
+            <a:t> que estime el riesgo de CCR basándose en síntomas y hallazgos clínicos.</a:t>
           </a:r>
           <a:endParaRPr lang="es-CL" sz="1200" dirty="0"/>
         </a:p>
@@ -6155,7 +6193,7 @@
           </a:r>
           <a:r>
             <a:rPr lang="es-MX" sz="1200" b="0" i="0" dirty="0"/>
-            <a:t> más relevantes asociadas al diagnóstico de CRC en pacientes derivados según protocolo GES.</a:t>
+            <a:t> más relevantes asociadas al diagnóstico de CCR en pacientes derivados según protocolo GES.</a:t>
           </a:r>
           <a:endParaRPr lang="es-CL" sz="1200" dirty="0"/>
         </a:p>
@@ -7128,7 +7166,7 @@
           </a:r>
           <a:r>
             <a:rPr lang="es-MX" sz="1200" b="0" i="0" kern="1200" dirty="0"/>
-            <a:t> más relevantes asociadas al diagnóstico de CRC en pacientes derivados según protocolo GES.</a:t>
+            <a:t> más relevantes asociadas al diagnóstico de CCR en pacientes derivados según protocolo GES.</a:t>
           </a:r>
           <a:endParaRPr lang="es-CL" sz="1200" kern="1200" dirty="0"/>
         </a:p>
@@ -7286,7 +7324,7 @@
           </a:r>
           <a:r>
             <a:rPr lang="es-MX" sz="1200" b="0" i="0" kern="1200" dirty="0"/>
-            <a:t> que estime el riesgo de CRC basándose en síntomas y hallazgos clínicos.</a:t>
+            <a:t> que estime el riesgo de CCR basándose en síntomas y hallazgos clínicos.</a:t>
           </a:r>
           <a:endParaRPr lang="es-CL" sz="1200" kern="1200" dirty="0"/>
         </a:p>
@@ -10121,7 +10159,7 @@
           </a:lstStyle>
           <a:p>
             <a:fld id="{B02B2D6A-D10B-4950-84AB-B76A76B41051}" type="datetimeFigureOut">
-              <a:t>16-11-2025</a:t>
+              <a:t>17-11-2025</a:t>
             </a:fld>
             <a:endParaRPr lang="es-ES" dirty="0"/>
           </a:p>
@@ -11965,7 +12003,7 @@
           <a:p>
             <a:fld id="{BDD500C1-193D-466C-BA19-529CD99380B0}" type="datetime1">
               <a:rPr lang="es-CL" smtClean="0"/>
-              <a:t>16-11-2025</a:t>
+              <a:t>17-11-2025</a:t>
             </a:fld>
             <a:endParaRPr lang="es-CL" dirty="0"/>
           </a:p>
@@ -12139,7 +12177,7 @@
           <a:p>
             <a:fld id="{36E3F141-C171-49B6-A38E-06F7755E5F72}" type="datetime1">
               <a:rPr lang="es-CL" smtClean="0"/>
-              <a:t>16-11-2025</a:t>
+              <a:t>17-11-2025</a:t>
             </a:fld>
             <a:endParaRPr lang="es-CL" dirty="0"/>
           </a:p>
@@ -12323,7 +12361,7 @@
           <a:p>
             <a:fld id="{0D3F19D1-0FE2-426C-97DA-07152340B981}" type="datetime1">
               <a:rPr lang="es-CL" smtClean="0"/>
-              <a:t>16-11-2025</a:t>
+              <a:t>17-11-2025</a:t>
             </a:fld>
             <a:endParaRPr lang="es-CL" dirty="0"/>
           </a:p>
@@ -12497,7 +12535,7 @@
           <a:p>
             <a:fld id="{43DAE21C-8755-4C47-9BC8-DA71F60B3971}" type="datetime1">
               <a:rPr lang="es-CL" smtClean="0"/>
-              <a:t>16-11-2025</a:t>
+              <a:t>17-11-2025</a:t>
             </a:fld>
             <a:endParaRPr lang="es-CL" dirty="0"/>
           </a:p>
@@ -12747,7 +12785,7 @@
           <a:p>
             <a:fld id="{8E458565-2487-4F43-8934-E52A058854BE}" type="datetime1">
               <a:rPr lang="es-CL" smtClean="0"/>
-              <a:t>16-11-2025</a:t>
+              <a:t>17-11-2025</a:t>
             </a:fld>
             <a:endParaRPr lang="es-CL" dirty="0"/>
           </a:p>
@@ -12983,7 +13021,7 @@
           <a:p>
             <a:fld id="{96A236D2-A8DB-4873-9CF3-122A89EE4DFB}" type="datetime1">
               <a:rPr lang="es-CL" smtClean="0"/>
-              <a:t>16-11-2025</a:t>
+              <a:t>17-11-2025</a:t>
             </a:fld>
             <a:endParaRPr lang="es-CL" dirty="0"/>
           </a:p>
@@ -13354,7 +13392,7 @@
           <a:p>
             <a:fld id="{A974421A-8B2C-4E77-A0B2-02DE27D440B9}" type="datetime1">
               <a:rPr lang="es-CL" smtClean="0"/>
-              <a:t>16-11-2025</a:t>
+              <a:t>17-11-2025</a:t>
             </a:fld>
             <a:endParaRPr lang="es-CL" dirty="0"/>
           </a:p>
@@ -13476,7 +13514,7 @@
           <a:p>
             <a:fld id="{B1C24CD4-A5D9-4150-A215-8F54EFF05417}" type="datetime1">
               <a:rPr lang="es-CL" smtClean="0"/>
-              <a:t>16-11-2025</a:t>
+              <a:t>17-11-2025</a:t>
             </a:fld>
             <a:endParaRPr lang="es-CL" dirty="0"/>
           </a:p>
@@ -13575,7 +13613,7 @@
           <a:p>
             <a:fld id="{E6A435D1-47BD-487C-A83D-C4C768926A5F}" type="datetime1">
               <a:rPr lang="es-CL" smtClean="0"/>
-              <a:t>16-11-2025</a:t>
+              <a:t>17-11-2025</a:t>
             </a:fld>
             <a:endParaRPr lang="es-CL" dirty="0"/>
           </a:p>
@@ -13856,7 +13894,7 @@
           <a:p>
             <a:fld id="{A683E110-4BCD-4DB5-9BB1-FE2F083E0D4C}" type="datetime1">
               <a:rPr lang="es-CL" smtClean="0"/>
-              <a:t>16-11-2025</a:t>
+              <a:t>17-11-2025</a:t>
             </a:fld>
             <a:endParaRPr lang="es-CL" dirty="0"/>
           </a:p>
@@ -14117,7 +14155,7 @@
           <a:p>
             <a:fld id="{94CACA55-7F1D-4061-AA7B-77C3B9068DBD}" type="datetime1">
               <a:rPr lang="es-CL" smtClean="0"/>
-              <a:t>16-11-2025</a:t>
+              <a:t>17-11-2025</a:t>
             </a:fld>
             <a:endParaRPr lang="es-CL" dirty="0"/>
           </a:p>
@@ -14334,7 +14372,7 @@
           <a:p>
             <a:fld id="{7361D378-4650-4D9F-A1E9-478C02A7DF05}" type="datetime1">
               <a:rPr lang="es-CL" smtClean="0"/>
-              <a:t>16-11-2025</a:t>
+              <a:t>17-11-2025</a:t>
             </a:fld>
             <a:endParaRPr lang="es-CL" dirty="0"/>
           </a:p>
@@ -15765,21 +15803,6 @@
           <a:p>
             <a:r>
               <a:rPr lang="es-MX" sz="1200" dirty="0"/>
-              <a:t>• Modelo interpretable (regresión logística)</a:t>
-            </a:r>
-          </a:p>
-          <a:p>
-            <a:r>
-              <a:rPr lang="es-MX" sz="1200" dirty="0"/>
-              <a:t>  → Aceptable en contexto médico</a:t>
-            </a:r>
-          </a:p>
-          <a:p>
-            <a:endParaRPr lang="es-MX" sz="1200" dirty="0"/>
-          </a:p>
-          <a:p>
-            <a:r>
-              <a:rPr lang="es-MX" sz="1200" dirty="0"/>
               <a:t>• Muy buen rendimiento (AUC = 0,86)</a:t>
             </a:r>
           </a:p>
@@ -17618,7 +17641,7 @@
             <a:pPr algn="just"/>
             <a:r>
               <a:rPr lang="es-MX" dirty="0"/>
-              <a:t>Estudio analizado: Modelo predictivo basado en síntomas para CRC </a:t>
+              <a:t>Estudio analizado: Modelo predictivo basado en síntomas para CCR </a:t>
             </a:r>
           </a:p>
           <a:p>
@@ -18625,7 +18648,7 @@
             </a:pPr>
             <a:r>
               <a:rPr lang="es-CL" dirty="0"/>
-              <a:t>Diagnóstico CRC</a:t>
+              <a:t>Diagnóstico CCR</a:t>
             </a:r>
           </a:p>
         </p:txBody>
@@ -19048,7 +19071,7 @@
           <p:nvPr>
             <p:extLst>
               <p:ext uri="{D42A27DB-BD31-4B8C-83A1-F6EECF244321}">
-                <p14:modId xmlns:p14="http://schemas.microsoft.com/office/powerpoint/2010/main" val="3341564963"/>
+                <p14:modId xmlns:p14="http://schemas.microsoft.com/office/powerpoint/2010/main" val="3765128849"/>
               </p:ext>
             </p:extLst>
           </p:nvPr>
@@ -20262,7 +20285,7 @@
           <a:p>
             <a:r>
               <a:rPr lang="es-CL" sz="1600" dirty="0"/>
-              <a:t>CRC Positivo</a:t>
+              <a:t>CCR Positivo</a:t>
             </a:r>
           </a:p>
         </p:txBody>
@@ -20941,7 +20964,7 @@
           <a:p>
             <a:r>
               <a:rPr lang="es-CL" dirty="0"/>
-              <a:t>Técnica apropiada para variable dependiente binaria (tiene / no tiene CRC).</a:t>
+              <a:t>Técnica apropiada para variable dependiente binaria (tiene / no tiene CCR).</a:t>
             </a:r>
           </a:p>
         </p:txBody>
@@ -21369,7 +21392,7 @@
           <p:nvPr/>
         </p:nvPicPr>
         <p:blipFill>
-          <a:blip r:embed="rId3">
+          <a:blip r:embed="rId4">
             <a:extLst>
               <a:ext uri="{28A0092B-C50C-407E-A947-70E740481C1C}">
                 <a14:useLocalDpi xmlns:a14="http://schemas.microsoft.com/office/drawing/2010/main" val="0"/>
@@ -21586,18 +21609,18 @@
           <p:nvPr>
             <p:extLst>
               <p:ext uri="{D42A27DB-BD31-4B8C-83A1-F6EECF244321}">
-                <p14:modId xmlns:p14="http://schemas.microsoft.com/office/powerpoint/2010/main" val="2117988088"/>
+                <p14:modId xmlns:p14="http://schemas.microsoft.com/office/powerpoint/2010/main" val="2390577820"/>
               </p:ext>
             </p:extLst>
           </p:nvPr>
         </p:nvGraphicFramePr>
         <p:xfrm>
-          <a:off x="191654" y="1951143"/>
-          <a:ext cx="5183910" cy="3464326"/>
+          <a:off x="250239" y="1893138"/>
+          <a:ext cx="5019183" cy="3532232"/>
         </p:xfrm>
         <a:graphic>
           <a:graphicData uri="http://schemas.openxmlformats.org/drawingml/2006/chart">
-            <c:chart xmlns:c="http://schemas.openxmlformats.org/drawingml/2006/chart" xmlns:r="http://schemas.openxmlformats.org/officeDocument/2006/relationships" r:id="rId4"/>
+            <c:chart xmlns:c="http://schemas.openxmlformats.org/drawingml/2006/chart" xmlns:r="http://schemas.openxmlformats.org/officeDocument/2006/relationships" r:id="rId5"/>
           </a:graphicData>
         </a:graphic>
       </p:graphicFrame>
@@ -21657,63 +21680,6 @@
       </p:sp>
       <p:sp>
         <p:nvSpPr>
-          <p:cNvPr id="14" name="Rectángulo: esquinas redondeadas 13">
-            <a:extLst>
-              <a:ext uri="{FF2B5EF4-FFF2-40B4-BE49-F238E27FC236}">
-                <a16:creationId xmlns:a16="http://schemas.microsoft.com/office/drawing/2014/main" id="{E28F0F11-0BFA-9B56-4356-A126EC4BA1B1}"/>
-              </a:ext>
-            </a:extLst>
-          </p:cNvPr>
-          <p:cNvSpPr/>
-          <p:nvPr/>
-        </p:nvSpPr>
-        <p:spPr>
-          <a:xfrm>
-            <a:off x="8057935" y="4647138"/>
-            <a:ext cx="3098569" cy="964530"/>
-          </a:xfrm>
-          <a:prstGeom prst="roundRect">
-            <a:avLst/>
-          </a:prstGeom>
-          <a:solidFill>
-            <a:schemeClr val="accent2">
-              <a:lumMod val="75000"/>
-            </a:schemeClr>
-          </a:solidFill>
-          <a:ln>
-            <a:noFill/>
-          </a:ln>
-        </p:spPr>
-        <p:style>
-          <a:lnRef idx="2">
-            <a:schemeClr val="accent1">
-              <a:shade val="15000"/>
-            </a:schemeClr>
-          </a:lnRef>
-          <a:fillRef idx="1">
-            <a:schemeClr val="accent1"/>
-          </a:fillRef>
-          <a:effectRef idx="0">
-            <a:schemeClr val="accent1"/>
-          </a:effectRef>
-          <a:fontRef idx="minor">
-            <a:schemeClr val="lt1"/>
-          </a:fontRef>
-        </p:style>
-        <p:txBody>
-          <a:bodyPr rtlCol="0" anchor="ctr"/>
-          <a:lstStyle/>
-          <a:p>
-            <a:pPr algn="ctr"/>
-            <a:r>
-              <a:rPr lang="es-CL" dirty="0"/>
-              <a:t>Estas 4 variables nuevas mejoran la predicción mas allá del protocolo GES actual</a:t>
-            </a:r>
-          </a:p>
-        </p:txBody>
-      </p:sp>
-      <p:sp>
-        <p:nvSpPr>
           <p:cNvPr id="15" name="Rectángulo: esquinas redondeadas 14">
             <a:extLst>
               <a:ext uri="{FF2B5EF4-FFF2-40B4-BE49-F238E27FC236}">
@@ -21726,8 +21692,8 @@
         </p:nvSpPr>
         <p:spPr>
           <a:xfrm>
-            <a:off x="5596883" y="1140038"/>
-            <a:ext cx="2459535" cy="2503707"/>
+            <a:off x="5623301" y="1155263"/>
+            <a:ext cx="2707039" cy="1983144"/>
           </a:xfrm>
           <a:prstGeom prst="roundRect">
             <a:avLst/>
@@ -21760,20 +21726,20 @@
           <a:p>
             <a:pPr algn="ctr"/>
             <a:r>
-              <a:rPr lang="es-CL" dirty="0"/>
+              <a:rPr lang="es-CL" sz="1400" dirty="0"/>
               <a:t>Variables GES </a:t>
             </a:r>
           </a:p>
           <a:p>
             <a:pPr algn="ctr"/>
             <a:r>
-              <a:rPr lang="es-CL" dirty="0"/>
+              <a:rPr lang="es-CL" sz="1400" dirty="0"/>
               <a:t>(ya en protocolo)</a:t>
             </a:r>
           </a:p>
           <a:p>
             <a:pPr algn="ctr"/>
-            <a:endParaRPr lang="es-CL" dirty="0"/>
+            <a:endParaRPr lang="es-CL" sz="1400" dirty="0"/>
           </a:p>
           <a:p>
             <a:pPr marL="285750" indent="-285750">
@@ -21781,8 +21747,8 @@
               <a:buChar char="ü"/>
             </a:pPr>
             <a:r>
-              <a:rPr lang="es-CL" dirty="0"/>
-              <a:t>Sangrado GI</a:t>
+              <a:rPr lang="es-CL" sz="1400" dirty="0"/>
+              <a:t>Sangrado GI 	  (p&lt;0,001)</a:t>
             </a:r>
           </a:p>
           <a:p>
@@ -21791,8 +21757,8 @@
               <a:buChar char="ü"/>
             </a:pPr>
             <a:r>
-              <a:rPr lang="es-CL" dirty="0"/>
-              <a:t>Edad</a:t>
+              <a:rPr lang="es-CL" sz="1400" dirty="0"/>
+              <a:t>Edad                    (p=0,002)</a:t>
             </a:r>
           </a:p>
           <a:p>
@@ -21801,8 +21767,8 @@
               <a:buChar char="ü"/>
             </a:pPr>
             <a:r>
-              <a:rPr lang="es-CL" dirty="0"/>
-              <a:t>Diarrea</a:t>
+              <a:rPr lang="es-CL" sz="1400" dirty="0"/>
+              <a:t>Diarrea                (p=0,008)</a:t>
             </a:r>
           </a:p>
           <a:p>
@@ -21811,8 +21777,8 @@
               <a:buChar char="ü"/>
             </a:pPr>
             <a:r>
-              <a:rPr lang="es-CL" dirty="0"/>
-              <a:t>Masa rectal</a:t>
+              <a:rPr lang="es-CL" sz="1400" dirty="0"/>
+              <a:t>Masa rectal        (p=0,003)</a:t>
             </a:r>
           </a:p>
           <a:p>
@@ -21821,8 +21787,8 @@
               <a:buChar char="ü"/>
             </a:pPr>
             <a:r>
-              <a:rPr lang="es-CL" dirty="0"/>
-              <a:t>Anemia</a:t>
+              <a:rPr lang="es-CL" sz="1400" dirty="0"/>
+              <a:t>Anemia               (p=0,011)</a:t>
             </a:r>
           </a:p>
         </p:txBody>
@@ -21841,8 +21807,8 @@
         </p:nvSpPr>
         <p:spPr>
           <a:xfrm>
-            <a:off x="8277737" y="1140038"/>
-            <a:ext cx="2611936" cy="2503706"/>
+            <a:off x="5623300" y="3343921"/>
+            <a:ext cx="2707040" cy="1983143"/>
           </a:xfrm>
           <a:prstGeom prst="roundRect">
             <a:avLst/>
@@ -21878,20 +21844,20 @@
           <a:p>
             <a:pPr algn="ctr"/>
             <a:r>
-              <a:rPr lang="es-CL" dirty="0"/>
+              <a:rPr lang="es-CL" sz="1400" dirty="0"/>
               <a:t>Variables nuevas </a:t>
             </a:r>
           </a:p>
           <a:p>
             <a:pPr algn="ctr"/>
             <a:r>
-              <a:rPr lang="es-CL" dirty="0"/>
+              <a:rPr lang="es-CL" sz="1400" dirty="0"/>
               <a:t>(no están en protocolo)</a:t>
             </a:r>
           </a:p>
           <a:p>
             <a:pPr algn="ctr"/>
-            <a:endParaRPr lang="es-CL" dirty="0"/>
+            <a:endParaRPr lang="es-CL" sz="1400" dirty="0"/>
           </a:p>
           <a:p>
             <a:pPr marL="285750" indent="-285750">
@@ -21899,8 +21865,8 @@
               <a:buChar char="ü"/>
             </a:pPr>
             <a:r>
-              <a:rPr lang="es-CL" dirty="0"/>
-              <a:t>Tomografía CT</a:t>
+              <a:rPr lang="es-CL" sz="1400" dirty="0"/>
+              <a:t>Tomografía CT	      (p&lt;0,001)</a:t>
             </a:r>
           </a:p>
           <a:p>
@@ -21909,8 +21875,8 @@
               <a:buChar char="ü"/>
             </a:pPr>
             <a:r>
-              <a:rPr lang="es-CL" dirty="0"/>
-              <a:t>Ecografía</a:t>
+              <a:rPr lang="es-CL" sz="1400" dirty="0"/>
+              <a:t>Ecografía 	      (p=0,004)</a:t>
             </a:r>
           </a:p>
           <a:p>
@@ -21919,8 +21885,8 @@
               <a:buChar char="ü"/>
             </a:pPr>
             <a:r>
-              <a:rPr lang="es-CL" dirty="0"/>
-              <a:t>Condición general</a:t>
+              <a:rPr lang="es-CL" sz="1400" dirty="0"/>
+              <a:t>Condición general (p=0,015)</a:t>
             </a:r>
           </a:p>
           <a:p>
@@ -21929,18 +21895,18 @@
               <a:buChar char="ü"/>
             </a:pPr>
             <a:r>
-              <a:rPr lang="es-CL" dirty="0"/>
-              <a:t>Sexo</a:t>
+              <a:rPr lang="es-CL" sz="1400" dirty="0"/>
+              <a:t>Sexo                         (p=0,023)</a:t>
             </a:r>
           </a:p>
         </p:txBody>
       </p:sp>
       <p:sp>
         <p:nvSpPr>
-          <p:cNvPr id="17" name="Flecha: hacia abajo 16">
+          <p:cNvPr id="7" name="Rectángulo: esquinas redondeadas 6">
             <a:extLst>
               <a:ext uri="{FF2B5EF4-FFF2-40B4-BE49-F238E27FC236}">
-                <a16:creationId xmlns:a16="http://schemas.microsoft.com/office/drawing/2014/main" id="{FB1C4D6A-30F4-A3F3-9E2D-227C009BEDEC}"/>
+                <a16:creationId xmlns:a16="http://schemas.microsoft.com/office/drawing/2014/main" id="{3E530D21-87C2-C2C3-853D-6020997317FB}"/>
               </a:ext>
             </a:extLst>
           </p:cNvPr>
@@ -21948,15 +21914,118 @@
           <p:nvPr/>
         </p:nvSpPr>
         <p:spPr>
-          <a:xfrm rot="10800000">
-            <a:off x="9337963" y="3828989"/>
-            <a:ext cx="526473" cy="632905"/>
+          <a:xfrm>
+            <a:off x="8556673" y="1111679"/>
+            <a:ext cx="3385088" cy="2351697"/>
           </a:xfrm>
-          <a:prstGeom prst="downArrow">
+          <a:prstGeom prst="roundRect">
             <a:avLst/>
           </a:prstGeom>
           <a:solidFill>
-            <a:schemeClr val="accent2">
+            <a:srgbClr val="C00000"/>
+          </a:solidFill>
+          <a:ln>
+            <a:noFill/>
+          </a:ln>
+        </p:spPr>
+        <p:style>
+          <a:lnRef idx="2">
+            <a:schemeClr val="accent1">
+              <a:shade val="15000"/>
+            </a:schemeClr>
+          </a:lnRef>
+          <a:fillRef idx="1">
+            <a:schemeClr val="accent1"/>
+          </a:fillRef>
+          <a:effectRef idx="0">
+            <a:schemeClr val="accent1"/>
+          </a:effectRef>
+          <a:fontRef idx="minor">
+            <a:schemeClr val="lt1"/>
+          </a:fontRef>
+        </p:style>
+        <p:txBody>
+          <a:bodyPr rtlCol="0" anchor="ctr"/>
+          <a:lstStyle/>
+          <a:p>
+            <a:pPr algn="ctr"/>
+            <a:r>
+              <a:rPr lang="es-CL" sz="1400" dirty="0"/>
+              <a:t> Variables NO Significativas </a:t>
+            </a:r>
+          </a:p>
+          <a:p>
+            <a:endParaRPr lang="es-CL" sz="1400" dirty="0"/>
+          </a:p>
+          <a:p>
+            <a:r>
+              <a:rPr lang="es-CL" sz="1400" dirty="0"/>
+              <a:t>• Pérdida de peso                        (p=0,12)</a:t>
+            </a:r>
+          </a:p>
+          <a:p>
+            <a:r>
+              <a:rPr lang="es-CL" sz="1400" dirty="0"/>
+              <a:t>• Dolor abdominal                       (p=0,28)</a:t>
+            </a:r>
+          </a:p>
+          <a:p>
+            <a:r>
+              <a:rPr lang="es-CL" sz="1400" dirty="0"/>
+              <a:t>• Estreñimiento                            (p=0,45)</a:t>
+            </a:r>
+          </a:p>
+          <a:p>
+            <a:r>
+              <a:rPr lang="es-CL" sz="1400" dirty="0"/>
+              <a:t>• Cambio hábito intestinal         (p=0,33)</a:t>
+            </a:r>
+          </a:p>
+          <a:p>
+            <a:r>
+              <a:rPr lang="es-CL" sz="1400" dirty="0"/>
+              <a:t>• Antecedentes familiares CCR (p=0,19)</a:t>
+            </a:r>
+          </a:p>
+          <a:p>
+            <a:r>
+              <a:rPr lang="es-CL" sz="1400" dirty="0"/>
+              <a:t>• Leucocitosis                                (p=0,51)</a:t>
+            </a:r>
+          </a:p>
+          <a:p>
+            <a:r>
+              <a:rPr lang="es-CL" sz="1400" dirty="0"/>
+              <a:t>• Colonoscopía previa                 (p=0,38)</a:t>
+            </a:r>
+          </a:p>
+          <a:p>
+            <a:endParaRPr lang="es-CL" sz="1400" dirty="0"/>
+          </a:p>
+        </p:txBody>
+      </p:sp>
+      <p:sp>
+        <p:nvSpPr>
+          <p:cNvPr id="12" name="Rectángulo: esquinas redondeadas 11">
+            <a:extLst>
+              <a:ext uri="{FF2B5EF4-FFF2-40B4-BE49-F238E27FC236}">
+                <a16:creationId xmlns:a16="http://schemas.microsoft.com/office/drawing/2014/main" id="{86BECD4D-89F0-B8CA-3B12-16F64FE8AE01}"/>
+              </a:ext>
+            </a:extLst>
+          </p:cNvPr>
+          <p:cNvSpPr/>
+          <p:nvPr/>
+        </p:nvSpPr>
+        <p:spPr>
+          <a:xfrm>
+            <a:off x="3289170" y="5876964"/>
+            <a:ext cx="6195792" cy="333336"/>
+          </a:xfrm>
+          <a:prstGeom prst="roundRect">
+            <a:avLst/>
+          </a:prstGeom>
+          <a:solidFill>
+            <a:schemeClr val="tx2">
               <a:lumMod val="75000"/>
             </a:schemeClr>
           </a:solidFill>
@@ -21978,11 +22047,13 @@
           </a:fontRef>
         </p:style>
         <p:txBody>
-          <a:bodyPr rtlCol="0" anchor="ctr"/>
+          <a:bodyPr rtlCol="0" anchor="t"/>
           <a:lstStyle/>
           <a:p>
-            <a:pPr algn="ctr"/>
-            <a:endParaRPr lang="es-CL" dirty="0"/>
+            <a:r>
+              <a:rPr lang="es-CL" sz="1400" dirty="0"/>
+              <a:t>Criterio: p&lt;0,05 para inclusión en modelo.  (p) Valor de probabilidad.</a:t>
+            </a:r>
           </a:p>
         </p:txBody>
       </p:sp>
@@ -21996,6 +22067,11 @@
   <p:clrMapOvr>
     <a:masterClrMapping/>
   </p:clrMapOvr>
+  <p:extLst>
+    <p:ext uri="{6950BFC3-D8DA-4A85-94F7-54DA5524770B}">
+      <p188:commentRel xmlns:p188="http://schemas.microsoft.com/office/powerpoint/2018/8/main" r:id="rId3"/>
+    </p:ext>
+  </p:extLst>
 </p:sld>
 </file>
 
@@ -22390,14 +22466,14 @@
           <p:nvPr>
             <p:extLst>
               <p:ext uri="{D42A27DB-BD31-4B8C-83A1-F6EECF244321}">
-                <p14:modId xmlns:p14="http://schemas.microsoft.com/office/powerpoint/2010/main" val="3981606597"/>
+                <p14:modId xmlns:p14="http://schemas.microsoft.com/office/powerpoint/2010/main" val="1874811142"/>
               </p:ext>
             </p:extLst>
           </p:nvPr>
         </p:nvGraphicFramePr>
         <p:xfrm>
-          <a:off x="0" y="1757429"/>
-          <a:ext cx="10132681" cy="2653751"/>
+          <a:off x="476250" y="2015728"/>
+          <a:ext cx="7795259" cy="2653751"/>
         </p:xfrm>
         <a:graphic>
           <a:graphicData uri="http://schemas.openxmlformats.org/drawingml/2006/chart">
@@ -22419,7 +22495,7 @@
         </p:nvSpPr>
         <p:spPr>
           <a:xfrm>
-            <a:off x="7952515" y="4077268"/>
+            <a:off x="7518175" y="4109321"/>
             <a:ext cx="4059369" cy="2049012"/>
           </a:xfrm>
           <a:prstGeom prst="roundRect">
@@ -22531,7 +22607,7 @@
         </p:nvSpPr>
         <p:spPr>
           <a:xfrm>
-            <a:off x="9658342" y="1126222"/>
+            <a:off x="8378047" y="1486497"/>
             <a:ext cx="2339623" cy="1627691"/>
           </a:xfrm>
           <a:prstGeom prst="roundRect">
@@ -22635,8 +22711,8 @@
         </p:nvSpPr>
         <p:spPr>
           <a:xfrm>
-            <a:off x="361949" y="4903841"/>
-            <a:ext cx="6340855" cy="1222439"/>
+            <a:off x="361948" y="5335573"/>
+            <a:ext cx="6340855" cy="822760"/>
           </a:xfrm>
           <a:prstGeom prst="roundRect">
             <a:avLst/>
@@ -22683,6 +22759,76 @@
               <a:t>demostrando el valor de incluir estudios de imagen.</a:t>
             </a:r>
             <a:endParaRPr lang="es-CL" dirty="0"/>
+          </a:p>
+        </p:txBody>
+      </p:sp>
+      <p:sp>
+        <p:nvSpPr>
+          <p:cNvPr id="7" name="CuadroTexto 6">
+            <a:extLst>
+              <a:ext uri="{FF2B5EF4-FFF2-40B4-BE49-F238E27FC236}">
+                <a16:creationId xmlns:a16="http://schemas.microsoft.com/office/drawing/2014/main" id="{651024D7-6B47-ABEA-4FF4-F697AB2E399B}"/>
+              </a:ext>
+            </a:extLst>
+          </p:cNvPr>
+          <p:cNvSpPr txBox="1"/>
+          <p:nvPr/>
+        </p:nvSpPr>
+        <p:spPr>
+          <a:xfrm>
+            <a:off x="361948" y="1707951"/>
+            <a:ext cx="1058303" cy="307777"/>
+          </a:xfrm>
+          <a:prstGeom prst="rect">
+            <a:avLst/>
+          </a:prstGeom>
+          <a:noFill/>
+        </p:spPr>
+        <p:txBody>
+          <a:bodyPr wrap="none" rtlCol="0">
+            <a:spAutoFit/>
+          </a:bodyPr>
+          <a:lstStyle/>
+          <a:p>
+            <a:r>
+              <a:rPr lang="es-CL" sz="1400" dirty="0"/>
+              <a:t>Sensibilidad</a:t>
+            </a:r>
+          </a:p>
+        </p:txBody>
+      </p:sp>
+      <p:sp>
+        <p:nvSpPr>
+          <p:cNvPr id="9" name="CuadroTexto 8">
+            <a:extLst>
+              <a:ext uri="{FF2B5EF4-FFF2-40B4-BE49-F238E27FC236}">
+                <a16:creationId xmlns:a16="http://schemas.microsoft.com/office/drawing/2014/main" id="{271D4FB8-4E59-C35A-AC1F-18917D04F603}"/>
+              </a:ext>
+            </a:extLst>
+          </p:cNvPr>
+          <p:cNvSpPr txBox="1"/>
+          <p:nvPr/>
+        </p:nvSpPr>
+        <p:spPr>
+          <a:xfrm>
+            <a:off x="2733435" y="4634232"/>
+            <a:ext cx="1133644" cy="307777"/>
+          </a:xfrm>
+          <a:prstGeom prst="rect">
+            <a:avLst/>
+          </a:prstGeom>
+          <a:noFill/>
+        </p:spPr>
+        <p:txBody>
+          <a:bodyPr wrap="none" rtlCol="0">
+            <a:spAutoFit/>
+          </a:bodyPr>
+          <a:lstStyle/>
+          <a:p>
+            <a:r>
+              <a:rPr lang="es-CL" sz="1400" dirty="0"/>
+              <a:t>Especificidad</a:t>
+            </a:r>
           </a:p>
         </p:txBody>
       </p:sp>

--- a/material/PRESENTACION/cienciadedatosaplicada_investigacion.pptx
+++ b/material/PRESENTACION/cienciadedatosaplicada_investigacion.pptx
@@ -130,6 +130,7 @@
 <file path=ppt/authors.xml><?xml version="1.0" encoding="utf-8"?>
 <p188:authorLst xmlns:a="http://schemas.openxmlformats.org/drawingml/2006/main" xmlns:r="http://schemas.openxmlformats.org/officeDocument/2006/relationships" xmlns:p188="http://schemas.microsoft.com/office/powerpoint/2018/8/main">
   <p188:author id="{F41D8B98-483F-74EF-7ECF-E3886A2D2BF2}" name="Eric Silva Latorre" initials="ES" userId="74806c10bc288813" providerId="Windows Live"/>
+  <p188:author id="{2F7A7DD7-8D6D-E87B-E17C-620A254122A4}" name="Eric Silva" initials="ES" userId="fc2d2a4317f73617" providerId="Windows Live"/>
   <p188:author id="{FB1660F4-BA9A-82B8-C334-CF91C75A5656}" name="Ruth Marcela Espinosa Sarmiento" initials="RS" userId="S::ruth.espinosa@unab.cl::2acad1b5-36c7-4a86-bd14-a01055d811d0" providerId="AD"/>
 </p188:authorLst>
 </file>
@@ -4295,6 +4296,55 @@
 Esto demuestra cómo el análisis de datos puede optimizar protocolos 
 clínicos existentes identificando variables relevantes que antes 
 no se consideraban.</a:t>
+        </a:r>
+      </a:p>
+    </p188:txBody>
+  </p188:cm>
+</p188:cmLst>
+</file>
+
+<file path=ppt/comments/modernComment_7BBF579B_5282B8A1.xml><?xml version="1.0" encoding="utf-8"?>
+<p188:cmLst xmlns:a="http://schemas.openxmlformats.org/drawingml/2006/main" xmlns:r="http://schemas.openxmlformats.org/officeDocument/2006/relationships" xmlns:p188="http://schemas.microsoft.com/office/powerpoint/2018/8/main">
+  <p188:cm id="{536FBF75-86CF-4B23-A6BC-E7B74F427F37}" authorId="{2F7A7DD7-8D6D-E87B-E17C-620A254122A4}" created="2025-11-17T20:21:26.692">
+    <pc:sldMkLst xmlns:pc="http://schemas.microsoft.com/office/powerpoint/2013/main/command">
+      <pc:docMk/>
+      <pc:sldMk cId="1384298657" sldId="2076137371"/>
+    </pc:sldMkLst>
+    <p188:txBody>
+      <a:bodyPr/>
+      <a:lstStyle/>
+      <a:p>
+        <a:r>
+          <a:rPr lang="es-CL"/>
+          <a:t>En el estudio se crearon dos algoritmos: uno completo con 9 variables y otro simplificado con 7 variables.
+Los resultados muestran que el modelo completo alcanzó AUC 0,86 y el simplificado 0,81, ambos con rendimiento MUY BUENO. La diferencia es mínima: solo 5 puntos.
+Lo valioso detectado es que se puede mantener alta precisión con menos datos. Esto significa mayor eficiencia, mejor escalabilidad y más robustez para implementar en diferentes contextos.
+El estudio confirma el valor de los estudios de imagen pero también revela que el modelo simple es una alternativa práctica. La lección clave: más datos no siempre significa mejores resultados.
+En conclusión, los investigadores demostraron que la ciencia de datos puede crear herramientas diagnósticas tanto precisas como accesibles.</a:t>
+        </a:r>
+      </a:p>
+    </p188:txBody>
+  </p188:cm>
+</p188:cmLst>
+</file>
+
+<file path=ppt/comments/modernComment_7BBF579C_EAEB6B86.xml><?xml version="1.0" encoding="utf-8"?>
+<p188:cmLst xmlns:a="http://schemas.openxmlformats.org/drawingml/2006/main" xmlns:r="http://schemas.openxmlformats.org/officeDocument/2006/relationships" xmlns:p188="http://schemas.microsoft.com/office/powerpoint/2018/8/main">
+  <p188:cm id="{A22AB12F-7491-4FCA-A0DC-121189ACE5E3}" authorId="{2F7A7DD7-8D6D-E87B-E17C-620A254122A4}" created="2025-11-17T20:25:19">
+    <pc:sldMkLst xmlns:pc="http://schemas.microsoft.com/office/powerpoint/2013/main/command">
+      <pc:docMk/>
+      <pc:sldMk cId="3941297030" sldId="2076137372"/>
+    </pc:sldMkLst>
+    <p188:txBody>
+      <a:bodyPr/>
+      <a:lstStyle/>
+      <a:p>
+        <a:r>
+          <a:rPr lang="es-CL"/>
+          <a:t>La realidad es alarmante: 87% de pacientes NO son diagnosticados oportunamente. De los casos detectados, 67% llegan en estadios avanzados cuando ya es tarde.
+El impacto es devastador. Supervivencia a 5 años: 90% si se detecta temprano versus solo 14% en estadio metastásico. La detección temprana multiplica por 6 las probabilidades de vivir.
+Dos de cada tres pacientes pierden la oportunidad de un tratamiento efectivo por diagnóstico tardío. Aquí es donde los algoritmos predictivos que vimos anteriormente se vuelven cruciales: pueden cambiar esta estadística detectando la enfermedad antes de que sea demasiado tarde.
+La ciencia de datos no es solo tecnología - también puede marcar la diferencia entre poder salvar más vidas. Si mejoramos la detección temprana por supuesto.</a:t>
         </a:r>
       </a:p>
     </p188:txBody>
@@ -22196,7 +22246,7 @@
           <p:nvPr/>
         </p:nvPicPr>
         <p:blipFill>
-          <a:blip r:embed="rId3">
+          <a:blip r:embed="rId4">
             <a:extLst>
               <a:ext uri="{28A0092B-C50C-407E-A947-70E740481C1C}">
                 <a14:useLocalDpi xmlns:a14="http://schemas.microsoft.com/office/drawing/2010/main" val="0"/>
@@ -22466,7 +22516,7 @@
           <p:nvPr>
             <p:extLst>
               <p:ext uri="{D42A27DB-BD31-4B8C-83A1-F6EECF244321}">
-                <p14:modId xmlns:p14="http://schemas.microsoft.com/office/powerpoint/2010/main" val="1874811142"/>
+                <p14:modId xmlns:p14="http://schemas.microsoft.com/office/powerpoint/2010/main" val="3061990940"/>
               </p:ext>
             </p:extLst>
           </p:nvPr>
@@ -22477,7 +22527,7 @@
         </p:xfrm>
         <a:graphic>
           <a:graphicData uri="http://schemas.openxmlformats.org/drawingml/2006/chart">
-            <c:chart xmlns:c="http://schemas.openxmlformats.org/drawingml/2006/chart" xmlns:r="http://schemas.openxmlformats.org/officeDocument/2006/relationships" r:id="rId4"/>
+            <c:chart xmlns:c="http://schemas.openxmlformats.org/drawingml/2006/chart" xmlns:r="http://schemas.openxmlformats.org/officeDocument/2006/relationships" r:id="rId5"/>
           </a:graphicData>
         </a:graphic>
       </p:graphicFrame>
@@ -22842,6 +22892,11 @@
   <p:clrMapOvr>
     <a:masterClrMapping/>
   </p:clrMapOvr>
+  <p:extLst>
+    <p:ext uri="{6950BFC3-D8DA-4A85-94F7-54DA5524770B}">
+      <p188:commentRel xmlns:p188="http://schemas.microsoft.com/office/powerpoint/2018/8/main" r:id="rId3"/>
+    </p:ext>
+  </p:extLst>
 </p:sld>
 </file>
 
@@ -22966,7 +23021,7 @@
           <p:nvPr/>
         </p:nvPicPr>
         <p:blipFill>
-          <a:blip r:embed="rId3">
+          <a:blip r:embed="rId4">
             <a:extLst>
               <a:ext uri="{28A0092B-C50C-407E-A947-70E740481C1C}">
                 <a14:useLocalDpi xmlns:a14="http://schemas.microsoft.com/office/drawing/2010/main" val="0"/>
@@ -23247,7 +23302,7 @@
         </p:xfrm>
         <a:graphic>
           <a:graphicData uri="http://schemas.openxmlformats.org/drawingml/2006/chart">
-            <c:chart xmlns:c="http://schemas.openxmlformats.org/drawingml/2006/chart" xmlns:r="http://schemas.openxmlformats.org/officeDocument/2006/relationships" r:id="rId4"/>
+            <c:chart xmlns:c="http://schemas.openxmlformats.org/drawingml/2006/chart" xmlns:r="http://schemas.openxmlformats.org/officeDocument/2006/relationships" r:id="rId5"/>
           </a:graphicData>
         </a:graphic>
       </p:graphicFrame>
@@ -23275,7 +23330,7 @@
         </p:xfrm>
         <a:graphic>
           <a:graphicData uri="http://schemas.openxmlformats.org/drawingml/2006/chart">
-            <c:chart xmlns:c="http://schemas.openxmlformats.org/drawingml/2006/chart" xmlns:r="http://schemas.openxmlformats.org/officeDocument/2006/relationships" r:id="rId5"/>
+            <c:chart xmlns:c="http://schemas.openxmlformats.org/drawingml/2006/chart" xmlns:r="http://schemas.openxmlformats.org/officeDocument/2006/relationships" r:id="rId6"/>
           </a:graphicData>
         </a:graphic>
       </p:graphicFrame>
@@ -23480,6 +23535,11 @@
   <p:clrMapOvr>
     <a:masterClrMapping/>
   </p:clrMapOvr>
+  <p:extLst>
+    <p:ext uri="{6950BFC3-D8DA-4A85-94F7-54DA5524770B}">
+      <p188:commentRel xmlns:p188="http://schemas.microsoft.com/office/powerpoint/2018/8/main" r:id="rId3"/>
+    </p:ext>
+  </p:extLst>
 </p:sld>
 </file>
 

--- a/material/PRESENTACION/cienciadedatosaplicada_investigacion.pptx
+++ b/material/PRESENTACION/cienciadedatosaplicada_investigacion.pptx
@@ -1298,61 +1298,6 @@
               </c:ext>
             </c:extLst>
           </c:dPt>
-          <c:dLbls>
-            <c:spPr>
-              <a:noFill/>
-              <a:ln>
-                <a:noFill/>
-              </a:ln>
-              <a:effectLst/>
-            </c:spPr>
-            <c:txPr>
-              <a:bodyPr rot="0" spcFirstLastPara="1" vertOverflow="ellipsis" vert="horz" wrap="square" lIns="38100" tIns="19050" rIns="38100" bIns="19050" anchor="ctr" anchorCtr="1">
-                <a:spAutoFit/>
-              </a:bodyPr>
-              <a:lstStyle/>
-              <a:p>
-                <a:pPr>
-                  <a:defRPr sz="1197" b="0" i="0" u="none" strike="noStrike" kern="1200" baseline="0">
-                    <a:solidFill>
-                      <a:schemeClr val="tx1">
-                        <a:lumMod val="75000"/>
-                        <a:lumOff val="25000"/>
-                      </a:schemeClr>
-                    </a:solidFill>
-                    <a:latin typeface="+mn-lt"/>
-                    <a:ea typeface="+mn-ea"/>
-                    <a:cs typeface="+mn-cs"/>
-                  </a:defRPr>
-                </a:pPr>
-                <a:endParaRPr lang="es-CL"/>
-              </a:p>
-            </c:txPr>
-            <c:showLegendKey val="0"/>
-            <c:showVal val="1"/>
-            <c:showCatName val="0"/>
-            <c:showSerName val="0"/>
-            <c:showPercent val="0"/>
-            <c:showBubbleSize val="0"/>
-            <c:showLeaderLines val="1"/>
-            <c:leaderLines>
-              <c:spPr>
-                <a:ln w="9525" cap="flat" cmpd="sng" algn="ctr">
-                  <a:solidFill>
-                    <a:schemeClr val="tx1">
-                      <a:lumMod val="35000"/>
-                      <a:lumOff val="65000"/>
-                    </a:schemeClr>
-                  </a:solidFill>
-                  <a:round/>
-                </a:ln>
-                <a:effectLst/>
-              </c:spPr>
-            </c:leaderLines>
-            <c:extLst>
-              <c:ext xmlns:c15="http://schemas.microsoft.com/office/drawing/2012/chart" uri="{CE6537A1-D6FC-4f65-9D91-7224C49458BB}"/>
-            </c:extLst>
-          </c:dLbls>
           <c:cat>
             <c:strRef>
               <c:f>Hoja1!$A$2:$A$3</c:f>
@@ -1374,10 +1319,10 @@
                 <c:formatCode>0%</c:formatCode>
                 <c:ptCount val="2"/>
                 <c:pt idx="0">
-                  <c:v>0.13</c:v>
+                  <c:v>0.87</c:v>
                 </c:pt>
                 <c:pt idx="1">
-                  <c:v>0.87</c:v>
+                  <c:v>0.13</c:v>
                 </c:pt>
               </c:numCache>
             </c:numRef>
@@ -1473,6 +1418,7 @@
   <c:externalData r:id="rId3">
     <c:autoUpdate val="0"/>
   </c:externalData>
+  <c:userShapes r:id="rId4"/>
 </c:chartSpace>
 </file>
 
@@ -4296,6 +4242,30 @@
 Esto demuestra cómo el análisis de datos puede optimizar protocolos 
 clínicos existentes identificando variables relevantes que antes 
 no se consideraban.</a:t>
+        </a:r>
+      </a:p>
+    </p188:txBody>
+  </p188:cm>
+</p188:cmLst>
+</file>
+
+<file path=ppt/comments/modernComment_7BBF579A_42C758FB.xml><?xml version="1.0" encoding="utf-8"?>
+<p188:cmLst xmlns:a="http://schemas.openxmlformats.org/drawingml/2006/main" xmlns:r="http://schemas.openxmlformats.org/officeDocument/2006/relationships" xmlns:p188="http://schemas.microsoft.com/office/powerpoint/2018/8/main">
+  <p188:cm id="{E44B3A08-7D50-40EE-875A-20B339FC5789}" authorId="{F41D8B98-483F-74EF-7ECF-E3886A2D2BF2}" created="2025-11-17T23:32:23.794">
+    <pc:sldMkLst xmlns:pc="http://schemas.microsoft.com/office/powerpoint/2013/main/command">
+      <pc:docMk/>
+      <pc:sldMk cId="1120360699" sldId="2076137370"/>
+    </pc:sldMkLst>
+    <p188:txBody>
+      <a:bodyPr/>
+      <a:lstStyle/>
+      <a:p>
+        <a:r>
+          <a:rPr lang="es-CL"/>
+          <a:t>1.- En este estudio se descubrieron dos cosas importantes: primero, hay 4 variables que deberían estar en el protocolo pero no lo están. 
+2.- Hay 7 variables que no aportan valor predictivo, algunas de las cuales actualmente se están usando. 
+3.- Se mejora la capacidad de predicción del modelo en casi 20%
+4.- Se cumplen 4 etapas del ciclo de ciencia de datos: problema de negocio, datos y preparación, modelamiento y Evaluación. </a:t>
         </a:r>
       </a:p>
     </p188:txBody>
@@ -10128,6 +10098,101 @@
 </c:userShapes>
 </file>
 
+<file path=ppt/drawings/drawing2.xml><?xml version="1.0" encoding="utf-8"?>
+<c:userShapes xmlns:c="http://schemas.openxmlformats.org/drawingml/2006/chart">
+  <cdr:relSizeAnchor xmlns:cdr="http://schemas.openxmlformats.org/drawingml/2006/chartDrawing">
+    <cdr:from>
+      <cdr:x>0.49244</cdr:x>
+      <cdr:y>0.62231</cdr:y>
+    </cdr:from>
+    <cdr:to>
+      <cdr:x>0.68052</cdr:x>
+      <cdr:y>0.69714</cdr:y>
+    </cdr:to>
+    <cdr:sp macro="" textlink="">
+      <cdr:nvSpPr>
+        <cdr:cNvPr id="2" name="CuadroTexto 1">
+          <a:extLst xmlns:a="http://schemas.openxmlformats.org/drawingml/2006/main">
+            <a:ext uri="{FF2B5EF4-FFF2-40B4-BE49-F238E27FC236}">
+              <a16:creationId xmlns:a16="http://schemas.microsoft.com/office/drawing/2014/main" id="{DFB2C53F-14BF-6667-98E4-65817B95E8D5}"/>
+            </a:ext>
+          </a:extLst>
+        </cdr:cNvPr>
+        <cdr:cNvSpPr txBox="1"/>
+      </cdr:nvSpPr>
+      <cdr:spPr>
+        <a:xfrm xmlns:a="http://schemas.openxmlformats.org/drawingml/2006/main">
+          <a:off x="1428431" y="2236797"/>
+          <a:ext cx="545566" cy="268941"/>
+        </a:xfrm>
+        <a:prstGeom xmlns:a="http://schemas.openxmlformats.org/drawingml/2006/main" prst="rect">
+          <a:avLst/>
+        </a:prstGeom>
+      </cdr:spPr>
+      <cdr:txBody>
+        <a:bodyPr xmlns:a="http://schemas.openxmlformats.org/drawingml/2006/main" vertOverflow="clip" wrap="none" rtlCol="0"/>
+        <a:lstStyle xmlns:a="http://schemas.openxmlformats.org/drawingml/2006/main"/>
+        <a:p xmlns:a="http://schemas.openxmlformats.org/drawingml/2006/main">
+          <a:r>
+            <a:rPr lang="es-CL" sz="1400" kern="1200" dirty="0">
+              <a:solidFill>
+                <a:schemeClr val="bg1"/>
+              </a:solidFill>
+            </a:rPr>
+            <a:t>87%</a:t>
+          </a:r>
+        </a:p>
+      </cdr:txBody>
+    </cdr:sp>
+  </cdr:relSizeAnchor>
+  <cdr:relSizeAnchor xmlns:cdr="http://schemas.openxmlformats.org/drawingml/2006/chartDrawing">
+    <cdr:from>
+      <cdr:x>0.32025</cdr:x>
+      <cdr:y>0.25544</cdr:y>
+    </cdr:from>
+    <cdr:to>
+      <cdr:x>0.46595</cdr:x>
+      <cdr:y>0.33454</cdr:y>
+    </cdr:to>
+    <cdr:sp macro="" textlink="">
+      <cdr:nvSpPr>
+        <cdr:cNvPr id="3" name="CuadroTexto 2">
+          <a:extLst xmlns:a="http://schemas.openxmlformats.org/drawingml/2006/main">
+            <a:ext uri="{FF2B5EF4-FFF2-40B4-BE49-F238E27FC236}">
+              <a16:creationId xmlns:a16="http://schemas.microsoft.com/office/drawing/2014/main" id="{C9901E2B-2E97-D439-A2B9-69BE39DA4556}"/>
+            </a:ext>
+          </a:extLst>
+        </cdr:cNvPr>
+        <cdr:cNvSpPr txBox="1"/>
+      </cdr:nvSpPr>
+      <cdr:spPr>
+        <a:xfrm xmlns:a="http://schemas.openxmlformats.org/drawingml/2006/main">
+          <a:off x="928968" y="918130"/>
+          <a:ext cx="422622" cy="284309"/>
+        </a:xfrm>
+        <a:prstGeom xmlns:a="http://schemas.openxmlformats.org/drawingml/2006/main" prst="rect">
+          <a:avLst/>
+        </a:prstGeom>
+      </cdr:spPr>
+      <cdr:txBody>
+        <a:bodyPr xmlns:a="http://schemas.openxmlformats.org/drawingml/2006/main" vertOverflow="clip" wrap="none" rtlCol="0"/>
+        <a:lstStyle xmlns:a="http://schemas.openxmlformats.org/drawingml/2006/main"/>
+        <a:p xmlns:a="http://schemas.openxmlformats.org/drawingml/2006/main">
+          <a:r>
+            <a:rPr lang="es-CL" sz="1400" kern="1200" dirty="0">
+              <a:solidFill>
+                <a:schemeClr val="tx1"/>
+              </a:solidFill>
+            </a:rPr>
+            <a:t>13%</a:t>
+          </a:r>
+        </a:p>
+      </cdr:txBody>
+    </cdr:sp>
+  </cdr:relSizeAnchor>
+</c:userShapes>
+</file>
+
 <file path=ppt/notesMasters/notesMaster1.xml><?xml version="1.0" encoding="utf-8"?>
 <p:notesMaster xmlns:a="http://schemas.openxmlformats.org/drawingml/2006/main" xmlns:r="http://schemas.openxmlformats.org/officeDocument/2006/relationships" xmlns:p="http://schemas.openxmlformats.org/presentationml/2006/main">
   <p:cSld>
@@ -16449,7 +16514,7 @@
           <p:nvPr/>
         </p:nvPicPr>
         <p:blipFill>
-          <a:blip r:embed="rId3">
+          <a:blip r:embed="rId4">
             <a:extLst>
               <a:ext uri="{28A0092B-C50C-407E-A947-70E740481C1C}">
                 <a14:useLocalDpi xmlns:a14="http://schemas.microsoft.com/office/drawing/2010/main" val="0"/>
@@ -16653,6 +16718,528 @@
           </a:p>
         </p:txBody>
       </p:sp>
+      <p:sp>
+        <p:nvSpPr>
+          <p:cNvPr id="6" name="Rectángulo: esquinas redondeadas 5">
+            <a:extLst>
+              <a:ext uri="{FF2B5EF4-FFF2-40B4-BE49-F238E27FC236}">
+                <a16:creationId xmlns:a16="http://schemas.microsoft.com/office/drawing/2014/main" id="{8D4D47E0-2ECA-DFF2-D316-F3A91E20A558}"/>
+              </a:ext>
+            </a:extLst>
+          </p:cNvPr>
+          <p:cNvSpPr/>
+          <p:nvPr/>
+        </p:nvSpPr>
+        <p:spPr>
+          <a:xfrm>
+            <a:off x="2006330" y="1097055"/>
+            <a:ext cx="8179339" cy="4970982"/>
+          </a:xfrm>
+          <a:prstGeom prst="roundRect">
+            <a:avLst/>
+          </a:prstGeom>
+          <a:solidFill>
+            <a:schemeClr val="bg1"/>
+          </a:solidFill>
+          <a:ln>
+            <a:solidFill>
+              <a:schemeClr val="accent1">
+                <a:shade val="15000"/>
+              </a:schemeClr>
+            </a:solidFill>
+          </a:ln>
+        </p:spPr>
+        <p:style>
+          <a:lnRef idx="2">
+            <a:schemeClr val="accent1">
+              <a:shade val="15000"/>
+            </a:schemeClr>
+          </a:lnRef>
+          <a:fillRef idx="1">
+            <a:schemeClr val="accent1"/>
+          </a:fillRef>
+          <a:effectRef idx="0">
+            <a:schemeClr val="accent1"/>
+          </a:effectRef>
+          <a:fontRef idx="minor">
+            <a:schemeClr val="lt1"/>
+          </a:fontRef>
+        </p:style>
+        <p:txBody>
+          <a:bodyPr rtlCol="0" anchor="t"/>
+          <a:lstStyle/>
+          <a:p>
+            <a:r>
+              <a:rPr lang="es-MX" sz="1400" dirty="0">
+                <a:solidFill>
+                  <a:schemeClr val="tx1"/>
+                </a:solidFill>
+              </a:rPr>
+              <a:t>   </a:t>
+            </a:r>
+          </a:p>
+          <a:p>
+            <a:pPr algn="ctr"/>
+            <a:r>
+              <a:rPr lang="es-MX" sz="1400" dirty="0">
+                <a:solidFill>
+                  <a:schemeClr val="tx1"/>
+                </a:solidFill>
+              </a:rPr>
+              <a:t>                                                        </a:t>
+            </a:r>
+          </a:p>
+          <a:p>
+            <a:pPr algn="ctr"/>
+            <a:endParaRPr lang="es-MX" sz="1400" dirty="0">
+              <a:solidFill>
+                <a:schemeClr val="tx1"/>
+              </a:solidFill>
+            </a:endParaRPr>
+          </a:p>
+          <a:p>
+            <a:pPr algn="ctr"/>
+            <a:r>
+              <a:rPr lang="es-MX" sz="1400" dirty="0">
+                <a:solidFill>
+                  <a:schemeClr val="tx1"/>
+                </a:solidFill>
+              </a:rPr>
+              <a:t> </a:t>
+            </a:r>
+          </a:p>
+        </p:txBody>
+      </p:sp>
+      <p:pic>
+        <p:nvPicPr>
+          <p:cNvPr id="9" name="Imagen 8">
+            <a:extLst>
+              <a:ext uri="{FF2B5EF4-FFF2-40B4-BE49-F238E27FC236}">
+                <a16:creationId xmlns:a16="http://schemas.microsoft.com/office/drawing/2014/main" id="{4A594D4B-C525-F809-A838-EEEBEA801C51}"/>
+              </a:ext>
+            </a:extLst>
+          </p:cNvPr>
+          <p:cNvPicPr>
+            <a:picLocks noChangeAspect="1"/>
+          </p:cNvPicPr>
+          <p:nvPr/>
+        </p:nvPicPr>
+        <p:blipFill>
+          <a:blip r:embed="rId5">
+            <a:extLst>
+              <a:ext uri="{28A0092B-C50C-407E-A947-70E740481C1C}">
+                <a14:useLocalDpi xmlns:a14="http://schemas.microsoft.com/office/drawing/2010/main" val="0"/>
+              </a:ext>
+            </a:extLst>
+          </a:blip>
+          <a:stretch>
+            <a:fillRect/>
+          </a:stretch>
+        </p:blipFill>
+        <p:spPr>
+          <a:xfrm>
+            <a:off x="2513421" y="1307478"/>
+            <a:ext cx="1015089" cy="997023"/>
+          </a:xfrm>
+          <a:prstGeom prst="rect">
+            <a:avLst/>
+          </a:prstGeom>
+        </p:spPr>
+      </p:pic>
+      <p:pic>
+        <p:nvPicPr>
+          <p:cNvPr id="12" name="Imagen 11">
+            <a:extLst>
+              <a:ext uri="{FF2B5EF4-FFF2-40B4-BE49-F238E27FC236}">
+                <a16:creationId xmlns:a16="http://schemas.microsoft.com/office/drawing/2014/main" id="{ACA2265E-6715-AC27-605B-5A76AC433102}"/>
+              </a:ext>
+            </a:extLst>
+          </p:cNvPr>
+          <p:cNvPicPr>
+            <a:picLocks noChangeAspect="1"/>
+          </p:cNvPicPr>
+          <p:nvPr/>
+        </p:nvPicPr>
+        <p:blipFill>
+          <a:blip r:embed="rId6">
+            <a:extLst>
+              <a:ext uri="{28A0092B-C50C-407E-A947-70E740481C1C}">
+                <a14:useLocalDpi xmlns:a14="http://schemas.microsoft.com/office/drawing/2010/main" val="0"/>
+              </a:ext>
+            </a:extLst>
+          </a:blip>
+          <a:stretch>
+            <a:fillRect/>
+          </a:stretch>
+        </p:blipFill>
+        <p:spPr>
+          <a:xfrm>
+            <a:off x="2287616" y="2512824"/>
+            <a:ext cx="1292479" cy="1295208"/>
+          </a:xfrm>
+          <a:prstGeom prst="rect">
+            <a:avLst/>
+          </a:prstGeom>
+        </p:spPr>
+      </p:pic>
+      <p:sp>
+        <p:nvSpPr>
+          <p:cNvPr id="13" name="CuadroTexto 12">
+            <a:extLst>
+              <a:ext uri="{FF2B5EF4-FFF2-40B4-BE49-F238E27FC236}">
+                <a16:creationId xmlns:a16="http://schemas.microsoft.com/office/drawing/2014/main" id="{1590354D-FC85-0B52-77D3-FA420A87845D}"/>
+              </a:ext>
+            </a:extLst>
+          </p:cNvPr>
+          <p:cNvSpPr txBox="1"/>
+          <p:nvPr/>
+        </p:nvSpPr>
+        <p:spPr>
+          <a:xfrm>
+            <a:off x="3745784" y="2702815"/>
+            <a:ext cx="6158600" cy="923330"/>
+          </a:xfrm>
+          <a:prstGeom prst="rect">
+            <a:avLst/>
+          </a:prstGeom>
+          <a:noFill/>
+        </p:spPr>
+        <p:txBody>
+          <a:bodyPr wrap="square" rtlCol="0">
+            <a:spAutoFit/>
+          </a:bodyPr>
+          <a:lstStyle/>
+          <a:p>
+            <a:r>
+              <a:rPr lang="es-MX" dirty="0"/>
+              <a:t>Se encontraron 4 variables que el protocolo actual no considera y 7 que no tienen relevancia a la hora de detectar CCR lo cual mejora el nivel predictivo del modelo.</a:t>
+            </a:r>
+            <a:endParaRPr lang="es-CL" dirty="0"/>
+          </a:p>
+        </p:txBody>
+      </p:sp>
+      <p:sp>
+        <p:nvSpPr>
+          <p:cNvPr id="14" name="CuadroTexto 13">
+            <a:extLst>
+              <a:ext uri="{FF2B5EF4-FFF2-40B4-BE49-F238E27FC236}">
+                <a16:creationId xmlns:a16="http://schemas.microsoft.com/office/drawing/2014/main" id="{7DC68EDD-9D59-8218-273C-B0548A876694}"/>
+              </a:ext>
+            </a:extLst>
+          </p:cNvPr>
+          <p:cNvSpPr txBox="1"/>
+          <p:nvPr/>
+        </p:nvSpPr>
+        <p:spPr>
+          <a:xfrm>
+            <a:off x="3754315" y="1642427"/>
+            <a:ext cx="5338921" cy="646331"/>
+          </a:xfrm>
+          <a:prstGeom prst="rect">
+            <a:avLst/>
+          </a:prstGeom>
+          <a:noFill/>
+        </p:spPr>
+        <p:txBody>
+          <a:bodyPr wrap="square" rtlCol="0">
+            <a:spAutoFit/>
+          </a:bodyPr>
+          <a:lstStyle/>
+          <a:p>
+            <a:r>
+              <a:rPr lang="es-MX" dirty="0"/>
+              <a:t>Se analizaron 5 años de datos de más de mil pacientes                                                          </a:t>
+            </a:r>
+          </a:p>
+          <a:p>
+            <a:endParaRPr lang="es-CL" dirty="0"/>
+          </a:p>
+        </p:txBody>
+      </p:sp>
+      <p:pic>
+        <p:nvPicPr>
+          <p:cNvPr id="22" name="Imagen 21">
+            <a:extLst>
+              <a:ext uri="{FF2B5EF4-FFF2-40B4-BE49-F238E27FC236}">
+                <a16:creationId xmlns:a16="http://schemas.microsoft.com/office/drawing/2014/main" id="{B76F36BE-5F53-81BF-0D06-B463DDE82027}"/>
+              </a:ext>
+            </a:extLst>
+          </p:cNvPr>
+          <p:cNvPicPr>
+            <a:picLocks noChangeAspect="1"/>
+          </p:cNvPicPr>
+          <p:nvPr/>
+        </p:nvPicPr>
+        <p:blipFill>
+          <a:blip r:embed="rId7">
+            <a:extLst>
+              <a:ext uri="{28A0092B-C50C-407E-A947-70E740481C1C}">
+                <a14:useLocalDpi xmlns:a14="http://schemas.microsoft.com/office/drawing/2010/main" val="0"/>
+              </a:ext>
+            </a:extLst>
+          </a:blip>
+          <a:stretch>
+            <a:fillRect/>
+          </a:stretch>
+        </p:blipFill>
+        <p:spPr>
+          <a:xfrm>
+            <a:off x="5831085" y="4546786"/>
+            <a:ext cx="544697" cy="363236"/>
+          </a:xfrm>
+          <a:prstGeom prst="rect">
+            <a:avLst/>
+          </a:prstGeom>
+        </p:spPr>
+      </p:pic>
+      <p:pic>
+        <p:nvPicPr>
+          <p:cNvPr id="23" name="Imagen 22">
+            <a:extLst>
+              <a:ext uri="{FF2B5EF4-FFF2-40B4-BE49-F238E27FC236}">
+                <a16:creationId xmlns:a16="http://schemas.microsoft.com/office/drawing/2014/main" id="{BE6D6C57-D715-E7D9-8E4B-7FC66E90701E}"/>
+              </a:ext>
+            </a:extLst>
+          </p:cNvPr>
+          <p:cNvPicPr>
+            <a:picLocks noChangeAspect="1"/>
+          </p:cNvPicPr>
+          <p:nvPr/>
+        </p:nvPicPr>
+        <p:blipFill>
+          <a:blip r:embed="rId7">
+            <a:extLst>
+              <a:ext uri="{28A0092B-C50C-407E-A947-70E740481C1C}">
+                <a14:useLocalDpi xmlns:a14="http://schemas.microsoft.com/office/drawing/2010/main" val="0"/>
+              </a:ext>
+            </a:extLst>
+          </a:blip>
+          <a:stretch>
+            <a:fillRect/>
+          </a:stretch>
+        </p:blipFill>
+        <p:spPr>
+          <a:xfrm>
+            <a:off x="3451746" y="4546786"/>
+            <a:ext cx="544697" cy="363236"/>
+          </a:xfrm>
+          <a:prstGeom prst="rect">
+            <a:avLst/>
+          </a:prstGeom>
+        </p:spPr>
+      </p:pic>
+      <p:sp>
+        <p:nvSpPr>
+          <p:cNvPr id="24" name="CuadroTexto 23">
+            <a:extLst>
+              <a:ext uri="{FF2B5EF4-FFF2-40B4-BE49-F238E27FC236}">
+                <a16:creationId xmlns:a16="http://schemas.microsoft.com/office/drawing/2014/main" id="{C82A0E2D-4EFF-F371-5BEA-7EADF0E2ABDC}"/>
+              </a:ext>
+            </a:extLst>
+          </p:cNvPr>
+          <p:cNvSpPr txBox="1"/>
+          <p:nvPr/>
+        </p:nvSpPr>
+        <p:spPr>
+          <a:xfrm>
+            <a:off x="5082962" y="4190398"/>
+            <a:ext cx="2068195" cy="369332"/>
+          </a:xfrm>
+          <a:prstGeom prst="rect">
+            <a:avLst/>
+          </a:prstGeom>
+          <a:noFill/>
+        </p:spPr>
+        <p:txBody>
+          <a:bodyPr wrap="none" rtlCol="0">
+            <a:spAutoFit/>
+          </a:bodyPr>
+          <a:lstStyle/>
+          <a:p>
+            <a:r>
+              <a:rPr lang="es-CL" dirty="0"/>
+              <a:t>Datos y Preparación</a:t>
+            </a:r>
+          </a:p>
+        </p:txBody>
+      </p:sp>
+      <p:sp>
+        <p:nvSpPr>
+          <p:cNvPr id="25" name="CuadroTexto 24">
+            <a:extLst>
+              <a:ext uri="{FF2B5EF4-FFF2-40B4-BE49-F238E27FC236}">
+                <a16:creationId xmlns:a16="http://schemas.microsoft.com/office/drawing/2014/main" id="{4B8CCF01-B76E-E261-2D82-E75A2715380B}"/>
+              </a:ext>
+            </a:extLst>
+          </p:cNvPr>
+          <p:cNvSpPr txBox="1"/>
+          <p:nvPr/>
+        </p:nvSpPr>
+        <p:spPr>
+          <a:xfrm>
+            <a:off x="2623473" y="4190398"/>
+            <a:ext cx="2201244" cy="369332"/>
+          </a:xfrm>
+          <a:prstGeom prst="rect">
+            <a:avLst/>
+          </a:prstGeom>
+          <a:noFill/>
+        </p:spPr>
+        <p:txBody>
+          <a:bodyPr wrap="none" rtlCol="0">
+            <a:spAutoFit/>
+          </a:bodyPr>
+          <a:lstStyle/>
+          <a:p>
+            <a:r>
+              <a:rPr lang="es-CL" dirty="0"/>
+              <a:t>Problema de Negocio</a:t>
+            </a:r>
+          </a:p>
+        </p:txBody>
+      </p:sp>
+      <p:sp>
+        <p:nvSpPr>
+          <p:cNvPr id="26" name="CuadroTexto 25">
+            <a:extLst>
+              <a:ext uri="{FF2B5EF4-FFF2-40B4-BE49-F238E27FC236}">
+                <a16:creationId xmlns:a16="http://schemas.microsoft.com/office/drawing/2014/main" id="{F2AA34D0-B73E-ED7F-8E36-6BF784028649}"/>
+              </a:ext>
+            </a:extLst>
+          </p:cNvPr>
+          <p:cNvSpPr txBox="1"/>
+          <p:nvPr/>
+        </p:nvSpPr>
+        <p:spPr>
+          <a:xfrm>
+            <a:off x="7667646" y="4190398"/>
+            <a:ext cx="1577676" cy="369332"/>
+          </a:xfrm>
+          <a:prstGeom prst="rect">
+            <a:avLst/>
+          </a:prstGeom>
+          <a:noFill/>
+        </p:spPr>
+        <p:txBody>
+          <a:bodyPr wrap="none" rtlCol="0">
+            <a:spAutoFit/>
+          </a:bodyPr>
+          <a:lstStyle/>
+          <a:p>
+            <a:r>
+              <a:rPr lang="es-CL" dirty="0"/>
+              <a:t>Modelamiento</a:t>
+            </a:r>
+          </a:p>
+        </p:txBody>
+      </p:sp>
+      <p:pic>
+        <p:nvPicPr>
+          <p:cNvPr id="27" name="Imagen 26">
+            <a:extLst>
+              <a:ext uri="{FF2B5EF4-FFF2-40B4-BE49-F238E27FC236}">
+                <a16:creationId xmlns:a16="http://schemas.microsoft.com/office/drawing/2014/main" id="{7231EEDA-6F12-B0D2-FAC6-858F9383DA7B}"/>
+              </a:ext>
+            </a:extLst>
+          </p:cNvPr>
+          <p:cNvPicPr>
+            <a:picLocks noChangeAspect="1"/>
+          </p:cNvPicPr>
+          <p:nvPr/>
+        </p:nvPicPr>
+        <p:blipFill>
+          <a:blip r:embed="rId7">
+            <a:extLst>
+              <a:ext uri="{28A0092B-C50C-407E-A947-70E740481C1C}">
+                <a14:useLocalDpi xmlns:a14="http://schemas.microsoft.com/office/drawing/2010/main" val="0"/>
+              </a:ext>
+            </a:extLst>
+          </a:blip>
+          <a:stretch>
+            <a:fillRect/>
+          </a:stretch>
+        </p:blipFill>
+        <p:spPr>
+          <a:xfrm>
+            <a:off x="8184136" y="4512904"/>
+            <a:ext cx="544697" cy="363236"/>
+          </a:xfrm>
+          <a:prstGeom prst="rect">
+            <a:avLst/>
+          </a:prstGeom>
+        </p:spPr>
+      </p:pic>
+      <p:sp>
+        <p:nvSpPr>
+          <p:cNvPr id="28" name="CuadroTexto 27">
+            <a:extLst>
+              <a:ext uri="{FF2B5EF4-FFF2-40B4-BE49-F238E27FC236}">
+                <a16:creationId xmlns:a16="http://schemas.microsoft.com/office/drawing/2014/main" id="{18703E2F-91B5-B044-7C94-CE6EFE563E77}"/>
+              </a:ext>
+            </a:extLst>
+          </p:cNvPr>
+          <p:cNvSpPr txBox="1"/>
+          <p:nvPr/>
+        </p:nvSpPr>
+        <p:spPr>
+          <a:xfrm>
+            <a:off x="5500323" y="5162771"/>
+            <a:ext cx="1191352" cy="369332"/>
+          </a:xfrm>
+          <a:prstGeom prst="rect">
+            <a:avLst/>
+          </a:prstGeom>
+          <a:noFill/>
+        </p:spPr>
+        <p:txBody>
+          <a:bodyPr wrap="none" rtlCol="0">
+            <a:spAutoFit/>
+          </a:bodyPr>
+          <a:lstStyle/>
+          <a:p>
+            <a:r>
+              <a:rPr lang="es-CL" dirty="0"/>
+              <a:t>Evaluación</a:t>
+            </a:r>
+          </a:p>
+        </p:txBody>
+      </p:sp>
+      <p:pic>
+        <p:nvPicPr>
+          <p:cNvPr id="29" name="Imagen 28">
+            <a:extLst>
+              <a:ext uri="{FF2B5EF4-FFF2-40B4-BE49-F238E27FC236}">
+                <a16:creationId xmlns:a16="http://schemas.microsoft.com/office/drawing/2014/main" id="{B26D6BC1-E1A4-33BF-6D85-998E44802593}"/>
+              </a:ext>
+            </a:extLst>
+          </p:cNvPr>
+          <p:cNvPicPr>
+            <a:picLocks noChangeAspect="1"/>
+          </p:cNvPicPr>
+          <p:nvPr/>
+        </p:nvPicPr>
+        <p:blipFill>
+          <a:blip r:embed="rId7">
+            <a:extLst>
+              <a:ext uri="{28A0092B-C50C-407E-A947-70E740481C1C}">
+                <a14:useLocalDpi xmlns:a14="http://schemas.microsoft.com/office/drawing/2010/main" val="0"/>
+              </a:ext>
+            </a:extLst>
+          </a:blip>
+          <a:stretch>
+            <a:fillRect/>
+          </a:stretch>
+        </p:blipFill>
+        <p:spPr>
+          <a:xfrm>
+            <a:off x="5823650" y="5559422"/>
+            <a:ext cx="544697" cy="363236"/>
+          </a:xfrm>
+          <a:prstGeom prst="rect">
+            <a:avLst/>
+          </a:prstGeom>
+        </p:spPr>
+      </p:pic>
     </p:spTree>
     <p:extLst>
       <p:ext uri="{BB962C8B-B14F-4D97-AF65-F5344CB8AC3E}">
@@ -16663,6 +17250,11 @@
   <p:clrMapOvr>
     <a:masterClrMapping/>
   </p:clrMapOvr>
+  <p:extLst>
+    <p:ext uri="{6950BFC3-D8DA-4A85-94F7-54DA5524770B}">
+      <p188:commentRel xmlns:p188="http://schemas.microsoft.com/office/powerpoint/2018/8/main" r:id="rId3"/>
+    </p:ext>
+  </p:extLst>
 </p:sld>
 </file>
 
@@ -16988,6 +17580,215 @@
               <a:t>Referencias Bibliográficas</a:t>
             </a:r>
             <a:endParaRPr lang="es-CL" dirty="0"/>
+          </a:p>
+        </p:txBody>
+      </p:sp>
+      <p:sp>
+        <p:nvSpPr>
+          <p:cNvPr id="7" name="Rectángulo: esquinas redondeadas 6">
+            <a:extLst>
+              <a:ext uri="{FF2B5EF4-FFF2-40B4-BE49-F238E27FC236}">
+                <a16:creationId xmlns:a16="http://schemas.microsoft.com/office/drawing/2014/main" id="{CFB5B916-0E61-CE3E-500B-D66C78DB20E2}"/>
+              </a:ext>
+            </a:extLst>
+          </p:cNvPr>
+          <p:cNvSpPr/>
+          <p:nvPr/>
+        </p:nvSpPr>
+        <p:spPr>
+          <a:xfrm>
+            <a:off x="2006330" y="2223655"/>
+            <a:ext cx="8179339" cy="2957945"/>
+          </a:xfrm>
+          <a:prstGeom prst="roundRect">
+            <a:avLst/>
+          </a:prstGeom>
+          <a:solidFill>
+            <a:schemeClr val="bg1"/>
+          </a:solidFill>
+          <a:ln>
+            <a:solidFill>
+              <a:schemeClr val="accent1">
+                <a:shade val="15000"/>
+              </a:schemeClr>
+            </a:solidFill>
+          </a:ln>
+        </p:spPr>
+        <p:style>
+          <a:lnRef idx="2">
+            <a:schemeClr val="accent1">
+              <a:shade val="15000"/>
+            </a:schemeClr>
+          </a:lnRef>
+          <a:fillRef idx="1">
+            <a:schemeClr val="accent1"/>
+          </a:fillRef>
+          <a:effectRef idx="0">
+            <a:schemeClr val="accent1"/>
+          </a:effectRef>
+          <a:fontRef idx="minor">
+            <a:schemeClr val="lt1"/>
+          </a:fontRef>
+        </p:style>
+        <p:txBody>
+          <a:bodyPr rtlCol="0" anchor="t"/>
+          <a:lstStyle/>
+          <a:p>
+            <a:pPr marL="285750" indent="-285750">
+              <a:buFont typeface="Arial" panose="020B0604020202020204" pitchFamily="34" charset="0"/>
+              <a:buChar char="•"/>
+            </a:pPr>
+            <a:r>
+              <a:rPr lang="es-MX" sz="1400" dirty="0">
+                <a:solidFill>
+                  <a:schemeClr val="tx1"/>
+                </a:solidFill>
+              </a:rPr>
+              <a:t>Benavides, C., &amp; Alvarado, J. (2025). Modelo predictivo basado en síntomas para el diagnóstico de cáncer colorrectal: Optimización según las directrices de la política pública de salud chilena. Revista Médica De Chile, 153 (03) [citado en Abr 4, 2023]. Recuperado a partir de </a:t>
+            </a:r>
+            <a:r>
+              <a:rPr lang="es-MX" sz="1400" dirty="0">
+                <a:solidFill>
+                  <a:schemeClr val="tx1"/>
+                </a:solidFill>
+                <a:hlinkClick r:id="rId4"/>
+              </a:rPr>
+              <a:t>https://revistamedicadechile.cl/index.php/rmedica/article/view/10992</a:t>
+            </a:r>
+            <a:r>
+              <a:rPr lang="es-MX" sz="1400" dirty="0">
+                <a:solidFill>
+                  <a:schemeClr val="tx1"/>
+                </a:solidFill>
+              </a:rPr>
+              <a:t> </a:t>
+            </a:r>
+          </a:p>
+          <a:p>
+            <a:pPr marL="285750" indent="-285750">
+              <a:buFont typeface="Arial" panose="020B0604020202020204" pitchFamily="34" charset="0"/>
+              <a:buChar char="•"/>
+            </a:pPr>
+            <a:r>
+              <a:rPr lang="es-MX" sz="1400" dirty="0">
+                <a:solidFill>
+                  <a:schemeClr val="tx1"/>
+                </a:solidFill>
+              </a:rPr>
+              <a:t>WHO. Colorectal cancer – IARC. [citado en May 14, 2023]. Recuperado a partir de: </a:t>
+            </a:r>
+            <a:r>
+              <a:rPr lang="es-MX" sz="1400" dirty="0">
+                <a:solidFill>
+                  <a:schemeClr val="tx1"/>
+                </a:solidFill>
+                <a:hlinkClick r:id="rId5"/>
+              </a:rPr>
+              <a:t>https://www.iarc.who.int/cancer-type/colorectal-cancer/</a:t>
+            </a:r>
+            <a:r>
+              <a:rPr lang="es-MX" sz="1400" dirty="0">
+                <a:solidFill>
+                  <a:schemeClr val="tx1"/>
+                </a:solidFill>
+              </a:rPr>
+              <a:t> </a:t>
+            </a:r>
+          </a:p>
+          <a:p>
+            <a:pPr marL="285750" indent="-285750">
+              <a:buFont typeface="Arial" panose="020B0604020202020204" pitchFamily="34" charset="0"/>
+              <a:buChar char="•"/>
+            </a:pPr>
+            <a:r>
+              <a:rPr lang="es-MX" sz="1400" dirty="0">
+                <a:solidFill>
+                  <a:schemeClr val="tx1"/>
+                </a:solidFill>
+              </a:rPr>
+              <a:t>Colorectal cancer trends in Chile: A Latin-American country with marked socioeconomic inequities PLOS ONE. [citado en May 14, 2023]. Recuperado a partir de: </a:t>
+            </a:r>
+            <a:r>
+              <a:rPr lang="es-MX" sz="1400" dirty="0">
+                <a:solidFill>
+                  <a:schemeClr val="tx1"/>
+                </a:solidFill>
+                <a:hlinkClick r:id="rId6"/>
+              </a:rPr>
+              <a:t>https://journals.plos.org/plosone/article?id=10.1371/journal.pone.0271929</a:t>
+            </a:r>
+            <a:endParaRPr lang="es-MX" sz="1400" dirty="0">
+              <a:solidFill>
+                <a:schemeClr val="tx1"/>
+              </a:solidFill>
+            </a:endParaRPr>
+          </a:p>
+          <a:p>
+            <a:pPr marL="285750" indent="-285750">
+              <a:buFont typeface="Arial" panose="020B0604020202020204" pitchFamily="34" charset="0"/>
+              <a:buChar char="•"/>
+            </a:pPr>
+            <a:r>
+              <a:rPr lang="es-MX" sz="1400" dirty="0">
+                <a:solidFill>
+                  <a:schemeClr val="tx1"/>
+                </a:solidFill>
+              </a:rPr>
+              <a:t>Cancer today. [citado en August 9, 2022]. Recuperado a partir de: </a:t>
+            </a:r>
+            <a:r>
+              <a:rPr lang="es-MX" sz="1400" dirty="0">
+                <a:solidFill>
+                  <a:schemeClr val="tx1"/>
+                </a:solidFill>
+                <a:hlinkClick r:id="rId7"/>
+              </a:rPr>
+              <a:t>http://gco.iarc.fr/today/home</a:t>
+            </a:r>
+            <a:r>
+              <a:rPr lang="es-MX" sz="1400" dirty="0">
+                <a:solidFill>
+                  <a:schemeClr val="tx1"/>
+                </a:solidFill>
+              </a:rPr>
+              <a:t> </a:t>
+            </a:r>
+          </a:p>
+          <a:p>
+            <a:pPr marL="285750" indent="-285750">
+              <a:buFont typeface="Arial" panose="020B0604020202020204" pitchFamily="34" charset="0"/>
+              <a:buChar char="•"/>
+            </a:pPr>
+            <a:r>
+              <a:rPr lang="es-MX" sz="1400" dirty="0">
+                <a:solidFill>
+                  <a:schemeClr val="tx1"/>
+                </a:solidFill>
+              </a:rPr>
+              <a:t>Colorectal Cancer Awareness Month 2021–IARC. [citado en September 29, 2021]. Recuperado a partir de: </a:t>
+            </a:r>
+            <a:r>
+              <a:rPr lang="es-MX" sz="1400" dirty="0">
+                <a:solidFill>
+                  <a:schemeClr val="tx1"/>
+                </a:solidFill>
+                <a:hlinkClick r:id="rId8"/>
+              </a:rPr>
+              <a:t>https://www.iarc.who.int/featured- news/ccam2021/</a:t>
+            </a:r>
+            <a:endParaRPr lang="es-MX" sz="1400" dirty="0">
+              <a:solidFill>
+                <a:schemeClr val="tx1"/>
+              </a:solidFill>
+            </a:endParaRPr>
+          </a:p>
+          <a:p>
+            <a:pPr algn="ctr"/>
+            <a:endParaRPr lang="es-MX" sz="1400" dirty="0">
+              <a:solidFill>
+                <a:schemeClr val="tx1"/>
+              </a:solidFill>
+            </a:endParaRPr>
           </a:p>
         </p:txBody>
       </p:sp>
@@ -23291,7 +24092,7 @@
           <p:nvPr>
             <p:extLst>
               <p:ext uri="{D42A27DB-BD31-4B8C-83A1-F6EECF244321}">
-                <p14:modId xmlns:p14="http://schemas.microsoft.com/office/powerpoint/2010/main" val="886338030"/>
+                <p14:modId xmlns:p14="http://schemas.microsoft.com/office/powerpoint/2010/main" val="2631467983"/>
               </p:ext>
             </p:extLst>
           </p:nvPr>

--- a/material/PRESENTACION/cienciadedatosaplicada_investigacion.pptx
+++ b/material/PRESENTACION/cienciadedatosaplicada_investigacion.pptx
@@ -6069,10 +6069,10 @@
     <dgm:cxn modelId="{4CF24610-EDF6-4055-86C0-80F64D2F06D3}" type="presOf" srcId="{6836BD31-2BDF-4CD5-8450-B40A19B75971}" destId="{337591AE-6555-4F75-9113-7A7FAA107325}" srcOrd="0" destOrd="0" presId="urn:microsoft.com/office/officeart/2005/8/layout/process1"/>
     <dgm:cxn modelId="{8C2E3632-E39F-404D-97D3-808436B1FD7F}" type="presOf" srcId="{86776166-9EBF-44A5-900D-22DED3F568AB}" destId="{4446F919-E241-48C2-AA97-1771423B086E}" srcOrd="1" destOrd="0" presId="urn:microsoft.com/office/officeart/2005/8/layout/process1"/>
     <dgm:cxn modelId="{8A415F3D-045D-4BC6-9213-E719BB37076E}" type="presOf" srcId="{ADD42979-CD44-4EE5-A03A-8478A9296814}" destId="{A049C9E4-2F13-471B-8696-6D2F3DF97271}" srcOrd="0" destOrd="0" presId="urn:microsoft.com/office/officeart/2005/8/layout/process1"/>
+    <dgm:cxn modelId="{2CD5A14C-B4F8-4FED-8D8F-685FFF726E2C}" srcId="{E7F67478-54D9-4B0B-9A03-A21D7575795F}" destId="{1310C5F0-D649-4B0F-AD16-6BD9015D4906}" srcOrd="2" destOrd="0" parTransId="{A142671D-4D08-4457-9B41-6D1561D28607}" sibTransId="{ADD42979-CD44-4EE5-A03A-8478A9296814}"/>
+    <dgm:cxn modelId="{F9108452-EAE8-43D6-805F-557A7C7F0E95}" type="presOf" srcId="{AEA42B3C-BDA0-4798-8E7A-DDEAAD7CD145}" destId="{3B671785-4A69-4752-8ACD-8F63B137CE87}" srcOrd="0" destOrd="0" presId="urn:microsoft.com/office/officeart/2005/8/layout/process1"/>
     <dgm:cxn modelId="{3EF27161-D36A-42DA-ADB2-FDA99B1FD0CF}" type="presOf" srcId="{FCCEDDE4-BCBB-4CFA-8C78-E354A38ECD97}" destId="{CB9D8AB9-D5D1-4FBC-86B5-D1E7F2AA95D9}" srcOrd="0" destOrd="0" presId="urn:microsoft.com/office/officeart/2005/8/layout/process1"/>
     <dgm:cxn modelId="{7E4E5E6B-58B4-49A5-80B7-6EB029EF42C8}" type="presOf" srcId="{1310C5F0-D649-4B0F-AD16-6BD9015D4906}" destId="{AEDD0B79-EB03-4389-8BD5-3D46123C0587}" srcOrd="0" destOrd="0" presId="urn:microsoft.com/office/officeart/2005/8/layout/process1"/>
-    <dgm:cxn modelId="{2CD5A14C-B4F8-4FED-8D8F-685FFF726E2C}" srcId="{E7F67478-54D9-4B0B-9A03-A21D7575795F}" destId="{1310C5F0-D649-4B0F-AD16-6BD9015D4906}" srcOrd="2" destOrd="0" parTransId="{A142671D-4D08-4457-9B41-6D1561D28607}" sibTransId="{ADD42979-CD44-4EE5-A03A-8478A9296814}"/>
-    <dgm:cxn modelId="{F9108452-EAE8-43D6-805F-557A7C7F0E95}" type="presOf" srcId="{AEA42B3C-BDA0-4798-8E7A-DDEAAD7CD145}" destId="{3B671785-4A69-4752-8ACD-8F63B137CE87}" srcOrd="0" destOrd="0" presId="urn:microsoft.com/office/officeart/2005/8/layout/process1"/>
     <dgm:cxn modelId="{876D6A79-7974-4273-81CF-0ED23F001C14}" type="presOf" srcId="{86776166-9EBF-44A5-900D-22DED3F568AB}" destId="{49321268-7CB5-496D-A373-97DAF59D1EB5}" srcOrd="0" destOrd="0" presId="urn:microsoft.com/office/officeart/2005/8/layout/process1"/>
     <dgm:cxn modelId="{BC0FF288-EDBD-4310-BB61-2F12CEA1785F}" srcId="{E7F67478-54D9-4B0B-9A03-A21D7575795F}" destId="{FCCEDDE4-BCBB-4CFA-8C78-E354A38ECD97}" srcOrd="3" destOrd="0" parTransId="{59B9707C-8B40-4919-8429-2AFF5E6B2BFA}" sibTransId="{5D545422-5B6A-4502-93F9-4B3B68541570}"/>
     <dgm:cxn modelId="{57C3D6BF-CDA1-44D6-91AB-26FCB35F701C}" srcId="{E7F67478-54D9-4B0B-9A03-A21D7575795F}" destId="{6836BD31-2BDF-4CD5-8450-B40A19B75971}" srcOrd="0" destOrd="0" parTransId="{A132D41C-D890-4BD8-B40F-D6FAF9344DE0}" sibTransId="{A8D1C80F-0BA5-49A0-A7D4-0C02AA25FE1E}"/>
@@ -10274,7 +10274,7 @@
           </a:lstStyle>
           <a:p>
             <a:fld id="{B02B2D6A-D10B-4950-84AB-B76A76B41051}" type="datetimeFigureOut">
-              <a:t>17-11-2025</a:t>
+              <a:t>17/11/25</a:t>
             </a:fld>
             <a:endParaRPr lang="es-ES" dirty="0"/>
           </a:p>
@@ -11142,7 +11142,93 @@
           <a:bodyPr/>
           <a:lstStyle/>
           <a:p>
-            <a:endParaRPr lang="es-CL" dirty="0"/>
+            <a:r>
+              <a:rPr lang="es-ES" sz="1200" kern="1200" dirty="0">
+                <a:solidFill>
+                  <a:schemeClr val="tx1"/>
+                </a:solidFill>
+                <a:effectLst/>
+                <a:latin typeface="+mn-lt"/>
+                <a:ea typeface="+mn-ea"/>
+                <a:cs typeface="+mn-cs"/>
+              </a:rPr>
+              <a:t>En nuestro trabajo de investigación, abordamos una aplicación de Ciencia de Datos en salud pública chilena: modelos predictivos para diagnóstico de cáncer colorrectal."</a:t>
+            </a:r>
+          </a:p>
+          <a:p>
+            <a:endParaRPr lang="es-ES" sz="1200" kern="1200" dirty="0">
+              <a:solidFill>
+                <a:schemeClr val="tx1"/>
+              </a:solidFill>
+              <a:effectLst/>
+              <a:latin typeface="+mn-lt"/>
+              <a:ea typeface="+mn-ea"/>
+              <a:cs typeface="+mn-cs"/>
+            </a:endParaRPr>
+          </a:p>
+          <a:p>
+            <a:r>
+              <a:rPr lang="es-ES" sz="1200" kern="1200" dirty="0">
+                <a:solidFill>
+                  <a:schemeClr val="tx1"/>
+                </a:solidFill>
+                <a:effectLst/>
+                <a:latin typeface="+mn-lt"/>
+                <a:ea typeface="+mn-ea"/>
+                <a:cs typeface="+mn-cs"/>
+              </a:rPr>
+              <a:t>Seleccionamos este estudio—publicado en la Revista Médica de Chile—porque combina técnicas que estamos aprendiendo con un problema real: cómo optimizar la derivación de pacientes en un sistema con recursos limitados.</a:t>
+            </a:r>
+          </a:p>
+          <a:p>
+            <a:endParaRPr lang="es-ES" sz="1200" kern="1200" dirty="0">
+              <a:solidFill>
+                <a:schemeClr val="tx1"/>
+              </a:solidFill>
+              <a:effectLst/>
+              <a:latin typeface="+mn-lt"/>
+              <a:ea typeface="+mn-ea"/>
+              <a:cs typeface="+mn-cs"/>
+            </a:endParaRPr>
+          </a:p>
+          <a:p>
+            <a:r>
+              <a:rPr lang="es-ES" sz="1200" kern="1200" dirty="0">
+                <a:solidFill>
+                  <a:schemeClr val="tx1"/>
+                </a:solidFill>
+                <a:effectLst/>
+                <a:latin typeface="+mn-lt"/>
+                <a:ea typeface="+mn-ea"/>
+                <a:cs typeface="+mn-cs"/>
+              </a:rPr>
+              <a:t>Durante la presentación vamos a exponer el contexto del problema, los objetivos, la metodología empleada, los resultados, y una discusión crítica sobre ventajas y limitaciones.</a:t>
+            </a:r>
+          </a:p>
+          <a:p>
+            <a:endParaRPr lang="es-ES" sz="1200" kern="1200" dirty="0">
+              <a:solidFill>
+                <a:schemeClr val="tx1"/>
+              </a:solidFill>
+              <a:effectLst/>
+              <a:latin typeface="+mn-lt"/>
+              <a:ea typeface="+mn-ea"/>
+              <a:cs typeface="+mn-cs"/>
+            </a:endParaRPr>
+          </a:p>
+          <a:p>
+            <a:r>
+              <a:rPr lang="es-ES" sz="1200" kern="1200" dirty="0">
+                <a:solidFill>
+                  <a:schemeClr val="tx1"/>
+                </a:solidFill>
+                <a:effectLst/>
+                <a:latin typeface="+mn-lt"/>
+                <a:ea typeface="+mn-ea"/>
+                <a:cs typeface="+mn-cs"/>
+              </a:rPr>
+              <a:t>Empecemos por el contexto...</a:t>
+            </a:r>
           </a:p>
         </p:txBody>
       </p:sp>
@@ -11251,6 +11337,45 @@
           <a:bodyPr/>
           <a:lstStyle/>
           <a:p>
+            <a:r>
+              <a:rPr lang="es-ES" sz="1200" kern="1200" dirty="0">
+                <a:solidFill>
+                  <a:schemeClr val="tx1"/>
+                </a:solidFill>
+                <a:effectLst/>
+                <a:latin typeface="+mn-lt"/>
+                <a:ea typeface="+mn-ea"/>
+                <a:cs typeface="+mn-cs"/>
+              </a:rPr>
+              <a:t>El estudios de desarrolla en el contexto del sistema público de salud chileno, específicamente bajo el marco de las garantías explicitas en salud (GES), que establece que pacientes con sospecha de cáncer colorrectal deben recibir una colonoscopía dentro de 45 días.  </a:t>
+            </a:r>
+          </a:p>
+          <a:p>
+            <a:br>
+              <a:rPr lang="es-ES" sz="1200" kern="1200" dirty="0">
+                <a:solidFill>
+                  <a:schemeClr val="tx1"/>
+                </a:solidFill>
+                <a:effectLst/>
+                <a:latin typeface="+mn-lt"/>
+                <a:ea typeface="+mn-ea"/>
+                <a:cs typeface="+mn-cs"/>
+              </a:rPr>
+            </a:br>
+            <a:r>
+              <a:rPr lang="es-ES" sz="1200" kern="1200" dirty="0">
+                <a:solidFill>
+                  <a:schemeClr val="tx1"/>
+                </a:solidFill>
+                <a:effectLst/>
+                <a:latin typeface="+mn-lt"/>
+                <a:ea typeface="+mn-ea"/>
+                <a:cs typeface="+mn-cs"/>
+              </a:rPr>
+              <a:t>Sin embargo, la correlación entre los síntomas establecidos en las guías GES y el diagnóstico real del CRC no había sido analizada sistemáticamente.</a:t>
+            </a:r>
+          </a:p>
+          <a:p>
             <a:endParaRPr lang="es-CL" dirty="0"/>
           </a:p>
         </p:txBody>
@@ -11366,7 +11491,35 @@
           <a:bodyPr/>
           <a:lstStyle/>
           <a:p>
-            <a:endParaRPr lang="es-CL" dirty="0"/>
+            <a:pPr marL="0" marR="0" lvl="0" indent="0" algn="l" defTabSz="914400" rtl="0" eaLnBrk="1" fontAlgn="auto" latinLnBrk="0" hangingPunct="1">
+              <a:lnSpc>
+                <a:spcPct val="100000"/>
+              </a:lnSpc>
+              <a:spcBef>
+                <a:spcPts val="0"/>
+              </a:spcBef>
+              <a:spcAft>
+                <a:spcPts val="0"/>
+              </a:spcAft>
+              <a:buClrTx/>
+              <a:buSzTx/>
+              <a:buFontTx/>
+              <a:buNone/>
+              <a:tabLst/>
+              <a:defRPr/>
+            </a:pPr>
+            <a:r>
+              <a:rPr lang="es-ES" sz="1200" kern="1200" dirty="0">
+                <a:solidFill>
+                  <a:schemeClr val="tx1"/>
+                </a:solidFill>
+                <a:effectLst/>
+                <a:latin typeface="+mn-lt"/>
+                <a:ea typeface="+mn-ea"/>
+                <a:cs typeface="+mn-cs"/>
+              </a:rPr>
+              <a:t>El objetivo principal fue desarrollar un modelo predictivo que identifique qué pacientes tienen mayor probabilidad de tener cáncer colorrectal, usando síntomas clínicos. Esto permitiría priorizar las colonoscopias para los casos de mayor riesgo y optimizar los recursos limitados del sistema público chileno."</a:t>
+            </a:r>
           </a:p>
         </p:txBody>
       </p:sp>
@@ -11481,7 +11634,145 @@
           <a:bodyPr/>
           <a:lstStyle/>
           <a:p>
-            <a:endParaRPr lang="es-CL" dirty="0"/>
+            <a:r>
+              <a:rPr lang="es-ES" sz="1200" kern="1200" dirty="0">
+                <a:solidFill>
+                  <a:schemeClr val="tx1"/>
+                </a:solidFill>
+                <a:effectLst/>
+                <a:latin typeface="+mn-lt"/>
+                <a:ea typeface="+mn-ea"/>
+                <a:cs typeface="+mn-cs"/>
+              </a:rPr>
+              <a:t>A la izquierda tenemos pacientes con síntomas sospechosos que son evaluados según las guías GES.</a:t>
+            </a:r>
+            <a:br>
+              <a:rPr lang="es-ES" sz="1200" kern="1200" dirty="0">
+                <a:solidFill>
+                  <a:schemeClr val="tx1"/>
+                </a:solidFill>
+                <a:effectLst/>
+                <a:latin typeface="+mn-lt"/>
+                <a:ea typeface="+mn-ea"/>
+                <a:cs typeface="+mn-cs"/>
+              </a:rPr>
+            </a:br>
+            <a:endParaRPr lang="es-ES" sz="1200" kern="1200" dirty="0">
+              <a:solidFill>
+                <a:schemeClr val="tx1"/>
+              </a:solidFill>
+              <a:effectLst/>
+              <a:latin typeface="+mn-lt"/>
+              <a:ea typeface="+mn-ea"/>
+              <a:cs typeface="+mn-cs"/>
+            </a:endParaRPr>
+          </a:p>
+          <a:p>
+            <a:r>
+              <a:rPr lang="es-ES" sz="1200" kern="1200" dirty="0">
+                <a:solidFill>
+                  <a:schemeClr val="tx1"/>
+                </a:solidFill>
+                <a:effectLst/>
+                <a:latin typeface="+mn-lt"/>
+                <a:ea typeface="+mn-ea"/>
+                <a:cs typeface="+mn-cs"/>
+              </a:rPr>
+              <a:t>Estos pacientes son derivados a colonoscopia—un procedimiento costoso que requiere equipamiento especializado y personal capacitado. Los medidores de riesgo representan que hay pacientes de alto, medio y bajo riesgo, pero actualmente no hay forma sistemática de diferenciarlos."</a:t>
+            </a:r>
+            <a:br>
+              <a:rPr lang="es-ES" sz="1200" kern="1200" dirty="0">
+                <a:solidFill>
+                  <a:schemeClr val="tx1"/>
+                </a:solidFill>
+                <a:effectLst/>
+                <a:latin typeface="+mn-lt"/>
+                <a:ea typeface="+mn-ea"/>
+                <a:cs typeface="+mn-cs"/>
+              </a:rPr>
+            </a:br>
+            <a:endParaRPr lang="es-ES" sz="1200" kern="1200" dirty="0">
+              <a:solidFill>
+                <a:schemeClr val="tx1"/>
+              </a:solidFill>
+              <a:effectLst/>
+              <a:latin typeface="+mn-lt"/>
+              <a:ea typeface="+mn-ea"/>
+              <a:cs typeface="+mn-cs"/>
+            </a:endParaRPr>
+          </a:p>
+          <a:p>
+            <a:r>
+              <a:rPr lang="es-ES" sz="1200" kern="1200" dirty="0">
+                <a:solidFill>
+                  <a:schemeClr val="tx1"/>
+                </a:solidFill>
+                <a:effectLst/>
+                <a:latin typeface="+mn-lt"/>
+                <a:ea typeface="+mn-ea"/>
+                <a:cs typeface="+mn-cs"/>
+              </a:rPr>
+              <a:t>El resultado es que solo el 13% de los pacientes derivados realmente tienen cáncer colorrectal. Esto significa que el 87% de las colonoscopias no detectan neoplasia.</a:t>
+            </a:r>
+            <a:br>
+              <a:rPr lang="es-ES" sz="1200" kern="1200" dirty="0">
+                <a:solidFill>
+                  <a:schemeClr val="tx1"/>
+                </a:solidFill>
+                <a:effectLst/>
+                <a:latin typeface="+mn-lt"/>
+                <a:ea typeface="+mn-ea"/>
+                <a:cs typeface="+mn-cs"/>
+              </a:rPr>
+            </a:br>
+            <a:endParaRPr lang="es-ES" sz="1200" kern="1200" dirty="0">
+              <a:solidFill>
+                <a:schemeClr val="tx1"/>
+              </a:solidFill>
+              <a:effectLst/>
+              <a:latin typeface="+mn-lt"/>
+              <a:ea typeface="+mn-ea"/>
+              <a:cs typeface="+mn-cs"/>
+            </a:endParaRPr>
+          </a:p>
+          <a:p>
+            <a:r>
+              <a:rPr lang="es-ES" sz="1200" kern="1200" dirty="0">
+                <a:solidFill>
+                  <a:schemeClr val="tx1"/>
+                </a:solidFill>
+                <a:effectLst/>
+                <a:latin typeface="+mn-lt"/>
+                <a:ea typeface="+mn-ea"/>
+                <a:cs typeface="+mn-cs"/>
+              </a:rPr>
+              <a:t>Éste es nuestro problema central en donde existe una dificultad de priorización. El sistema enfrenta procedimientos costosos, capacidad limitada de equipos y personal, y la necesidad urgente de optimizar recursos. </a:t>
+            </a:r>
+          </a:p>
+          <a:p>
+            <a:endParaRPr lang="es-ES" sz="1200" kern="1200" dirty="0">
+              <a:solidFill>
+                <a:schemeClr val="tx1"/>
+              </a:solidFill>
+              <a:effectLst/>
+              <a:latin typeface="+mn-lt"/>
+              <a:ea typeface="+mn-ea"/>
+              <a:cs typeface="+mn-cs"/>
+            </a:endParaRPr>
+          </a:p>
+          <a:p>
+            <a:r>
+              <a:rPr lang="es-ES" sz="1200" kern="1200" dirty="0">
+                <a:solidFill>
+                  <a:schemeClr val="tx1"/>
+                </a:solidFill>
+                <a:effectLst/>
+                <a:latin typeface="+mn-lt"/>
+                <a:ea typeface="+mn-ea"/>
+                <a:cs typeface="+mn-cs"/>
+              </a:rPr>
+              <a:t>Sin un sistema predictivo, pacientes de alto riesgo pueden esperar lo mismo que pacientes de bajo riesgo, retrasando diagnósticos críticos y utilizando recursos ineficientemente.</a:t>
+            </a:r>
           </a:p>
         </p:txBody>
       </p:sp>
@@ -11596,6 +11887,70 @@
           <a:bodyPr/>
           <a:lstStyle/>
           <a:p>
+            <a:r>
+              <a:rPr lang="es-ES" sz="1200" kern="1200" dirty="0">
+                <a:solidFill>
+                  <a:schemeClr val="tx1"/>
+                </a:solidFill>
+                <a:effectLst/>
+                <a:latin typeface="+mn-lt"/>
+                <a:ea typeface="+mn-ea"/>
+                <a:cs typeface="+mn-cs"/>
+              </a:rPr>
+              <a:t>La metodología del estudio fue un diseño retrospectivo analítico, es decir, se analizaron datos históricos de pacientes que ya habían sido atendidos.</a:t>
+            </a:r>
+          </a:p>
+          <a:p>
+            <a:endParaRPr lang="es-ES" sz="1200" kern="1200" dirty="0">
+              <a:solidFill>
+                <a:schemeClr val="tx1"/>
+              </a:solidFill>
+              <a:effectLst/>
+              <a:latin typeface="+mn-lt"/>
+              <a:ea typeface="+mn-ea"/>
+              <a:cs typeface="+mn-cs"/>
+            </a:endParaRPr>
+          </a:p>
+          <a:p>
+            <a:r>
+              <a:rPr lang="es-ES" sz="1200" kern="1200" dirty="0">
+                <a:solidFill>
+                  <a:schemeClr val="tx1"/>
+                </a:solidFill>
+                <a:effectLst/>
+                <a:latin typeface="+mn-lt"/>
+                <a:ea typeface="+mn-ea"/>
+                <a:cs typeface="+mn-cs"/>
+              </a:rPr>
+              <a:t>Se evaluaron 1,099 pacientes derivados a colonoscopia entre julio 2016 y diciembre 2021 en el Hospital Guillermo Grant Benavente de Concepción. Se analizaron 16 variables en total: 10 provenientes de las guías GES y 6 adicionales de interés clínico.</a:t>
+            </a:r>
+          </a:p>
+          <a:p>
+            <a:endParaRPr lang="es-ES" sz="1200" kern="1200" dirty="0">
+              <a:solidFill>
+                <a:schemeClr val="tx1"/>
+              </a:solidFill>
+              <a:effectLst/>
+              <a:latin typeface="+mn-lt"/>
+              <a:ea typeface="+mn-ea"/>
+              <a:cs typeface="+mn-cs"/>
+            </a:endParaRPr>
+          </a:p>
+          <a:p>
+            <a:r>
+              <a:rPr lang="es-ES" sz="1200" kern="1200" dirty="0">
+                <a:solidFill>
+                  <a:schemeClr val="tx1"/>
+                </a:solidFill>
+                <a:effectLst/>
+                <a:latin typeface="+mn-lt"/>
+                <a:ea typeface="+mn-ea"/>
+                <a:cs typeface="+mn-cs"/>
+              </a:rPr>
+              <a:t>La técnica principal fue regresión logística binaria, que es apropiada para este tipo de problema porque la variable dependiente es binaria: el paciente tiene o no tiene cáncer colorrectal. Esta técnica es ampliamente aceptada en investigación médica porque además de predecir, permite interpretar el efecto de cada variable</a:t>
+            </a:r>
+          </a:p>
+          <a:p>
             <a:endParaRPr lang="es-CL" dirty="0"/>
           </a:p>
         </p:txBody>
@@ -11711,6 +12066,234 @@
           <a:bodyPr/>
           <a:lstStyle/>
           <a:p>
+            <a:r>
+              <a:rPr lang="es-ES" sz="1200" kern="1200" dirty="0">
+                <a:solidFill>
+                  <a:schemeClr val="tx1"/>
+                </a:solidFill>
+                <a:effectLst/>
+                <a:latin typeface="+mn-lt"/>
+                <a:ea typeface="+mn-ea"/>
+                <a:cs typeface="+mn-cs"/>
+              </a:rPr>
+              <a:t>En este primer resultado vemos el análisis de importancia de variables del modelo predictivo.</a:t>
+            </a:r>
+          </a:p>
+          <a:p>
+            <a:endParaRPr lang="es-ES" sz="1200" kern="1200" dirty="0">
+              <a:solidFill>
+                <a:schemeClr val="tx1"/>
+              </a:solidFill>
+              <a:effectLst/>
+              <a:latin typeface="+mn-lt"/>
+              <a:ea typeface="+mn-ea"/>
+              <a:cs typeface="+mn-cs"/>
+            </a:endParaRPr>
+          </a:p>
+          <a:p>
+            <a:r>
+              <a:rPr lang="es-ES" sz="1200" kern="1200" dirty="0">
+                <a:solidFill>
+                  <a:schemeClr val="tx1"/>
+                </a:solidFill>
+                <a:effectLst/>
+                <a:latin typeface="+mn-lt"/>
+                <a:ea typeface="+mn-ea"/>
+                <a:cs typeface="+mn-cs"/>
+              </a:rPr>
+              <a:t>De 16 variables iniciales, el modelo identificó 9 ESTADÍSTICAMENTE SIGNIFICATIVAS, ordenadas aquí según su poder predictivo.</a:t>
+            </a:r>
+          </a:p>
+          <a:p>
+            <a:endParaRPr lang="es-ES" sz="1200" kern="1200" dirty="0">
+              <a:solidFill>
+                <a:schemeClr val="tx1"/>
+              </a:solidFill>
+              <a:effectLst/>
+              <a:latin typeface="+mn-lt"/>
+              <a:ea typeface="+mn-ea"/>
+              <a:cs typeface="+mn-cs"/>
+            </a:endParaRPr>
+          </a:p>
+          <a:p>
+            <a:r>
+              <a:rPr lang="es-ES" sz="1200" kern="1200" dirty="0">
+                <a:solidFill>
+                  <a:schemeClr val="tx1"/>
+                </a:solidFill>
+                <a:effectLst/>
+                <a:latin typeface="+mn-lt"/>
+                <a:ea typeface="+mn-ea"/>
+                <a:cs typeface="+mn-cs"/>
+              </a:rPr>
+              <a:t>Las variables con MAYOR IMPORTANCIA son el sangrado gastrointestinal y la tomografía computarizada.</a:t>
+            </a:r>
+          </a:p>
+          <a:p>
+            <a:br>
+              <a:rPr lang="es-ES" sz="1200" kern="1200" dirty="0">
+                <a:solidFill>
+                  <a:schemeClr val="tx1"/>
+                </a:solidFill>
+                <a:effectLst/>
+                <a:latin typeface="+mn-lt"/>
+                <a:ea typeface="+mn-ea"/>
+                <a:cs typeface="+mn-cs"/>
+              </a:rPr>
+            </a:br>
+            <a:r>
+              <a:rPr lang="es-ES" sz="1200" kern="1200" dirty="0">
+                <a:solidFill>
+                  <a:schemeClr val="tx1"/>
+                </a:solidFill>
+                <a:effectLst/>
+                <a:latin typeface="+mn-lt"/>
+                <a:ea typeface="+mn-ea"/>
+                <a:cs typeface="+mn-cs"/>
+              </a:rPr>
+              <a:t>Lo relevante desde ciencia de datos es la comparación con el protocolo GES actual:</a:t>
+            </a:r>
+          </a:p>
+          <a:p>
+            <a:br>
+              <a:rPr lang="es-ES" sz="1200" kern="1200" dirty="0">
+                <a:solidFill>
+                  <a:schemeClr val="tx1"/>
+                </a:solidFill>
+                <a:effectLst/>
+                <a:latin typeface="+mn-lt"/>
+                <a:ea typeface="+mn-ea"/>
+                <a:cs typeface="+mn-cs"/>
+              </a:rPr>
+            </a:br>
+            <a:r>
+              <a:rPr lang="es-ES" sz="1200" kern="1200" dirty="0">
+                <a:solidFill>
+                  <a:schemeClr val="tx1"/>
+                </a:solidFill>
+                <a:effectLst/>
+                <a:latin typeface="+mn-lt"/>
+                <a:ea typeface="+mn-ea"/>
+                <a:cs typeface="+mn-cs"/>
+              </a:rPr>
+              <a:t>En AZUL vemos las 5 variables que YA están en el protocolo GES y que el modelo validó como importantes.</a:t>
+            </a:r>
+          </a:p>
+          <a:p>
+            <a:endParaRPr lang="es-ES" sz="1200" kern="1200" dirty="0">
+              <a:solidFill>
+                <a:schemeClr val="tx1"/>
+              </a:solidFill>
+              <a:effectLst/>
+              <a:latin typeface="+mn-lt"/>
+              <a:ea typeface="+mn-ea"/>
+              <a:cs typeface="+mn-cs"/>
+            </a:endParaRPr>
+          </a:p>
+          <a:p>
+            <a:r>
+              <a:rPr lang="es-ES" sz="1200" kern="1200" dirty="0">
+                <a:solidFill>
+                  <a:schemeClr val="tx1"/>
+                </a:solidFill>
+                <a:effectLst/>
+                <a:latin typeface="+mn-lt"/>
+                <a:ea typeface="+mn-ea"/>
+                <a:cs typeface="+mn-cs"/>
+              </a:rPr>
+              <a:t>En VERDE están las 4 VARIABLES NUEVAS que el modelo identificó pero que NO están actualmente en el protocolo GES.</a:t>
+            </a:r>
+          </a:p>
+          <a:p>
+            <a:endParaRPr lang="es-ES" sz="1200" kern="1200" dirty="0">
+              <a:solidFill>
+                <a:schemeClr val="tx1"/>
+              </a:solidFill>
+              <a:effectLst/>
+              <a:latin typeface="+mn-lt"/>
+              <a:ea typeface="+mn-ea"/>
+              <a:cs typeface="+mn-cs"/>
+            </a:endParaRPr>
+          </a:p>
+          <a:p>
+            <a:r>
+              <a:rPr lang="es-ES" sz="1200" kern="1200" dirty="0">
+                <a:solidFill>
+                  <a:schemeClr val="tx1"/>
+                </a:solidFill>
+                <a:effectLst/>
+                <a:latin typeface="+mn-lt"/>
+                <a:ea typeface="+mn-ea"/>
+                <a:cs typeface="+mn-cs"/>
+              </a:rPr>
+              <a:t>Estas 4 variables adicionales - especialmente las imagenológicas como TAC y ecografía - mejoran la capacidad predictiva del modelo en 5 puntos de AUC, pasando de 0,81 a 0,86.</a:t>
+            </a:r>
+          </a:p>
+          <a:p>
+            <a:br>
+              <a:rPr lang="es-ES" sz="1200" kern="1200" dirty="0">
+                <a:solidFill>
+                  <a:schemeClr val="tx1"/>
+                </a:solidFill>
+                <a:effectLst/>
+                <a:latin typeface="+mn-lt"/>
+                <a:ea typeface="+mn-ea"/>
+                <a:cs typeface="+mn-cs"/>
+              </a:rPr>
+            </a:br>
+            <a:endParaRPr lang="es-ES" sz="1200" kern="1200" dirty="0">
+              <a:solidFill>
+                <a:schemeClr val="tx1"/>
+              </a:solidFill>
+              <a:effectLst/>
+              <a:latin typeface="+mn-lt"/>
+              <a:ea typeface="+mn-ea"/>
+              <a:cs typeface="+mn-cs"/>
+            </a:endParaRPr>
+          </a:p>
+          <a:p>
+            <a:r>
+              <a:rPr lang="es-ES" sz="1200" kern="1200" dirty="0">
+                <a:solidFill>
+                  <a:schemeClr val="tx1"/>
+                </a:solidFill>
+                <a:effectLst/>
+                <a:latin typeface="+mn-lt"/>
+                <a:ea typeface="+mn-ea"/>
+                <a:cs typeface="+mn-cs"/>
+              </a:rPr>
+              <a:t>Esto demuestra cómo el análisis de datos puede optimizar protocolos </a:t>
+            </a:r>
+          </a:p>
+          <a:p>
+            <a:r>
+              <a:rPr lang="es-ES" sz="1200" kern="1200" dirty="0">
+                <a:solidFill>
+                  <a:schemeClr val="tx1"/>
+                </a:solidFill>
+                <a:effectLst/>
+                <a:latin typeface="+mn-lt"/>
+                <a:ea typeface="+mn-ea"/>
+                <a:cs typeface="+mn-cs"/>
+              </a:rPr>
+              <a:t>clínicos existentes identificando variables relevantes que antes </a:t>
+            </a:r>
+          </a:p>
+          <a:p>
+            <a:r>
+              <a:rPr lang="es-ES" sz="1200" kern="1200" dirty="0">
+                <a:solidFill>
+                  <a:schemeClr val="tx1"/>
+                </a:solidFill>
+                <a:effectLst/>
+                <a:latin typeface="+mn-lt"/>
+                <a:ea typeface="+mn-ea"/>
+                <a:cs typeface="+mn-cs"/>
+              </a:rPr>
+              <a:t>no se consideraban.</a:t>
+            </a:r>
+          </a:p>
+          <a:p>
             <a:endParaRPr lang="es-CL" dirty="0"/>
           </a:p>
         </p:txBody>
@@ -11826,7 +12409,118 @@
           <a:bodyPr/>
           <a:lstStyle/>
           <a:p>
-            <a:endParaRPr lang="es-CL" dirty="0"/>
+            <a:r>
+              <a:rPr lang="es-ES" sz="1200" kern="1200" dirty="0">
+                <a:solidFill>
+                  <a:schemeClr val="tx1"/>
+                </a:solidFill>
+                <a:effectLst/>
+                <a:latin typeface="+mn-lt"/>
+                <a:ea typeface="+mn-ea"/>
+                <a:cs typeface="+mn-cs"/>
+              </a:rPr>
+              <a:t>En el estudio se crearon dos algoritmos: uno completo con 9 variables y otro simplificado con 7 variables.</a:t>
+            </a:r>
+          </a:p>
+          <a:p>
+            <a:endParaRPr lang="es-ES" sz="1200" kern="1200" dirty="0">
+              <a:solidFill>
+                <a:schemeClr val="tx1"/>
+              </a:solidFill>
+              <a:effectLst/>
+              <a:latin typeface="+mn-lt"/>
+              <a:ea typeface="+mn-ea"/>
+              <a:cs typeface="+mn-cs"/>
+            </a:endParaRPr>
+          </a:p>
+          <a:p>
+            <a:r>
+              <a:rPr lang="es-ES" sz="1200" kern="1200" dirty="0">
+                <a:solidFill>
+                  <a:schemeClr val="tx1"/>
+                </a:solidFill>
+                <a:effectLst/>
+                <a:latin typeface="+mn-lt"/>
+                <a:ea typeface="+mn-ea"/>
+                <a:cs typeface="+mn-cs"/>
+              </a:rPr>
+              <a:t>Los resultados muestran que el modelo completo alcanzó AUC 0,86 y el simplificado 0,81, ambos con rendimiento MUY BUENO. La diferencia es mínima: solo 5 puntos.</a:t>
+            </a:r>
+          </a:p>
+          <a:p>
+            <a:endParaRPr lang="es-ES" sz="1200" kern="1200" dirty="0">
+              <a:solidFill>
+                <a:schemeClr val="tx1"/>
+              </a:solidFill>
+              <a:effectLst/>
+              <a:latin typeface="+mn-lt"/>
+              <a:ea typeface="+mn-ea"/>
+              <a:cs typeface="+mn-cs"/>
+            </a:endParaRPr>
+          </a:p>
+          <a:p>
+            <a:r>
+              <a:rPr lang="es-ES" sz="1200" kern="1200" dirty="0">
+                <a:solidFill>
+                  <a:schemeClr val="tx1"/>
+                </a:solidFill>
+                <a:effectLst/>
+                <a:latin typeface="+mn-lt"/>
+                <a:ea typeface="+mn-ea"/>
+                <a:cs typeface="+mn-cs"/>
+              </a:rPr>
+              <a:t>Lo valioso detectado es que se puede mantener alta precisión con menos datos. Esto significa mayor eficiencia, mejor escalabilidad y más robustez para implementar en diferentes contextos.</a:t>
+            </a:r>
+          </a:p>
+          <a:p>
+            <a:endParaRPr lang="es-ES" sz="1200" kern="1200" dirty="0">
+              <a:solidFill>
+                <a:schemeClr val="tx1"/>
+              </a:solidFill>
+              <a:effectLst/>
+              <a:latin typeface="+mn-lt"/>
+              <a:ea typeface="+mn-ea"/>
+              <a:cs typeface="+mn-cs"/>
+            </a:endParaRPr>
+          </a:p>
+          <a:p>
+            <a:r>
+              <a:rPr lang="es-ES" sz="1200" kern="1200" dirty="0">
+                <a:solidFill>
+                  <a:schemeClr val="tx1"/>
+                </a:solidFill>
+                <a:effectLst/>
+                <a:latin typeface="+mn-lt"/>
+                <a:ea typeface="+mn-ea"/>
+                <a:cs typeface="+mn-cs"/>
+              </a:rPr>
+              <a:t>El estudio confirma el valor de los estudios de imagen pero también revela que el modelo simple es una alternativa práctica. La lección clave: más datos no siempre significa mejores resultados.</a:t>
+            </a:r>
+          </a:p>
+          <a:p>
+            <a:endParaRPr lang="es-ES" sz="1200" kern="1200" dirty="0">
+              <a:solidFill>
+                <a:schemeClr val="tx1"/>
+              </a:solidFill>
+              <a:effectLst/>
+              <a:latin typeface="+mn-lt"/>
+              <a:ea typeface="+mn-ea"/>
+              <a:cs typeface="+mn-cs"/>
+            </a:endParaRPr>
+          </a:p>
+          <a:p>
+            <a:r>
+              <a:rPr lang="es-ES" sz="1200" kern="1200" dirty="0">
+                <a:solidFill>
+                  <a:schemeClr val="tx1"/>
+                </a:solidFill>
+                <a:effectLst/>
+                <a:latin typeface="+mn-lt"/>
+                <a:ea typeface="+mn-ea"/>
+                <a:cs typeface="+mn-cs"/>
+              </a:rPr>
+              <a:t>En conclusión, los investigadores demostraron que la ciencia de datos puede crear herramientas diagnósticas tanto precisas como accesibles.</a:t>
+            </a:r>
           </a:p>
         </p:txBody>
       </p:sp>
@@ -12118,7 +12812,7 @@
           <a:p>
             <a:fld id="{BDD500C1-193D-466C-BA19-529CD99380B0}" type="datetime1">
               <a:rPr lang="es-CL" smtClean="0"/>
-              <a:t>17-11-2025</a:t>
+              <a:t>17-11-25</a:t>
             </a:fld>
             <a:endParaRPr lang="es-CL" dirty="0"/>
           </a:p>
@@ -12292,7 +12986,7 @@
           <a:p>
             <a:fld id="{36E3F141-C171-49B6-A38E-06F7755E5F72}" type="datetime1">
               <a:rPr lang="es-CL" smtClean="0"/>
-              <a:t>17-11-2025</a:t>
+              <a:t>17-11-25</a:t>
             </a:fld>
             <a:endParaRPr lang="es-CL" dirty="0"/>
           </a:p>
@@ -12476,7 +13170,7 @@
           <a:p>
             <a:fld id="{0D3F19D1-0FE2-426C-97DA-07152340B981}" type="datetime1">
               <a:rPr lang="es-CL" smtClean="0"/>
-              <a:t>17-11-2025</a:t>
+              <a:t>17-11-25</a:t>
             </a:fld>
             <a:endParaRPr lang="es-CL" dirty="0"/>
           </a:p>
@@ -12650,7 +13344,7 @@
           <a:p>
             <a:fld id="{43DAE21C-8755-4C47-9BC8-DA71F60B3971}" type="datetime1">
               <a:rPr lang="es-CL" smtClean="0"/>
-              <a:t>17-11-2025</a:t>
+              <a:t>17-11-25</a:t>
             </a:fld>
             <a:endParaRPr lang="es-CL" dirty="0"/>
           </a:p>
@@ -12900,7 +13594,7 @@
           <a:p>
             <a:fld id="{8E458565-2487-4F43-8934-E52A058854BE}" type="datetime1">
               <a:rPr lang="es-CL" smtClean="0"/>
-              <a:t>17-11-2025</a:t>
+              <a:t>17-11-25</a:t>
             </a:fld>
             <a:endParaRPr lang="es-CL" dirty="0"/>
           </a:p>
@@ -13136,7 +13830,7 @@
           <a:p>
             <a:fld id="{96A236D2-A8DB-4873-9CF3-122A89EE4DFB}" type="datetime1">
               <a:rPr lang="es-CL" smtClean="0"/>
-              <a:t>17-11-2025</a:t>
+              <a:t>17-11-25</a:t>
             </a:fld>
             <a:endParaRPr lang="es-CL" dirty="0"/>
           </a:p>
@@ -13507,7 +14201,7 @@
           <a:p>
             <a:fld id="{A974421A-8B2C-4E77-A0B2-02DE27D440B9}" type="datetime1">
               <a:rPr lang="es-CL" smtClean="0"/>
-              <a:t>17-11-2025</a:t>
+              <a:t>17-11-25</a:t>
             </a:fld>
             <a:endParaRPr lang="es-CL" dirty="0"/>
           </a:p>
@@ -13629,7 +14323,7 @@
           <a:p>
             <a:fld id="{B1C24CD4-A5D9-4150-A215-8F54EFF05417}" type="datetime1">
               <a:rPr lang="es-CL" smtClean="0"/>
-              <a:t>17-11-2025</a:t>
+              <a:t>17-11-25</a:t>
             </a:fld>
             <a:endParaRPr lang="es-CL" dirty="0"/>
           </a:p>
@@ -13728,7 +14422,7 @@
           <a:p>
             <a:fld id="{E6A435D1-47BD-487C-A83D-C4C768926A5F}" type="datetime1">
               <a:rPr lang="es-CL" smtClean="0"/>
-              <a:t>17-11-2025</a:t>
+              <a:t>17-11-25</a:t>
             </a:fld>
             <a:endParaRPr lang="es-CL" dirty="0"/>
           </a:p>
@@ -14009,7 +14703,7 @@
           <a:p>
             <a:fld id="{A683E110-4BCD-4DB5-9BB1-FE2F083E0D4C}" type="datetime1">
               <a:rPr lang="es-CL" smtClean="0"/>
-              <a:t>17-11-2025</a:t>
+              <a:t>17-11-25</a:t>
             </a:fld>
             <a:endParaRPr lang="es-CL" dirty="0"/>
           </a:p>
@@ -14270,7 +14964,7 @@
           <a:p>
             <a:fld id="{94CACA55-7F1D-4061-AA7B-77C3B9068DBD}" type="datetime1">
               <a:rPr lang="es-CL" smtClean="0"/>
-              <a:t>17-11-2025</a:t>
+              <a:t>17-11-25</a:t>
             </a:fld>
             <a:endParaRPr lang="es-CL" dirty="0"/>
           </a:p>
@@ -14487,7 +15181,7 @@
           <a:p>
             <a:fld id="{7361D378-4650-4D9F-A1E9-478C02A7DF05}" type="datetime1">
               <a:rPr lang="es-CL" smtClean="0"/>
-              <a:t>17-11-2025</a:t>
+              <a:t>17-11-25</a:t>
             </a:fld>
             <a:endParaRPr lang="es-CL" dirty="0"/>
           </a:p>

--- a/material/PRESENTACION/cienciadedatosaplicada_investigacion.pptx
+++ b/material/PRESENTACION/cienciadedatosaplicada_investigacion.pptx
@@ -129,6 +129,7 @@
 
 <file path=ppt/authors.xml><?xml version="1.0" encoding="utf-8"?>
 <p188:authorLst xmlns:a="http://schemas.openxmlformats.org/drawingml/2006/main" xmlns:r="http://schemas.openxmlformats.org/officeDocument/2006/relationships" xmlns:p188="http://schemas.microsoft.com/office/powerpoint/2018/8/main">
+  <p188:author id="{F2A15C7B-7AB5-002E-DEE0-35F8ACF5C063}" name="Brian Guzmán" initials="BG" userId="S::brian.guzman@grupoaspasia.com::4c4dff68-1d9c-41ff-975b-13d999780592" providerId="AD"/>
   <p188:author id="{F41D8B98-483F-74EF-7ECF-E3886A2D2BF2}" name="Eric Silva Latorre" initials="ES" userId="74806c10bc288813" providerId="Windows Live"/>
   <p188:author id="{2F7A7DD7-8D6D-E87B-E17C-620A254122A4}" name="Eric Silva" initials="ES" userId="fc2d2a4317f73617" providerId="Windows Live"/>
   <p188:author id="{FB1660F4-BA9A-82B8-C334-CF91C75A5656}" name="Ruth Marcela Espinosa Sarmiento" initials="RS" userId="S::ruth.espinosa@unab.cl::2acad1b5-36c7-4a86-bd14-a01055d811d0" providerId="AD"/>
@@ -4102,6 +4103,20 @@
       <pc:docMk/>
       <pc:sldMk cId="3985140081" sldId="2076137359"/>
     </pc:sldMkLst>
+    <p188:replyLst>
+      <p188:reply id="{A798160B-D80E-554A-840B-D46ABB81AA61}" authorId="{F2A15C7B-7AB5-002E-DEE0-35F8ACF5C063}" created="2025-11-18T01:36:27.467">
+        <p188:txBody>
+          <a:bodyPr/>
+          <a:lstStyle/>
+          <a:p>
+            <a:r>
+              <a:rPr lang="es-ES"/>
+              <a:t>Eric</a:t>
+            </a:r>
+          </a:p>
+        </p188:txBody>
+      </p188:reply>
+    </p188:replyLst>
     <p188:txBody>
       <a:bodyPr/>
       <a:lstStyle/>
@@ -4126,6 +4141,20 @@
       <pc:docMk/>
       <pc:sldMk cId="2222251790" sldId="2076137361"/>
     </pc:sldMkLst>
+    <p188:replyLst>
+      <p188:reply id="{33B78B20-D7D5-2C49-A2F9-AF5B4282C291}" authorId="{F2A15C7B-7AB5-002E-DEE0-35F8ACF5C063}" created="2025-11-18T01:36:50.704">
+        <p188:txBody>
+          <a:bodyPr/>
+          <a:lstStyle/>
+          <a:p>
+            <a:r>
+              <a:rPr lang="es-ES"/>
+              <a:t>Brian</a:t>
+            </a:r>
+          </a:p>
+        </p188:txBody>
+      </p188:reply>
+    </p188:replyLst>
     <p188:txBody>
       <a:bodyPr/>
       <a:lstStyle/>
@@ -4151,6 +4180,20 @@
       <pc:docMk/>
       <pc:sldMk cId="4135017524" sldId="2076137362"/>
     </pc:sldMkLst>
+    <p188:replyLst>
+      <p188:reply id="{488A4693-908C-6340-AE7D-C0E0E90BF58E}" authorId="{F2A15C7B-7AB5-002E-DEE0-35F8ACF5C063}" created="2025-11-18T01:37:04.568">
+        <p188:txBody>
+          <a:bodyPr/>
+          <a:lstStyle/>
+          <a:p>
+            <a:r>
+              <a:rPr lang="es-ES"/>
+              <a:t>Eric</a:t>
+            </a:r>
+          </a:p>
+        </p188:txBody>
+      </p188:reply>
+    </p188:replyLst>
     <p188:txBody>
       <a:bodyPr/>
       <a:lstStyle/>
@@ -4174,6 +4217,20 @@
       <pc:docMk/>
       <pc:sldMk cId="3839400419" sldId="2076137365"/>
     </pc:sldMkLst>
+    <p188:replyLst>
+      <p188:reply id="{8AA46C8B-2E60-F442-B38C-C1208E7E77A3}" authorId="{F2A15C7B-7AB5-002E-DEE0-35F8ACF5C063}" created="2025-11-18T01:36:43.843">
+        <p188:txBody>
+          <a:bodyPr/>
+          <a:lstStyle/>
+          <a:p>
+            <a:r>
+              <a:rPr lang="es-ES"/>
+              <a:t>Eric</a:t>
+            </a:r>
+          </a:p>
+        </p188:txBody>
+      </p188:reply>
+    </p188:replyLst>
     <p188:txBody>
       <a:bodyPr/>
       <a:lstStyle/>
@@ -4196,6 +4253,20 @@
       <pc:sldMk xmlns:pc="http://schemas.microsoft.com/office/powerpoint/2013/main/command" cId="3986235982" sldId="2076137366"/>
       <ac:spMk id="5" creationId="{DA79A54B-4E4B-1859-3196-338F21D316A1}"/>
     </ac:deMkLst>
+    <p188:replyLst>
+      <p188:reply id="{A75F4429-9A6E-0643-96BB-C9DE9498674C}" authorId="{F2A15C7B-7AB5-002E-DEE0-35F8ACF5C063}" created="2025-11-18T01:36:39.254">
+        <p188:txBody>
+          <a:bodyPr/>
+          <a:lstStyle/>
+          <a:p>
+            <a:r>
+              <a:rPr lang="es-ES"/>
+              <a:t>Brian</a:t>
+            </a:r>
+          </a:p>
+        </p188:txBody>
+      </p188:reply>
+    </p188:replyLst>
     <p188:txBody>
       <a:bodyPr/>
       <a:lstStyle/>
@@ -4218,6 +4289,20 @@
       <pc:docMk/>
       <pc:sldMk cId="4070167291" sldId="2076137368"/>
     </pc:sldMkLst>
+    <p188:replyLst>
+      <p188:reply id="{BF380FBC-142E-D048-B938-2A98DA164D11}" authorId="{F2A15C7B-7AB5-002E-DEE0-35F8ACF5C063}" created="2025-11-18T01:37:10.055">
+        <p188:txBody>
+          <a:bodyPr/>
+          <a:lstStyle/>
+          <a:p>
+            <a:r>
+              <a:rPr lang="es-ES"/>
+              <a:t>Brian</a:t>
+            </a:r>
+          </a:p>
+        </p188:txBody>
+      </p188:reply>
+    </p188:replyLst>
     <p188:txBody>
       <a:bodyPr/>
       <a:lstStyle/>
@@ -4249,6 +4334,27 @@
 </p188:cmLst>
 </file>
 
+<file path=ppt/comments/modernComment_7BBF5799_4AACE29B.xml><?xml version="1.0" encoding="utf-8"?>
+<p188:cmLst xmlns:a="http://schemas.openxmlformats.org/drawingml/2006/main" xmlns:r="http://schemas.openxmlformats.org/officeDocument/2006/relationships" xmlns:p188="http://schemas.microsoft.com/office/powerpoint/2018/8/main">
+  <p188:cm id="{C6680D3A-6D65-5B47-98B2-582C944BCC8A}" authorId="{F2A15C7B-7AB5-002E-DEE0-35F8ACF5C063}" created="2025-11-18T01:37:32.496">
+    <pc:sldMkLst xmlns:pc="http://schemas.microsoft.com/office/powerpoint/2013/main/command">
+      <pc:docMk/>
+      <pc:sldMk cId="1252844187" sldId="2076137369"/>
+    </pc:sldMkLst>
+    <p188:txBody>
+      <a:bodyPr/>
+      <a:lstStyle/>
+      <a:p>
+        <a:r>
+          <a:rPr lang="es-ES"/>
+          <a:t>ERic</a:t>
+        </a:r>
+      </a:p>
+    </p188:txBody>
+  </p188:cm>
+</p188:cmLst>
+</file>
+
 <file path=ppt/comments/modernComment_7BBF579A_42C758FB.xml><?xml version="1.0" encoding="utf-8"?>
 <p188:cmLst xmlns:a="http://schemas.openxmlformats.org/drawingml/2006/main" xmlns:r="http://schemas.openxmlformats.org/officeDocument/2006/relationships" xmlns:p188="http://schemas.microsoft.com/office/powerpoint/2018/8/main">
   <p188:cm id="{E44B3A08-7D50-40EE-875A-20B339FC5789}" authorId="{F41D8B98-483F-74EF-7ECF-E3886A2D2BF2}" created="2025-11-17T23:32:23.794">
@@ -4256,6 +4362,20 @@
       <pc:docMk/>
       <pc:sldMk cId="1120360699" sldId="2076137370"/>
     </pc:sldMkLst>
+    <p188:replyLst>
+      <p188:reply id="{CBEDE3C1-9AFF-A04E-9F50-6CB4D96DA562}" authorId="{F2A15C7B-7AB5-002E-DEE0-35F8ACF5C063}" created="2025-11-18T01:37:52.183">
+        <p188:txBody>
+          <a:bodyPr/>
+          <a:lstStyle/>
+          <a:p>
+            <a:r>
+              <a:rPr lang="es-ES"/>
+              <a:t>Brian</a:t>
+            </a:r>
+          </a:p>
+        </p188:txBody>
+      </p188:reply>
+    </p188:replyLst>
     <p188:txBody>
       <a:bodyPr/>
       <a:lstStyle/>
@@ -4280,6 +4400,20 @@
       <pc:docMk/>
       <pc:sldMk cId="1384298657" sldId="2076137371"/>
     </pc:sldMkLst>
+    <p188:replyLst>
+      <p188:reply id="{C3C9A708-CE90-7D4F-AA1D-23E9CB39D148}" authorId="{F2A15C7B-7AB5-002E-DEE0-35F8ACF5C063}" created="2025-11-18T01:37:14.410">
+        <p188:txBody>
+          <a:bodyPr/>
+          <a:lstStyle/>
+          <a:p>
+            <a:r>
+              <a:rPr lang="es-ES"/>
+              <a:t>Eric</a:t>
+            </a:r>
+          </a:p>
+        </p188:txBody>
+      </p188:reply>
+    </p188:replyLst>
     <p188:txBody>
       <a:bodyPr/>
       <a:lstStyle/>
@@ -4305,6 +4439,20 @@
       <pc:docMk/>
       <pc:sldMk cId="3941297030" sldId="2076137372"/>
     </pc:sldMkLst>
+    <p188:replyLst>
+      <p188:reply id="{4EBDB245-CB4D-FE47-95D3-CBB46666A40A}" authorId="{F2A15C7B-7AB5-002E-DEE0-35F8ACF5C063}" created="2025-11-18T01:37:20.067">
+        <p188:txBody>
+          <a:bodyPr/>
+          <a:lstStyle/>
+          <a:p>
+            <a:r>
+              <a:rPr lang="es-ES"/>
+              <a:t>Brian</a:t>
+            </a:r>
+          </a:p>
+        </p188:txBody>
+      </p188:reply>
+    </p188:replyLst>
     <p188:txBody>
       <a:bodyPr/>
       <a:lstStyle/>
@@ -10815,6 +10963,62 @@
           <a:bodyPr/>
           <a:lstStyle/>
           <a:p>
+            <a:r>
+              <a:rPr lang="es-ES" sz="1200" kern="1200" dirty="0">
+                <a:solidFill>
+                  <a:schemeClr val="tx1"/>
+                </a:solidFill>
+                <a:effectLst/>
+                <a:latin typeface="+mn-lt"/>
+                <a:ea typeface="+mn-ea"/>
+                <a:cs typeface="+mn-cs"/>
+              </a:rPr>
+              <a:t>1.- En este estudio se descubrieron dos cosas importantes: primero, hay 4 variables que deberían estar en el protocolo pero no lo están. </a:t>
+            </a:r>
+          </a:p>
+          <a:p>
+            <a:r>
+              <a:rPr lang="es-ES" sz="1200" kern="1200" dirty="0">
+                <a:solidFill>
+                  <a:schemeClr val="tx1"/>
+                </a:solidFill>
+                <a:effectLst/>
+                <a:latin typeface="+mn-lt"/>
+                <a:ea typeface="+mn-ea"/>
+                <a:cs typeface="+mn-cs"/>
+              </a:rPr>
+              <a:t>2.- Hay 7 variables que no aportan valor predictivo, algunas de las cuales actualmente se están usando. </a:t>
+            </a:r>
+          </a:p>
+          <a:p>
+            <a:r>
+              <a:rPr lang="es-ES" sz="1200" kern="1200" dirty="0">
+                <a:solidFill>
+                  <a:schemeClr val="tx1"/>
+                </a:solidFill>
+                <a:effectLst/>
+                <a:latin typeface="+mn-lt"/>
+                <a:ea typeface="+mn-ea"/>
+                <a:cs typeface="+mn-cs"/>
+              </a:rPr>
+              <a:t>3.- Se mejora la capacidad de predicción del modelo en casi 20%</a:t>
+            </a:r>
+          </a:p>
+          <a:p>
+            <a:r>
+              <a:rPr lang="es-ES" sz="1200" kern="1200" dirty="0">
+                <a:solidFill>
+                  <a:schemeClr val="tx1"/>
+                </a:solidFill>
+                <a:effectLst/>
+                <a:latin typeface="+mn-lt"/>
+                <a:ea typeface="+mn-ea"/>
+                <a:cs typeface="+mn-cs"/>
+              </a:rPr>
+              <a:t>4.- Se cumplen 4 etapas del ciclo de ciencia de datos: problema de negocio, datos y preparación, modelamiento y Evaluación. </a:t>
+            </a:r>
+          </a:p>
+          <a:p>
             <a:endParaRPr lang="es-CL" dirty="0"/>
           </a:p>
         </p:txBody>
@@ -12635,7 +12839,93 @@
           <a:bodyPr/>
           <a:lstStyle/>
           <a:p>
-            <a:endParaRPr lang="es-CL" dirty="0"/>
+            <a:r>
+              <a:rPr lang="es-ES" sz="1200" kern="1200" dirty="0">
+                <a:solidFill>
+                  <a:schemeClr val="tx1"/>
+                </a:solidFill>
+                <a:effectLst/>
+                <a:latin typeface="+mn-lt"/>
+                <a:ea typeface="+mn-ea"/>
+                <a:cs typeface="+mn-cs"/>
+              </a:rPr>
+              <a:t>La realidad es alarmante: 87% de pacientes NO son diagnosticados oportunamente. De los casos detectados, 67% llegan en estadios avanzados cuando ya es tarde.</a:t>
+            </a:r>
+          </a:p>
+          <a:p>
+            <a:endParaRPr lang="es-ES" sz="1200" kern="1200" dirty="0">
+              <a:solidFill>
+                <a:schemeClr val="tx1"/>
+              </a:solidFill>
+              <a:effectLst/>
+              <a:latin typeface="+mn-lt"/>
+              <a:ea typeface="+mn-ea"/>
+              <a:cs typeface="+mn-cs"/>
+            </a:endParaRPr>
+          </a:p>
+          <a:p>
+            <a:r>
+              <a:rPr lang="es-ES" sz="1200" kern="1200" dirty="0">
+                <a:solidFill>
+                  <a:schemeClr val="tx1"/>
+                </a:solidFill>
+                <a:effectLst/>
+                <a:latin typeface="+mn-lt"/>
+                <a:ea typeface="+mn-ea"/>
+                <a:cs typeface="+mn-cs"/>
+              </a:rPr>
+              <a:t>El impacto es devastador. Supervivencia a 5 años: 90% si se detecta temprano versus solo 14% en estadio metastásico. La detección temprana multiplica por 6 las probabilidades de vivir.</a:t>
+            </a:r>
+          </a:p>
+          <a:p>
+            <a:endParaRPr lang="es-ES" sz="1200" kern="1200" dirty="0">
+              <a:solidFill>
+                <a:schemeClr val="tx1"/>
+              </a:solidFill>
+              <a:effectLst/>
+              <a:latin typeface="+mn-lt"/>
+              <a:ea typeface="+mn-ea"/>
+              <a:cs typeface="+mn-cs"/>
+            </a:endParaRPr>
+          </a:p>
+          <a:p>
+            <a:r>
+              <a:rPr lang="es-ES" sz="1200" kern="1200" dirty="0">
+                <a:solidFill>
+                  <a:schemeClr val="tx1"/>
+                </a:solidFill>
+                <a:effectLst/>
+                <a:latin typeface="+mn-lt"/>
+                <a:ea typeface="+mn-ea"/>
+                <a:cs typeface="+mn-cs"/>
+              </a:rPr>
+              <a:t>Dos de cada tres pacientes pierden la oportunidad de un tratamiento efectivo por diagnóstico tardío. Aquí es donde los algoritmos predictivos que vimos anteriormente se vuelven cruciales: pueden cambiar esta estadística detectando la enfermedad antes de que sea demasiado tarde.</a:t>
+            </a:r>
+          </a:p>
+          <a:p>
+            <a:endParaRPr lang="es-ES" sz="1200" kern="1200" dirty="0">
+              <a:solidFill>
+                <a:schemeClr val="tx1"/>
+              </a:solidFill>
+              <a:effectLst/>
+              <a:latin typeface="+mn-lt"/>
+              <a:ea typeface="+mn-ea"/>
+              <a:cs typeface="+mn-cs"/>
+            </a:endParaRPr>
+          </a:p>
+          <a:p>
+            <a:r>
+              <a:rPr lang="es-ES" sz="1200" kern="1200" dirty="0">
+                <a:solidFill>
+                  <a:schemeClr val="tx1"/>
+                </a:solidFill>
+                <a:effectLst/>
+                <a:latin typeface="+mn-lt"/>
+                <a:ea typeface="+mn-ea"/>
+                <a:cs typeface="+mn-cs"/>
+              </a:rPr>
+              <a:t>La ciencia de datos no es solo tecnología - también puede marcar la diferencia entre poder salvar más vidas. Si mejoramos la detección temprana por supuesto.</a:t>
+            </a:r>
           </a:p>
         </p:txBody>
       </p:sp>
@@ -16061,8 +16351,8 @@
         </p:nvSpPr>
         <p:spPr>
           <a:xfrm>
-            <a:off x="9091905" y="5364692"/>
-            <a:ext cx="1856598" cy="646331"/>
+            <a:off x="9250931" y="5220198"/>
+            <a:ext cx="1854995" cy="923330"/>
           </a:xfrm>
           <a:prstGeom prst="rect">
             <a:avLst/>
@@ -16074,6 +16364,27 @@
             <a:spAutoFit/>
           </a:bodyPr>
           <a:lstStyle/>
+          <a:p>
+            <a:r>
+              <a:rPr lang="es-CL" b="1" dirty="0">
+                <a:solidFill>
+                  <a:srgbClr val="FFFFFF"/>
+                </a:solidFill>
+                <a:latin typeface="Montserrat" pitchFamily="2" charset="77"/>
+                <a:ea typeface="+mj-ea"/>
+                <a:cs typeface="Calibri Light"/>
+              </a:rPr>
+              <a:t>Estudiantes</a:t>
+            </a:r>
+            <a:endParaRPr lang="es-CL" dirty="0">
+              <a:solidFill>
+                <a:srgbClr val="FFFFFF"/>
+              </a:solidFill>
+              <a:latin typeface="Montserrat" pitchFamily="2" charset="77"/>
+              <a:ea typeface="+mj-ea"/>
+              <a:cs typeface="Calibri Light"/>
+            </a:endParaRPr>
+          </a:p>
           <a:p>
             <a:r>
               <a:rPr lang="es-CL" dirty="0">
@@ -16157,6 +16468,70 @@
               <a:t>MSI600 - INTRODUCCIÓN CIENCIA DE DATOS</a:t>
             </a:r>
             <a:endParaRPr lang="es-CL" dirty="0"/>
+          </a:p>
+        </p:txBody>
+      </p:sp>
+      <p:sp>
+        <p:nvSpPr>
+          <p:cNvPr id="3" name="CuadroTexto 2">
+            <a:extLst>
+              <a:ext uri="{FF2B5EF4-FFF2-40B4-BE49-F238E27FC236}">
+                <a16:creationId xmlns:a16="http://schemas.microsoft.com/office/drawing/2014/main" id="{F5FCDBBE-ED5A-1E80-0BF4-2385220162AB}"/>
+              </a:ext>
+            </a:extLst>
+          </p:cNvPr>
+          <p:cNvSpPr txBox="1"/>
+          <p:nvPr/>
+        </p:nvSpPr>
+        <p:spPr>
+          <a:xfrm>
+            <a:off x="755374" y="5220198"/>
+            <a:ext cx="4269117" cy="1200329"/>
+          </a:xfrm>
+          <a:prstGeom prst="rect">
+            <a:avLst/>
+          </a:prstGeom>
+          <a:noFill/>
+        </p:spPr>
+        <p:txBody>
+          <a:bodyPr wrap="none" rtlCol="0">
+            <a:spAutoFit/>
+          </a:bodyPr>
+          <a:lstStyle>
+            <a:defPPr>
+              <a:defRPr lang="en-US"/>
+            </a:defPPr>
+            <a:lvl1pPr>
+              <a:defRPr b="1">
+                <a:solidFill>
+                  <a:srgbClr val="FFFFFF"/>
+                </a:solidFill>
+                <a:latin typeface="Montserrat" pitchFamily="2" charset="77"/>
+                <a:ea typeface="+mj-ea"/>
+                <a:cs typeface="Calibri Light"/>
+              </a:defRPr>
+            </a:lvl1pPr>
+          </a:lstStyle>
+          <a:p>
+            <a:r>
+              <a:rPr lang="es-ES" dirty="0"/>
+              <a:t>Profesores:</a:t>
+            </a:r>
+          </a:p>
+          <a:p>
+            <a:r>
+              <a:rPr lang="es-ES" b="0" dirty="0"/>
+              <a:t>Jean Paul Maidana González, PhD</a:t>
+            </a:r>
+          </a:p>
+          <a:p>
+            <a:r>
+              <a:rPr lang="es-ES" b="0" dirty="0"/>
+              <a:t>David Araya Gálvez, PhD</a:t>
+            </a:r>
+          </a:p>
+          <a:p>
+            <a:endParaRPr lang="es-ES" dirty="0"/>
           </a:p>
         </p:txBody>
       </p:sp>
@@ -16294,7 +16669,7 @@
           <p:nvPr/>
         </p:nvPicPr>
         <p:blipFill>
-          <a:blip r:embed="rId3">
+          <a:blip r:embed="rId4">
             <a:extLst>
               <a:ext uri="{28A0092B-C50C-407E-A947-70E740481C1C}">
                 <a14:useLocalDpi xmlns:a14="http://schemas.microsoft.com/office/drawing/2010/main" val="0"/>
@@ -17084,6 +17459,11 @@
   <p:clrMapOvr>
     <a:masterClrMapping/>
   </p:clrMapOvr>
+  <p:extLst>
+    <p:ext uri="{6950BFC3-D8DA-4A85-94F7-54DA5524770B}">
+      <p188:commentRel xmlns:p188="http://schemas.microsoft.com/office/powerpoint/2018/8/main" r:id="rId3"/>
+    </p:ext>
+  </p:extLst>
 </p:sld>
 </file>
 
@@ -24011,7 +24391,7 @@
           <p:nvPr>
             <p:extLst>
               <p:ext uri="{D42A27DB-BD31-4B8C-83A1-F6EECF244321}">
-                <p14:modId xmlns:p14="http://schemas.microsoft.com/office/powerpoint/2010/main" val="3061990940"/>
+                <p14:modId xmlns:p14="http://schemas.microsoft.com/office/powerpoint/2010/main" val="3747695662"/>
               </p:ext>
             </p:extLst>
           </p:nvPr>
